--- a/11-Final-Project/Presentation.pptx
+++ b/11-Final-Project/Presentation.pptx
@@ -2,17 +2,15 @@
 <file path=ppt/presentation.xml><?xml version="1.0" encoding="utf-8"?>
 <p:presentation xmlns:a="http://schemas.openxmlformats.org/drawingml/2006/main" xmlns:r="http://schemas.openxmlformats.org/officeDocument/2006/relationships" xmlns:p="http://schemas.openxmlformats.org/presentationml/2006/main" saveSubsetFonts="1" autoCompressPictures="0">
   <p:sldMasterIdLst>
-    <p:sldMasterId id="2147483648" r:id="rId1"/>
+    <p:sldMasterId id="2147483660" r:id="rId1"/>
   </p:sldMasterIdLst>
   <p:sldIdLst>
     <p:sldId id="256" r:id="rId2"/>
     <p:sldId id="257" r:id="rId3"/>
     <p:sldId id="258" r:id="rId4"/>
     <p:sldId id="260" r:id="rId5"/>
-    <p:sldId id="263" r:id="rId6"/>
-    <p:sldId id="261" r:id="rId7"/>
-    <p:sldId id="264" r:id="rId8"/>
-    <p:sldId id="262" r:id="rId9"/>
+    <p:sldId id="261" r:id="rId6"/>
+    <p:sldId id="264" r:id="rId7"/>
   </p:sldIdLst>
   <p:sldSz cx="12192000" cy="6858000"/>
   <p:notesSz cx="6858000" cy="9144000"/>
@@ -20,7 +18,7 @@
     <a:defPPr>
       <a:defRPr lang="en-US"/>
     </a:defPPr>
-    <a:lvl1pPr marL="0" algn="l" defTabSz="914400" rtl="0" eaLnBrk="1" latinLnBrk="0" hangingPunct="1">
+    <a:lvl1pPr marL="0" algn="l" defTabSz="457200" rtl="0" eaLnBrk="1" latinLnBrk="0" hangingPunct="1">
       <a:defRPr sz="1800" kern="1200">
         <a:solidFill>
           <a:schemeClr val="tx1"/>
@@ -30,7 +28,7 @@
         <a:cs typeface="+mn-cs"/>
       </a:defRPr>
     </a:lvl1pPr>
-    <a:lvl2pPr marL="457200" algn="l" defTabSz="914400" rtl="0" eaLnBrk="1" latinLnBrk="0" hangingPunct="1">
+    <a:lvl2pPr marL="457200" algn="l" defTabSz="457200" rtl="0" eaLnBrk="1" latinLnBrk="0" hangingPunct="1">
       <a:defRPr sz="1800" kern="1200">
         <a:solidFill>
           <a:schemeClr val="tx1"/>
@@ -40,7 +38,7 @@
         <a:cs typeface="+mn-cs"/>
       </a:defRPr>
     </a:lvl2pPr>
-    <a:lvl3pPr marL="914400" algn="l" defTabSz="914400" rtl="0" eaLnBrk="1" latinLnBrk="0" hangingPunct="1">
+    <a:lvl3pPr marL="914400" algn="l" defTabSz="457200" rtl="0" eaLnBrk="1" latinLnBrk="0" hangingPunct="1">
       <a:defRPr sz="1800" kern="1200">
         <a:solidFill>
           <a:schemeClr val="tx1"/>
@@ -50,7 +48,7 @@
         <a:cs typeface="+mn-cs"/>
       </a:defRPr>
     </a:lvl3pPr>
-    <a:lvl4pPr marL="1371600" algn="l" defTabSz="914400" rtl="0" eaLnBrk="1" latinLnBrk="0" hangingPunct="1">
+    <a:lvl4pPr marL="1371600" algn="l" defTabSz="457200" rtl="0" eaLnBrk="1" latinLnBrk="0" hangingPunct="1">
       <a:defRPr sz="1800" kern="1200">
         <a:solidFill>
           <a:schemeClr val="tx1"/>
@@ -60,7 +58,7 @@
         <a:cs typeface="+mn-cs"/>
       </a:defRPr>
     </a:lvl4pPr>
-    <a:lvl5pPr marL="1828800" algn="l" defTabSz="914400" rtl="0" eaLnBrk="1" latinLnBrk="0" hangingPunct="1">
+    <a:lvl5pPr marL="1828800" algn="l" defTabSz="457200" rtl="0" eaLnBrk="1" latinLnBrk="0" hangingPunct="1">
       <a:defRPr sz="1800" kern="1200">
         <a:solidFill>
           <a:schemeClr val="tx1"/>
@@ -70,7 +68,7 @@
         <a:cs typeface="+mn-cs"/>
       </a:defRPr>
     </a:lvl5pPr>
-    <a:lvl6pPr marL="2286000" algn="l" defTabSz="914400" rtl="0" eaLnBrk="1" latinLnBrk="0" hangingPunct="1">
+    <a:lvl6pPr marL="2286000" algn="l" defTabSz="457200" rtl="0" eaLnBrk="1" latinLnBrk="0" hangingPunct="1">
       <a:defRPr sz="1800" kern="1200">
         <a:solidFill>
           <a:schemeClr val="tx1"/>
@@ -80,7 +78,7 @@
         <a:cs typeface="+mn-cs"/>
       </a:defRPr>
     </a:lvl6pPr>
-    <a:lvl7pPr marL="2743200" algn="l" defTabSz="914400" rtl="0" eaLnBrk="1" latinLnBrk="0" hangingPunct="1">
+    <a:lvl7pPr marL="2743200" algn="l" defTabSz="457200" rtl="0" eaLnBrk="1" latinLnBrk="0" hangingPunct="1">
       <a:defRPr sz="1800" kern="1200">
         <a:solidFill>
           <a:schemeClr val="tx1"/>
@@ -90,7 +88,7 @@
         <a:cs typeface="+mn-cs"/>
       </a:defRPr>
     </a:lvl7pPr>
-    <a:lvl8pPr marL="3200400" algn="l" defTabSz="914400" rtl="0" eaLnBrk="1" latinLnBrk="0" hangingPunct="1">
+    <a:lvl8pPr marL="3200400" algn="l" defTabSz="457200" rtl="0" eaLnBrk="1" latinLnBrk="0" hangingPunct="1">
       <a:defRPr sz="1800" kern="1200">
         <a:solidFill>
           <a:schemeClr val="tx1"/>
@@ -100,7 +98,7 @@
         <a:cs typeface="+mn-cs"/>
       </a:defRPr>
     </a:lvl8pPr>
-    <a:lvl9pPr marL="3657600" algn="l" defTabSz="914400" rtl="0" eaLnBrk="1" latinLnBrk="0" hangingPunct="1">
+    <a:lvl9pPr marL="3657600" algn="l" defTabSz="457200" rtl="0" eaLnBrk="1" latinLnBrk="0" hangingPunct="1">
       <a:defRPr sz="1800" kern="1200">
         <a:solidFill>
           <a:schemeClr val="tx1"/>
@@ -111,13 +109,18 @@
       </a:defRPr>
     </a:lvl9pPr>
   </p:defaultTextStyle>
+  <p:extLst>
+    <p:ext uri="{EFAFB233-063F-42B5-8137-9DF3F51BA10A}">
+      <p15:sldGuideLst xmlns:p15="http://schemas.microsoft.com/office/powerpoint/2012/main"/>
+    </p:ext>
+  </p:extLst>
 </p:presentation>
 </file>
 
 <file path=ppt/revisionInfo.xml><?xml version="1.0" encoding="utf-8"?>
 <p1510:revInfo xmlns:a="http://schemas.openxmlformats.org/drawingml/2006/main" xmlns:r="http://schemas.openxmlformats.org/officeDocument/2006/relationships" xmlns:p1510="http://schemas.microsoft.com/office/powerpoint/2015/10/main">
   <p1510:revLst>
-    <p1510:client id="{1FCEA006-9FDC-AF40-A671-6CA395609115}" v="1" dt="2021-12-10T11:19:11.098"/>
+    <p1510:client id="{1FCEA006-9FDC-AF40-A671-6CA395609115}" v="73" dt="2021-12-17T11:07:40.231"/>
   </p1510:revLst>
 </p1510:revInfo>
 </file>
@@ -126,19 +129,19 @@
 <pc:chgInfo xmlns:a="http://schemas.openxmlformats.org/drawingml/2006/main" xmlns:r="http://schemas.openxmlformats.org/officeDocument/2006/relationships" xmlns:ac="http://schemas.microsoft.com/office/drawing/2013/main/command" xmlns:pc="http://schemas.microsoft.com/office/powerpoint/2013/main/command">
   <pc:docChgLst>
     <pc:chgData name="brunno soares" userId="c43810eba78802c5" providerId="LiveId" clId="{1FCEA006-9FDC-AF40-A671-6CA395609115}"/>
-    <pc:docChg chg="undo custSel addSld delSld modSld sldOrd">
-      <pc:chgData name="brunno soares" userId="c43810eba78802c5" providerId="LiveId" clId="{1FCEA006-9FDC-AF40-A671-6CA395609115}" dt="2021-12-10T11:29:37.294" v="1489" actId="20577"/>
+    <pc:docChg chg="undo redo custSel addSld delSld modSld sldOrd modMainMaster">
+      <pc:chgData name="brunno soares" userId="c43810eba78802c5" providerId="LiveId" clId="{1FCEA006-9FDC-AF40-A671-6CA395609115}" dt="2021-12-17T12:29:53.681" v="2643" actId="3626"/>
       <pc:docMkLst>
         <pc:docMk/>
       </pc:docMkLst>
-      <pc:sldChg chg="modSp mod">
-        <pc:chgData name="brunno soares" userId="c43810eba78802c5" providerId="LiveId" clId="{1FCEA006-9FDC-AF40-A671-6CA395609115}" dt="2021-12-10T11:26:09.837" v="1309" actId="20577"/>
+      <pc:sldChg chg="addSp delSp modSp mod modMedia setBg delAnim setClrOvrMap delDesignElem">
+        <pc:chgData name="brunno soares" userId="c43810eba78802c5" providerId="LiveId" clId="{1FCEA006-9FDC-AF40-A671-6CA395609115}" dt="2021-12-17T10:26:14.871" v="2584" actId="1076"/>
         <pc:sldMkLst>
           <pc:docMk/>
           <pc:sldMk cId="936330720" sldId="256"/>
         </pc:sldMkLst>
         <pc:spChg chg="mod">
-          <ac:chgData name="brunno soares" userId="c43810eba78802c5" providerId="LiveId" clId="{1FCEA006-9FDC-AF40-A671-6CA395609115}" dt="2021-12-10T11:26:09.837" v="1309" actId="20577"/>
+          <ac:chgData name="brunno soares" userId="c43810eba78802c5" providerId="LiveId" clId="{1FCEA006-9FDC-AF40-A671-6CA395609115}" dt="2021-12-17T10:25:19.218" v="2558" actId="404"/>
           <ac:spMkLst>
             <pc:docMk/>
             <pc:sldMk cId="936330720" sldId="256"/>
@@ -146,49 +149,177 @@
           </ac:spMkLst>
         </pc:spChg>
         <pc:spChg chg="mod">
-          <ac:chgData name="brunno soares" userId="c43810eba78802c5" providerId="LiveId" clId="{1FCEA006-9FDC-AF40-A671-6CA395609115}" dt="2021-12-10T11:07:56.282" v="43" actId="27636"/>
+          <ac:chgData name="brunno soares" userId="c43810eba78802c5" providerId="LiveId" clId="{1FCEA006-9FDC-AF40-A671-6CA395609115}" dt="2021-12-17T10:26:14.871" v="2584" actId="1076"/>
           <ac:spMkLst>
             <pc:docMk/>
             <pc:sldMk cId="936330720" sldId="256"/>
             <ac:spMk id="3" creationId="{5C572820-B5A7-5C47-94F8-3F196369C82D}"/>
           </ac:spMkLst>
         </pc:spChg>
+        <pc:spChg chg="add del">
+          <ac:chgData name="brunno soares" userId="c43810eba78802c5" providerId="LiveId" clId="{1FCEA006-9FDC-AF40-A671-6CA395609115}" dt="2021-12-17T10:08:18.106" v="2434" actId="26606"/>
+          <ac:spMkLst>
+            <pc:docMk/>
+            <pc:sldMk cId="936330720" sldId="256"/>
+            <ac:spMk id="9" creationId="{C1DD1A8A-57D5-4A81-AD04-532B043C5611}"/>
+          </ac:spMkLst>
+        </pc:spChg>
+        <pc:spChg chg="add del">
+          <ac:chgData name="brunno soares" userId="c43810eba78802c5" providerId="LiveId" clId="{1FCEA006-9FDC-AF40-A671-6CA395609115}" dt="2021-12-17T10:08:18.106" v="2434" actId="26606"/>
+          <ac:spMkLst>
+            <pc:docMk/>
+            <pc:sldMk cId="936330720" sldId="256"/>
+            <ac:spMk id="11" creationId="{007891EC-4501-44ED-A8C8-B11B6DB767AB}"/>
+          </ac:spMkLst>
+        </pc:spChg>
+        <pc:spChg chg="add del">
+          <ac:chgData name="brunno soares" userId="c43810eba78802c5" providerId="LiveId" clId="{1FCEA006-9FDC-AF40-A671-6CA395609115}" dt="2021-12-17T10:08:21.261" v="2436" actId="26606"/>
+          <ac:spMkLst>
+            <pc:docMk/>
+            <pc:sldMk cId="936330720" sldId="256"/>
+            <ac:spMk id="13" creationId="{71B2258F-86CA-4D4D-8270-BC05FCDEBFB3}"/>
+          </ac:spMkLst>
+        </pc:spChg>
+        <pc:spChg chg="add del">
+          <ac:chgData name="brunno soares" userId="c43810eba78802c5" providerId="LiveId" clId="{1FCEA006-9FDC-AF40-A671-6CA395609115}" dt="2021-12-17T10:14:34.975" v="2453"/>
+          <ac:spMkLst>
+            <pc:docMk/>
+            <pc:sldMk cId="936330720" sldId="256"/>
+            <ac:spMk id="16" creationId="{71B2258F-86CA-4D4D-8270-BC05FCDEBFB3}"/>
+          </ac:spMkLst>
+        </pc:spChg>
+        <pc:picChg chg="add del mod">
+          <ac:chgData name="brunno soares" userId="c43810eba78802c5" providerId="LiveId" clId="{1FCEA006-9FDC-AF40-A671-6CA395609115}" dt="2021-12-17T10:08:18.106" v="2434" actId="26606"/>
+          <ac:picMkLst>
+            <pc:docMk/>
+            <pc:sldMk cId="936330720" sldId="256"/>
+            <ac:picMk id="5" creationId="{0F5EA4E8-0BCD-4102-81B3-C21AC5A490ED}"/>
+          </ac:picMkLst>
+        </pc:picChg>
+        <pc:picChg chg="add del">
+          <ac:chgData name="brunno soares" userId="c43810eba78802c5" providerId="LiveId" clId="{1FCEA006-9FDC-AF40-A671-6CA395609115}" dt="2021-12-17T10:08:21.261" v="2436" actId="26606"/>
+          <ac:picMkLst>
+            <pc:docMk/>
+            <pc:sldMk cId="936330720" sldId="256"/>
+            <ac:picMk id="14" creationId="{CE3C1BDE-EAF0-477F-897A-6445AE8E11C1}"/>
+          </ac:picMkLst>
+        </pc:picChg>
+        <pc:picChg chg="add mod">
+          <ac:chgData name="brunno soares" userId="c43810eba78802c5" providerId="LiveId" clId="{1FCEA006-9FDC-AF40-A671-6CA395609115}" dt="2021-12-17T10:26:10.909" v="2583" actId="1076"/>
+          <ac:picMkLst>
+            <pc:docMk/>
+            <pc:sldMk cId="936330720" sldId="256"/>
+            <ac:picMk id="17" creationId="{86955F63-2B44-4B80-BD3A-13A63E00AC00}"/>
+          </ac:picMkLst>
+        </pc:picChg>
       </pc:sldChg>
-      <pc:sldChg chg="modSp mod">
-        <pc:chgData name="brunno soares" userId="c43810eba78802c5" providerId="LiveId" clId="{1FCEA006-9FDC-AF40-A671-6CA395609115}" dt="2021-12-10T11:28:46.997" v="1391" actId="20577"/>
+      <pc:sldChg chg="addSp delSp modSp mod setBg delDesignElem chgLayout">
+        <pc:chgData name="brunno soares" userId="c43810eba78802c5" providerId="LiveId" clId="{1FCEA006-9FDC-AF40-A671-6CA395609115}" dt="2021-12-17T10:26:52.935" v="2588" actId="2711"/>
         <pc:sldMkLst>
           <pc:docMk/>
           <pc:sldMk cId="736941216" sldId="257"/>
         </pc:sldMkLst>
-        <pc:spChg chg="mod">
-          <ac:chgData name="brunno soares" userId="c43810eba78802c5" providerId="LiveId" clId="{1FCEA006-9FDC-AF40-A671-6CA395609115}" dt="2021-12-10T11:28:46.997" v="1391" actId="20577"/>
+        <pc:spChg chg="mod ord">
+          <ac:chgData name="brunno soares" userId="c43810eba78802c5" providerId="LiveId" clId="{1FCEA006-9FDC-AF40-A671-6CA395609115}" dt="2021-12-17T10:21:15.270" v="2468" actId="700"/>
+          <ac:spMkLst>
+            <pc:docMk/>
+            <pc:sldMk cId="736941216" sldId="257"/>
+            <ac:spMk id="2" creationId="{ACAD7A1F-B972-324D-87B6-AB4D1438BF24}"/>
+          </ac:spMkLst>
+        </pc:spChg>
+        <pc:spChg chg="del mod">
+          <ac:chgData name="brunno soares" userId="c43810eba78802c5" providerId="LiveId" clId="{1FCEA006-9FDC-AF40-A671-6CA395609115}" dt="2021-12-17T10:09:06.559" v="2438" actId="26606"/>
           <ac:spMkLst>
             <pc:docMk/>
             <pc:sldMk cId="736941216" sldId="257"/>
             <ac:spMk id="3" creationId="{90272A11-975E-8743-BC25-7C7E62096900}"/>
           </ac:spMkLst>
         </pc:spChg>
+        <pc:spChg chg="add del mod">
+          <ac:chgData name="brunno soares" userId="c43810eba78802c5" providerId="LiveId" clId="{1FCEA006-9FDC-AF40-A671-6CA395609115}" dt="2021-12-17T10:10:24.160" v="2442" actId="478"/>
+          <ac:spMkLst>
+            <pc:docMk/>
+            <pc:sldMk cId="736941216" sldId="257"/>
+            <ac:spMk id="4" creationId="{8F5A2CEB-5E81-4849-A4D5-E792F6278EDC}"/>
+          </ac:spMkLst>
+        </pc:spChg>
+        <pc:spChg chg="add del mod">
+          <ac:chgData name="brunno soares" userId="c43810eba78802c5" providerId="LiveId" clId="{1FCEA006-9FDC-AF40-A671-6CA395609115}" dt="2021-12-17T10:10:29.174" v="2444" actId="478"/>
+          <ac:spMkLst>
+            <pc:docMk/>
+            <pc:sldMk cId="736941216" sldId="257"/>
+            <ac:spMk id="6" creationId="{3E28309F-19C0-3046-9F38-C2F872D07F64}"/>
+          </ac:spMkLst>
+        </pc:spChg>
+        <pc:spChg chg="add del">
+          <ac:chgData name="brunno soares" userId="c43810eba78802c5" providerId="LiveId" clId="{1FCEA006-9FDC-AF40-A671-6CA395609115}" dt="2021-12-17T10:12:15.726" v="2447" actId="26606"/>
+          <ac:spMkLst>
+            <pc:docMk/>
+            <pc:sldMk cId="736941216" sldId="257"/>
+            <ac:spMk id="9" creationId="{2E442304-DDBD-4F7B-8017-36BCC863FB40}"/>
+          </ac:spMkLst>
+        </pc:spChg>
+        <pc:spChg chg="add del">
+          <ac:chgData name="brunno soares" userId="c43810eba78802c5" providerId="LiveId" clId="{1FCEA006-9FDC-AF40-A671-6CA395609115}" dt="2021-12-17T10:12:15.726" v="2447" actId="26606"/>
+          <ac:spMkLst>
+            <pc:docMk/>
+            <pc:sldMk cId="736941216" sldId="257"/>
+            <ac:spMk id="11" creationId="{5E107275-3853-46FD-A241-DE4355A42675}"/>
+          </ac:spMkLst>
+        </pc:spChg>
+        <pc:spChg chg="add del">
+          <ac:chgData name="brunno soares" userId="c43810eba78802c5" providerId="LiveId" clId="{1FCEA006-9FDC-AF40-A671-6CA395609115}" dt="2021-12-17T10:14:34.975" v="2453"/>
+          <ac:spMkLst>
+            <pc:docMk/>
+            <pc:sldMk cId="736941216" sldId="257"/>
+            <ac:spMk id="16" creationId="{DCC231C8-C761-4B31-9B1C-C6D19248C6B3}"/>
+          </ac:spMkLst>
+        </pc:spChg>
+        <pc:graphicFrameChg chg="add mod ord modGraphic">
+          <ac:chgData name="brunno soares" userId="c43810eba78802c5" providerId="LiveId" clId="{1FCEA006-9FDC-AF40-A671-6CA395609115}" dt="2021-12-17T10:26:52.935" v="2588" actId="2711"/>
+          <ac:graphicFrameMkLst>
+            <pc:docMk/>
+            <pc:sldMk cId="736941216" sldId="257"/>
+            <ac:graphicFrameMk id="5" creationId="{6FDA4201-0D6C-4568-A0AD-44C4193C0ED9}"/>
+          </ac:graphicFrameMkLst>
+        </pc:graphicFrameChg>
       </pc:sldChg>
-      <pc:sldChg chg="modSp mod">
-        <pc:chgData name="brunno soares" userId="c43810eba78802c5" providerId="LiveId" clId="{1FCEA006-9FDC-AF40-A671-6CA395609115}" dt="2021-12-10T11:26:57.288" v="1326" actId="20577"/>
+      <pc:sldChg chg="addSp delSp modSp mod setBg delDesignElem chgLayout">
+        <pc:chgData name="brunno soares" userId="c43810eba78802c5" providerId="LiveId" clId="{1FCEA006-9FDC-AF40-A671-6CA395609115}" dt="2021-12-17T11:07:41.292" v="2641" actId="27636"/>
         <pc:sldMkLst>
           <pc:docMk/>
           <pc:sldMk cId="1356010521" sldId="258"/>
         </pc:sldMkLst>
-        <pc:spChg chg="mod">
-          <ac:chgData name="brunno soares" userId="c43810eba78802c5" providerId="LiveId" clId="{1FCEA006-9FDC-AF40-A671-6CA395609115}" dt="2021-12-10T11:26:57.288" v="1326" actId="20577"/>
+        <pc:spChg chg="mod ord">
+          <ac:chgData name="brunno soares" userId="c43810eba78802c5" providerId="LiveId" clId="{1FCEA006-9FDC-AF40-A671-6CA395609115}" dt="2021-12-17T10:21:18.982" v="2469" actId="700"/>
           <ac:spMkLst>
             <pc:docMk/>
             <pc:sldMk cId="1356010521" sldId="258"/>
             <ac:spMk id="2" creationId="{40C877F3-7CB6-B74B-A6D3-C1D409D56514}"/>
           </ac:spMkLst>
         </pc:spChg>
-        <pc:spChg chg="mod">
-          <ac:chgData name="brunno soares" userId="c43810eba78802c5" providerId="LiveId" clId="{1FCEA006-9FDC-AF40-A671-6CA395609115}" dt="2021-12-10T11:13:27.714" v="1107" actId="20577"/>
+        <pc:spChg chg="mod ord">
+          <ac:chgData name="brunno soares" userId="c43810eba78802c5" providerId="LiveId" clId="{1FCEA006-9FDC-AF40-A671-6CA395609115}" dt="2021-12-17T11:07:41.292" v="2641" actId="27636"/>
           <ac:spMkLst>
             <pc:docMk/>
             <pc:sldMk cId="1356010521" sldId="258"/>
             <ac:spMk id="3" creationId="{11EA7D6E-6D93-144D-A4FA-FE39D3B8E8C9}"/>
+          </ac:spMkLst>
+        </pc:spChg>
+        <pc:spChg chg="add del">
+          <ac:chgData name="brunno soares" userId="c43810eba78802c5" providerId="LiveId" clId="{1FCEA006-9FDC-AF40-A671-6CA395609115}" dt="2021-12-17T10:14:34.975" v="2453"/>
+          <ac:spMkLst>
+            <pc:docMk/>
+            <pc:sldMk cId="1356010521" sldId="258"/>
+            <ac:spMk id="8" creationId="{777A147A-9ED8-46B4-8660-1B3C2AA880B5}"/>
+          </ac:spMkLst>
+        </pc:spChg>
+        <pc:spChg chg="add del">
+          <ac:chgData name="brunno soares" userId="c43810eba78802c5" providerId="LiveId" clId="{1FCEA006-9FDC-AF40-A671-6CA395609115}" dt="2021-12-17T10:14:34.975" v="2453"/>
+          <ac:spMkLst>
+            <pc:docMk/>
+            <pc:sldMk cId="1356010521" sldId="258"/>
+            <ac:spMk id="10" creationId="{5D6C15A0-C087-4593-8414-2B4EC1CDC3DE}"/>
           </ac:spMkLst>
         </pc:spChg>
       </pc:sldChg>
@@ -216,13 +347,13 @@
         </pc:spChg>
       </pc:sldChg>
       <pc:sldChg chg="addSp delSp modSp new mod">
-        <pc:chgData name="brunno soares" userId="c43810eba78802c5" providerId="LiveId" clId="{1FCEA006-9FDC-AF40-A671-6CA395609115}" dt="2021-12-10T11:27:29.225" v="1335" actId="20577"/>
+        <pc:chgData name="brunno soares" userId="c43810eba78802c5" providerId="LiveId" clId="{1FCEA006-9FDC-AF40-A671-6CA395609115}" dt="2021-12-17T11:07:51.216" v="2642" actId="20577"/>
         <pc:sldMkLst>
           <pc:docMk/>
           <pc:sldMk cId="2273392244" sldId="260"/>
         </pc:sldMkLst>
         <pc:spChg chg="mod">
-          <ac:chgData name="brunno soares" userId="c43810eba78802c5" providerId="LiveId" clId="{1FCEA006-9FDC-AF40-A671-6CA395609115}" dt="2021-12-10T11:27:29.225" v="1335" actId="20577"/>
+          <ac:chgData name="brunno soares" userId="c43810eba78802c5" providerId="LiveId" clId="{1FCEA006-9FDC-AF40-A671-6CA395609115}" dt="2021-12-17T10:14:34.975" v="2453"/>
           <ac:spMkLst>
             <pc:docMk/>
             <pc:sldMk cId="2273392244" sldId="260"/>
@@ -238,6 +369,14 @@
           </ac:spMkLst>
         </pc:spChg>
         <pc:spChg chg="add mod">
+          <ac:chgData name="brunno soares" userId="c43810eba78802c5" providerId="LiveId" clId="{1FCEA006-9FDC-AF40-A671-6CA395609115}" dt="2021-12-17T10:24:21.163" v="2551" actId="2711"/>
+          <ac:spMkLst>
+            <pc:docMk/>
+            <pc:sldMk cId="2273392244" sldId="260"/>
+            <ac:spMk id="3" creationId="{BD956A9D-4299-7644-B913-7CA639A94B90}"/>
+          </ac:spMkLst>
+        </pc:spChg>
+        <pc:spChg chg="add mod">
           <ac:chgData name="brunno soares" userId="c43810eba78802c5" providerId="LiveId" clId="{1FCEA006-9FDC-AF40-A671-6CA395609115}" dt="2021-12-10T11:19:38.830" v="1170" actId="14100"/>
           <ac:spMkLst>
             <pc:docMk/>
@@ -245,8 +384,56 @@
             <ac:spMk id="6" creationId="{07795175-5604-794D-968B-65A98C161635}"/>
           </ac:spMkLst>
         </pc:spChg>
+        <pc:spChg chg="add mod">
+          <ac:chgData name="brunno soares" userId="c43810eba78802c5" providerId="LiveId" clId="{1FCEA006-9FDC-AF40-A671-6CA395609115}" dt="2021-12-17T10:24:21.163" v="2551" actId="2711"/>
+          <ac:spMkLst>
+            <pc:docMk/>
+            <pc:sldMk cId="2273392244" sldId="260"/>
+            <ac:spMk id="6" creationId="{25A54485-683B-5D42-9791-E7EFB3C46DFC}"/>
+          </ac:spMkLst>
+        </pc:spChg>
+        <pc:spChg chg="mod">
+          <ac:chgData name="brunno soares" userId="c43810eba78802c5" providerId="LiveId" clId="{1FCEA006-9FDC-AF40-A671-6CA395609115}" dt="2021-12-17T11:07:51.216" v="2642" actId="20577"/>
+          <ac:spMkLst>
+            <pc:docMk/>
+            <pc:sldMk cId="2273392244" sldId="260"/>
+            <ac:spMk id="7" creationId="{7B84D3BF-2041-D343-B4D4-9E28B116A213}"/>
+          </ac:spMkLst>
+        </pc:spChg>
+        <pc:spChg chg="add mod">
+          <ac:chgData name="brunno soares" userId="c43810eba78802c5" providerId="LiveId" clId="{1FCEA006-9FDC-AF40-A671-6CA395609115}" dt="2021-12-17T10:24:21.163" v="2551" actId="2711"/>
+          <ac:spMkLst>
+            <pc:docMk/>
+            <pc:sldMk cId="2273392244" sldId="260"/>
+            <ac:spMk id="8" creationId="{024D05BF-96AE-9645-95BF-337548AF7469}"/>
+          </ac:spMkLst>
+        </pc:spChg>
+        <pc:spChg chg="add mod">
+          <ac:chgData name="brunno soares" userId="c43810eba78802c5" providerId="LiveId" clId="{1FCEA006-9FDC-AF40-A671-6CA395609115}" dt="2021-12-17T10:24:29.772" v="2553" actId="1035"/>
+          <ac:spMkLst>
+            <pc:docMk/>
+            <pc:sldMk cId="2273392244" sldId="260"/>
+            <ac:spMk id="9" creationId="{A3F7ADDF-7080-3F46-A4F0-9CCCAA560BB9}"/>
+          </ac:spMkLst>
+        </pc:spChg>
+        <pc:spChg chg="add del mod">
+          <ac:chgData name="brunno soares" userId="c43810eba78802c5" providerId="LiveId" clId="{1FCEA006-9FDC-AF40-A671-6CA395609115}" dt="2021-12-17T07:20:19.368" v="2148" actId="478"/>
+          <ac:spMkLst>
+            <pc:docMk/>
+            <pc:sldMk cId="2273392244" sldId="260"/>
+            <ac:spMk id="10" creationId="{D2FDDA10-891C-BB4A-8633-5768CD21E3C9}"/>
+          </ac:spMkLst>
+        </pc:spChg>
+        <pc:spChg chg="add mod">
+          <ac:chgData name="brunno soares" userId="c43810eba78802c5" providerId="LiveId" clId="{1FCEA006-9FDC-AF40-A671-6CA395609115}" dt="2021-12-17T10:24:27.837" v="2552" actId="14100"/>
+          <ac:spMkLst>
+            <pc:docMk/>
+            <pc:sldMk cId="2273392244" sldId="260"/>
+            <ac:spMk id="11" creationId="{187C63CA-AB95-C446-AF24-31206C439782}"/>
+          </ac:spMkLst>
+        </pc:spChg>
         <pc:picChg chg="add mod">
-          <ac:chgData name="brunno soares" userId="c43810eba78802c5" providerId="LiveId" clId="{1FCEA006-9FDC-AF40-A671-6CA395609115}" dt="2021-12-10T11:19:13.570" v="1131" actId="27614"/>
+          <ac:chgData name="brunno soares" userId="c43810eba78802c5" providerId="LiveId" clId="{1FCEA006-9FDC-AF40-A671-6CA395609115}" dt="2021-12-17T10:07:16.284" v="2428" actId="1036"/>
           <ac:picMkLst>
             <pc:docMk/>
             <pc:sldMk cId="2273392244" sldId="260"/>
@@ -255,13 +442,13 @@
         </pc:picChg>
       </pc:sldChg>
       <pc:sldChg chg="modSp new mod">
-        <pc:chgData name="brunno soares" userId="c43810eba78802c5" providerId="LiveId" clId="{1FCEA006-9FDC-AF40-A671-6CA395609115}" dt="2021-12-10T11:29:37.294" v="1489" actId="20577"/>
+        <pc:chgData name="brunno soares" userId="c43810eba78802c5" providerId="LiveId" clId="{1FCEA006-9FDC-AF40-A671-6CA395609115}" dt="2021-12-17T12:29:53.681" v="2643" actId="3626"/>
         <pc:sldMkLst>
           <pc:docMk/>
           <pc:sldMk cId="2687708721" sldId="261"/>
         </pc:sldMkLst>
         <pc:spChg chg="mod">
-          <ac:chgData name="brunno soares" userId="c43810eba78802c5" providerId="LiveId" clId="{1FCEA006-9FDC-AF40-A671-6CA395609115}" dt="2021-12-10T11:27:40.729" v="1336" actId="20577"/>
+          <ac:chgData name="brunno soares" userId="c43810eba78802c5" providerId="LiveId" clId="{1FCEA006-9FDC-AF40-A671-6CA395609115}" dt="2021-12-17T10:14:34.975" v="2453"/>
           <ac:spMkLst>
             <pc:docMk/>
             <pc:sldMk cId="2687708721" sldId="261"/>
@@ -276,6 +463,14 @@
             <ac:spMk id="3" creationId="{1FCC94D9-B736-1340-A88E-3B35060CD7D2}"/>
           </ac:spMkLst>
         </pc:spChg>
+        <pc:picChg chg="mod">
+          <ac:chgData name="brunno soares" userId="c43810eba78802c5" providerId="LiveId" clId="{1FCEA006-9FDC-AF40-A671-6CA395609115}" dt="2021-12-17T12:29:53.681" v="2643" actId="3626"/>
+          <ac:picMkLst>
+            <pc:docMk/>
+            <pc:sldMk cId="2687708721" sldId="261"/>
+            <ac:picMk id="7" creationId="{14203471-36CC-4441-8076-D83E2E048663}"/>
+          </ac:picMkLst>
+        </pc:picChg>
       </pc:sldChg>
       <pc:sldChg chg="modSp new mod ord">
         <pc:chgData name="brunno soares" userId="c43810eba78802c5" providerId="LiveId" clId="{1FCEA006-9FDC-AF40-A671-6CA395609115}" dt="2021-12-10T11:26:31.248" v="1311" actId="20578"/>
@@ -315,24 +510,6554 @@
           </ac:spMkLst>
         </pc:spChg>
       </pc:sldChg>
-      <pc:sldChg chg="modSp new mod">
-        <pc:chgData name="brunno soares" userId="c43810eba78802c5" providerId="LiveId" clId="{1FCEA006-9FDC-AF40-A671-6CA395609115}" dt="2021-12-10T11:29:04.939" v="1427" actId="20577"/>
+      <pc:sldChg chg="addSp delSp modSp new mod setBg delDesignElem chgLayout">
+        <pc:chgData name="brunno soares" userId="c43810eba78802c5" providerId="LiveId" clId="{1FCEA006-9FDC-AF40-A671-6CA395609115}" dt="2021-12-17T11:00:52.118" v="2634" actId="20577"/>
         <pc:sldMkLst>
           <pc:docMk/>
           <pc:sldMk cId="214650625" sldId="264"/>
         </pc:sldMkLst>
-        <pc:spChg chg="mod">
-          <ac:chgData name="brunno soares" userId="c43810eba78802c5" providerId="LiveId" clId="{1FCEA006-9FDC-AF40-A671-6CA395609115}" dt="2021-12-10T11:29:04.939" v="1427" actId="20577"/>
+        <pc:spChg chg="mod ord">
+          <ac:chgData name="brunno soares" userId="c43810eba78802c5" providerId="LiveId" clId="{1FCEA006-9FDC-AF40-A671-6CA395609115}" dt="2021-12-17T10:23:30.992" v="2548" actId="700"/>
           <ac:spMkLst>
             <pc:docMk/>
             <pc:sldMk cId="214650625" sldId="264"/>
             <ac:spMk id="2" creationId="{93117E99-E975-C44C-AE37-CCCC4331AECC}"/>
           </ac:spMkLst>
         </pc:spChg>
+        <pc:spChg chg="add del mod">
+          <ac:chgData name="brunno soares" userId="c43810eba78802c5" providerId="LiveId" clId="{1FCEA006-9FDC-AF40-A671-6CA395609115}" dt="2021-12-17T10:15:51.467" v="2456" actId="26606"/>
+          <ac:spMkLst>
+            <pc:docMk/>
+            <pc:sldMk cId="214650625" sldId="264"/>
+            <ac:spMk id="3" creationId="{C6CEA88A-A985-454E-9FBC-7F32618433FD}"/>
+          </ac:spMkLst>
+        </pc:spChg>
+        <pc:spChg chg="add del">
+          <ac:chgData name="brunno soares" userId="c43810eba78802c5" providerId="LiveId" clId="{1FCEA006-9FDC-AF40-A671-6CA395609115}" dt="2021-12-17T10:15:51.367" v="2455" actId="26606"/>
+          <ac:spMkLst>
+            <pc:docMk/>
+            <pc:sldMk cId="214650625" sldId="264"/>
+            <ac:spMk id="9" creationId="{D55CD764-972B-4CA5-A885-53E55C63E174}"/>
+          </ac:spMkLst>
+        </pc:spChg>
+        <pc:spChg chg="add del">
+          <ac:chgData name="brunno soares" userId="c43810eba78802c5" providerId="LiveId" clId="{1FCEA006-9FDC-AF40-A671-6CA395609115}" dt="2021-12-17T10:15:51.367" v="2455" actId="26606"/>
+          <ac:spMkLst>
+            <pc:docMk/>
+            <pc:sldMk cId="214650625" sldId="264"/>
+            <ac:spMk id="11" creationId="{34165AB3-7006-4430-BCE3-25476BE13322}"/>
+          </ac:spMkLst>
+        </pc:spChg>
+        <pc:spChg chg="add del">
+          <ac:chgData name="brunno soares" userId="c43810eba78802c5" providerId="LiveId" clId="{1FCEA006-9FDC-AF40-A671-6CA395609115}" dt="2021-12-17T10:15:51.367" v="2455" actId="26606"/>
+          <ac:spMkLst>
+            <pc:docMk/>
+            <pc:sldMk cId="214650625" sldId="264"/>
+            <ac:spMk id="35" creationId="{E3E51905-F374-4E1A-97CF-B741584B74D5}"/>
+          </ac:spMkLst>
+        </pc:spChg>
+        <pc:spChg chg="add del">
+          <ac:chgData name="brunno soares" userId="c43810eba78802c5" providerId="LiveId" clId="{1FCEA006-9FDC-AF40-A671-6CA395609115}" dt="2021-12-17T10:23:30.992" v="2548" actId="700"/>
+          <ac:spMkLst>
+            <pc:docMk/>
+            <pc:sldMk cId="214650625" sldId="264"/>
+            <ac:spMk id="37" creationId="{46C2E80F-49A6-4372-B103-219D417A55ED}"/>
+          </ac:spMkLst>
+        </pc:spChg>
+        <pc:grpChg chg="add del">
+          <ac:chgData name="brunno soares" userId="c43810eba78802c5" providerId="LiveId" clId="{1FCEA006-9FDC-AF40-A671-6CA395609115}" dt="2021-12-17T10:15:51.367" v="2455" actId="26606"/>
+          <ac:grpSpMkLst>
+            <pc:docMk/>
+            <pc:sldMk cId="214650625" sldId="264"/>
+            <ac:grpSpMk id="13" creationId="{11999B20-6058-4C55-882E-A1FB050B69DD}"/>
+          </ac:grpSpMkLst>
+        </pc:grpChg>
+        <pc:graphicFrameChg chg="add del">
+          <ac:chgData name="brunno soares" userId="c43810eba78802c5" providerId="LiveId" clId="{1FCEA006-9FDC-AF40-A671-6CA395609115}" dt="2021-12-17T10:15:51.367" v="2455" actId="26606"/>
+          <ac:graphicFrameMkLst>
+            <pc:docMk/>
+            <pc:sldMk cId="214650625" sldId="264"/>
+            <ac:graphicFrameMk id="5" creationId="{21DF32A4-681F-4520-84D8-F636DC633C4D}"/>
+          </ac:graphicFrameMkLst>
+        </pc:graphicFrameChg>
+        <pc:graphicFrameChg chg="add mod ord">
+          <ac:chgData name="brunno soares" userId="c43810eba78802c5" providerId="LiveId" clId="{1FCEA006-9FDC-AF40-A671-6CA395609115}" dt="2021-12-17T11:00:52.118" v="2634" actId="20577"/>
+          <ac:graphicFrameMkLst>
+            <pc:docMk/>
+            <pc:sldMk cId="214650625" sldId="264"/>
+            <ac:graphicFrameMk id="38" creationId="{CFD44527-9646-4733-937C-FDF278E69648}"/>
+          </ac:graphicFrameMkLst>
+        </pc:graphicFrameChg>
       </pc:sldChg>
+      <pc:sldChg chg="new del">
+        <pc:chgData name="brunno soares" userId="c43810eba78802c5" providerId="LiveId" clId="{1FCEA006-9FDC-AF40-A671-6CA395609115}" dt="2021-12-17T10:16:50.632" v="2461" actId="2696"/>
+        <pc:sldMkLst>
+          <pc:docMk/>
+          <pc:sldMk cId="2576829012" sldId="265"/>
+        </pc:sldMkLst>
+      </pc:sldChg>
+      <pc:sldChg chg="addSp delSp modSp add del mod setBg delDesignElem">
+        <pc:chgData name="brunno soares" userId="c43810eba78802c5" providerId="LiveId" clId="{1FCEA006-9FDC-AF40-A671-6CA395609115}" dt="2021-12-17T10:18:51.481" v="2465" actId="2696"/>
+        <pc:sldMkLst>
+          <pc:docMk/>
+          <pc:sldMk cId="3554084403" sldId="265"/>
+        </pc:sldMkLst>
+        <pc:spChg chg="add mod">
+          <ac:chgData name="brunno soares" userId="c43810eba78802c5" providerId="LiveId" clId="{1FCEA006-9FDC-AF40-A671-6CA395609115}" dt="2021-12-17T10:18:44.274" v="2464" actId="478"/>
+          <ac:spMkLst>
+            <pc:docMk/>
+            <pc:sldMk cId="3554084403" sldId="265"/>
+            <ac:spMk id="4" creationId="{C6DE4ECA-5331-284B-9176-B4E6D14DCDBD}"/>
+          </ac:spMkLst>
+        </pc:spChg>
+        <pc:spChg chg="del">
+          <ac:chgData name="brunno soares" userId="c43810eba78802c5" providerId="LiveId" clId="{1FCEA006-9FDC-AF40-A671-6CA395609115}" dt="2021-12-17T10:18:22.151" v="2463"/>
+          <ac:spMkLst>
+            <pc:docMk/>
+            <pc:sldMk cId="3554084403" sldId="265"/>
+            <ac:spMk id="37" creationId="{46C2E80F-49A6-4372-B103-219D417A55ED}"/>
+          </ac:spMkLst>
+        </pc:spChg>
+        <pc:graphicFrameChg chg="del">
+          <ac:chgData name="brunno soares" userId="c43810eba78802c5" providerId="LiveId" clId="{1FCEA006-9FDC-AF40-A671-6CA395609115}" dt="2021-12-17T10:18:44.274" v="2464" actId="478"/>
+          <ac:graphicFrameMkLst>
+            <pc:docMk/>
+            <pc:sldMk cId="3554084403" sldId="265"/>
+            <ac:graphicFrameMk id="38" creationId="{CFD44527-9646-4733-937C-FDF278E69648}"/>
+          </ac:graphicFrameMkLst>
+        </pc:graphicFrameChg>
+      </pc:sldChg>
+      <pc:sldChg chg="delSp add del setBg delDesignElem">
+        <pc:chgData name="brunno soares" userId="c43810eba78802c5" providerId="LiveId" clId="{1FCEA006-9FDC-AF40-A671-6CA395609115}" dt="2021-12-17T10:16:43.671" v="2459" actId="2696"/>
+        <pc:sldMkLst>
+          <pc:docMk/>
+          <pc:sldMk cId="3682866466" sldId="265"/>
+        </pc:sldMkLst>
+        <pc:spChg chg="del">
+          <ac:chgData name="brunno soares" userId="c43810eba78802c5" providerId="LiveId" clId="{1FCEA006-9FDC-AF40-A671-6CA395609115}" dt="2021-12-17T10:16:40.724" v="2458"/>
+          <ac:spMkLst>
+            <pc:docMk/>
+            <pc:sldMk cId="3682866466" sldId="265"/>
+            <ac:spMk id="37" creationId="{46C2E80F-49A6-4372-B103-219D417A55ED}"/>
+          </ac:spMkLst>
+        </pc:spChg>
+      </pc:sldChg>
+      <pc:sldMasterChg chg="setBg modSldLayout">
+        <pc:chgData name="brunno soares" userId="c43810eba78802c5" providerId="LiveId" clId="{1FCEA006-9FDC-AF40-A671-6CA395609115}" dt="2021-12-17T10:19:19.017" v="2466"/>
+        <pc:sldMasterMkLst>
+          <pc:docMk/>
+          <pc:sldMasterMk cId="482291140" sldId="2147483660"/>
+        </pc:sldMasterMkLst>
+        <pc:sldLayoutChg chg="setBg">
+          <pc:chgData name="brunno soares" userId="c43810eba78802c5" providerId="LiveId" clId="{1FCEA006-9FDC-AF40-A671-6CA395609115}" dt="2021-12-17T10:19:19.017" v="2466"/>
+          <pc:sldLayoutMkLst>
+            <pc:docMk/>
+            <pc:sldMasterMk cId="482291140" sldId="2147483660"/>
+            <pc:sldLayoutMk cId="2232449037" sldId="2147483661"/>
+          </pc:sldLayoutMkLst>
+        </pc:sldLayoutChg>
+        <pc:sldLayoutChg chg="setBg">
+          <pc:chgData name="brunno soares" userId="c43810eba78802c5" providerId="LiveId" clId="{1FCEA006-9FDC-AF40-A671-6CA395609115}" dt="2021-12-17T10:19:19.017" v="2466"/>
+          <pc:sldLayoutMkLst>
+            <pc:docMk/>
+            <pc:sldMasterMk cId="482291140" sldId="2147483660"/>
+            <pc:sldLayoutMk cId="1980671625" sldId="2147483662"/>
+          </pc:sldLayoutMkLst>
+        </pc:sldLayoutChg>
+        <pc:sldLayoutChg chg="setBg">
+          <pc:chgData name="brunno soares" userId="c43810eba78802c5" providerId="LiveId" clId="{1FCEA006-9FDC-AF40-A671-6CA395609115}" dt="2021-12-17T10:19:19.017" v="2466"/>
+          <pc:sldLayoutMkLst>
+            <pc:docMk/>
+            <pc:sldMasterMk cId="482291140" sldId="2147483660"/>
+            <pc:sldLayoutMk cId="3652932729" sldId="2147483663"/>
+          </pc:sldLayoutMkLst>
+        </pc:sldLayoutChg>
+        <pc:sldLayoutChg chg="setBg">
+          <pc:chgData name="brunno soares" userId="c43810eba78802c5" providerId="LiveId" clId="{1FCEA006-9FDC-AF40-A671-6CA395609115}" dt="2021-12-17T10:19:19.017" v="2466"/>
+          <pc:sldLayoutMkLst>
+            <pc:docMk/>
+            <pc:sldMasterMk cId="482291140" sldId="2147483660"/>
+            <pc:sldLayoutMk cId="665569552" sldId="2147483664"/>
+          </pc:sldLayoutMkLst>
+        </pc:sldLayoutChg>
+        <pc:sldLayoutChg chg="setBg">
+          <pc:chgData name="brunno soares" userId="c43810eba78802c5" providerId="LiveId" clId="{1FCEA006-9FDC-AF40-A671-6CA395609115}" dt="2021-12-17T10:19:19.017" v="2466"/>
+          <pc:sldLayoutMkLst>
+            <pc:docMk/>
+            <pc:sldMasterMk cId="482291140" sldId="2147483660"/>
+            <pc:sldLayoutMk cId="3394913600" sldId="2147483665"/>
+          </pc:sldLayoutMkLst>
+        </pc:sldLayoutChg>
+        <pc:sldLayoutChg chg="setBg">
+          <pc:chgData name="brunno soares" userId="c43810eba78802c5" providerId="LiveId" clId="{1FCEA006-9FDC-AF40-A671-6CA395609115}" dt="2021-12-17T10:19:19.017" v="2466"/>
+          <pc:sldLayoutMkLst>
+            <pc:docMk/>
+            <pc:sldMasterMk cId="482291140" sldId="2147483660"/>
+            <pc:sldLayoutMk cId="3822681122" sldId="2147483666"/>
+          </pc:sldLayoutMkLst>
+        </pc:sldLayoutChg>
+        <pc:sldLayoutChg chg="setBg">
+          <pc:chgData name="brunno soares" userId="c43810eba78802c5" providerId="LiveId" clId="{1FCEA006-9FDC-AF40-A671-6CA395609115}" dt="2021-12-17T10:19:19.017" v="2466"/>
+          <pc:sldLayoutMkLst>
+            <pc:docMk/>
+            <pc:sldMasterMk cId="482291140" sldId="2147483660"/>
+            <pc:sldLayoutMk cId="2810245608" sldId="2147483667"/>
+          </pc:sldLayoutMkLst>
+        </pc:sldLayoutChg>
+        <pc:sldLayoutChg chg="setBg">
+          <pc:chgData name="brunno soares" userId="c43810eba78802c5" providerId="LiveId" clId="{1FCEA006-9FDC-AF40-A671-6CA395609115}" dt="2021-12-17T10:19:19.017" v="2466"/>
+          <pc:sldLayoutMkLst>
+            <pc:docMk/>
+            <pc:sldMasterMk cId="482291140" sldId="2147483660"/>
+            <pc:sldLayoutMk cId="4145548554" sldId="2147483668"/>
+          </pc:sldLayoutMkLst>
+        </pc:sldLayoutChg>
+        <pc:sldLayoutChg chg="setBg">
+          <pc:chgData name="brunno soares" userId="c43810eba78802c5" providerId="LiveId" clId="{1FCEA006-9FDC-AF40-A671-6CA395609115}" dt="2021-12-17T10:19:19.017" v="2466"/>
+          <pc:sldLayoutMkLst>
+            <pc:docMk/>
+            <pc:sldMasterMk cId="482291140" sldId="2147483660"/>
+            <pc:sldLayoutMk cId="3741579102" sldId="2147483669"/>
+          </pc:sldLayoutMkLst>
+        </pc:sldLayoutChg>
+        <pc:sldLayoutChg chg="setBg">
+          <pc:chgData name="brunno soares" userId="c43810eba78802c5" providerId="LiveId" clId="{1FCEA006-9FDC-AF40-A671-6CA395609115}" dt="2021-12-17T10:19:19.017" v="2466"/>
+          <pc:sldLayoutMkLst>
+            <pc:docMk/>
+            <pc:sldMasterMk cId="482291140" sldId="2147483660"/>
+            <pc:sldLayoutMk cId="3903920139" sldId="2147483670"/>
+          </pc:sldLayoutMkLst>
+        </pc:sldLayoutChg>
+        <pc:sldLayoutChg chg="setBg">
+          <pc:chgData name="brunno soares" userId="c43810eba78802c5" providerId="LiveId" clId="{1FCEA006-9FDC-AF40-A671-6CA395609115}" dt="2021-12-17T10:19:19.017" v="2466"/>
+          <pc:sldLayoutMkLst>
+            <pc:docMk/>
+            <pc:sldMasterMk cId="482291140" sldId="2147483660"/>
+            <pc:sldLayoutMk cId="2094828835" sldId="2147483671"/>
+          </pc:sldLayoutMkLst>
+        </pc:sldLayoutChg>
+      </pc:sldMasterChg>
     </pc:docChg>
   </pc:docChgLst>
 </pc:chgInfo>
+</file>
+
+<file path=ppt/diagrams/colors1.xml><?xml version="1.0" encoding="utf-8"?>
+<dgm:colorsDef xmlns:dgm="http://schemas.openxmlformats.org/drawingml/2006/diagram" xmlns:a="http://schemas.openxmlformats.org/drawingml/2006/main" uniqueId="urn:microsoft.com/office/officeart/2005/8/colors/accent5_2">
+  <dgm:title val=""/>
+  <dgm:desc val=""/>
+  <dgm:catLst>
+    <dgm:cat type="accent5" pri="11200"/>
+  </dgm:catLst>
+  <dgm:styleLbl name="node0">
+    <dgm:fillClrLst meth="repeat">
+      <a:schemeClr val="accent5"/>
+    </dgm:fillClrLst>
+    <dgm:linClrLst meth="repeat">
+      <a:schemeClr val="lt1"/>
+    </dgm:linClrLst>
+    <dgm:effectClrLst/>
+    <dgm:txLinClrLst/>
+    <dgm:txFillClrLst/>
+    <dgm:txEffectClrLst/>
+  </dgm:styleLbl>
+  <dgm:styleLbl name="node1">
+    <dgm:fillClrLst meth="repeat">
+      <a:schemeClr val="accent5"/>
+    </dgm:fillClrLst>
+    <dgm:linClrLst meth="repeat">
+      <a:schemeClr val="lt1"/>
+    </dgm:linClrLst>
+    <dgm:effectClrLst/>
+    <dgm:txLinClrLst/>
+    <dgm:txFillClrLst/>
+    <dgm:txEffectClrLst/>
+  </dgm:styleLbl>
+  <dgm:styleLbl name="alignNode1">
+    <dgm:fillClrLst meth="repeat">
+      <a:schemeClr val="accent5"/>
+    </dgm:fillClrLst>
+    <dgm:linClrLst meth="repeat">
+      <a:schemeClr val="accent5"/>
+    </dgm:linClrLst>
+    <dgm:effectClrLst/>
+    <dgm:txLinClrLst/>
+    <dgm:txFillClrLst/>
+    <dgm:txEffectClrLst/>
+  </dgm:styleLbl>
+  <dgm:styleLbl name="lnNode1">
+    <dgm:fillClrLst meth="repeat">
+      <a:schemeClr val="accent5"/>
+    </dgm:fillClrLst>
+    <dgm:linClrLst meth="repeat">
+      <a:schemeClr val="lt1"/>
+    </dgm:linClrLst>
+    <dgm:effectClrLst/>
+    <dgm:txLinClrLst/>
+    <dgm:txFillClrLst/>
+    <dgm:txEffectClrLst/>
+  </dgm:styleLbl>
+  <dgm:styleLbl name="vennNode1">
+    <dgm:fillClrLst meth="repeat">
+      <a:schemeClr val="accent5">
+        <a:alpha val="50000"/>
+      </a:schemeClr>
+    </dgm:fillClrLst>
+    <dgm:linClrLst meth="repeat">
+      <a:schemeClr val="lt1"/>
+    </dgm:linClrLst>
+    <dgm:effectClrLst/>
+    <dgm:txLinClrLst/>
+    <dgm:txFillClrLst/>
+    <dgm:txEffectClrLst/>
+  </dgm:styleLbl>
+  <dgm:styleLbl name="node2">
+    <dgm:fillClrLst meth="repeat">
+      <a:schemeClr val="accent5"/>
+    </dgm:fillClrLst>
+    <dgm:linClrLst meth="repeat">
+      <a:schemeClr val="lt1"/>
+    </dgm:linClrLst>
+    <dgm:effectClrLst/>
+    <dgm:txLinClrLst/>
+    <dgm:txFillClrLst/>
+    <dgm:txEffectClrLst/>
+  </dgm:styleLbl>
+  <dgm:styleLbl name="node3">
+    <dgm:fillClrLst meth="repeat">
+      <a:schemeClr val="accent5"/>
+    </dgm:fillClrLst>
+    <dgm:linClrLst meth="repeat">
+      <a:schemeClr val="lt1"/>
+    </dgm:linClrLst>
+    <dgm:effectClrLst/>
+    <dgm:txLinClrLst/>
+    <dgm:txFillClrLst/>
+    <dgm:txEffectClrLst/>
+  </dgm:styleLbl>
+  <dgm:styleLbl name="node4">
+    <dgm:fillClrLst meth="repeat">
+      <a:schemeClr val="accent5"/>
+    </dgm:fillClrLst>
+    <dgm:linClrLst meth="repeat">
+      <a:schemeClr val="lt1"/>
+    </dgm:linClrLst>
+    <dgm:effectClrLst/>
+    <dgm:txLinClrLst/>
+    <dgm:txFillClrLst/>
+    <dgm:txEffectClrLst/>
+  </dgm:styleLbl>
+  <dgm:styleLbl name="fgImgPlace1">
+    <dgm:fillClrLst meth="repeat">
+      <a:schemeClr val="accent5">
+        <a:tint val="50000"/>
+      </a:schemeClr>
+    </dgm:fillClrLst>
+    <dgm:linClrLst meth="repeat">
+      <a:schemeClr val="lt1"/>
+    </dgm:linClrLst>
+    <dgm:effectClrLst/>
+    <dgm:txLinClrLst/>
+    <dgm:txFillClrLst meth="repeat">
+      <a:schemeClr val="lt1"/>
+    </dgm:txFillClrLst>
+    <dgm:txEffectClrLst/>
+  </dgm:styleLbl>
+  <dgm:styleLbl name="alignImgPlace1">
+    <dgm:fillClrLst meth="repeat">
+      <a:schemeClr val="accent5">
+        <a:tint val="50000"/>
+      </a:schemeClr>
+    </dgm:fillClrLst>
+    <dgm:linClrLst meth="repeat">
+      <a:schemeClr val="lt1"/>
+    </dgm:linClrLst>
+    <dgm:effectClrLst/>
+    <dgm:txLinClrLst/>
+    <dgm:txFillClrLst meth="repeat">
+      <a:schemeClr val="lt1"/>
+    </dgm:txFillClrLst>
+    <dgm:txEffectClrLst/>
+  </dgm:styleLbl>
+  <dgm:styleLbl name="bgImgPlace1">
+    <dgm:fillClrLst meth="repeat">
+      <a:schemeClr val="accent5">
+        <a:tint val="50000"/>
+      </a:schemeClr>
+    </dgm:fillClrLst>
+    <dgm:linClrLst meth="repeat">
+      <a:schemeClr val="lt1"/>
+    </dgm:linClrLst>
+    <dgm:effectClrLst/>
+    <dgm:txLinClrLst/>
+    <dgm:txFillClrLst meth="repeat">
+      <a:schemeClr val="lt1"/>
+    </dgm:txFillClrLst>
+    <dgm:txEffectClrLst/>
+  </dgm:styleLbl>
+  <dgm:styleLbl name="sibTrans2D1">
+    <dgm:fillClrLst meth="repeat">
+      <a:schemeClr val="accent5">
+        <a:tint val="60000"/>
+      </a:schemeClr>
+    </dgm:fillClrLst>
+    <dgm:linClrLst meth="repeat">
+      <a:schemeClr val="accent5">
+        <a:tint val="60000"/>
+      </a:schemeClr>
+    </dgm:linClrLst>
+    <dgm:effectClrLst/>
+    <dgm:txLinClrLst/>
+    <dgm:txFillClrLst/>
+    <dgm:txEffectClrLst/>
+  </dgm:styleLbl>
+  <dgm:styleLbl name="fgSibTrans2D1">
+    <dgm:fillClrLst meth="repeat">
+      <a:schemeClr val="accent5">
+        <a:tint val="60000"/>
+      </a:schemeClr>
+    </dgm:fillClrLst>
+    <dgm:linClrLst meth="repeat">
+      <a:schemeClr val="accent5">
+        <a:tint val="60000"/>
+      </a:schemeClr>
+    </dgm:linClrLst>
+    <dgm:effectClrLst/>
+    <dgm:txLinClrLst/>
+    <dgm:txFillClrLst/>
+    <dgm:txEffectClrLst/>
+  </dgm:styleLbl>
+  <dgm:styleLbl name="bgSibTrans2D1">
+    <dgm:fillClrLst meth="repeat">
+      <a:schemeClr val="accent5">
+        <a:tint val="60000"/>
+      </a:schemeClr>
+    </dgm:fillClrLst>
+    <dgm:linClrLst meth="repeat">
+      <a:schemeClr val="accent5">
+        <a:tint val="60000"/>
+      </a:schemeClr>
+    </dgm:linClrLst>
+    <dgm:effectClrLst/>
+    <dgm:txLinClrLst/>
+    <dgm:txFillClrLst/>
+    <dgm:txEffectClrLst/>
+  </dgm:styleLbl>
+  <dgm:styleLbl name="sibTrans1D1">
+    <dgm:fillClrLst meth="repeat">
+      <a:schemeClr val="accent5"/>
+    </dgm:fillClrLst>
+    <dgm:linClrLst meth="repeat">
+      <a:schemeClr val="accent5"/>
+    </dgm:linClrLst>
+    <dgm:effectClrLst/>
+    <dgm:txLinClrLst/>
+    <dgm:txFillClrLst meth="repeat">
+      <a:schemeClr val="tx1"/>
+    </dgm:txFillClrLst>
+    <dgm:txEffectClrLst/>
+  </dgm:styleLbl>
+  <dgm:styleLbl name="callout">
+    <dgm:fillClrLst meth="repeat">
+      <a:schemeClr val="accent5"/>
+    </dgm:fillClrLst>
+    <dgm:linClrLst meth="repeat">
+      <a:schemeClr val="accent5">
+        <a:tint val="50000"/>
+      </a:schemeClr>
+    </dgm:linClrLst>
+    <dgm:effectClrLst/>
+    <dgm:txLinClrLst/>
+    <dgm:txFillClrLst meth="repeat">
+      <a:schemeClr val="tx1"/>
+    </dgm:txFillClrLst>
+    <dgm:txEffectClrLst/>
+  </dgm:styleLbl>
+  <dgm:styleLbl name="asst0">
+    <dgm:fillClrLst meth="repeat">
+      <a:schemeClr val="accent5"/>
+    </dgm:fillClrLst>
+    <dgm:linClrLst meth="repeat">
+      <a:schemeClr val="lt1"/>
+    </dgm:linClrLst>
+    <dgm:effectClrLst/>
+    <dgm:txLinClrLst/>
+    <dgm:txFillClrLst/>
+    <dgm:txEffectClrLst/>
+  </dgm:styleLbl>
+  <dgm:styleLbl name="asst1">
+    <dgm:fillClrLst meth="repeat">
+      <a:schemeClr val="accent5"/>
+    </dgm:fillClrLst>
+    <dgm:linClrLst meth="repeat">
+      <a:schemeClr val="lt1"/>
+    </dgm:linClrLst>
+    <dgm:effectClrLst/>
+    <dgm:txLinClrLst/>
+    <dgm:txFillClrLst/>
+    <dgm:txEffectClrLst/>
+  </dgm:styleLbl>
+  <dgm:styleLbl name="asst2">
+    <dgm:fillClrLst meth="repeat">
+      <a:schemeClr val="accent5"/>
+    </dgm:fillClrLst>
+    <dgm:linClrLst meth="repeat">
+      <a:schemeClr val="lt1"/>
+    </dgm:linClrLst>
+    <dgm:effectClrLst/>
+    <dgm:txLinClrLst/>
+    <dgm:txFillClrLst/>
+    <dgm:txEffectClrLst/>
+  </dgm:styleLbl>
+  <dgm:styleLbl name="asst3">
+    <dgm:fillClrLst meth="repeat">
+      <a:schemeClr val="accent5"/>
+    </dgm:fillClrLst>
+    <dgm:linClrLst meth="repeat">
+      <a:schemeClr val="lt1"/>
+    </dgm:linClrLst>
+    <dgm:effectClrLst/>
+    <dgm:txLinClrLst/>
+    <dgm:txFillClrLst/>
+    <dgm:txEffectClrLst/>
+  </dgm:styleLbl>
+  <dgm:styleLbl name="asst4">
+    <dgm:fillClrLst meth="repeat">
+      <a:schemeClr val="accent5"/>
+    </dgm:fillClrLst>
+    <dgm:linClrLst meth="repeat">
+      <a:schemeClr val="lt1"/>
+    </dgm:linClrLst>
+    <dgm:effectClrLst/>
+    <dgm:txLinClrLst/>
+    <dgm:txFillClrLst/>
+    <dgm:txEffectClrLst/>
+  </dgm:styleLbl>
+  <dgm:styleLbl name="parChTrans2D1">
+    <dgm:fillClrLst meth="repeat">
+      <a:schemeClr val="accent5">
+        <a:tint val="60000"/>
+      </a:schemeClr>
+    </dgm:fillClrLst>
+    <dgm:linClrLst meth="repeat">
+      <a:schemeClr val="accent5">
+        <a:tint val="60000"/>
+      </a:schemeClr>
+    </dgm:linClrLst>
+    <dgm:effectClrLst/>
+    <dgm:txLinClrLst/>
+    <dgm:txFillClrLst meth="repeat">
+      <a:schemeClr val="lt1"/>
+    </dgm:txFillClrLst>
+    <dgm:txEffectClrLst/>
+  </dgm:styleLbl>
+  <dgm:styleLbl name="parChTrans2D2">
+    <dgm:fillClrLst meth="repeat">
+      <a:schemeClr val="accent5"/>
+    </dgm:fillClrLst>
+    <dgm:linClrLst meth="repeat">
+      <a:schemeClr val="accent5"/>
+    </dgm:linClrLst>
+    <dgm:effectClrLst/>
+    <dgm:txLinClrLst/>
+    <dgm:txFillClrLst meth="repeat">
+      <a:schemeClr val="lt1"/>
+    </dgm:txFillClrLst>
+    <dgm:txEffectClrLst/>
+  </dgm:styleLbl>
+  <dgm:styleLbl name="parChTrans2D3">
+    <dgm:fillClrLst meth="repeat">
+      <a:schemeClr val="accent5"/>
+    </dgm:fillClrLst>
+    <dgm:linClrLst meth="repeat">
+      <a:schemeClr val="accent5"/>
+    </dgm:linClrLst>
+    <dgm:effectClrLst/>
+    <dgm:txLinClrLst/>
+    <dgm:txFillClrLst meth="repeat">
+      <a:schemeClr val="lt1"/>
+    </dgm:txFillClrLst>
+    <dgm:txEffectClrLst/>
+  </dgm:styleLbl>
+  <dgm:styleLbl name="parChTrans2D4">
+    <dgm:fillClrLst meth="repeat">
+      <a:schemeClr val="accent5"/>
+    </dgm:fillClrLst>
+    <dgm:linClrLst meth="repeat">
+      <a:schemeClr val="accent5"/>
+    </dgm:linClrLst>
+    <dgm:effectClrLst/>
+    <dgm:txLinClrLst/>
+    <dgm:txFillClrLst meth="repeat">
+      <a:schemeClr val="lt1"/>
+    </dgm:txFillClrLst>
+    <dgm:txEffectClrLst/>
+  </dgm:styleLbl>
+  <dgm:styleLbl name="parChTrans1D1">
+    <dgm:fillClrLst meth="repeat">
+      <a:schemeClr val="accent5"/>
+    </dgm:fillClrLst>
+    <dgm:linClrLst meth="repeat">
+      <a:schemeClr val="accent5">
+        <a:shade val="60000"/>
+      </a:schemeClr>
+    </dgm:linClrLst>
+    <dgm:effectClrLst/>
+    <dgm:txLinClrLst/>
+    <dgm:txFillClrLst meth="repeat">
+      <a:schemeClr val="tx1"/>
+    </dgm:txFillClrLst>
+    <dgm:txEffectClrLst/>
+  </dgm:styleLbl>
+  <dgm:styleLbl name="parChTrans1D2">
+    <dgm:fillClrLst meth="repeat">
+      <a:schemeClr val="accent5"/>
+    </dgm:fillClrLst>
+    <dgm:linClrLst meth="repeat">
+      <a:schemeClr val="accent5">
+        <a:shade val="60000"/>
+      </a:schemeClr>
+    </dgm:linClrLst>
+    <dgm:effectClrLst/>
+    <dgm:txLinClrLst/>
+    <dgm:txFillClrLst meth="repeat">
+      <a:schemeClr val="tx1"/>
+    </dgm:txFillClrLst>
+    <dgm:txEffectClrLst/>
+  </dgm:styleLbl>
+  <dgm:styleLbl name="parChTrans1D3">
+    <dgm:fillClrLst meth="repeat">
+      <a:schemeClr val="accent5"/>
+    </dgm:fillClrLst>
+    <dgm:linClrLst meth="repeat">
+      <a:schemeClr val="accent5">
+        <a:shade val="80000"/>
+      </a:schemeClr>
+    </dgm:linClrLst>
+    <dgm:effectClrLst/>
+    <dgm:txLinClrLst/>
+    <dgm:txFillClrLst meth="repeat">
+      <a:schemeClr val="tx1"/>
+    </dgm:txFillClrLst>
+    <dgm:txEffectClrLst/>
+  </dgm:styleLbl>
+  <dgm:styleLbl name="parChTrans1D4">
+    <dgm:fillClrLst meth="repeat">
+      <a:schemeClr val="accent5"/>
+    </dgm:fillClrLst>
+    <dgm:linClrLst meth="repeat">
+      <a:schemeClr val="accent5">
+        <a:shade val="80000"/>
+      </a:schemeClr>
+    </dgm:linClrLst>
+    <dgm:effectClrLst/>
+    <dgm:txLinClrLst/>
+    <dgm:txFillClrLst meth="repeat">
+      <a:schemeClr val="tx1"/>
+    </dgm:txFillClrLst>
+    <dgm:txEffectClrLst/>
+  </dgm:styleLbl>
+  <dgm:styleLbl name="fgAcc1">
+    <dgm:fillClrLst meth="repeat">
+      <a:schemeClr val="lt1">
+        <a:alpha val="90000"/>
+      </a:schemeClr>
+    </dgm:fillClrLst>
+    <dgm:linClrLst meth="repeat">
+      <a:schemeClr val="accent5"/>
+    </dgm:linClrLst>
+    <dgm:effectClrLst/>
+    <dgm:txLinClrLst/>
+    <dgm:txFillClrLst meth="repeat">
+      <a:schemeClr val="dk1"/>
+    </dgm:txFillClrLst>
+    <dgm:txEffectClrLst/>
+  </dgm:styleLbl>
+  <dgm:styleLbl name="conFgAcc1">
+    <dgm:fillClrLst meth="repeat">
+      <a:schemeClr val="lt1">
+        <a:alpha val="90000"/>
+      </a:schemeClr>
+    </dgm:fillClrLst>
+    <dgm:linClrLst meth="repeat">
+      <a:schemeClr val="accent5"/>
+    </dgm:linClrLst>
+    <dgm:effectClrLst/>
+    <dgm:txLinClrLst/>
+    <dgm:txFillClrLst meth="repeat">
+      <a:schemeClr val="dk1"/>
+    </dgm:txFillClrLst>
+    <dgm:txEffectClrLst/>
+  </dgm:styleLbl>
+  <dgm:styleLbl name="alignAcc1">
+    <dgm:fillClrLst meth="repeat">
+      <a:schemeClr val="lt1">
+        <a:alpha val="90000"/>
+      </a:schemeClr>
+    </dgm:fillClrLst>
+    <dgm:linClrLst meth="repeat">
+      <a:schemeClr val="accent5"/>
+    </dgm:linClrLst>
+    <dgm:effectClrLst/>
+    <dgm:txLinClrLst/>
+    <dgm:txFillClrLst meth="repeat">
+      <a:schemeClr val="dk1"/>
+    </dgm:txFillClrLst>
+    <dgm:txEffectClrLst/>
+  </dgm:styleLbl>
+  <dgm:styleLbl name="trAlignAcc1">
+    <dgm:fillClrLst meth="repeat">
+      <a:schemeClr val="lt1">
+        <a:alpha val="40000"/>
+      </a:schemeClr>
+    </dgm:fillClrLst>
+    <dgm:linClrLst meth="repeat">
+      <a:schemeClr val="accent5"/>
+    </dgm:linClrLst>
+    <dgm:effectClrLst/>
+    <dgm:txLinClrLst/>
+    <dgm:txFillClrLst meth="repeat">
+      <a:schemeClr val="dk1"/>
+    </dgm:txFillClrLst>
+    <dgm:txEffectClrLst/>
+  </dgm:styleLbl>
+  <dgm:styleLbl name="bgAcc1">
+    <dgm:fillClrLst meth="repeat">
+      <a:schemeClr val="lt1">
+        <a:alpha val="90000"/>
+      </a:schemeClr>
+    </dgm:fillClrLst>
+    <dgm:linClrLst meth="repeat">
+      <a:schemeClr val="accent5"/>
+    </dgm:linClrLst>
+    <dgm:effectClrLst/>
+    <dgm:txLinClrLst/>
+    <dgm:txFillClrLst meth="repeat">
+      <a:schemeClr val="dk1"/>
+    </dgm:txFillClrLst>
+    <dgm:txEffectClrLst/>
+  </dgm:styleLbl>
+  <dgm:styleLbl name="solidFgAcc1">
+    <dgm:fillClrLst meth="repeat">
+      <a:schemeClr val="lt1"/>
+    </dgm:fillClrLst>
+    <dgm:linClrLst meth="repeat">
+      <a:schemeClr val="accent5"/>
+    </dgm:linClrLst>
+    <dgm:effectClrLst/>
+    <dgm:txLinClrLst/>
+    <dgm:txFillClrLst meth="repeat">
+      <a:schemeClr val="dk1"/>
+    </dgm:txFillClrLst>
+    <dgm:txEffectClrLst/>
+  </dgm:styleLbl>
+  <dgm:styleLbl name="solidAlignAcc1">
+    <dgm:fillClrLst meth="repeat">
+      <a:schemeClr val="lt1"/>
+    </dgm:fillClrLst>
+    <dgm:linClrLst meth="repeat">
+      <a:schemeClr val="accent5"/>
+    </dgm:linClrLst>
+    <dgm:effectClrLst/>
+    <dgm:txLinClrLst/>
+    <dgm:txFillClrLst meth="repeat">
+      <a:schemeClr val="dk1"/>
+    </dgm:txFillClrLst>
+    <dgm:txEffectClrLst/>
+  </dgm:styleLbl>
+  <dgm:styleLbl name="solidBgAcc1">
+    <dgm:fillClrLst meth="repeat">
+      <a:schemeClr val="lt1"/>
+    </dgm:fillClrLst>
+    <dgm:linClrLst meth="repeat">
+      <a:schemeClr val="accent5"/>
+    </dgm:linClrLst>
+    <dgm:effectClrLst/>
+    <dgm:txLinClrLst/>
+    <dgm:txFillClrLst meth="repeat">
+      <a:schemeClr val="dk1"/>
+    </dgm:txFillClrLst>
+    <dgm:txEffectClrLst/>
+  </dgm:styleLbl>
+  <dgm:styleLbl name="fgAccFollowNode1">
+    <dgm:fillClrLst meth="repeat">
+      <a:schemeClr val="accent5">
+        <a:alpha val="90000"/>
+        <a:tint val="40000"/>
+      </a:schemeClr>
+    </dgm:fillClrLst>
+    <dgm:linClrLst meth="repeat">
+      <a:schemeClr val="accent5">
+        <a:alpha val="90000"/>
+        <a:tint val="40000"/>
+      </a:schemeClr>
+    </dgm:linClrLst>
+    <dgm:effectClrLst/>
+    <dgm:txLinClrLst/>
+    <dgm:txFillClrLst meth="repeat">
+      <a:schemeClr val="dk1"/>
+    </dgm:txFillClrLst>
+    <dgm:txEffectClrLst/>
+  </dgm:styleLbl>
+  <dgm:styleLbl name="alignAccFollowNode1">
+    <dgm:fillClrLst meth="repeat">
+      <a:schemeClr val="accent5">
+        <a:alpha val="90000"/>
+        <a:tint val="40000"/>
+      </a:schemeClr>
+    </dgm:fillClrLst>
+    <dgm:linClrLst meth="repeat">
+      <a:schemeClr val="accent5">
+        <a:alpha val="90000"/>
+        <a:tint val="40000"/>
+      </a:schemeClr>
+    </dgm:linClrLst>
+    <dgm:effectClrLst/>
+    <dgm:txLinClrLst/>
+    <dgm:txFillClrLst meth="repeat">
+      <a:schemeClr val="dk1"/>
+    </dgm:txFillClrLst>
+    <dgm:txEffectClrLst/>
+  </dgm:styleLbl>
+  <dgm:styleLbl name="bgAccFollowNode1">
+    <dgm:fillClrLst meth="repeat">
+      <a:schemeClr val="accent5">
+        <a:alpha val="90000"/>
+        <a:tint val="40000"/>
+      </a:schemeClr>
+    </dgm:fillClrLst>
+    <dgm:linClrLst meth="repeat">
+      <a:schemeClr val="accent5">
+        <a:alpha val="90000"/>
+        <a:tint val="40000"/>
+      </a:schemeClr>
+    </dgm:linClrLst>
+    <dgm:effectClrLst/>
+    <dgm:txLinClrLst/>
+    <dgm:txFillClrLst meth="repeat">
+      <a:schemeClr val="dk1"/>
+    </dgm:txFillClrLst>
+    <dgm:txEffectClrLst/>
+  </dgm:styleLbl>
+  <dgm:styleLbl name="fgAcc0">
+    <dgm:fillClrLst meth="repeat">
+      <a:schemeClr val="lt1">
+        <a:alpha val="90000"/>
+      </a:schemeClr>
+    </dgm:fillClrLst>
+    <dgm:linClrLst meth="repeat">
+      <a:schemeClr val="accent5"/>
+    </dgm:linClrLst>
+    <dgm:effectClrLst/>
+    <dgm:txLinClrLst/>
+    <dgm:txFillClrLst meth="repeat">
+      <a:schemeClr val="dk1"/>
+    </dgm:txFillClrLst>
+    <dgm:txEffectClrLst/>
+  </dgm:styleLbl>
+  <dgm:styleLbl name="fgAcc2">
+    <dgm:fillClrLst meth="repeat">
+      <a:schemeClr val="lt1">
+        <a:alpha val="90000"/>
+      </a:schemeClr>
+    </dgm:fillClrLst>
+    <dgm:linClrLst meth="repeat">
+      <a:schemeClr val="accent5"/>
+    </dgm:linClrLst>
+    <dgm:effectClrLst/>
+    <dgm:txLinClrLst/>
+    <dgm:txFillClrLst meth="repeat">
+      <a:schemeClr val="dk1"/>
+    </dgm:txFillClrLst>
+    <dgm:txEffectClrLst/>
+  </dgm:styleLbl>
+  <dgm:styleLbl name="fgAcc3">
+    <dgm:fillClrLst meth="repeat">
+      <a:schemeClr val="lt1">
+        <a:alpha val="90000"/>
+      </a:schemeClr>
+    </dgm:fillClrLst>
+    <dgm:linClrLst meth="repeat">
+      <a:schemeClr val="accent5"/>
+    </dgm:linClrLst>
+    <dgm:effectClrLst/>
+    <dgm:txLinClrLst/>
+    <dgm:txFillClrLst meth="repeat">
+      <a:schemeClr val="dk1"/>
+    </dgm:txFillClrLst>
+    <dgm:txEffectClrLst/>
+  </dgm:styleLbl>
+  <dgm:styleLbl name="fgAcc4">
+    <dgm:fillClrLst meth="repeat">
+      <a:schemeClr val="lt1">
+        <a:alpha val="90000"/>
+      </a:schemeClr>
+    </dgm:fillClrLst>
+    <dgm:linClrLst meth="repeat">
+      <a:schemeClr val="accent5"/>
+    </dgm:linClrLst>
+    <dgm:effectClrLst/>
+    <dgm:txLinClrLst/>
+    <dgm:txFillClrLst meth="repeat">
+      <a:schemeClr val="dk1"/>
+    </dgm:txFillClrLst>
+    <dgm:txEffectClrLst/>
+  </dgm:styleLbl>
+  <dgm:styleLbl name="bgShp">
+    <dgm:fillClrLst meth="repeat">
+      <a:schemeClr val="accent5">
+        <a:tint val="40000"/>
+      </a:schemeClr>
+    </dgm:fillClrLst>
+    <dgm:linClrLst meth="repeat">
+      <a:schemeClr val="accent5"/>
+    </dgm:linClrLst>
+    <dgm:effectClrLst/>
+    <dgm:txLinClrLst/>
+    <dgm:txFillClrLst meth="repeat">
+      <a:schemeClr val="dk1"/>
+    </dgm:txFillClrLst>
+    <dgm:txEffectClrLst/>
+  </dgm:styleLbl>
+  <dgm:styleLbl name="dkBgShp">
+    <dgm:fillClrLst meth="repeat">
+      <a:schemeClr val="accent5">
+        <a:shade val="80000"/>
+      </a:schemeClr>
+    </dgm:fillClrLst>
+    <dgm:linClrLst meth="repeat">
+      <a:schemeClr val="accent5"/>
+    </dgm:linClrLst>
+    <dgm:effectClrLst/>
+    <dgm:txLinClrLst/>
+    <dgm:txFillClrLst meth="repeat">
+      <a:schemeClr val="lt1"/>
+    </dgm:txFillClrLst>
+    <dgm:txEffectClrLst/>
+  </dgm:styleLbl>
+  <dgm:styleLbl name="trBgShp">
+    <dgm:fillClrLst meth="repeat">
+      <a:schemeClr val="accent5">
+        <a:tint val="50000"/>
+        <a:alpha val="40000"/>
+      </a:schemeClr>
+    </dgm:fillClrLst>
+    <dgm:linClrLst meth="repeat">
+      <a:schemeClr val="accent5"/>
+    </dgm:linClrLst>
+    <dgm:effectClrLst/>
+    <dgm:txLinClrLst/>
+    <dgm:txFillClrLst meth="repeat">
+      <a:schemeClr val="lt1"/>
+    </dgm:txFillClrLst>
+    <dgm:txEffectClrLst/>
+  </dgm:styleLbl>
+  <dgm:styleLbl name="fgShp">
+    <dgm:fillClrLst meth="repeat">
+      <a:schemeClr val="accent5">
+        <a:tint val="60000"/>
+      </a:schemeClr>
+    </dgm:fillClrLst>
+    <dgm:linClrLst meth="repeat">
+      <a:schemeClr val="lt1"/>
+    </dgm:linClrLst>
+    <dgm:effectClrLst/>
+    <dgm:txLinClrLst/>
+    <dgm:txFillClrLst meth="repeat">
+      <a:schemeClr val="dk1"/>
+    </dgm:txFillClrLst>
+    <dgm:txEffectClrLst/>
+  </dgm:styleLbl>
+  <dgm:styleLbl name="revTx">
+    <dgm:fillClrLst meth="repeat">
+      <a:schemeClr val="lt1">
+        <a:alpha val="0"/>
+      </a:schemeClr>
+    </dgm:fillClrLst>
+    <dgm:linClrLst meth="repeat">
+      <a:schemeClr val="dk1">
+        <a:alpha val="0"/>
+      </a:schemeClr>
+    </dgm:linClrLst>
+    <dgm:effectClrLst/>
+    <dgm:txLinClrLst/>
+    <dgm:txFillClrLst meth="repeat">
+      <a:schemeClr val="tx1"/>
+    </dgm:txFillClrLst>
+    <dgm:txEffectClrLst/>
+  </dgm:styleLbl>
+</dgm:colorsDef>
+</file>
+
+<file path=ppt/diagrams/colors2.xml><?xml version="1.0" encoding="utf-8"?>
+<dgm:colorsDef xmlns:dgm="http://schemas.openxmlformats.org/drawingml/2006/diagram" xmlns:a="http://schemas.openxmlformats.org/drawingml/2006/main" uniqueId="urn:microsoft.com/office/officeart/2018/5/colors/Iconchunking_neutralbg_colorful1">
+  <dgm:title val=""/>
+  <dgm:desc val=""/>
+  <dgm:catLst>
+    <dgm:cat type="colorful" pri="10100"/>
+  </dgm:catLst>
+  <dgm:styleLbl name="node0">
+    <dgm:fillClrLst meth="repeat">
+      <a:schemeClr val="accent1"/>
+    </dgm:fillClrLst>
+    <dgm:linClrLst meth="repeat">
+      <a:schemeClr val="lt1"/>
+    </dgm:linClrLst>
+    <dgm:effectClrLst/>
+    <dgm:txLinClrLst/>
+    <dgm:txFillClrLst/>
+    <dgm:txEffectClrLst/>
+  </dgm:styleLbl>
+  <dgm:styleLbl name="node1">
+    <dgm:fillClrLst meth="repeat">
+      <a:schemeClr val="accent2"/>
+      <a:schemeClr val="accent3"/>
+      <a:schemeClr val="accent4"/>
+      <a:schemeClr val="accent5"/>
+      <a:schemeClr val="accent6"/>
+    </dgm:fillClrLst>
+    <dgm:linClrLst meth="repeat">
+      <a:schemeClr val="lt1">
+        <a:alpha val="0"/>
+      </a:schemeClr>
+    </dgm:linClrLst>
+    <dgm:effectClrLst/>
+    <dgm:txLinClrLst/>
+    <dgm:txFillClrLst/>
+    <dgm:txEffectClrLst/>
+  </dgm:styleLbl>
+  <dgm:styleLbl name="alignNode1">
+    <dgm:fillClrLst meth="repeat">
+      <a:schemeClr val="accent2"/>
+      <a:schemeClr val="accent3"/>
+      <a:schemeClr val="accent4"/>
+      <a:schemeClr val="accent5"/>
+      <a:schemeClr val="accent6"/>
+    </dgm:fillClrLst>
+    <dgm:linClrLst meth="repeat">
+      <a:schemeClr val="accent2"/>
+      <a:schemeClr val="accent3"/>
+      <a:schemeClr val="accent4"/>
+      <a:schemeClr val="accent5"/>
+      <a:schemeClr val="accent6"/>
+    </dgm:linClrLst>
+    <dgm:effectClrLst/>
+    <dgm:txLinClrLst/>
+    <dgm:txFillClrLst/>
+    <dgm:txEffectClrLst/>
+  </dgm:styleLbl>
+  <dgm:styleLbl name="lnNode1">
+    <dgm:fillClrLst meth="repeat">
+      <a:schemeClr val="accent2"/>
+      <a:schemeClr val="accent3"/>
+      <a:schemeClr val="accent4"/>
+      <a:schemeClr val="accent5"/>
+      <a:schemeClr val="accent6"/>
+    </dgm:fillClrLst>
+    <dgm:linClrLst meth="repeat">
+      <a:schemeClr val="lt1"/>
+    </dgm:linClrLst>
+    <dgm:effectClrLst/>
+    <dgm:txLinClrLst/>
+    <dgm:txFillClrLst/>
+    <dgm:txEffectClrLst/>
+  </dgm:styleLbl>
+  <dgm:styleLbl name="vennNode1">
+    <dgm:fillClrLst meth="repeat">
+      <a:schemeClr val="accent2">
+        <a:alpha val="50000"/>
+      </a:schemeClr>
+      <a:schemeClr val="accent3">
+        <a:alpha val="50000"/>
+      </a:schemeClr>
+      <a:schemeClr val="accent4">
+        <a:alpha val="50000"/>
+      </a:schemeClr>
+      <a:schemeClr val="accent5">
+        <a:alpha val="50000"/>
+      </a:schemeClr>
+      <a:schemeClr val="accent6">
+        <a:alpha val="50000"/>
+      </a:schemeClr>
+    </dgm:fillClrLst>
+    <dgm:linClrLst meth="repeat">
+      <a:schemeClr val="lt1"/>
+    </dgm:linClrLst>
+    <dgm:effectClrLst/>
+    <dgm:txLinClrLst/>
+    <dgm:txFillClrLst/>
+    <dgm:txEffectClrLst/>
+  </dgm:styleLbl>
+  <dgm:styleLbl name="node2">
+    <dgm:fillClrLst>
+      <a:schemeClr val="accent2"/>
+    </dgm:fillClrLst>
+    <dgm:linClrLst meth="repeat">
+      <a:schemeClr val="lt1"/>
+    </dgm:linClrLst>
+    <dgm:effectClrLst/>
+    <dgm:txLinClrLst/>
+    <dgm:txFillClrLst/>
+    <dgm:txEffectClrLst/>
+  </dgm:styleLbl>
+  <dgm:styleLbl name="node3">
+    <dgm:fillClrLst>
+      <a:schemeClr val="accent3"/>
+    </dgm:fillClrLst>
+    <dgm:linClrLst meth="repeat">
+      <a:schemeClr val="lt1"/>
+    </dgm:linClrLst>
+    <dgm:effectClrLst/>
+    <dgm:txLinClrLst/>
+    <dgm:txFillClrLst/>
+    <dgm:txEffectClrLst/>
+  </dgm:styleLbl>
+  <dgm:styleLbl name="node4">
+    <dgm:fillClrLst>
+      <a:schemeClr val="accent4"/>
+    </dgm:fillClrLst>
+    <dgm:linClrLst meth="repeat">
+      <a:schemeClr val="lt1"/>
+    </dgm:linClrLst>
+    <dgm:effectClrLst/>
+    <dgm:txLinClrLst/>
+    <dgm:txFillClrLst/>
+    <dgm:txEffectClrLst/>
+  </dgm:styleLbl>
+  <dgm:styleLbl name="fgImgPlace1">
+    <dgm:fillClrLst meth="repeat">
+      <a:schemeClr val="accent2">
+        <a:tint val="50000"/>
+      </a:schemeClr>
+      <a:schemeClr val="accent3">
+        <a:tint val="50000"/>
+      </a:schemeClr>
+      <a:schemeClr val="accent4">
+        <a:tint val="50000"/>
+      </a:schemeClr>
+      <a:schemeClr val="accent5">
+        <a:tint val="50000"/>
+      </a:schemeClr>
+      <a:schemeClr val="accent6">
+        <a:tint val="50000"/>
+      </a:schemeClr>
+    </dgm:fillClrLst>
+    <dgm:linClrLst meth="repeat">
+      <a:schemeClr val="lt1"/>
+    </dgm:linClrLst>
+    <dgm:effectClrLst/>
+    <dgm:txLinClrLst/>
+    <dgm:txFillClrLst meth="repeat">
+      <a:schemeClr val="lt1"/>
+    </dgm:txFillClrLst>
+    <dgm:txEffectClrLst/>
+  </dgm:styleLbl>
+  <dgm:styleLbl name="alignImgPlace1">
+    <dgm:fillClrLst>
+      <a:schemeClr val="accent1">
+        <a:tint val="50000"/>
+      </a:schemeClr>
+      <a:schemeClr val="accent2">
+        <a:tint val="20000"/>
+      </a:schemeClr>
+    </dgm:fillClrLst>
+    <dgm:linClrLst meth="repeat">
+      <a:schemeClr val="lt1"/>
+    </dgm:linClrLst>
+    <dgm:effectClrLst/>
+    <dgm:txLinClrLst/>
+    <dgm:txFillClrLst meth="repeat">
+      <a:schemeClr val="lt1"/>
+    </dgm:txFillClrLst>
+    <dgm:txEffectClrLst/>
+  </dgm:styleLbl>
+  <dgm:styleLbl name="bgImgPlace1">
+    <dgm:fillClrLst>
+      <a:schemeClr val="accent1">
+        <a:tint val="50000"/>
+      </a:schemeClr>
+      <a:schemeClr val="accent2">
+        <a:tint val="20000"/>
+      </a:schemeClr>
+    </dgm:fillClrLst>
+    <dgm:linClrLst meth="repeat">
+      <a:schemeClr val="lt1"/>
+    </dgm:linClrLst>
+    <dgm:effectClrLst/>
+    <dgm:txLinClrLst/>
+    <dgm:txFillClrLst meth="repeat">
+      <a:schemeClr val="lt1"/>
+    </dgm:txFillClrLst>
+    <dgm:txEffectClrLst/>
+  </dgm:styleLbl>
+  <dgm:styleLbl name="sibTrans2D1">
+    <dgm:fillClrLst meth="repeat">
+      <a:schemeClr val="accent2"/>
+      <a:schemeClr val="accent3"/>
+      <a:schemeClr val="accent4"/>
+      <a:schemeClr val="accent5"/>
+      <a:schemeClr val="accent6"/>
+    </dgm:fillClrLst>
+    <dgm:linClrLst meth="cycle">
+      <a:schemeClr val="lt1"/>
+    </dgm:linClrLst>
+    <dgm:effectClrLst/>
+    <dgm:txLinClrLst/>
+    <dgm:txFillClrLst/>
+    <dgm:txEffectClrLst/>
+  </dgm:styleLbl>
+  <dgm:styleLbl name="fgSibTrans2D1">
+    <dgm:fillClrLst meth="repeat">
+      <a:schemeClr val="accent2"/>
+      <a:schemeClr val="accent3"/>
+      <a:schemeClr val="accent4"/>
+      <a:schemeClr val="accent5"/>
+      <a:schemeClr val="accent6"/>
+    </dgm:fillClrLst>
+    <dgm:linClrLst meth="cycle">
+      <a:schemeClr val="lt1"/>
+    </dgm:linClrLst>
+    <dgm:effectClrLst/>
+    <dgm:txLinClrLst/>
+    <dgm:txFillClrLst meth="repeat">
+      <a:schemeClr val="lt1"/>
+    </dgm:txFillClrLst>
+    <dgm:txEffectClrLst/>
+  </dgm:styleLbl>
+  <dgm:styleLbl name="bgSibTrans2D1">
+    <dgm:fillClrLst meth="repeat">
+      <a:schemeClr val="accent2"/>
+      <a:schemeClr val="accent3"/>
+      <a:schemeClr val="accent4"/>
+      <a:schemeClr val="accent5"/>
+      <a:schemeClr val="accent6"/>
+    </dgm:fillClrLst>
+    <dgm:linClrLst meth="cycle">
+      <a:schemeClr val="lt1"/>
+    </dgm:linClrLst>
+    <dgm:effectClrLst/>
+    <dgm:txLinClrLst/>
+    <dgm:txFillClrLst meth="repeat">
+      <a:schemeClr val="lt1"/>
+    </dgm:txFillClrLst>
+    <dgm:txEffectClrLst/>
+  </dgm:styleLbl>
+  <dgm:styleLbl name="sibTrans1D1">
+    <dgm:fillClrLst meth="repeat">
+      <a:schemeClr val="accent2"/>
+      <a:schemeClr val="accent3"/>
+      <a:schemeClr val="accent4"/>
+      <a:schemeClr val="accent5"/>
+      <a:schemeClr val="accent6"/>
+    </dgm:fillClrLst>
+    <dgm:linClrLst meth="repeat">
+      <a:schemeClr val="accent2"/>
+      <a:schemeClr val="accent3"/>
+      <a:schemeClr val="accent4"/>
+      <a:schemeClr val="accent5"/>
+      <a:schemeClr val="accent6"/>
+    </dgm:linClrLst>
+    <dgm:effectClrLst/>
+    <dgm:txLinClrLst/>
+    <dgm:txFillClrLst meth="repeat">
+      <a:schemeClr val="tx1"/>
+    </dgm:txFillClrLst>
+    <dgm:txEffectClrLst/>
+  </dgm:styleLbl>
+  <dgm:styleLbl name="callout">
+    <dgm:fillClrLst meth="repeat">
+      <a:schemeClr val="accent2"/>
+    </dgm:fillClrLst>
+    <dgm:linClrLst meth="repeat">
+      <a:schemeClr val="accent2">
+        <a:tint val="50000"/>
+      </a:schemeClr>
+    </dgm:linClrLst>
+    <dgm:effectClrLst/>
+    <dgm:txLinClrLst/>
+    <dgm:txFillClrLst meth="repeat">
+      <a:schemeClr val="tx1"/>
+    </dgm:txFillClrLst>
+    <dgm:txEffectClrLst/>
+  </dgm:styleLbl>
+  <dgm:styleLbl name="asst0">
+    <dgm:fillClrLst meth="repeat">
+      <a:schemeClr val="accent1"/>
+    </dgm:fillClrLst>
+    <dgm:linClrLst meth="repeat">
+      <a:schemeClr val="lt1"/>
+    </dgm:linClrLst>
+    <dgm:effectClrLst/>
+    <dgm:txLinClrLst/>
+    <dgm:txFillClrLst/>
+    <dgm:txEffectClrLst/>
+  </dgm:styleLbl>
+  <dgm:styleLbl name="asst1">
+    <dgm:fillClrLst meth="repeat">
+      <a:schemeClr val="accent2"/>
+    </dgm:fillClrLst>
+    <dgm:linClrLst meth="repeat">
+      <a:schemeClr val="lt1"/>
+    </dgm:linClrLst>
+    <dgm:effectClrLst/>
+    <dgm:txLinClrLst/>
+    <dgm:txFillClrLst/>
+    <dgm:txEffectClrLst/>
+  </dgm:styleLbl>
+  <dgm:styleLbl name="asst2">
+    <dgm:fillClrLst>
+      <a:schemeClr val="accent3"/>
+    </dgm:fillClrLst>
+    <dgm:linClrLst meth="repeat">
+      <a:schemeClr val="lt1"/>
+    </dgm:linClrLst>
+    <dgm:effectClrLst/>
+    <dgm:txLinClrLst/>
+    <dgm:txFillClrLst/>
+    <dgm:txEffectClrLst/>
+  </dgm:styleLbl>
+  <dgm:styleLbl name="asst3">
+    <dgm:fillClrLst>
+      <a:schemeClr val="accent4"/>
+    </dgm:fillClrLst>
+    <dgm:linClrLst meth="repeat">
+      <a:schemeClr val="lt1"/>
+    </dgm:linClrLst>
+    <dgm:effectClrLst/>
+    <dgm:txLinClrLst/>
+    <dgm:txFillClrLst/>
+    <dgm:txEffectClrLst/>
+  </dgm:styleLbl>
+  <dgm:styleLbl name="asst4">
+    <dgm:fillClrLst>
+      <a:schemeClr val="accent5"/>
+    </dgm:fillClrLst>
+    <dgm:linClrLst meth="repeat">
+      <a:schemeClr val="lt1"/>
+    </dgm:linClrLst>
+    <dgm:effectClrLst/>
+    <dgm:txLinClrLst/>
+    <dgm:txFillClrLst/>
+    <dgm:txEffectClrLst/>
+  </dgm:styleLbl>
+  <dgm:styleLbl name="parChTrans2D1">
+    <dgm:fillClrLst meth="repeat">
+      <a:schemeClr val="accent2"/>
+    </dgm:fillClrLst>
+    <dgm:linClrLst meth="repeat">
+      <a:schemeClr val="lt1"/>
+    </dgm:linClrLst>
+    <dgm:effectClrLst/>
+    <dgm:txLinClrLst/>
+    <dgm:txFillClrLst meth="repeat">
+      <a:schemeClr val="lt1"/>
+    </dgm:txFillClrLst>
+    <dgm:txEffectClrLst/>
+  </dgm:styleLbl>
+  <dgm:styleLbl name="parChTrans2D2">
+    <dgm:fillClrLst meth="repeat">
+      <a:schemeClr val="accent3"/>
+    </dgm:fillClrLst>
+    <dgm:linClrLst meth="repeat">
+      <a:schemeClr val="lt1"/>
+    </dgm:linClrLst>
+    <dgm:effectClrLst/>
+    <dgm:txLinClrLst/>
+    <dgm:txFillClrLst/>
+    <dgm:txEffectClrLst/>
+  </dgm:styleLbl>
+  <dgm:styleLbl name="parChTrans2D3">
+    <dgm:fillClrLst meth="repeat">
+      <a:schemeClr val="accent4"/>
+    </dgm:fillClrLst>
+    <dgm:linClrLst meth="repeat">
+      <a:schemeClr val="lt1"/>
+    </dgm:linClrLst>
+    <dgm:effectClrLst/>
+    <dgm:txLinClrLst/>
+    <dgm:txFillClrLst/>
+    <dgm:txEffectClrLst/>
+  </dgm:styleLbl>
+  <dgm:styleLbl name="parChTrans2D4">
+    <dgm:fillClrLst meth="repeat">
+      <a:schemeClr val="accent5"/>
+    </dgm:fillClrLst>
+    <dgm:linClrLst meth="repeat">
+      <a:schemeClr val="lt1"/>
+    </dgm:linClrLst>
+    <dgm:effectClrLst/>
+    <dgm:txLinClrLst/>
+    <dgm:txFillClrLst meth="repeat">
+      <a:schemeClr val="lt1"/>
+    </dgm:txFillClrLst>
+    <dgm:txEffectClrLst/>
+  </dgm:styleLbl>
+  <dgm:styleLbl name="parChTrans1D1">
+    <dgm:fillClrLst meth="repeat">
+      <a:schemeClr val="accent2"/>
+    </dgm:fillClrLst>
+    <dgm:linClrLst meth="repeat">
+      <a:schemeClr val="accent1"/>
+    </dgm:linClrLst>
+    <dgm:effectClrLst/>
+    <dgm:txLinClrLst/>
+    <dgm:txFillClrLst meth="repeat">
+      <a:schemeClr val="tx1"/>
+    </dgm:txFillClrLst>
+    <dgm:txEffectClrLst/>
+  </dgm:styleLbl>
+  <dgm:styleLbl name="parChTrans1D2">
+    <dgm:fillClrLst meth="repeat">
+      <a:schemeClr val="accent3">
+        <a:tint val="90000"/>
+      </a:schemeClr>
+    </dgm:fillClrLst>
+    <dgm:linClrLst meth="repeat">
+      <a:schemeClr val="accent2"/>
+    </dgm:linClrLst>
+    <dgm:effectClrLst/>
+    <dgm:txLinClrLst/>
+    <dgm:txFillClrLst meth="repeat">
+      <a:schemeClr val="tx1"/>
+    </dgm:txFillClrLst>
+    <dgm:txEffectClrLst/>
+  </dgm:styleLbl>
+  <dgm:styleLbl name="parChTrans1D3">
+    <dgm:fillClrLst meth="repeat">
+      <a:schemeClr val="accent4">
+        <a:tint val="70000"/>
+      </a:schemeClr>
+    </dgm:fillClrLst>
+    <dgm:linClrLst meth="repeat">
+      <a:schemeClr val="accent3"/>
+    </dgm:linClrLst>
+    <dgm:effectClrLst/>
+    <dgm:txLinClrLst/>
+    <dgm:txFillClrLst meth="repeat">
+      <a:schemeClr val="tx1"/>
+    </dgm:txFillClrLst>
+    <dgm:txEffectClrLst/>
+  </dgm:styleLbl>
+  <dgm:styleLbl name="parChTrans1D4">
+    <dgm:fillClrLst meth="repeat">
+      <a:schemeClr val="accent5">
+        <a:tint val="50000"/>
+      </a:schemeClr>
+    </dgm:fillClrLst>
+    <dgm:linClrLst meth="repeat">
+      <a:schemeClr val="accent4"/>
+    </dgm:linClrLst>
+    <dgm:effectClrLst/>
+    <dgm:txLinClrLst/>
+    <dgm:txFillClrLst meth="repeat">
+      <a:schemeClr val="tx1"/>
+    </dgm:txFillClrLst>
+    <dgm:txEffectClrLst/>
+  </dgm:styleLbl>
+  <dgm:styleLbl name="fgAcc1">
+    <dgm:fillClrLst meth="repeat">
+      <a:schemeClr val="lt1">
+        <a:alpha val="90000"/>
+      </a:schemeClr>
+    </dgm:fillClrLst>
+    <dgm:linClrLst meth="repeat">
+      <a:schemeClr val="accent2"/>
+      <a:schemeClr val="accent3"/>
+      <a:schemeClr val="accent4"/>
+      <a:schemeClr val="accent5"/>
+      <a:schemeClr val="accent6"/>
+    </dgm:linClrLst>
+    <dgm:effectClrLst/>
+    <dgm:txLinClrLst/>
+    <dgm:txFillClrLst meth="repeat">
+      <a:schemeClr val="dk1"/>
+    </dgm:txFillClrLst>
+    <dgm:txEffectClrLst/>
+  </dgm:styleLbl>
+  <dgm:styleLbl name="conFgAcc1">
+    <dgm:fillClrLst meth="repeat">
+      <a:schemeClr val="lt1">
+        <a:alpha val="90000"/>
+      </a:schemeClr>
+    </dgm:fillClrLst>
+    <dgm:linClrLst meth="repeat">
+      <a:schemeClr val="accent2"/>
+      <a:schemeClr val="accent3"/>
+      <a:schemeClr val="accent4"/>
+      <a:schemeClr val="accent5"/>
+      <a:schemeClr val="accent6"/>
+    </dgm:linClrLst>
+    <dgm:effectClrLst/>
+    <dgm:txLinClrLst/>
+    <dgm:txFillClrLst meth="repeat">
+      <a:schemeClr val="dk1"/>
+    </dgm:txFillClrLst>
+    <dgm:txEffectClrLst/>
+  </dgm:styleLbl>
+  <dgm:styleLbl name="alignAcc1">
+    <dgm:fillClrLst meth="repeat">
+      <a:schemeClr val="lt1">
+        <a:alpha val="90000"/>
+      </a:schemeClr>
+    </dgm:fillClrLst>
+    <dgm:linClrLst meth="repeat">
+      <a:schemeClr val="accent2"/>
+      <a:schemeClr val="accent3"/>
+      <a:schemeClr val="accent4"/>
+      <a:schemeClr val="accent5"/>
+      <a:schemeClr val="accent6"/>
+    </dgm:linClrLst>
+    <dgm:effectClrLst/>
+    <dgm:txLinClrLst/>
+    <dgm:txFillClrLst meth="repeat">
+      <a:schemeClr val="dk1"/>
+    </dgm:txFillClrLst>
+    <dgm:txEffectClrLst/>
+  </dgm:styleLbl>
+  <dgm:styleLbl name="trAlignAcc1">
+    <dgm:fillClrLst meth="repeat">
+      <a:schemeClr val="lt1">
+        <a:alpha val="40000"/>
+      </a:schemeClr>
+    </dgm:fillClrLst>
+    <dgm:linClrLst meth="repeat">
+      <a:schemeClr val="accent1"/>
+    </dgm:linClrLst>
+    <dgm:effectClrLst/>
+    <dgm:txLinClrLst/>
+    <dgm:txFillClrLst meth="repeat">
+      <a:schemeClr val="dk1"/>
+    </dgm:txFillClrLst>
+    <dgm:txEffectClrLst/>
+  </dgm:styleLbl>
+  <dgm:styleLbl name="bgAcc1">
+    <dgm:fillClrLst meth="repeat">
+      <a:schemeClr val="lt1">
+        <a:alpha val="90000"/>
+      </a:schemeClr>
+    </dgm:fillClrLst>
+    <dgm:linClrLst meth="repeat">
+      <a:schemeClr val="accent2"/>
+      <a:schemeClr val="accent3"/>
+      <a:schemeClr val="accent4"/>
+      <a:schemeClr val="accent5"/>
+      <a:schemeClr val="accent6"/>
+    </dgm:linClrLst>
+    <dgm:effectClrLst/>
+    <dgm:txLinClrLst/>
+    <dgm:txFillClrLst meth="repeat">
+      <a:schemeClr val="dk1"/>
+    </dgm:txFillClrLst>
+    <dgm:txEffectClrLst/>
+  </dgm:styleLbl>
+  <dgm:styleLbl name="solidFgAcc1">
+    <dgm:fillClrLst meth="repeat">
+      <a:schemeClr val="lt1"/>
+    </dgm:fillClrLst>
+    <dgm:linClrLst meth="repeat">
+      <a:schemeClr val="accent2"/>
+      <a:schemeClr val="accent3"/>
+      <a:schemeClr val="accent4"/>
+      <a:schemeClr val="accent5"/>
+      <a:schemeClr val="accent6"/>
+    </dgm:linClrLst>
+    <dgm:effectClrLst/>
+    <dgm:txLinClrLst/>
+    <dgm:txFillClrLst meth="repeat">
+      <a:schemeClr val="dk1"/>
+    </dgm:txFillClrLst>
+    <dgm:txEffectClrLst/>
+  </dgm:styleLbl>
+  <dgm:styleLbl name="solidAlignAcc1">
+    <dgm:fillClrLst meth="repeat">
+      <a:schemeClr val="lt1"/>
+    </dgm:fillClrLst>
+    <dgm:linClrLst meth="repeat">
+      <a:schemeClr val="accent2"/>
+      <a:schemeClr val="accent3"/>
+      <a:schemeClr val="accent4"/>
+      <a:schemeClr val="accent5"/>
+      <a:schemeClr val="accent6"/>
+    </dgm:linClrLst>
+    <dgm:effectClrLst/>
+    <dgm:txLinClrLst/>
+    <dgm:txFillClrLst meth="repeat">
+      <a:schemeClr val="dk1"/>
+    </dgm:txFillClrLst>
+    <dgm:txEffectClrLst/>
+  </dgm:styleLbl>
+  <dgm:styleLbl name="solidBgAcc1">
+    <dgm:fillClrLst meth="repeat">
+      <a:schemeClr val="lt1"/>
+    </dgm:fillClrLst>
+    <dgm:linClrLst meth="repeat">
+      <a:schemeClr val="accent2"/>
+      <a:schemeClr val="accent3"/>
+      <a:schemeClr val="accent4"/>
+      <a:schemeClr val="accent5"/>
+      <a:schemeClr val="accent6"/>
+    </dgm:linClrLst>
+    <dgm:effectClrLst/>
+    <dgm:txLinClrLst/>
+    <dgm:txFillClrLst meth="repeat">
+      <a:schemeClr val="dk1"/>
+    </dgm:txFillClrLst>
+    <dgm:txEffectClrLst/>
+  </dgm:styleLbl>
+  <dgm:styleLbl name="fgAccFollowNode1">
+    <dgm:fillClrLst meth="repeat">
+      <a:schemeClr val="accent2">
+        <a:tint val="40000"/>
+        <a:alpha val="90000"/>
+      </a:schemeClr>
+      <a:schemeClr val="accent3">
+        <a:tint val="40000"/>
+        <a:alpha val="90000"/>
+      </a:schemeClr>
+      <a:schemeClr val="accent4">
+        <a:tint val="40000"/>
+        <a:alpha val="90000"/>
+      </a:schemeClr>
+      <a:schemeClr val="accent5">
+        <a:tint val="40000"/>
+        <a:alpha val="90000"/>
+      </a:schemeClr>
+      <a:schemeClr val="accent6">
+        <a:tint val="40000"/>
+        <a:alpha val="90000"/>
+      </a:schemeClr>
+    </dgm:fillClrLst>
+    <dgm:linClrLst meth="repeat">
+      <a:schemeClr val="accent2">
+        <a:tint val="40000"/>
+        <a:alpha val="90000"/>
+      </a:schemeClr>
+      <a:schemeClr val="accent3">
+        <a:tint val="40000"/>
+        <a:alpha val="90000"/>
+      </a:schemeClr>
+      <a:schemeClr val="accent4">
+        <a:tint val="40000"/>
+        <a:alpha val="90000"/>
+      </a:schemeClr>
+      <a:schemeClr val="accent5">
+        <a:tint val="40000"/>
+        <a:alpha val="90000"/>
+      </a:schemeClr>
+      <a:schemeClr val="accent6">
+        <a:tint val="40000"/>
+        <a:alpha val="90000"/>
+      </a:schemeClr>
+    </dgm:linClrLst>
+    <dgm:effectClrLst/>
+    <dgm:txLinClrLst/>
+    <dgm:txFillClrLst meth="repeat">
+      <a:schemeClr val="dk1"/>
+    </dgm:txFillClrLst>
+    <dgm:txEffectClrLst/>
+  </dgm:styleLbl>
+  <dgm:styleLbl name="alignAccFollowNode1">
+    <dgm:fillClrLst meth="repeat">
+      <a:schemeClr val="accent2">
+        <a:tint val="40000"/>
+        <a:alpha val="90000"/>
+      </a:schemeClr>
+      <a:schemeClr val="accent3">
+        <a:tint val="40000"/>
+        <a:alpha val="90000"/>
+      </a:schemeClr>
+      <a:schemeClr val="accent4">
+        <a:tint val="40000"/>
+        <a:alpha val="90000"/>
+      </a:schemeClr>
+      <a:schemeClr val="accent5">
+        <a:tint val="40000"/>
+        <a:alpha val="90000"/>
+      </a:schemeClr>
+      <a:schemeClr val="accent6">
+        <a:tint val="40000"/>
+        <a:alpha val="90000"/>
+      </a:schemeClr>
+    </dgm:fillClrLst>
+    <dgm:linClrLst meth="repeat">
+      <a:schemeClr val="accent2">
+        <a:tint val="40000"/>
+        <a:alpha val="90000"/>
+      </a:schemeClr>
+      <a:schemeClr val="accent3">
+        <a:tint val="40000"/>
+        <a:alpha val="90000"/>
+      </a:schemeClr>
+      <a:schemeClr val="accent4">
+        <a:tint val="40000"/>
+        <a:alpha val="90000"/>
+      </a:schemeClr>
+      <a:schemeClr val="accent5">
+        <a:tint val="40000"/>
+        <a:alpha val="90000"/>
+      </a:schemeClr>
+      <a:schemeClr val="accent6">
+        <a:tint val="40000"/>
+        <a:alpha val="90000"/>
+      </a:schemeClr>
+    </dgm:linClrLst>
+    <dgm:effectClrLst/>
+    <dgm:txLinClrLst/>
+    <dgm:txFillClrLst meth="repeat">
+      <a:schemeClr val="dk1"/>
+    </dgm:txFillClrLst>
+    <dgm:txEffectClrLst/>
+  </dgm:styleLbl>
+  <dgm:styleLbl name="bgAccFollowNode1">
+    <dgm:fillClrLst meth="repeat">
+      <a:schemeClr val="accent2">
+        <a:tint val="40000"/>
+        <a:alpha val="90000"/>
+      </a:schemeClr>
+      <a:schemeClr val="accent3">
+        <a:tint val="40000"/>
+        <a:alpha val="90000"/>
+      </a:schemeClr>
+      <a:schemeClr val="accent4">
+        <a:tint val="40000"/>
+        <a:alpha val="90000"/>
+      </a:schemeClr>
+      <a:schemeClr val="accent5">
+        <a:tint val="40000"/>
+        <a:alpha val="90000"/>
+      </a:schemeClr>
+      <a:schemeClr val="accent6">
+        <a:tint val="40000"/>
+        <a:alpha val="90000"/>
+      </a:schemeClr>
+    </dgm:fillClrLst>
+    <dgm:linClrLst meth="repeat">
+      <a:schemeClr val="accent2">
+        <a:tint val="40000"/>
+        <a:alpha val="90000"/>
+      </a:schemeClr>
+      <a:schemeClr val="accent3">
+        <a:tint val="40000"/>
+        <a:alpha val="90000"/>
+      </a:schemeClr>
+      <a:schemeClr val="accent4">
+        <a:tint val="40000"/>
+        <a:alpha val="90000"/>
+      </a:schemeClr>
+      <a:schemeClr val="accent5">
+        <a:tint val="40000"/>
+        <a:alpha val="90000"/>
+      </a:schemeClr>
+      <a:schemeClr val="accent6">
+        <a:tint val="40000"/>
+        <a:alpha val="90000"/>
+      </a:schemeClr>
+    </dgm:linClrLst>
+    <dgm:effectClrLst/>
+    <dgm:txLinClrLst/>
+    <dgm:txFillClrLst meth="repeat">
+      <a:schemeClr val="dk1"/>
+    </dgm:txFillClrLst>
+    <dgm:txEffectClrLst/>
+  </dgm:styleLbl>
+  <dgm:styleLbl name="fgAcc0">
+    <dgm:fillClrLst meth="repeat">
+      <a:schemeClr val="lt1">
+        <a:alpha val="90000"/>
+      </a:schemeClr>
+    </dgm:fillClrLst>
+    <dgm:linClrLst>
+      <a:schemeClr val="accent1"/>
+    </dgm:linClrLst>
+    <dgm:effectClrLst/>
+    <dgm:txLinClrLst/>
+    <dgm:txFillClrLst meth="repeat">
+      <a:schemeClr val="dk1"/>
+    </dgm:txFillClrLst>
+    <dgm:txEffectClrLst/>
+  </dgm:styleLbl>
+  <dgm:styleLbl name="fgAcc2">
+    <dgm:fillClrLst meth="repeat">
+      <a:schemeClr val="lt1">
+        <a:alpha val="90000"/>
+      </a:schemeClr>
+    </dgm:fillClrLst>
+    <dgm:linClrLst>
+      <a:schemeClr val="accent2"/>
+    </dgm:linClrLst>
+    <dgm:effectClrLst/>
+    <dgm:txLinClrLst/>
+    <dgm:txFillClrLst meth="repeat">
+      <a:schemeClr val="dk1"/>
+    </dgm:txFillClrLst>
+    <dgm:txEffectClrLst/>
+  </dgm:styleLbl>
+  <dgm:styleLbl name="fgAcc3">
+    <dgm:fillClrLst meth="repeat">
+      <a:schemeClr val="lt1">
+        <a:alpha val="90000"/>
+      </a:schemeClr>
+    </dgm:fillClrLst>
+    <dgm:linClrLst>
+      <a:schemeClr val="accent3"/>
+    </dgm:linClrLst>
+    <dgm:effectClrLst/>
+    <dgm:txLinClrLst/>
+    <dgm:txFillClrLst meth="repeat">
+      <a:schemeClr val="dk1"/>
+    </dgm:txFillClrLst>
+    <dgm:txEffectClrLst/>
+  </dgm:styleLbl>
+  <dgm:styleLbl name="fgAcc4">
+    <dgm:fillClrLst meth="repeat">
+      <a:schemeClr val="lt1">
+        <a:alpha val="90000"/>
+      </a:schemeClr>
+    </dgm:fillClrLst>
+    <dgm:linClrLst>
+      <a:schemeClr val="accent4"/>
+    </dgm:linClrLst>
+    <dgm:effectClrLst/>
+    <dgm:txLinClrLst/>
+    <dgm:txFillClrLst meth="repeat">
+      <a:schemeClr val="dk1"/>
+    </dgm:txFillClrLst>
+    <dgm:txEffectClrLst/>
+  </dgm:styleLbl>
+  <dgm:styleLbl name="bgShp">
+    <dgm:fillClrLst meth="repeat">
+      <a:schemeClr val="bg1">
+        <a:lumMod val="95000"/>
+      </a:schemeClr>
+    </dgm:fillClrLst>
+    <dgm:linClrLst meth="repeat">
+      <a:schemeClr val="dk1"/>
+    </dgm:linClrLst>
+    <dgm:effectClrLst/>
+    <dgm:txLinClrLst/>
+    <dgm:txFillClrLst meth="repeat">
+      <a:schemeClr val="dk1"/>
+    </dgm:txFillClrLst>
+    <dgm:txEffectClrLst/>
+  </dgm:styleLbl>
+  <dgm:styleLbl name="dkBgShp">
+    <dgm:fillClrLst meth="repeat">
+      <a:schemeClr val="accent2">
+        <a:shade val="90000"/>
+      </a:schemeClr>
+    </dgm:fillClrLst>
+    <dgm:linClrLst meth="repeat">
+      <a:schemeClr val="dk1"/>
+    </dgm:linClrLst>
+    <dgm:effectClrLst/>
+    <dgm:txLinClrLst/>
+    <dgm:txFillClrLst meth="repeat">
+      <a:schemeClr val="lt1"/>
+    </dgm:txFillClrLst>
+    <dgm:txEffectClrLst/>
+  </dgm:styleLbl>
+  <dgm:styleLbl name="trBgShp">
+    <dgm:fillClrLst meth="repeat">
+      <a:schemeClr val="accent1">
+        <a:tint val="50000"/>
+        <a:alpha val="40000"/>
+      </a:schemeClr>
+    </dgm:fillClrLst>
+    <dgm:linClrLst meth="repeat">
+      <a:schemeClr val="accent2"/>
+    </dgm:linClrLst>
+    <dgm:effectClrLst/>
+    <dgm:txLinClrLst/>
+    <dgm:txFillClrLst meth="repeat">
+      <a:schemeClr val="lt1"/>
+    </dgm:txFillClrLst>
+    <dgm:txEffectClrLst/>
+  </dgm:styleLbl>
+  <dgm:styleLbl name="fgShp">
+    <dgm:fillClrLst meth="repeat">
+      <a:schemeClr val="accent2">
+        <a:tint val="40000"/>
+      </a:schemeClr>
+    </dgm:fillClrLst>
+    <dgm:linClrLst meth="repeat">
+      <a:schemeClr val="lt1"/>
+    </dgm:linClrLst>
+    <dgm:effectClrLst/>
+    <dgm:txLinClrLst/>
+    <dgm:txFillClrLst meth="repeat">
+      <a:schemeClr val="dk1"/>
+    </dgm:txFillClrLst>
+    <dgm:txEffectClrLst/>
+  </dgm:styleLbl>
+  <dgm:styleLbl name="revTx">
+    <dgm:fillClrLst meth="repeat">
+      <a:schemeClr val="lt1">
+        <a:alpha val="0"/>
+      </a:schemeClr>
+    </dgm:fillClrLst>
+    <dgm:linClrLst meth="repeat">
+      <a:schemeClr val="dk1">
+        <a:alpha val="0"/>
+      </a:schemeClr>
+    </dgm:linClrLst>
+    <dgm:effectClrLst/>
+    <dgm:txLinClrLst/>
+    <dgm:txFillClrLst meth="repeat">
+      <a:schemeClr val="tx1"/>
+    </dgm:txFillClrLst>
+    <dgm:txEffectClrLst/>
+  </dgm:styleLbl>
+</dgm:colorsDef>
+</file>
+
+<file path=ppt/diagrams/data1.xml><?xml version="1.0" encoding="utf-8"?>
+<dgm:dataModel xmlns:dgm="http://schemas.openxmlformats.org/drawingml/2006/diagram" xmlns:a="http://schemas.openxmlformats.org/drawingml/2006/main">
+  <dgm:ptLst>
+    <dgm:pt modelId="{39BF103B-30C7-4FA9-8340-4BA698EBCA23}" type="doc">
+      <dgm:prSet loTypeId="urn:microsoft.com/office/officeart/2008/layout/LinedList" loCatId="list" qsTypeId="urn:microsoft.com/office/officeart/2005/8/quickstyle/simple1" qsCatId="simple" csTypeId="urn:microsoft.com/office/officeart/2005/8/colors/accent5_2" csCatId="accent5"/>
+      <dgm:spPr/>
+      <dgm:t>
+        <a:bodyPr/>
+        <a:lstStyle/>
+        <a:p>
+          <a:endParaRPr lang="en-US"/>
+        </a:p>
+      </dgm:t>
+    </dgm:pt>
+    <dgm:pt modelId="{85C8BD56-7166-492F-A424-85E7A1CF41F4}">
+      <dgm:prSet/>
+      <dgm:spPr/>
+      <dgm:t>
+        <a:bodyPr/>
+        <a:lstStyle/>
+        <a:p>
+          <a:r>
+            <a:rPr lang="en-US" dirty="0">
+              <a:latin typeface="Trebuchet MS" panose="020B0703020202090204" pitchFamily="34" charset="0"/>
+            </a:rPr>
+            <a:t>Motivation</a:t>
+          </a:r>
+        </a:p>
+      </dgm:t>
+    </dgm:pt>
+    <dgm:pt modelId="{EA94BE88-4D76-4706-BB8B-F409BA98D2FE}" type="parTrans" cxnId="{A41CC60D-0514-4B9D-8351-C2D0D84BC59E}">
+      <dgm:prSet/>
+      <dgm:spPr/>
+      <dgm:t>
+        <a:bodyPr/>
+        <a:lstStyle/>
+        <a:p>
+          <a:endParaRPr lang="en-US"/>
+        </a:p>
+      </dgm:t>
+    </dgm:pt>
+    <dgm:pt modelId="{2F2F7B79-A9BF-4638-A205-EF0F76B59B4A}" type="sibTrans" cxnId="{A41CC60D-0514-4B9D-8351-C2D0D84BC59E}">
+      <dgm:prSet/>
+      <dgm:spPr/>
+      <dgm:t>
+        <a:bodyPr/>
+        <a:lstStyle/>
+        <a:p>
+          <a:endParaRPr lang="en-US"/>
+        </a:p>
+      </dgm:t>
+    </dgm:pt>
+    <dgm:pt modelId="{C7E21C6A-92F1-4647-BACD-07AE54893AD0}">
+      <dgm:prSet/>
+      <dgm:spPr/>
+      <dgm:t>
+        <a:bodyPr/>
+        <a:lstStyle/>
+        <a:p>
+          <a:r>
+            <a:rPr lang="en-US" dirty="0">
+              <a:latin typeface="Trebuchet MS" panose="020B0703020202090204" pitchFamily="34" charset="0"/>
+            </a:rPr>
+            <a:t>Approach</a:t>
+          </a:r>
+        </a:p>
+      </dgm:t>
+    </dgm:pt>
+    <dgm:pt modelId="{4F9C1DAC-5CF7-4238-AF10-50DB41FB6393}" type="parTrans" cxnId="{147F7C11-4C77-46D0-B5DC-32CBA2D1D4E9}">
+      <dgm:prSet/>
+      <dgm:spPr/>
+      <dgm:t>
+        <a:bodyPr/>
+        <a:lstStyle/>
+        <a:p>
+          <a:endParaRPr lang="en-US"/>
+        </a:p>
+      </dgm:t>
+    </dgm:pt>
+    <dgm:pt modelId="{87E217BE-831E-4B52-8738-5728E22233EF}" type="sibTrans" cxnId="{147F7C11-4C77-46D0-B5DC-32CBA2D1D4E9}">
+      <dgm:prSet/>
+      <dgm:spPr/>
+      <dgm:t>
+        <a:bodyPr/>
+        <a:lstStyle/>
+        <a:p>
+          <a:endParaRPr lang="en-US"/>
+        </a:p>
+      </dgm:t>
+    </dgm:pt>
+    <dgm:pt modelId="{BB6D307A-E521-481B-A38B-9D25B6ED672B}">
+      <dgm:prSet/>
+      <dgm:spPr/>
+      <dgm:t>
+        <a:bodyPr/>
+        <a:lstStyle/>
+        <a:p>
+          <a:r>
+            <a:rPr lang="en-US" dirty="0">
+              <a:latin typeface="Trebuchet MS" panose="020B0703020202090204" pitchFamily="34" charset="0"/>
+            </a:rPr>
+            <a:t>Results</a:t>
+          </a:r>
+        </a:p>
+      </dgm:t>
+    </dgm:pt>
+    <dgm:pt modelId="{BFA6E185-C099-4706-84F7-D5C73A244747}" type="parTrans" cxnId="{24D870E2-2094-4E0D-B47D-ED7877BAF49F}">
+      <dgm:prSet/>
+      <dgm:spPr/>
+      <dgm:t>
+        <a:bodyPr/>
+        <a:lstStyle/>
+        <a:p>
+          <a:endParaRPr lang="en-US"/>
+        </a:p>
+      </dgm:t>
+    </dgm:pt>
+    <dgm:pt modelId="{25D2095B-F644-40A5-AA47-D8633E320BD5}" type="sibTrans" cxnId="{24D870E2-2094-4E0D-B47D-ED7877BAF49F}">
+      <dgm:prSet/>
+      <dgm:spPr/>
+      <dgm:t>
+        <a:bodyPr/>
+        <a:lstStyle/>
+        <a:p>
+          <a:endParaRPr lang="en-US"/>
+        </a:p>
+      </dgm:t>
+    </dgm:pt>
+    <dgm:pt modelId="{D29BD17A-466C-458F-A986-E162C236B746}">
+      <dgm:prSet/>
+      <dgm:spPr/>
+      <dgm:t>
+        <a:bodyPr/>
+        <a:lstStyle/>
+        <a:p>
+          <a:r>
+            <a:rPr lang="en-US" dirty="0">
+              <a:latin typeface="Trebuchet MS" panose="020B0703020202090204" pitchFamily="34" charset="0"/>
+            </a:rPr>
+            <a:t>Potential Next Steps</a:t>
+          </a:r>
+        </a:p>
+      </dgm:t>
+    </dgm:pt>
+    <dgm:pt modelId="{F4D6EE6E-4577-4928-BC70-251DBF6A7161}" type="parTrans" cxnId="{1F0BFE0D-E52E-40DB-AE6C-96E1A0D876A1}">
+      <dgm:prSet/>
+      <dgm:spPr/>
+      <dgm:t>
+        <a:bodyPr/>
+        <a:lstStyle/>
+        <a:p>
+          <a:endParaRPr lang="en-US"/>
+        </a:p>
+      </dgm:t>
+    </dgm:pt>
+    <dgm:pt modelId="{2096F835-3392-4118-9E91-5F22BDB9C848}" type="sibTrans" cxnId="{1F0BFE0D-E52E-40DB-AE6C-96E1A0D876A1}">
+      <dgm:prSet/>
+      <dgm:spPr/>
+      <dgm:t>
+        <a:bodyPr/>
+        <a:lstStyle/>
+        <a:p>
+          <a:endParaRPr lang="en-US"/>
+        </a:p>
+      </dgm:t>
+    </dgm:pt>
+    <dgm:pt modelId="{0F670EA6-FD7D-F64C-8658-ECD99F090372}" type="pres">
+      <dgm:prSet presAssocID="{39BF103B-30C7-4FA9-8340-4BA698EBCA23}" presName="vert0" presStyleCnt="0">
+        <dgm:presLayoutVars>
+          <dgm:dir/>
+          <dgm:animOne val="branch"/>
+          <dgm:animLvl val="lvl"/>
+        </dgm:presLayoutVars>
+      </dgm:prSet>
+      <dgm:spPr/>
+    </dgm:pt>
+    <dgm:pt modelId="{02176B89-4F35-D44F-99F9-A3207C141A44}" type="pres">
+      <dgm:prSet presAssocID="{85C8BD56-7166-492F-A424-85E7A1CF41F4}" presName="thickLine" presStyleLbl="alignNode1" presStyleIdx="0" presStyleCnt="4"/>
+      <dgm:spPr>
+        <a:ln>
+          <a:solidFill>
+            <a:schemeClr val="bg1">
+              <a:lumMod val="75000"/>
+            </a:schemeClr>
+          </a:solidFill>
+        </a:ln>
+      </dgm:spPr>
+    </dgm:pt>
+    <dgm:pt modelId="{EFFDD31D-2CA3-5149-BB33-0D9A328EEBB8}" type="pres">
+      <dgm:prSet presAssocID="{85C8BD56-7166-492F-A424-85E7A1CF41F4}" presName="horz1" presStyleCnt="0"/>
+      <dgm:spPr/>
+    </dgm:pt>
+    <dgm:pt modelId="{9A6C14EA-77D5-6741-B894-9C9062DA3FD6}" type="pres">
+      <dgm:prSet presAssocID="{85C8BD56-7166-492F-A424-85E7A1CF41F4}" presName="tx1" presStyleLbl="revTx" presStyleIdx="0" presStyleCnt="4"/>
+      <dgm:spPr/>
+    </dgm:pt>
+    <dgm:pt modelId="{9D9EAF40-6284-D144-AEBF-A897A3864792}" type="pres">
+      <dgm:prSet presAssocID="{85C8BD56-7166-492F-A424-85E7A1CF41F4}" presName="vert1" presStyleCnt="0"/>
+      <dgm:spPr/>
+    </dgm:pt>
+    <dgm:pt modelId="{1E9C26A2-A115-044B-8DB2-359B42F1AB55}" type="pres">
+      <dgm:prSet presAssocID="{C7E21C6A-92F1-4647-BACD-07AE54893AD0}" presName="thickLine" presStyleLbl="alignNode1" presStyleIdx="1" presStyleCnt="4"/>
+      <dgm:spPr>
+        <a:ln>
+          <a:solidFill>
+            <a:schemeClr val="bg1">
+              <a:lumMod val="75000"/>
+            </a:schemeClr>
+          </a:solidFill>
+        </a:ln>
+      </dgm:spPr>
+    </dgm:pt>
+    <dgm:pt modelId="{45EBEBCA-3CDF-E740-9270-E2F6AEBF4CC8}" type="pres">
+      <dgm:prSet presAssocID="{C7E21C6A-92F1-4647-BACD-07AE54893AD0}" presName="horz1" presStyleCnt="0"/>
+      <dgm:spPr/>
+    </dgm:pt>
+    <dgm:pt modelId="{395A932E-D467-AE45-9D77-3988AF011343}" type="pres">
+      <dgm:prSet presAssocID="{C7E21C6A-92F1-4647-BACD-07AE54893AD0}" presName="tx1" presStyleLbl="revTx" presStyleIdx="1" presStyleCnt="4"/>
+      <dgm:spPr/>
+    </dgm:pt>
+    <dgm:pt modelId="{18DA4E3C-0DE4-7B43-8021-53785EAFF5ED}" type="pres">
+      <dgm:prSet presAssocID="{C7E21C6A-92F1-4647-BACD-07AE54893AD0}" presName="vert1" presStyleCnt="0"/>
+      <dgm:spPr/>
+    </dgm:pt>
+    <dgm:pt modelId="{8CF825A0-644D-E449-B2E4-17BCEB6197C7}" type="pres">
+      <dgm:prSet presAssocID="{BB6D307A-E521-481B-A38B-9D25B6ED672B}" presName="thickLine" presStyleLbl="alignNode1" presStyleIdx="2" presStyleCnt="4"/>
+      <dgm:spPr>
+        <a:ln>
+          <a:solidFill>
+            <a:schemeClr val="bg1">
+              <a:lumMod val="75000"/>
+            </a:schemeClr>
+          </a:solidFill>
+        </a:ln>
+      </dgm:spPr>
+    </dgm:pt>
+    <dgm:pt modelId="{6F0DC5D1-5A7D-7240-9237-3D071E6FC640}" type="pres">
+      <dgm:prSet presAssocID="{BB6D307A-E521-481B-A38B-9D25B6ED672B}" presName="horz1" presStyleCnt="0"/>
+      <dgm:spPr/>
+    </dgm:pt>
+    <dgm:pt modelId="{8ED46699-A2BD-D447-9C2F-E101A8A7C1F2}" type="pres">
+      <dgm:prSet presAssocID="{BB6D307A-E521-481B-A38B-9D25B6ED672B}" presName="tx1" presStyleLbl="revTx" presStyleIdx="2" presStyleCnt="4"/>
+      <dgm:spPr/>
+    </dgm:pt>
+    <dgm:pt modelId="{8717B10E-E904-574F-BB6B-81EA5083EDBB}" type="pres">
+      <dgm:prSet presAssocID="{BB6D307A-E521-481B-A38B-9D25B6ED672B}" presName="vert1" presStyleCnt="0"/>
+      <dgm:spPr/>
+    </dgm:pt>
+    <dgm:pt modelId="{A5BB3EC8-9323-B648-B8A6-4F5E6BACFF99}" type="pres">
+      <dgm:prSet presAssocID="{D29BD17A-466C-458F-A986-E162C236B746}" presName="thickLine" presStyleLbl="alignNode1" presStyleIdx="3" presStyleCnt="4"/>
+      <dgm:spPr>
+        <a:ln>
+          <a:solidFill>
+            <a:schemeClr val="bg1">
+              <a:lumMod val="75000"/>
+            </a:schemeClr>
+          </a:solidFill>
+        </a:ln>
+      </dgm:spPr>
+    </dgm:pt>
+    <dgm:pt modelId="{22B9B4E0-3717-704C-A29B-7A81D0DEF4FF}" type="pres">
+      <dgm:prSet presAssocID="{D29BD17A-466C-458F-A986-E162C236B746}" presName="horz1" presStyleCnt="0"/>
+      <dgm:spPr/>
+    </dgm:pt>
+    <dgm:pt modelId="{0FD499DA-6078-F942-BB42-851052675C2A}" type="pres">
+      <dgm:prSet presAssocID="{D29BD17A-466C-458F-A986-E162C236B746}" presName="tx1" presStyleLbl="revTx" presStyleIdx="3" presStyleCnt="4"/>
+      <dgm:spPr/>
+    </dgm:pt>
+    <dgm:pt modelId="{3E05E4AE-540E-BF4E-B03B-6BB333DF56EC}" type="pres">
+      <dgm:prSet presAssocID="{D29BD17A-466C-458F-A986-E162C236B746}" presName="vert1" presStyleCnt="0"/>
+      <dgm:spPr/>
+    </dgm:pt>
+  </dgm:ptLst>
+  <dgm:cxnLst>
+    <dgm:cxn modelId="{CA60A305-A810-DB4B-99DE-D3B99139D950}" type="presOf" srcId="{C7E21C6A-92F1-4647-BACD-07AE54893AD0}" destId="{395A932E-D467-AE45-9D77-3988AF011343}" srcOrd="0" destOrd="0" presId="urn:microsoft.com/office/officeart/2008/layout/LinedList"/>
+    <dgm:cxn modelId="{A41CC60D-0514-4B9D-8351-C2D0D84BC59E}" srcId="{39BF103B-30C7-4FA9-8340-4BA698EBCA23}" destId="{85C8BD56-7166-492F-A424-85E7A1CF41F4}" srcOrd="0" destOrd="0" parTransId="{EA94BE88-4D76-4706-BB8B-F409BA98D2FE}" sibTransId="{2F2F7B79-A9BF-4638-A205-EF0F76B59B4A}"/>
+    <dgm:cxn modelId="{1F0BFE0D-E52E-40DB-AE6C-96E1A0D876A1}" srcId="{39BF103B-30C7-4FA9-8340-4BA698EBCA23}" destId="{D29BD17A-466C-458F-A986-E162C236B746}" srcOrd="3" destOrd="0" parTransId="{F4D6EE6E-4577-4928-BC70-251DBF6A7161}" sibTransId="{2096F835-3392-4118-9E91-5F22BDB9C848}"/>
+    <dgm:cxn modelId="{147F7C11-4C77-46D0-B5DC-32CBA2D1D4E9}" srcId="{39BF103B-30C7-4FA9-8340-4BA698EBCA23}" destId="{C7E21C6A-92F1-4647-BACD-07AE54893AD0}" srcOrd="1" destOrd="0" parTransId="{4F9C1DAC-5CF7-4238-AF10-50DB41FB6393}" sibTransId="{87E217BE-831E-4B52-8738-5728E22233EF}"/>
+    <dgm:cxn modelId="{6A70172E-E34B-634E-A6A4-9DA74E554DC2}" type="presOf" srcId="{BB6D307A-E521-481B-A38B-9D25B6ED672B}" destId="{8ED46699-A2BD-D447-9C2F-E101A8A7C1F2}" srcOrd="0" destOrd="0" presId="urn:microsoft.com/office/officeart/2008/layout/LinedList"/>
+    <dgm:cxn modelId="{D1D5E66F-53EC-334D-95C4-C363CD5C67CD}" type="presOf" srcId="{85C8BD56-7166-492F-A424-85E7A1CF41F4}" destId="{9A6C14EA-77D5-6741-B894-9C9062DA3FD6}" srcOrd="0" destOrd="0" presId="urn:microsoft.com/office/officeart/2008/layout/LinedList"/>
+    <dgm:cxn modelId="{86701C94-645F-7143-9D7A-CAB926C09C91}" type="presOf" srcId="{39BF103B-30C7-4FA9-8340-4BA698EBCA23}" destId="{0F670EA6-FD7D-F64C-8658-ECD99F090372}" srcOrd="0" destOrd="0" presId="urn:microsoft.com/office/officeart/2008/layout/LinedList"/>
+    <dgm:cxn modelId="{95078FB5-B62C-8843-9A7A-A188412C66F5}" type="presOf" srcId="{D29BD17A-466C-458F-A986-E162C236B746}" destId="{0FD499DA-6078-F942-BB42-851052675C2A}" srcOrd="0" destOrd="0" presId="urn:microsoft.com/office/officeart/2008/layout/LinedList"/>
+    <dgm:cxn modelId="{24D870E2-2094-4E0D-B47D-ED7877BAF49F}" srcId="{39BF103B-30C7-4FA9-8340-4BA698EBCA23}" destId="{BB6D307A-E521-481B-A38B-9D25B6ED672B}" srcOrd="2" destOrd="0" parTransId="{BFA6E185-C099-4706-84F7-D5C73A244747}" sibTransId="{25D2095B-F644-40A5-AA47-D8633E320BD5}"/>
+    <dgm:cxn modelId="{FF2F99A5-7E6E-CF47-A95B-574C6C654B5A}" type="presParOf" srcId="{0F670EA6-FD7D-F64C-8658-ECD99F090372}" destId="{02176B89-4F35-D44F-99F9-A3207C141A44}" srcOrd="0" destOrd="0" presId="urn:microsoft.com/office/officeart/2008/layout/LinedList"/>
+    <dgm:cxn modelId="{7AB5D392-F7A7-6042-95A9-58C0542EDA7F}" type="presParOf" srcId="{0F670EA6-FD7D-F64C-8658-ECD99F090372}" destId="{EFFDD31D-2CA3-5149-BB33-0D9A328EEBB8}" srcOrd="1" destOrd="0" presId="urn:microsoft.com/office/officeart/2008/layout/LinedList"/>
+    <dgm:cxn modelId="{3D5575B7-B090-EB45-AE9A-D5A29B80891C}" type="presParOf" srcId="{EFFDD31D-2CA3-5149-BB33-0D9A328EEBB8}" destId="{9A6C14EA-77D5-6741-B894-9C9062DA3FD6}" srcOrd="0" destOrd="0" presId="urn:microsoft.com/office/officeart/2008/layout/LinedList"/>
+    <dgm:cxn modelId="{994427AF-7FC3-0741-93E5-D548BEF5F850}" type="presParOf" srcId="{EFFDD31D-2CA3-5149-BB33-0D9A328EEBB8}" destId="{9D9EAF40-6284-D144-AEBF-A897A3864792}" srcOrd="1" destOrd="0" presId="urn:microsoft.com/office/officeart/2008/layout/LinedList"/>
+    <dgm:cxn modelId="{1DC212EA-E52C-6540-9513-9D9704E9C2C5}" type="presParOf" srcId="{0F670EA6-FD7D-F64C-8658-ECD99F090372}" destId="{1E9C26A2-A115-044B-8DB2-359B42F1AB55}" srcOrd="2" destOrd="0" presId="urn:microsoft.com/office/officeart/2008/layout/LinedList"/>
+    <dgm:cxn modelId="{EC6E9F94-A56B-3845-9402-EFE37842F409}" type="presParOf" srcId="{0F670EA6-FD7D-F64C-8658-ECD99F090372}" destId="{45EBEBCA-3CDF-E740-9270-E2F6AEBF4CC8}" srcOrd="3" destOrd="0" presId="urn:microsoft.com/office/officeart/2008/layout/LinedList"/>
+    <dgm:cxn modelId="{BAC36BC7-1D97-1B4F-A700-EEC49E375E08}" type="presParOf" srcId="{45EBEBCA-3CDF-E740-9270-E2F6AEBF4CC8}" destId="{395A932E-D467-AE45-9D77-3988AF011343}" srcOrd="0" destOrd="0" presId="urn:microsoft.com/office/officeart/2008/layout/LinedList"/>
+    <dgm:cxn modelId="{5ECDF394-90C8-9347-811F-AAC030EA6DD3}" type="presParOf" srcId="{45EBEBCA-3CDF-E740-9270-E2F6AEBF4CC8}" destId="{18DA4E3C-0DE4-7B43-8021-53785EAFF5ED}" srcOrd="1" destOrd="0" presId="urn:microsoft.com/office/officeart/2008/layout/LinedList"/>
+    <dgm:cxn modelId="{9CF67E89-4B12-4E40-8A22-AF7E297BB256}" type="presParOf" srcId="{0F670EA6-FD7D-F64C-8658-ECD99F090372}" destId="{8CF825A0-644D-E449-B2E4-17BCEB6197C7}" srcOrd="4" destOrd="0" presId="urn:microsoft.com/office/officeart/2008/layout/LinedList"/>
+    <dgm:cxn modelId="{EB33FE11-FA1E-F747-B0C9-DA455F87FD00}" type="presParOf" srcId="{0F670EA6-FD7D-F64C-8658-ECD99F090372}" destId="{6F0DC5D1-5A7D-7240-9237-3D071E6FC640}" srcOrd="5" destOrd="0" presId="urn:microsoft.com/office/officeart/2008/layout/LinedList"/>
+    <dgm:cxn modelId="{A860CBEA-EE11-CE45-A3FD-66AF9043A0EF}" type="presParOf" srcId="{6F0DC5D1-5A7D-7240-9237-3D071E6FC640}" destId="{8ED46699-A2BD-D447-9C2F-E101A8A7C1F2}" srcOrd="0" destOrd="0" presId="urn:microsoft.com/office/officeart/2008/layout/LinedList"/>
+    <dgm:cxn modelId="{EA1F1D83-0F13-6E48-BA02-8A893C20097C}" type="presParOf" srcId="{6F0DC5D1-5A7D-7240-9237-3D071E6FC640}" destId="{8717B10E-E904-574F-BB6B-81EA5083EDBB}" srcOrd="1" destOrd="0" presId="urn:microsoft.com/office/officeart/2008/layout/LinedList"/>
+    <dgm:cxn modelId="{53E5690C-6E62-AA47-BBA7-D29FFDDAE2FF}" type="presParOf" srcId="{0F670EA6-FD7D-F64C-8658-ECD99F090372}" destId="{A5BB3EC8-9323-B648-B8A6-4F5E6BACFF99}" srcOrd="6" destOrd="0" presId="urn:microsoft.com/office/officeart/2008/layout/LinedList"/>
+    <dgm:cxn modelId="{03C72B3E-CBF8-7544-990D-2E271EE2681D}" type="presParOf" srcId="{0F670EA6-FD7D-F64C-8658-ECD99F090372}" destId="{22B9B4E0-3717-704C-A29B-7A81D0DEF4FF}" srcOrd="7" destOrd="0" presId="urn:microsoft.com/office/officeart/2008/layout/LinedList"/>
+    <dgm:cxn modelId="{F3842F11-5694-5D4F-AA62-C461B44E2B36}" type="presParOf" srcId="{22B9B4E0-3717-704C-A29B-7A81D0DEF4FF}" destId="{0FD499DA-6078-F942-BB42-851052675C2A}" srcOrd="0" destOrd="0" presId="urn:microsoft.com/office/officeart/2008/layout/LinedList"/>
+    <dgm:cxn modelId="{B1F85305-A0E6-0B48-B1FF-452255283CED}" type="presParOf" srcId="{22B9B4E0-3717-704C-A29B-7A81D0DEF4FF}" destId="{3E05E4AE-540E-BF4E-B03B-6BB333DF56EC}" srcOrd="1" destOrd="0" presId="urn:microsoft.com/office/officeart/2008/layout/LinedList"/>
+  </dgm:cxnLst>
+  <dgm:bg/>
+  <dgm:whole/>
+  <dgm:extLst>
+    <a:ext uri="http://schemas.microsoft.com/office/drawing/2008/diagram">
+      <dsp:dataModelExt xmlns:dsp="http://schemas.microsoft.com/office/drawing/2008/diagram" relId="rId6" minVer="http://schemas.openxmlformats.org/drawingml/2006/diagram"/>
+    </a:ext>
+  </dgm:extLst>
+</dgm:dataModel>
+</file>
+
+<file path=ppt/diagrams/data2.xml><?xml version="1.0" encoding="utf-8"?>
+<dgm:dataModel xmlns:dgm="http://schemas.openxmlformats.org/drawingml/2006/diagram" xmlns:a="http://schemas.openxmlformats.org/drawingml/2006/main">
+  <dgm:ptLst>
+    <dgm:pt modelId="{0A72DE5E-E023-479D-ADFE-E70619801F3F}" type="doc">
+      <dgm:prSet loTypeId="urn:microsoft.com/office/officeart/2018/2/layout/IconVerticalSolidList" loCatId="icon" qsTypeId="urn:microsoft.com/office/officeart/2005/8/quickstyle/simple1" qsCatId="simple" csTypeId="urn:microsoft.com/office/officeart/2018/5/colors/Iconchunking_neutralbg_colorful1" csCatId="colorful" phldr="1"/>
+      <dgm:spPr/>
+      <dgm:t>
+        <a:bodyPr/>
+        <a:lstStyle/>
+        <a:p>
+          <a:endParaRPr lang="en-US"/>
+        </a:p>
+      </dgm:t>
+    </dgm:pt>
+    <dgm:pt modelId="{3840C85C-F78C-47DC-A18F-521D58624D64}">
+      <dgm:prSet/>
+      <dgm:spPr/>
+      <dgm:t>
+        <a:bodyPr/>
+        <a:lstStyle/>
+        <a:p>
+          <a:r>
+            <a:rPr lang="en-US" dirty="0">
+              <a:latin typeface="Trebuchet MS" panose="020B0703020202090204" pitchFamily="34" charset="0"/>
+            </a:rPr>
+            <a:t>Longer</a:t>
+          </a:r>
+          <a:r>
+            <a:rPr lang="en-US" dirty="0"/>
+            <a:t> Time Horizon</a:t>
+          </a:r>
+        </a:p>
+      </dgm:t>
+    </dgm:pt>
+    <dgm:pt modelId="{0A6429B1-87C5-4799-81A7-439E64033D9A}" type="parTrans" cxnId="{EA119FA3-8FB6-4FAB-9AA2-A2EAF2D6DAD5}">
+      <dgm:prSet/>
+      <dgm:spPr/>
+      <dgm:t>
+        <a:bodyPr/>
+        <a:lstStyle/>
+        <a:p>
+          <a:endParaRPr lang="en-US"/>
+        </a:p>
+      </dgm:t>
+    </dgm:pt>
+    <dgm:pt modelId="{8FD6E2A4-8D78-4A17-A1D9-7F6DF327595A}" type="sibTrans" cxnId="{EA119FA3-8FB6-4FAB-9AA2-A2EAF2D6DAD5}">
+      <dgm:prSet/>
+      <dgm:spPr/>
+      <dgm:t>
+        <a:bodyPr/>
+        <a:lstStyle/>
+        <a:p>
+          <a:endParaRPr lang="en-US"/>
+        </a:p>
+      </dgm:t>
+    </dgm:pt>
+    <dgm:pt modelId="{F9EE8194-3B96-429F-A7C5-4630CD922BBB}">
+      <dgm:prSet/>
+      <dgm:spPr/>
+      <dgm:t>
+        <a:bodyPr/>
+        <a:lstStyle/>
+        <a:p>
+          <a:r>
+            <a:rPr lang="en-US" dirty="0">
+              <a:latin typeface="Trebuchet MS" panose="020B0703020202090204" pitchFamily="34" charset="0"/>
+            </a:rPr>
+            <a:t>Deploy</a:t>
+          </a:r>
+          <a:r>
+            <a:rPr lang="en-US" dirty="0"/>
+            <a:t> on the cloud</a:t>
+          </a:r>
+        </a:p>
+      </dgm:t>
+    </dgm:pt>
+    <dgm:pt modelId="{D565972F-87B0-4458-97B3-87CAC6231238}" type="parTrans" cxnId="{143B2E23-A067-4FE0-9D80-6AB2C1855A18}">
+      <dgm:prSet/>
+      <dgm:spPr/>
+      <dgm:t>
+        <a:bodyPr/>
+        <a:lstStyle/>
+        <a:p>
+          <a:endParaRPr lang="en-US"/>
+        </a:p>
+      </dgm:t>
+    </dgm:pt>
+    <dgm:pt modelId="{C6A1609F-1F32-403C-8009-0441EDB47ED9}" type="sibTrans" cxnId="{143B2E23-A067-4FE0-9D80-6AB2C1855A18}">
+      <dgm:prSet/>
+      <dgm:spPr/>
+      <dgm:t>
+        <a:bodyPr/>
+        <a:lstStyle/>
+        <a:p>
+          <a:endParaRPr lang="en-US"/>
+        </a:p>
+      </dgm:t>
+    </dgm:pt>
+    <dgm:pt modelId="{BD02F570-4CAF-491F-B77F-96B027887936}">
+      <dgm:prSet/>
+      <dgm:spPr/>
+      <dgm:t>
+        <a:bodyPr/>
+        <a:lstStyle/>
+        <a:p>
+          <a:r>
+            <a:rPr lang="en-US" dirty="0"/>
+            <a:t>Deep learning to catch sarcasm</a:t>
+          </a:r>
+        </a:p>
+      </dgm:t>
+    </dgm:pt>
+    <dgm:pt modelId="{3307B704-F06B-4DDE-AB3B-F38343A7785F}" type="parTrans" cxnId="{528A566B-39EF-401E-A999-A116AA26727B}">
+      <dgm:prSet/>
+      <dgm:spPr/>
+      <dgm:t>
+        <a:bodyPr/>
+        <a:lstStyle/>
+        <a:p>
+          <a:endParaRPr lang="en-US"/>
+        </a:p>
+      </dgm:t>
+    </dgm:pt>
+    <dgm:pt modelId="{93A1A154-00AF-492D-B43D-D0D94540596B}" type="sibTrans" cxnId="{528A566B-39EF-401E-A999-A116AA26727B}">
+      <dgm:prSet/>
+      <dgm:spPr/>
+      <dgm:t>
+        <a:bodyPr/>
+        <a:lstStyle/>
+        <a:p>
+          <a:endParaRPr lang="en-US"/>
+        </a:p>
+      </dgm:t>
+    </dgm:pt>
+    <dgm:pt modelId="{23CA5729-56A9-452A-A5E1-DF4F7A32BCB4}">
+      <dgm:prSet/>
+      <dgm:spPr/>
+      <dgm:t>
+        <a:bodyPr/>
+        <a:lstStyle/>
+        <a:p>
+          <a:r>
+            <a:rPr lang="en-US" dirty="0"/>
+            <a:t>Thank you for listening. Questions?</a:t>
+          </a:r>
+        </a:p>
+      </dgm:t>
+    </dgm:pt>
+    <dgm:pt modelId="{6D8ADC5F-5C95-4C3F-9EAF-430AE5A791B2}" type="parTrans" cxnId="{0D5360FC-FA40-4A7E-9235-8B0C8E07F694}">
+      <dgm:prSet/>
+      <dgm:spPr/>
+      <dgm:t>
+        <a:bodyPr/>
+        <a:lstStyle/>
+        <a:p>
+          <a:endParaRPr lang="en-US"/>
+        </a:p>
+      </dgm:t>
+    </dgm:pt>
+    <dgm:pt modelId="{E4F9D6D9-9F76-4C3B-9B22-C0BD1028F637}" type="sibTrans" cxnId="{0D5360FC-FA40-4A7E-9235-8B0C8E07F694}">
+      <dgm:prSet/>
+      <dgm:spPr/>
+      <dgm:t>
+        <a:bodyPr/>
+        <a:lstStyle/>
+        <a:p>
+          <a:endParaRPr lang="en-US"/>
+        </a:p>
+      </dgm:t>
+    </dgm:pt>
+    <dgm:pt modelId="{56DD3B35-BA17-4F47-94D3-39BA4C2712B1}" type="pres">
+      <dgm:prSet presAssocID="{0A72DE5E-E023-479D-ADFE-E70619801F3F}" presName="root" presStyleCnt="0">
+        <dgm:presLayoutVars>
+          <dgm:dir/>
+          <dgm:resizeHandles val="exact"/>
+        </dgm:presLayoutVars>
+      </dgm:prSet>
+      <dgm:spPr/>
+    </dgm:pt>
+    <dgm:pt modelId="{E5ED8551-54EA-44FC-A59E-7FA39F960496}" type="pres">
+      <dgm:prSet presAssocID="{3840C85C-F78C-47DC-A18F-521D58624D64}" presName="compNode" presStyleCnt="0"/>
+      <dgm:spPr/>
+    </dgm:pt>
+    <dgm:pt modelId="{58823BC9-75A2-4F4C-8882-93CADFEF2DB3}" type="pres">
+      <dgm:prSet presAssocID="{3840C85C-F78C-47DC-A18F-521D58624D64}" presName="bgRect" presStyleLbl="bgShp" presStyleIdx="0" presStyleCnt="4"/>
+      <dgm:spPr/>
+    </dgm:pt>
+    <dgm:pt modelId="{24541F06-BB7B-4D7B-9D8E-34EEF14F1928}" type="pres">
+      <dgm:prSet presAssocID="{3840C85C-F78C-47DC-A18F-521D58624D64}" presName="iconRect" presStyleLbl="node1" presStyleIdx="0" presStyleCnt="4"/>
+      <dgm:spPr>
+        <a:blipFill>
+          <a:blip xmlns:r="http://schemas.openxmlformats.org/officeDocument/2006/relationships" r:embed="rId1">
+            <a:extLst>
+              <a:ext uri="{28A0092B-C50C-407E-A947-70E740481C1C}">
+                <a14:useLocalDpi xmlns:a14="http://schemas.microsoft.com/office/drawing/2010/main" val="0"/>
+              </a:ext>
+              <a:ext uri="{96DAC541-7B7A-43D3-8B79-37D633B846F1}">
+                <asvg:svgBlip xmlns:asvg="http://schemas.microsoft.com/office/drawing/2016/SVG/main" r:embed="rId2"/>
+              </a:ext>
+            </a:extLst>
+          </a:blip>
+          <a:stretch>
+            <a:fillRect/>
+          </a:stretch>
+        </a:blipFill>
+        <a:ln>
+          <a:noFill/>
+        </a:ln>
+      </dgm:spPr>
+      <dgm:extLst>
+        <a:ext uri="{E40237B7-FDA0-4F09-8148-C483321AD2D9}">
+          <dgm14:cNvPr xmlns:dgm14="http://schemas.microsoft.com/office/drawing/2010/diagram" id="0" name="" descr="Stopwatch"/>
+        </a:ext>
+      </dgm:extLst>
+    </dgm:pt>
+    <dgm:pt modelId="{10182F78-2C8F-4641-9397-BB26E58DB34D}" type="pres">
+      <dgm:prSet presAssocID="{3840C85C-F78C-47DC-A18F-521D58624D64}" presName="spaceRect" presStyleCnt="0"/>
+      <dgm:spPr/>
+    </dgm:pt>
+    <dgm:pt modelId="{1ECE9321-FCC6-44D5-A892-62FB5CC8CD19}" type="pres">
+      <dgm:prSet presAssocID="{3840C85C-F78C-47DC-A18F-521D58624D64}" presName="parTx" presStyleLbl="revTx" presStyleIdx="0" presStyleCnt="4">
+        <dgm:presLayoutVars>
+          <dgm:chMax val="0"/>
+          <dgm:chPref val="0"/>
+        </dgm:presLayoutVars>
+      </dgm:prSet>
+      <dgm:spPr/>
+    </dgm:pt>
+    <dgm:pt modelId="{F1AC055A-CD71-4522-B73B-32F3C8DC7BCC}" type="pres">
+      <dgm:prSet presAssocID="{8FD6E2A4-8D78-4A17-A1D9-7F6DF327595A}" presName="sibTrans" presStyleCnt="0"/>
+      <dgm:spPr/>
+    </dgm:pt>
+    <dgm:pt modelId="{08A39C25-66B8-4608-8CCB-AE6A0E936C7B}" type="pres">
+      <dgm:prSet presAssocID="{F9EE8194-3B96-429F-A7C5-4630CD922BBB}" presName="compNode" presStyleCnt="0"/>
+      <dgm:spPr/>
+    </dgm:pt>
+    <dgm:pt modelId="{93F51402-8C53-4626-83D4-7CFD930D1E2E}" type="pres">
+      <dgm:prSet presAssocID="{F9EE8194-3B96-429F-A7C5-4630CD922BBB}" presName="bgRect" presStyleLbl="bgShp" presStyleIdx="1" presStyleCnt="4"/>
+      <dgm:spPr/>
+    </dgm:pt>
+    <dgm:pt modelId="{9216E733-BCA7-4903-AA11-F4E5990330BA}" type="pres">
+      <dgm:prSet presAssocID="{F9EE8194-3B96-429F-A7C5-4630CD922BBB}" presName="iconRect" presStyleLbl="node1" presStyleIdx="1" presStyleCnt="4"/>
+      <dgm:spPr>
+        <a:blipFill>
+          <a:blip xmlns:r="http://schemas.openxmlformats.org/officeDocument/2006/relationships" r:embed="rId3">
+            <a:extLst>
+              <a:ext uri="{28A0092B-C50C-407E-A947-70E740481C1C}">
+                <a14:useLocalDpi xmlns:a14="http://schemas.microsoft.com/office/drawing/2010/main" val="0"/>
+              </a:ext>
+              <a:ext uri="{96DAC541-7B7A-43D3-8B79-37D633B846F1}">
+                <asvg:svgBlip xmlns:asvg="http://schemas.microsoft.com/office/drawing/2016/SVG/main" r:embed="rId4"/>
+              </a:ext>
+            </a:extLst>
+          </a:blip>
+          <a:stretch>
+            <a:fillRect/>
+          </a:stretch>
+        </a:blipFill>
+        <a:ln>
+          <a:noFill/>
+        </a:ln>
+      </dgm:spPr>
+      <dgm:extLst>
+        <a:ext uri="{E40237B7-FDA0-4F09-8148-C483321AD2D9}">
+          <dgm14:cNvPr xmlns:dgm14="http://schemas.microsoft.com/office/drawing/2010/diagram" id="0" name="" descr="Syncing Cloud"/>
+        </a:ext>
+      </dgm:extLst>
+    </dgm:pt>
+    <dgm:pt modelId="{DA747EC9-7B1E-4905-9413-859B68230003}" type="pres">
+      <dgm:prSet presAssocID="{F9EE8194-3B96-429F-A7C5-4630CD922BBB}" presName="spaceRect" presStyleCnt="0"/>
+      <dgm:spPr/>
+    </dgm:pt>
+    <dgm:pt modelId="{409BDDAF-D13F-4F04-9A2B-CD55F19D0F2F}" type="pres">
+      <dgm:prSet presAssocID="{F9EE8194-3B96-429F-A7C5-4630CD922BBB}" presName="parTx" presStyleLbl="revTx" presStyleIdx="1" presStyleCnt="4">
+        <dgm:presLayoutVars>
+          <dgm:chMax val="0"/>
+          <dgm:chPref val="0"/>
+        </dgm:presLayoutVars>
+      </dgm:prSet>
+      <dgm:spPr/>
+    </dgm:pt>
+    <dgm:pt modelId="{0D7569D0-E83F-4743-80AD-C6A0D24794CF}" type="pres">
+      <dgm:prSet presAssocID="{C6A1609F-1F32-403C-8009-0441EDB47ED9}" presName="sibTrans" presStyleCnt="0"/>
+      <dgm:spPr/>
+    </dgm:pt>
+    <dgm:pt modelId="{0C8C02C0-23DF-493F-8FBF-CC1913078116}" type="pres">
+      <dgm:prSet presAssocID="{BD02F570-4CAF-491F-B77F-96B027887936}" presName="compNode" presStyleCnt="0"/>
+      <dgm:spPr/>
+    </dgm:pt>
+    <dgm:pt modelId="{0502456C-590C-4666-8254-B10D4165E5D7}" type="pres">
+      <dgm:prSet presAssocID="{BD02F570-4CAF-491F-B77F-96B027887936}" presName="bgRect" presStyleLbl="bgShp" presStyleIdx="2" presStyleCnt="4"/>
+      <dgm:spPr/>
+    </dgm:pt>
+    <dgm:pt modelId="{88BFCC46-C2B4-47F8-9081-622696259B63}" type="pres">
+      <dgm:prSet presAssocID="{BD02F570-4CAF-491F-B77F-96B027887936}" presName="iconRect" presStyleLbl="node1" presStyleIdx="2" presStyleCnt="4"/>
+      <dgm:spPr>
+        <a:blipFill>
+          <a:blip xmlns:r="http://schemas.openxmlformats.org/officeDocument/2006/relationships" r:embed="rId5">
+            <a:extLst>
+              <a:ext uri="{28A0092B-C50C-407E-A947-70E740481C1C}">
+                <a14:useLocalDpi xmlns:a14="http://schemas.microsoft.com/office/drawing/2010/main" val="0"/>
+              </a:ext>
+              <a:ext uri="{96DAC541-7B7A-43D3-8B79-37D633B846F1}">
+                <asvg:svgBlip xmlns:asvg="http://schemas.microsoft.com/office/drawing/2016/SVG/main" r:embed="rId6"/>
+              </a:ext>
+            </a:extLst>
+          </a:blip>
+          <a:stretch>
+            <a:fillRect/>
+          </a:stretch>
+        </a:blipFill>
+        <a:ln>
+          <a:noFill/>
+        </a:ln>
+      </dgm:spPr>
+      <dgm:extLst>
+        <a:ext uri="{E40237B7-FDA0-4F09-8148-C483321AD2D9}">
+          <dgm14:cNvPr xmlns:dgm14="http://schemas.microsoft.com/office/drawing/2010/diagram" id="0" name="" descr="Head with Gears"/>
+        </a:ext>
+      </dgm:extLst>
+    </dgm:pt>
+    <dgm:pt modelId="{BFE8401B-6BD2-4150-ADA3-0700DB12A162}" type="pres">
+      <dgm:prSet presAssocID="{BD02F570-4CAF-491F-B77F-96B027887936}" presName="spaceRect" presStyleCnt="0"/>
+      <dgm:spPr/>
+    </dgm:pt>
+    <dgm:pt modelId="{338C69C4-EF65-4702-BA0C-8CAC0FB5AA3A}" type="pres">
+      <dgm:prSet presAssocID="{BD02F570-4CAF-491F-B77F-96B027887936}" presName="parTx" presStyleLbl="revTx" presStyleIdx="2" presStyleCnt="4">
+        <dgm:presLayoutVars>
+          <dgm:chMax val="0"/>
+          <dgm:chPref val="0"/>
+        </dgm:presLayoutVars>
+      </dgm:prSet>
+      <dgm:spPr/>
+    </dgm:pt>
+    <dgm:pt modelId="{E11BC007-18B1-49CD-AECA-EA524780F1F4}" type="pres">
+      <dgm:prSet presAssocID="{93A1A154-00AF-492D-B43D-D0D94540596B}" presName="sibTrans" presStyleCnt="0"/>
+      <dgm:spPr/>
+    </dgm:pt>
+    <dgm:pt modelId="{E5720868-7790-4718-AF5F-BF5A924765B9}" type="pres">
+      <dgm:prSet presAssocID="{23CA5729-56A9-452A-A5E1-DF4F7A32BCB4}" presName="compNode" presStyleCnt="0"/>
+      <dgm:spPr/>
+    </dgm:pt>
+    <dgm:pt modelId="{78580A2D-B7C5-4BEF-83D6-6992527B5AD0}" type="pres">
+      <dgm:prSet presAssocID="{23CA5729-56A9-452A-A5E1-DF4F7A32BCB4}" presName="bgRect" presStyleLbl="bgShp" presStyleIdx="3" presStyleCnt="4"/>
+      <dgm:spPr/>
+    </dgm:pt>
+    <dgm:pt modelId="{D26FA8AE-3836-4945-99A6-CEE929B16181}" type="pres">
+      <dgm:prSet presAssocID="{23CA5729-56A9-452A-A5E1-DF4F7A32BCB4}" presName="iconRect" presStyleLbl="node1" presStyleIdx="3" presStyleCnt="4"/>
+      <dgm:spPr>
+        <a:blipFill>
+          <a:blip xmlns:r="http://schemas.openxmlformats.org/officeDocument/2006/relationships" r:embed="rId7">
+            <a:extLst>
+              <a:ext uri="{28A0092B-C50C-407E-A947-70E740481C1C}">
+                <a14:useLocalDpi xmlns:a14="http://schemas.microsoft.com/office/drawing/2010/main" val="0"/>
+              </a:ext>
+              <a:ext uri="{96DAC541-7B7A-43D3-8B79-37D633B846F1}">
+                <asvg:svgBlip xmlns:asvg="http://schemas.microsoft.com/office/drawing/2016/SVG/main" r:embed="rId8"/>
+              </a:ext>
+            </a:extLst>
+          </a:blip>
+          <a:stretch>
+            <a:fillRect/>
+          </a:stretch>
+        </a:blipFill>
+        <a:ln>
+          <a:noFill/>
+        </a:ln>
+      </dgm:spPr>
+      <dgm:extLst>
+        <a:ext uri="{E40237B7-FDA0-4F09-8148-C483321AD2D9}">
+          <dgm14:cNvPr xmlns:dgm14="http://schemas.microsoft.com/office/drawing/2010/diagram" id="0" name="" descr="Ear"/>
+        </a:ext>
+      </dgm:extLst>
+    </dgm:pt>
+    <dgm:pt modelId="{4EFDAEAD-26D6-4EE4-8A1A-68402F45CC2E}" type="pres">
+      <dgm:prSet presAssocID="{23CA5729-56A9-452A-A5E1-DF4F7A32BCB4}" presName="spaceRect" presStyleCnt="0"/>
+      <dgm:spPr/>
+    </dgm:pt>
+    <dgm:pt modelId="{E02D67F9-4822-48FA-A298-95BA05C79FE3}" type="pres">
+      <dgm:prSet presAssocID="{23CA5729-56A9-452A-A5E1-DF4F7A32BCB4}" presName="parTx" presStyleLbl="revTx" presStyleIdx="3" presStyleCnt="4">
+        <dgm:presLayoutVars>
+          <dgm:chMax val="0"/>
+          <dgm:chPref val="0"/>
+        </dgm:presLayoutVars>
+      </dgm:prSet>
+      <dgm:spPr/>
+    </dgm:pt>
+  </dgm:ptLst>
+  <dgm:cxnLst>
+    <dgm:cxn modelId="{828D5614-2702-4B7B-A9EE-7F97FC980B39}" type="presOf" srcId="{3840C85C-F78C-47DC-A18F-521D58624D64}" destId="{1ECE9321-FCC6-44D5-A892-62FB5CC8CD19}" srcOrd="0" destOrd="0" presId="urn:microsoft.com/office/officeart/2018/2/layout/IconVerticalSolidList"/>
+    <dgm:cxn modelId="{7C76E318-DE14-4A68-B7B6-B7173E17CBBC}" type="presOf" srcId="{0A72DE5E-E023-479D-ADFE-E70619801F3F}" destId="{56DD3B35-BA17-4F47-94D3-39BA4C2712B1}" srcOrd="0" destOrd="0" presId="urn:microsoft.com/office/officeart/2018/2/layout/IconVerticalSolidList"/>
+    <dgm:cxn modelId="{143B2E23-A067-4FE0-9D80-6AB2C1855A18}" srcId="{0A72DE5E-E023-479D-ADFE-E70619801F3F}" destId="{F9EE8194-3B96-429F-A7C5-4630CD922BBB}" srcOrd="1" destOrd="0" parTransId="{D565972F-87B0-4458-97B3-87CAC6231238}" sibTransId="{C6A1609F-1F32-403C-8009-0441EDB47ED9}"/>
+    <dgm:cxn modelId="{C01A913D-5A70-413A-8627-7CB32EA39804}" type="presOf" srcId="{23CA5729-56A9-452A-A5E1-DF4F7A32BCB4}" destId="{E02D67F9-4822-48FA-A298-95BA05C79FE3}" srcOrd="0" destOrd="0" presId="urn:microsoft.com/office/officeart/2018/2/layout/IconVerticalSolidList"/>
+    <dgm:cxn modelId="{528A566B-39EF-401E-A999-A116AA26727B}" srcId="{0A72DE5E-E023-479D-ADFE-E70619801F3F}" destId="{BD02F570-4CAF-491F-B77F-96B027887936}" srcOrd="2" destOrd="0" parTransId="{3307B704-F06B-4DDE-AB3B-F38343A7785F}" sibTransId="{93A1A154-00AF-492D-B43D-D0D94540596B}"/>
+    <dgm:cxn modelId="{BEE57675-FCDF-4CF0-842D-7459E45EF97A}" type="presOf" srcId="{F9EE8194-3B96-429F-A7C5-4630CD922BBB}" destId="{409BDDAF-D13F-4F04-9A2B-CD55F19D0F2F}" srcOrd="0" destOrd="0" presId="urn:microsoft.com/office/officeart/2018/2/layout/IconVerticalSolidList"/>
+    <dgm:cxn modelId="{EA119FA3-8FB6-4FAB-9AA2-A2EAF2D6DAD5}" srcId="{0A72DE5E-E023-479D-ADFE-E70619801F3F}" destId="{3840C85C-F78C-47DC-A18F-521D58624D64}" srcOrd="0" destOrd="0" parTransId="{0A6429B1-87C5-4799-81A7-439E64033D9A}" sibTransId="{8FD6E2A4-8D78-4A17-A1D9-7F6DF327595A}"/>
+    <dgm:cxn modelId="{ECE9ECCD-7A88-4925-AF07-284F096F5E11}" type="presOf" srcId="{BD02F570-4CAF-491F-B77F-96B027887936}" destId="{338C69C4-EF65-4702-BA0C-8CAC0FB5AA3A}" srcOrd="0" destOrd="0" presId="urn:microsoft.com/office/officeart/2018/2/layout/IconVerticalSolidList"/>
+    <dgm:cxn modelId="{0D5360FC-FA40-4A7E-9235-8B0C8E07F694}" srcId="{0A72DE5E-E023-479D-ADFE-E70619801F3F}" destId="{23CA5729-56A9-452A-A5E1-DF4F7A32BCB4}" srcOrd="3" destOrd="0" parTransId="{6D8ADC5F-5C95-4C3F-9EAF-430AE5A791B2}" sibTransId="{E4F9D6D9-9F76-4C3B-9B22-C0BD1028F637}"/>
+    <dgm:cxn modelId="{49E22E8D-A321-48D1-B342-425B490169F3}" type="presParOf" srcId="{56DD3B35-BA17-4F47-94D3-39BA4C2712B1}" destId="{E5ED8551-54EA-44FC-A59E-7FA39F960496}" srcOrd="0" destOrd="0" presId="urn:microsoft.com/office/officeart/2018/2/layout/IconVerticalSolidList"/>
+    <dgm:cxn modelId="{7D364F3D-EE95-47A3-80F0-A0C5161F2BEB}" type="presParOf" srcId="{E5ED8551-54EA-44FC-A59E-7FA39F960496}" destId="{58823BC9-75A2-4F4C-8882-93CADFEF2DB3}" srcOrd="0" destOrd="0" presId="urn:microsoft.com/office/officeart/2018/2/layout/IconVerticalSolidList"/>
+    <dgm:cxn modelId="{6E9950D7-90A6-44B8-8FB3-2506CB4ED421}" type="presParOf" srcId="{E5ED8551-54EA-44FC-A59E-7FA39F960496}" destId="{24541F06-BB7B-4D7B-9D8E-34EEF14F1928}" srcOrd="1" destOrd="0" presId="urn:microsoft.com/office/officeart/2018/2/layout/IconVerticalSolidList"/>
+    <dgm:cxn modelId="{2A55A5AE-11BC-4BC4-8D60-BBA455D24678}" type="presParOf" srcId="{E5ED8551-54EA-44FC-A59E-7FA39F960496}" destId="{10182F78-2C8F-4641-9397-BB26E58DB34D}" srcOrd="2" destOrd="0" presId="urn:microsoft.com/office/officeart/2018/2/layout/IconVerticalSolidList"/>
+    <dgm:cxn modelId="{00C5BEB8-41D2-467D-9798-E0AB091F8764}" type="presParOf" srcId="{E5ED8551-54EA-44FC-A59E-7FA39F960496}" destId="{1ECE9321-FCC6-44D5-A892-62FB5CC8CD19}" srcOrd="3" destOrd="0" presId="urn:microsoft.com/office/officeart/2018/2/layout/IconVerticalSolidList"/>
+    <dgm:cxn modelId="{43CF309D-C64C-400D-A8D4-5819A8629529}" type="presParOf" srcId="{56DD3B35-BA17-4F47-94D3-39BA4C2712B1}" destId="{F1AC055A-CD71-4522-B73B-32F3C8DC7BCC}" srcOrd="1" destOrd="0" presId="urn:microsoft.com/office/officeart/2018/2/layout/IconVerticalSolidList"/>
+    <dgm:cxn modelId="{9918E626-CF99-406D-97C3-5730A6025ECC}" type="presParOf" srcId="{56DD3B35-BA17-4F47-94D3-39BA4C2712B1}" destId="{08A39C25-66B8-4608-8CCB-AE6A0E936C7B}" srcOrd="2" destOrd="0" presId="urn:microsoft.com/office/officeart/2018/2/layout/IconVerticalSolidList"/>
+    <dgm:cxn modelId="{81124652-2E6C-4D85-8027-8DB84CE2B0FF}" type="presParOf" srcId="{08A39C25-66B8-4608-8CCB-AE6A0E936C7B}" destId="{93F51402-8C53-4626-83D4-7CFD930D1E2E}" srcOrd="0" destOrd="0" presId="urn:microsoft.com/office/officeart/2018/2/layout/IconVerticalSolidList"/>
+    <dgm:cxn modelId="{4A9DDC17-DBF6-44E5-8B8E-4FE563556216}" type="presParOf" srcId="{08A39C25-66B8-4608-8CCB-AE6A0E936C7B}" destId="{9216E733-BCA7-4903-AA11-F4E5990330BA}" srcOrd="1" destOrd="0" presId="urn:microsoft.com/office/officeart/2018/2/layout/IconVerticalSolidList"/>
+    <dgm:cxn modelId="{6F35A46E-0EA7-4973-A5A1-82145495CBC8}" type="presParOf" srcId="{08A39C25-66B8-4608-8CCB-AE6A0E936C7B}" destId="{DA747EC9-7B1E-4905-9413-859B68230003}" srcOrd="2" destOrd="0" presId="urn:microsoft.com/office/officeart/2018/2/layout/IconVerticalSolidList"/>
+    <dgm:cxn modelId="{3BB5D5C8-EF4C-49EB-9715-91F6283FAA54}" type="presParOf" srcId="{08A39C25-66B8-4608-8CCB-AE6A0E936C7B}" destId="{409BDDAF-D13F-4F04-9A2B-CD55F19D0F2F}" srcOrd="3" destOrd="0" presId="urn:microsoft.com/office/officeart/2018/2/layout/IconVerticalSolidList"/>
+    <dgm:cxn modelId="{08F8E231-A683-4F8E-9C71-FC1A59713405}" type="presParOf" srcId="{56DD3B35-BA17-4F47-94D3-39BA4C2712B1}" destId="{0D7569D0-E83F-4743-80AD-C6A0D24794CF}" srcOrd="3" destOrd="0" presId="urn:microsoft.com/office/officeart/2018/2/layout/IconVerticalSolidList"/>
+    <dgm:cxn modelId="{37C9B9DB-B131-4959-9F8C-64C89E90B739}" type="presParOf" srcId="{56DD3B35-BA17-4F47-94D3-39BA4C2712B1}" destId="{0C8C02C0-23DF-493F-8FBF-CC1913078116}" srcOrd="4" destOrd="0" presId="urn:microsoft.com/office/officeart/2018/2/layout/IconVerticalSolidList"/>
+    <dgm:cxn modelId="{B5E29EBD-402C-4C1E-BDA6-0C4B86F2F291}" type="presParOf" srcId="{0C8C02C0-23DF-493F-8FBF-CC1913078116}" destId="{0502456C-590C-4666-8254-B10D4165E5D7}" srcOrd="0" destOrd="0" presId="urn:microsoft.com/office/officeart/2018/2/layout/IconVerticalSolidList"/>
+    <dgm:cxn modelId="{CA7CEDE2-7D35-4147-9B02-3CCD97565557}" type="presParOf" srcId="{0C8C02C0-23DF-493F-8FBF-CC1913078116}" destId="{88BFCC46-C2B4-47F8-9081-622696259B63}" srcOrd="1" destOrd="0" presId="urn:microsoft.com/office/officeart/2018/2/layout/IconVerticalSolidList"/>
+    <dgm:cxn modelId="{A0B1E731-548D-4690-B4C3-AC240B42445D}" type="presParOf" srcId="{0C8C02C0-23DF-493F-8FBF-CC1913078116}" destId="{BFE8401B-6BD2-4150-ADA3-0700DB12A162}" srcOrd="2" destOrd="0" presId="urn:microsoft.com/office/officeart/2018/2/layout/IconVerticalSolidList"/>
+    <dgm:cxn modelId="{DC02B60D-F6CE-4FD4-BF88-A17C557A10C3}" type="presParOf" srcId="{0C8C02C0-23DF-493F-8FBF-CC1913078116}" destId="{338C69C4-EF65-4702-BA0C-8CAC0FB5AA3A}" srcOrd="3" destOrd="0" presId="urn:microsoft.com/office/officeart/2018/2/layout/IconVerticalSolidList"/>
+    <dgm:cxn modelId="{B7C5693C-EDD1-4A66-BC55-AD94A2A12DD5}" type="presParOf" srcId="{56DD3B35-BA17-4F47-94D3-39BA4C2712B1}" destId="{E11BC007-18B1-49CD-AECA-EA524780F1F4}" srcOrd="5" destOrd="0" presId="urn:microsoft.com/office/officeart/2018/2/layout/IconVerticalSolidList"/>
+    <dgm:cxn modelId="{DC8B5897-F0EC-49CA-9DC9-A8FB49FFA773}" type="presParOf" srcId="{56DD3B35-BA17-4F47-94D3-39BA4C2712B1}" destId="{E5720868-7790-4718-AF5F-BF5A924765B9}" srcOrd="6" destOrd="0" presId="urn:microsoft.com/office/officeart/2018/2/layout/IconVerticalSolidList"/>
+    <dgm:cxn modelId="{C65771BA-2D9C-43BD-8F31-5465678C2133}" type="presParOf" srcId="{E5720868-7790-4718-AF5F-BF5A924765B9}" destId="{78580A2D-B7C5-4BEF-83D6-6992527B5AD0}" srcOrd="0" destOrd="0" presId="urn:microsoft.com/office/officeart/2018/2/layout/IconVerticalSolidList"/>
+    <dgm:cxn modelId="{9B7C5289-DAAE-410D-9C1D-8121BCEC093B}" type="presParOf" srcId="{E5720868-7790-4718-AF5F-BF5A924765B9}" destId="{D26FA8AE-3836-4945-99A6-CEE929B16181}" srcOrd="1" destOrd="0" presId="urn:microsoft.com/office/officeart/2018/2/layout/IconVerticalSolidList"/>
+    <dgm:cxn modelId="{1CBF981E-35D4-4409-9717-01F544BE033A}" type="presParOf" srcId="{E5720868-7790-4718-AF5F-BF5A924765B9}" destId="{4EFDAEAD-26D6-4EE4-8A1A-68402F45CC2E}" srcOrd="2" destOrd="0" presId="urn:microsoft.com/office/officeart/2018/2/layout/IconVerticalSolidList"/>
+    <dgm:cxn modelId="{EB7653F0-51BC-43A5-BE1F-B8694B7930BB}" type="presParOf" srcId="{E5720868-7790-4718-AF5F-BF5A924765B9}" destId="{E02D67F9-4822-48FA-A298-95BA05C79FE3}" srcOrd="3" destOrd="0" presId="urn:microsoft.com/office/officeart/2018/2/layout/IconVerticalSolidList"/>
+  </dgm:cxnLst>
+  <dgm:bg/>
+  <dgm:whole/>
+  <dgm:extLst>
+    <a:ext uri="http://schemas.microsoft.com/office/drawing/2008/diagram">
+      <dsp:dataModelExt xmlns:dsp="http://schemas.microsoft.com/office/drawing/2008/diagram" relId="rId6" minVer="http://schemas.openxmlformats.org/drawingml/2006/diagram"/>
+    </a:ext>
+  </dgm:extLst>
+</dgm:dataModel>
+</file>
+
+<file path=ppt/diagrams/drawing1.xml><?xml version="1.0" encoding="utf-8"?>
+<dsp:drawing xmlns:dgm="http://schemas.openxmlformats.org/drawingml/2006/diagram" xmlns:dsp="http://schemas.microsoft.com/office/drawing/2008/diagram" xmlns:a="http://schemas.openxmlformats.org/drawingml/2006/main">
+  <dsp:spTree>
+    <dsp:nvGrpSpPr>
+      <dsp:cNvPr id="0" name=""/>
+      <dsp:cNvGrpSpPr/>
+    </dsp:nvGrpSpPr>
+    <dsp:grpSpPr/>
+    <dsp:sp modelId="{02176B89-4F35-D44F-99F9-A3207C141A44}">
+      <dsp:nvSpPr>
+        <dsp:cNvPr id="0" name=""/>
+        <dsp:cNvSpPr/>
+      </dsp:nvSpPr>
+      <dsp:spPr>
+        <a:xfrm>
+          <a:off x="0" y="0"/>
+          <a:ext cx="6263640" cy="0"/>
+        </a:xfrm>
+        <a:prstGeom prst="line">
+          <a:avLst/>
+        </a:prstGeom>
+        <a:solidFill>
+          <a:schemeClr val="accent5">
+            <a:hueOff val="0"/>
+            <a:satOff val="0"/>
+            <a:lumOff val="0"/>
+            <a:alphaOff val="0"/>
+          </a:schemeClr>
+        </a:solidFill>
+        <a:ln w="12700" cap="flat" cmpd="sng" algn="ctr">
+          <a:solidFill>
+            <a:schemeClr val="bg1">
+              <a:lumMod val="75000"/>
+            </a:schemeClr>
+          </a:solidFill>
+          <a:prstDash val="solid"/>
+          <a:miter lim="800000"/>
+        </a:ln>
+        <a:effectLst/>
+      </dsp:spPr>
+      <dsp:style>
+        <a:lnRef idx="2">
+          <a:scrgbClr r="0" g="0" b="0"/>
+        </a:lnRef>
+        <a:fillRef idx="1">
+          <a:scrgbClr r="0" g="0" b="0"/>
+        </a:fillRef>
+        <a:effectRef idx="0">
+          <a:scrgbClr r="0" g="0" b="0"/>
+        </a:effectRef>
+        <a:fontRef idx="minor">
+          <a:schemeClr val="lt1"/>
+        </a:fontRef>
+      </dsp:style>
+    </dsp:sp>
+    <dsp:sp modelId="{9A6C14EA-77D5-6741-B894-9C9062DA3FD6}">
+      <dsp:nvSpPr>
+        <dsp:cNvPr id="0" name=""/>
+        <dsp:cNvSpPr/>
+      </dsp:nvSpPr>
+      <dsp:spPr>
+        <a:xfrm>
+          <a:off x="0" y="0"/>
+          <a:ext cx="6263640" cy="1376171"/>
+        </a:xfrm>
+        <a:prstGeom prst="rect">
+          <a:avLst/>
+        </a:prstGeom>
+        <a:noFill/>
+        <a:ln>
+          <a:noFill/>
+        </a:ln>
+        <a:effectLst/>
+      </dsp:spPr>
+      <dsp:style>
+        <a:lnRef idx="0">
+          <a:scrgbClr r="0" g="0" b="0"/>
+        </a:lnRef>
+        <a:fillRef idx="0">
+          <a:scrgbClr r="0" g="0" b="0"/>
+        </a:fillRef>
+        <a:effectRef idx="0">
+          <a:scrgbClr r="0" g="0" b="0"/>
+        </a:effectRef>
+        <a:fontRef idx="minor"/>
+      </dsp:style>
+      <dsp:txBody>
+        <a:bodyPr spcFirstLastPara="0" vert="horz" wrap="square" lIns="190500" tIns="190500" rIns="190500" bIns="190500" numCol="1" spcCol="1270" anchor="t" anchorCtr="0">
+          <a:noAutofit/>
+        </a:bodyPr>
+        <a:lstStyle/>
+        <a:p>
+          <a:pPr marL="0" lvl="0" indent="0" algn="l" defTabSz="2222500">
+            <a:lnSpc>
+              <a:spcPct val="90000"/>
+            </a:lnSpc>
+            <a:spcBef>
+              <a:spcPct val="0"/>
+            </a:spcBef>
+            <a:spcAft>
+              <a:spcPct val="35000"/>
+            </a:spcAft>
+            <a:buNone/>
+          </a:pPr>
+          <a:r>
+            <a:rPr lang="en-US" sz="5000" kern="1200" dirty="0">
+              <a:latin typeface="Trebuchet MS" panose="020B0703020202090204" pitchFamily="34" charset="0"/>
+            </a:rPr>
+            <a:t>Motivation</a:t>
+          </a:r>
+        </a:p>
+      </dsp:txBody>
+      <dsp:txXfrm>
+        <a:off x="0" y="0"/>
+        <a:ext cx="6263640" cy="1376171"/>
+      </dsp:txXfrm>
+    </dsp:sp>
+    <dsp:sp modelId="{1E9C26A2-A115-044B-8DB2-359B42F1AB55}">
+      <dsp:nvSpPr>
+        <dsp:cNvPr id="0" name=""/>
+        <dsp:cNvSpPr/>
+      </dsp:nvSpPr>
+      <dsp:spPr>
+        <a:xfrm>
+          <a:off x="0" y="1376171"/>
+          <a:ext cx="6263640" cy="0"/>
+        </a:xfrm>
+        <a:prstGeom prst="line">
+          <a:avLst/>
+        </a:prstGeom>
+        <a:solidFill>
+          <a:schemeClr val="accent5">
+            <a:hueOff val="0"/>
+            <a:satOff val="0"/>
+            <a:lumOff val="0"/>
+            <a:alphaOff val="0"/>
+          </a:schemeClr>
+        </a:solidFill>
+        <a:ln w="12700" cap="flat" cmpd="sng" algn="ctr">
+          <a:solidFill>
+            <a:schemeClr val="bg1">
+              <a:lumMod val="75000"/>
+            </a:schemeClr>
+          </a:solidFill>
+          <a:prstDash val="solid"/>
+          <a:miter lim="800000"/>
+        </a:ln>
+        <a:effectLst/>
+      </dsp:spPr>
+      <dsp:style>
+        <a:lnRef idx="2">
+          <a:scrgbClr r="0" g="0" b="0"/>
+        </a:lnRef>
+        <a:fillRef idx="1">
+          <a:scrgbClr r="0" g="0" b="0"/>
+        </a:fillRef>
+        <a:effectRef idx="0">
+          <a:scrgbClr r="0" g="0" b="0"/>
+        </a:effectRef>
+        <a:fontRef idx="minor">
+          <a:schemeClr val="lt1"/>
+        </a:fontRef>
+      </dsp:style>
+    </dsp:sp>
+    <dsp:sp modelId="{395A932E-D467-AE45-9D77-3988AF011343}">
+      <dsp:nvSpPr>
+        <dsp:cNvPr id="0" name=""/>
+        <dsp:cNvSpPr/>
+      </dsp:nvSpPr>
+      <dsp:spPr>
+        <a:xfrm>
+          <a:off x="0" y="1376171"/>
+          <a:ext cx="6263640" cy="1376171"/>
+        </a:xfrm>
+        <a:prstGeom prst="rect">
+          <a:avLst/>
+        </a:prstGeom>
+        <a:noFill/>
+        <a:ln>
+          <a:noFill/>
+        </a:ln>
+        <a:effectLst/>
+      </dsp:spPr>
+      <dsp:style>
+        <a:lnRef idx="0">
+          <a:scrgbClr r="0" g="0" b="0"/>
+        </a:lnRef>
+        <a:fillRef idx="0">
+          <a:scrgbClr r="0" g="0" b="0"/>
+        </a:fillRef>
+        <a:effectRef idx="0">
+          <a:scrgbClr r="0" g="0" b="0"/>
+        </a:effectRef>
+        <a:fontRef idx="minor"/>
+      </dsp:style>
+      <dsp:txBody>
+        <a:bodyPr spcFirstLastPara="0" vert="horz" wrap="square" lIns="190500" tIns="190500" rIns="190500" bIns="190500" numCol="1" spcCol="1270" anchor="t" anchorCtr="0">
+          <a:noAutofit/>
+        </a:bodyPr>
+        <a:lstStyle/>
+        <a:p>
+          <a:pPr marL="0" lvl="0" indent="0" algn="l" defTabSz="2222500">
+            <a:lnSpc>
+              <a:spcPct val="90000"/>
+            </a:lnSpc>
+            <a:spcBef>
+              <a:spcPct val="0"/>
+            </a:spcBef>
+            <a:spcAft>
+              <a:spcPct val="35000"/>
+            </a:spcAft>
+            <a:buNone/>
+          </a:pPr>
+          <a:r>
+            <a:rPr lang="en-US" sz="5000" kern="1200" dirty="0">
+              <a:latin typeface="Trebuchet MS" panose="020B0703020202090204" pitchFamily="34" charset="0"/>
+            </a:rPr>
+            <a:t>Approach</a:t>
+          </a:r>
+        </a:p>
+      </dsp:txBody>
+      <dsp:txXfrm>
+        <a:off x="0" y="1376171"/>
+        <a:ext cx="6263640" cy="1376171"/>
+      </dsp:txXfrm>
+    </dsp:sp>
+    <dsp:sp modelId="{8CF825A0-644D-E449-B2E4-17BCEB6197C7}">
+      <dsp:nvSpPr>
+        <dsp:cNvPr id="0" name=""/>
+        <dsp:cNvSpPr/>
+      </dsp:nvSpPr>
+      <dsp:spPr>
+        <a:xfrm>
+          <a:off x="0" y="2752343"/>
+          <a:ext cx="6263640" cy="0"/>
+        </a:xfrm>
+        <a:prstGeom prst="line">
+          <a:avLst/>
+        </a:prstGeom>
+        <a:solidFill>
+          <a:schemeClr val="accent5">
+            <a:hueOff val="0"/>
+            <a:satOff val="0"/>
+            <a:lumOff val="0"/>
+            <a:alphaOff val="0"/>
+          </a:schemeClr>
+        </a:solidFill>
+        <a:ln w="12700" cap="flat" cmpd="sng" algn="ctr">
+          <a:solidFill>
+            <a:schemeClr val="bg1">
+              <a:lumMod val="75000"/>
+            </a:schemeClr>
+          </a:solidFill>
+          <a:prstDash val="solid"/>
+          <a:miter lim="800000"/>
+        </a:ln>
+        <a:effectLst/>
+      </dsp:spPr>
+      <dsp:style>
+        <a:lnRef idx="2">
+          <a:scrgbClr r="0" g="0" b="0"/>
+        </a:lnRef>
+        <a:fillRef idx="1">
+          <a:scrgbClr r="0" g="0" b="0"/>
+        </a:fillRef>
+        <a:effectRef idx="0">
+          <a:scrgbClr r="0" g="0" b="0"/>
+        </a:effectRef>
+        <a:fontRef idx="minor">
+          <a:schemeClr val="lt1"/>
+        </a:fontRef>
+      </dsp:style>
+    </dsp:sp>
+    <dsp:sp modelId="{8ED46699-A2BD-D447-9C2F-E101A8A7C1F2}">
+      <dsp:nvSpPr>
+        <dsp:cNvPr id="0" name=""/>
+        <dsp:cNvSpPr/>
+      </dsp:nvSpPr>
+      <dsp:spPr>
+        <a:xfrm>
+          <a:off x="0" y="2752343"/>
+          <a:ext cx="6263640" cy="1376171"/>
+        </a:xfrm>
+        <a:prstGeom prst="rect">
+          <a:avLst/>
+        </a:prstGeom>
+        <a:noFill/>
+        <a:ln>
+          <a:noFill/>
+        </a:ln>
+        <a:effectLst/>
+      </dsp:spPr>
+      <dsp:style>
+        <a:lnRef idx="0">
+          <a:scrgbClr r="0" g="0" b="0"/>
+        </a:lnRef>
+        <a:fillRef idx="0">
+          <a:scrgbClr r="0" g="0" b="0"/>
+        </a:fillRef>
+        <a:effectRef idx="0">
+          <a:scrgbClr r="0" g="0" b="0"/>
+        </a:effectRef>
+        <a:fontRef idx="minor"/>
+      </dsp:style>
+      <dsp:txBody>
+        <a:bodyPr spcFirstLastPara="0" vert="horz" wrap="square" lIns="190500" tIns="190500" rIns="190500" bIns="190500" numCol="1" spcCol="1270" anchor="t" anchorCtr="0">
+          <a:noAutofit/>
+        </a:bodyPr>
+        <a:lstStyle/>
+        <a:p>
+          <a:pPr marL="0" lvl="0" indent="0" algn="l" defTabSz="2222500">
+            <a:lnSpc>
+              <a:spcPct val="90000"/>
+            </a:lnSpc>
+            <a:spcBef>
+              <a:spcPct val="0"/>
+            </a:spcBef>
+            <a:spcAft>
+              <a:spcPct val="35000"/>
+            </a:spcAft>
+            <a:buNone/>
+          </a:pPr>
+          <a:r>
+            <a:rPr lang="en-US" sz="5000" kern="1200" dirty="0">
+              <a:latin typeface="Trebuchet MS" panose="020B0703020202090204" pitchFamily="34" charset="0"/>
+            </a:rPr>
+            <a:t>Results</a:t>
+          </a:r>
+        </a:p>
+      </dsp:txBody>
+      <dsp:txXfrm>
+        <a:off x="0" y="2752343"/>
+        <a:ext cx="6263640" cy="1376171"/>
+      </dsp:txXfrm>
+    </dsp:sp>
+    <dsp:sp modelId="{A5BB3EC8-9323-B648-B8A6-4F5E6BACFF99}">
+      <dsp:nvSpPr>
+        <dsp:cNvPr id="0" name=""/>
+        <dsp:cNvSpPr/>
+      </dsp:nvSpPr>
+      <dsp:spPr>
+        <a:xfrm>
+          <a:off x="0" y="4128515"/>
+          <a:ext cx="6263640" cy="0"/>
+        </a:xfrm>
+        <a:prstGeom prst="line">
+          <a:avLst/>
+        </a:prstGeom>
+        <a:solidFill>
+          <a:schemeClr val="accent5">
+            <a:hueOff val="0"/>
+            <a:satOff val="0"/>
+            <a:lumOff val="0"/>
+            <a:alphaOff val="0"/>
+          </a:schemeClr>
+        </a:solidFill>
+        <a:ln w="12700" cap="flat" cmpd="sng" algn="ctr">
+          <a:solidFill>
+            <a:schemeClr val="bg1">
+              <a:lumMod val="75000"/>
+            </a:schemeClr>
+          </a:solidFill>
+          <a:prstDash val="solid"/>
+          <a:miter lim="800000"/>
+        </a:ln>
+        <a:effectLst/>
+      </dsp:spPr>
+      <dsp:style>
+        <a:lnRef idx="2">
+          <a:scrgbClr r="0" g="0" b="0"/>
+        </a:lnRef>
+        <a:fillRef idx="1">
+          <a:scrgbClr r="0" g="0" b="0"/>
+        </a:fillRef>
+        <a:effectRef idx="0">
+          <a:scrgbClr r="0" g="0" b="0"/>
+        </a:effectRef>
+        <a:fontRef idx="minor">
+          <a:schemeClr val="lt1"/>
+        </a:fontRef>
+      </dsp:style>
+    </dsp:sp>
+    <dsp:sp modelId="{0FD499DA-6078-F942-BB42-851052675C2A}">
+      <dsp:nvSpPr>
+        <dsp:cNvPr id="0" name=""/>
+        <dsp:cNvSpPr/>
+      </dsp:nvSpPr>
+      <dsp:spPr>
+        <a:xfrm>
+          <a:off x="0" y="4128515"/>
+          <a:ext cx="6263640" cy="1376171"/>
+        </a:xfrm>
+        <a:prstGeom prst="rect">
+          <a:avLst/>
+        </a:prstGeom>
+        <a:noFill/>
+        <a:ln>
+          <a:noFill/>
+        </a:ln>
+        <a:effectLst/>
+      </dsp:spPr>
+      <dsp:style>
+        <a:lnRef idx="0">
+          <a:scrgbClr r="0" g="0" b="0"/>
+        </a:lnRef>
+        <a:fillRef idx="0">
+          <a:scrgbClr r="0" g="0" b="0"/>
+        </a:fillRef>
+        <a:effectRef idx="0">
+          <a:scrgbClr r="0" g="0" b="0"/>
+        </a:effectRef>
+        <a:fontRef idx="minor"/>
+      </dsp:style>
+      <dsp:txBody>
+        <a:bodyPr spcFirstLastPara="0" vert="horz" wrap="square" lIns="190500" tIns="190500" rIns="190500" bIns="190500" numCol="1" spcCol="1270" anchor="t" anchorCtr="0">
+          <a:noAutofit/>
+        </a:bodyPr>
+        <a:lstStyle/>
+        <a:p>
+          <a:pPr marL="0" lvl="0" indent="0" algn="l" defTabSz="2222500">
+            <a:lnSpc>
+              <a:spcPct val="90000"/>
+            </a:lnSpc>
+            <a:spcBef>
+              <a:spcPct val="0"/>
+            </a:spcBef>
+            <a:spcAft>
+              <a:spcPct val="35000"/>
+            </a:spcAft>
+            <a:buNone/>
+          </a:pPr>
+          <a:r>
+            <a:rPr lang="en-US" sz="5000" kern="1200" dirty="0">
+              <a:latin typeface="Trebuchet MS" panose="020B0703020202090204" pitchFamily="34" charset="0"/>
+            </a:rPr>
+            <a:t>Potential Next Steps</a:t>
+          </a:r>
+        </a:p>
+      </dsp:txBody>
+      <dsp:txXfrm>
+        <a:off x="0" y="4128515"/>
+        <a:ext cx="6263640" cy="1376171"/>
+      </dsp:txXfrm>
+    </dsp:sp>
+  </dsp:spTree>
+</dsp:drawing>
+</file>
+
+<file path=ppt/diagrams/drawing2.xml><?xml version="1.0" encoding="utf-8"?>
+<dsp:drawing xmlns:dgm="http://schemas.openxmlformats.org/drawingml/2006/diagram" xmlns:dsp="http://schemas.microsoft.com/office/drawing/2008/diagram" xmlns:a="http://schemas.openxmlformats.org/drawingml/2006/main">
+  <dsp:spTree>
+    <dsp:nvGrpSpPr>
+      <dsp:cNvPr id="0" name=""/>
+      <dsp:cNvGrpSpPr/>
+    </dsp:nvGrpSpPr>
+    <dsp:grpSpPr/>
+    <dsp:sp modelId="{58823BC9-75A2-4F4C-8882-93CADFEF2DB3}">
+      <dsp:nvSpPr>
+        <dsp:cNvPr id="0" name=""/>
+        <dsp:cNvSpPr/>
+      </dsp:nvSpPr>
+      <dsp:spPr>
+        <a:xfrm>
+          <a:off x="0" y="1805"/>
+          <a:ext cx="10515600" cy="915310"/>
+        </a:xfrm>
+        <a:prstGeom prst="roundRect">
+          <a:avLst>
+            <a:gd name="adj" fmla="val 10000"/>
+          </a:avLst>
+        </a:prstGeom>
+        <a:solidFill>
+          <a:schemeClr val="bg1">
+            <a:lumMod val="95000"/>
+            <a:hueOff val="0"/>
+            <a:satOff val="0"/>
+            <a:lumOff val="0"/>
+            <a:alphaOff val="0"/>
+          </a:schemeClr>
+        </a:solidFill>
+        <a:ln>
+          <a:noFill/>
+        </a:ln>
+        <a:effectLst/>
+      </dsp:spPr>
+      <dsp:style>
+        <a:lnRef idx="0">
+          <a:scrgbClr r="0" g="0" b="0"/>
+        </a:lnRef>
+        <a:fillRef idx="1">
+          <a:scrgbClr r="0" g="0" b="0"/>
+        </a:fillRef>
+        <a:effectRef idx="0">
+          <a:scrgbClr r="0" g="0" b="0"/>
+        </a:effectRef>
+        <a:fontRef idx="minor"/>
+      </dsp:style>
+    </dsp:sp>
+    <dsp:sp modelId="{24541F06-BB7B-4D7B-9D8E-34EEF14F1928}">
+      <dsp:nvSpPr>
+        <dsp:cNvPr id="0" name=""/>
+        <dsp:cNvSpPr/>
+      </dsp:nvSpPr>
+      <dsp:spPr>
+        <a:xfrm>
+          <a:off x="276881" y="207750"/>
+          <a:ext cx="503420" cy="503420"/>
+        </a:xfrm>
+        <a:prstGeom prst="rect">
+          <a:avLst/>
+        </a:prstGeom>
+        <a:blipFill>
+          <a:blip xmlns:r="http://schemas.openxmlformats.org/officeDocument/2006/relationships" r:embed="rId1">
+            <a:extLst>
+              <a:ext uri="{28A0092B-C50C-407E-A947-70E740481C1C}">
+                <a14:useLocalDpi xmlns:a14="http://schemas.microsoft.com/office/drawing/2010/main" val="0"/>
+              </a:ext>
+              <a:ext uri="{96DAC541-7B7A-43D3-8B79-37D633B846F1}">
+                <asvg:svgBlip xmlns:asvg="http://schemas.microsoft.com/office/drawing/2016/SVG/main" r:embed="rId2"/>
+              </a:ext>
+            </a:extLst>
+          </a:blip>
+          <a:stretch>
+            <a:fillRect/>
+          </a:stretch>
+        </a:blipFill>
+        <a:ln w="12700" cap="flat" cmpd="sng" algn="ctr">
+          <a:noFill/>
+          <a:prstDash val="solid"/>
+          <a:miter lim="800000"/>
+        </a:ln>
+        <a:effectLst/>
+      </dsp:spPr>
+      <dsp:style>
+        <a:lnRef idx="2">
+          <a:scrgbClr r="0" g="0" b="0"/>
+        </a:lnRef>
+        <a:fillRef idx="1">
+          <a:scrgbClr r="0" g="0" b="0"/>
+        </a:fillRef>
+        <a:effectRef idx="0">
+          <a:scrgbClr r="0" g="0" b="0"/>
+        </a:effectRef>
+        <a:fontRef idx="minor">
+          <a:schemeClr val="lt1"/>
+        </a:fontRef>
+      </dsp:style>
+    </dsp:sp>
+    <dsp:sp modelId="{1ECE9321-FCC6-44D5-A892-62FB5CC8CD19}">
+      <dsp:nvSpPr>
+        <dsp:cNvPr id="0" name=""/>
+        <dsp:cNvSpPr/>
+      </dsp:nvSpPr>
+      <dsp:spPr>
+        <a:xfrm>
+          <a:off x="1057183" y="1805"/>
+          <a:ext cx="9458416" cy="915310"/>
+        </a:xfrm>
+        <a:prstGeom prst="rect">
+          <a:avLst/>
+        </a:prstGeom>
+        <a:noFill/>
+        <a:ln>
+          <a:noFill/>
+        </a:ln>
+        <a:effectLst/>
+      </dsp:spPr>
+      <dsp:style>
+        <a:lnRef idx="0">
+          <a:scrgbClr r="0" g="0" b="0"/>
+        </a:lnRef>
+        <a:fillRef idx="0">
+          <a:scrgbClr r="0" g="0" b="0"/>
+        </a:fillRef>
+        <a:effectRef idx="0">
+          <a:scrgbClr r="0" g="0" b="0"/>
+        </a:effectRef>
+        <a:fontRef idx="minor"/>
+      </dsp:style>
+      <dsp:txBody>
+        <a:bodyPr spcFirstLastPara="0" vert="horz" wrap="square" lIns="96870" tIns="96870" rIns="96870" bIns="96870" numCol="1" spcCol="1270" anchor="ctr" anchorCtr="0">
+          <a:noAutofit/>
+        </a:bodyPr>
+        <a:lstStyle/>
+        <a:p>
+          <a:pPr marL="0" lvl="0" indent="0" algn="l" defTabSz="977900">
+            <a:lnSpc>
+              <a:spcPct val="90000"/>
+            </a:lnSpc>
+            <a:spcBef>
+              <a:spcPct val="0"/>
+            </a:spcBef>
+            <a:spcAft>
+              <a:spcPct val="35000"/>
+            </a:spcAft>
+            <a:buNone/>
+          </a:pPr>
+          <a:r>
+            <a:rPr lang="en-US" sz="2200" kern="1200" dirty="0">
+              <a:latin typeface="Trebuchet MS" panose="020B0703020202090204" pitchFamily="34" charset="0"/>
+            </a:rPr>
+            <a:t>Longer</a:t>
+          </a:r>
+          <a:r>
+            <a:rPr lang="en-US" sz="2200" kern="1200" dirty="0"/>
+            <a:t> Time Horizon</a:t>
+          </a:r>
+        </a:p>
+      </dsp:txBody>
+      <dsp:txXfrm>
+        <a:off x="1057183" y="1805"/>
+        <a:ext cx="9458416" cy="915310"/>
+      </dsp:txXfrm>
+    </dsp:sp>
+    <dsp:sp modelId="{93F51402-8C53-4626-83D4-7CFD930D1E2E}">
+      <dsp:nvSpPr>
+        <dsp:cNvPr id="0" name=""/>
+        <dsp:cNvSpPr/>
+      </dsp:nvSpPr>
+      <dsp:spPr>
+        <a:xfrm>
+          <a:off x="0" y="1145944"/>
+          <a:ext cx="10515600" cy="915310"/>
+        </a:xfrm>
+        <a:prstGeom prst="roundRect">
+          <a:avLst>
+            <a:gd name="adj" fmla="val 10000"/>
+          </a:avLst>
+        </a:prstGeom>
+        <a:solidFill>
+          <a:schemeClr val="bg1">
+            <a:lumMod val="95000"/>
+            <a:hueOff val="0"/>
+            <a:satOff val="0"/>
+            <a:lumOff val="0"/>
+            <a:alphaOff val="0"/>
+          </a:schemeClr>
+        </a:solidFill>
+        <a:ln>
+          <a:noFill/>
+        </a:ln>
+        <a:effectLst/>
+      </dsp:spPr>
+      <dsp:style>
+        <a:lnRef idx="0">
+          <a:scrgbClr r="0" g="0" b="0"/>
+        </a:lnRef>
+        <a:fillRef idx="1">
+          <a:scrgbClr r="0" g="0" b="0"/>
+        </a:fillRef>
+        <a:effectRef idx="0">
+          <a:scrgbClr r="0" g="0" b="0"/>
+        </a:effectRef>
+        <a:fontRef idx="minor"/>
+      </dsp:style>
+    </dsp:sp>
+    <dsp:sp modelId="{9216E733-BCA7-4903-AA11-F4E5990330BA}">
+      <dsp:nvSpPr>
+        <dsp:cNvPr id="0" name=""/>
+        <dsp:cNvSpPr/>
+      </dsp:nvSpPr>
+      <dsp:spPr>
+        <a:xfrm>
+          <a:off x="276881" y="1351889"/>
+          <a:ext cx="503420" cy="503420"/>
+        </a:xfrm>
+        <a:prstGeom prst="rect">
+          <a:avLst/>
+        </a:prstGeom>
+        <a:blipFill>
+          <a:blip xmlns:r="http://schemas.openxmlformats.org/officeDocument/2006/relationships" r:embed="rId3">
+            <a:extLst>
+              <a:ext uri="{28A0092B-C50C-407E-A947-70E740481C1C}">
+                <a14:useLocalDpi xmlns:a14="http://schemas.microsoft.com/office/drawing/2010/main" val="0"/>
+              </a:ext>
+              <a:ext uri="{96DAC541-7B7A-43D3-8B79-37D633B846F1}">
+                <asvg:svgBlip xmlns:asvg="http://schemas.microsoft.com/office/drawing/2016/SVG/main" r:embed="rId4"/>
+              </a:ext>
+            </a:extLst>
+          </a:blip>
+          <a:stretch>
+            <a:fillRect/>
+          </a:stretch>
+        </a:blipFill>
+        <a:ln w="12700" cap="flat" cmpd="sng" algn="ctr">
+          <a:noFill/>
+          <a:prstDash val="solid"/>
+          <a:miter lim="800000"/>
+        </a:ln>
+        <a:effectLst/>
+      </dsp:spPr>
+      <dsp:style>
+        <a:lnRef idx="2">
+          <a:scrgbClr r="0" g="0" b="0"/>
+        </a:lnRef>
+        <a:fillRef idx="1">
+          <a:scrgbClr r="0" g="0" b="0"/>
+        </a:fillRef>
+        <a:effectRef idx="0">
+          <a:scrgbClr r="0" g="0" b="0"/>
+        </a:effectRef>
+        <a:fontRef idx="minor">
+          <a:schemeClr val="lt1"/>
+        </a:fontRef>
+      </dsp:style>
+    </dsp:sp>
+    <dsp:sp modelId="{409BDDAF-D13F-4F04-9A2B-CD55F19D0F2F}">
+      <dsp:nvSpPr>
+        <dsp:cNvPr id="0" name=""/>
+        <dsp:cNvSpPr/>
+      </dsp:nvSpPr>
+      <dsp:spPr>
+        <a:xfrm>
+          <a:off x="1057183" y="1145944"/>
+          <a:ext cx="9458416" cy="915310"/>
+        </a:xfrm>
+        <a:prstGeom prst="rect">
+          <a:avLst/>
+        </a:prstGeom>
+        <a:noFill/>
+        <a:ln>
+          <a:noFill/>
+        </a:ln>
+        <a:effectLst/>
+      </dsp:spPr>
+      <dsp:style>
+        <a:lnRef idx="0">
+          <a:scrgbClr r="0" g="0" b="0"/>
+        </a:lnRef>
+        <a:fillRef idx="0">
+          <a:scrgbClr r="0" g="0" b="0"/>
+        </a:fillRef>
+        <a:effectRef idx="0">
+          <a:scrgbClr r="0" g="0" b="0"/>
+        </a:effectRef>
+        <a:fontRef idx="minor"/>
+      </dsp:style>
+      <dsp:txBody>
+        <a:bodyPr spcFirstLastPara="0" vert="horz" wrap="square" lIns="96870" tIns="96870" rIns="96870" bIns="96870" numCol="1" spcCol="1270" anchor="ctr" anchorCtr="0">
+          <a:noAutofit/>
+        </a:bodyPr>
+        <a:lstStyle/>
+        <a:p>
+          <a:pPr marL="0" lvl="0" indent="0" algn="l" defTabSz="977900">
+            <a:lnSpc>
+              <a:spcPct val="90000"/>
+            </a:lnSpc>
+            <a:spcBef>
+              <a:spcPct val="0"/>
+            </a:spcBef>
+            <a:spcAft>
+              <a:spcPct val="35000"/>
+            </a:spcAft>
+            <a:buNone/>
+          </a:pPr>
+          <a:r>
+            <a:rPr lang="en-US" sz="2200" kern="1200" dirty="0">
+              <a:latin typeface="Trebuchet MS" panose="020B0703020202090204" pitchFamily="34" charset="0"/>
+            </a:rPr>
+            <a:t>Deploy</a:t>
+          </a:r>
+          <a:r>
+            <a:rPr lang="en-US" sz="2200" kern="1200" dirty="0"/>
+            <a:t> on the cloud</a:t>
+          </a:r>
+        </a:p>
+      </dsp:txBody>
+      <dsp:txXfrm>
+        <a:off x="1057183" y="1145944"/>
+        <a:ext cx="9458416" cy="915310"/>
+      </dsp:txXfrm>
+    </dsp:sp>
+    <dsp:sp modelId="{0502456C-590C-4666-8254-B10D4165E5D7}">
+      <dsp:nvSpPr>
+        <dsp:cNvPr id="0" name=""/>
+        <dsp:cNvSpPr/>
+      </dsp:nvSpPr>
+      <dsp:spPr>
+        <a:xfrm>
+          <a:off x="0" y="2290082"/>
+          <a:ext cx="10515600" cy="915310"/>
+        </a:xfrm>
+        <a:prstGeom prst="roundRect">
+          <a:avLst>
+            <a:gd name="adj" fmla="val 10000"/>
+          </a:avLst>
+        </a:prstGeom>
+        <a:solidFill>
+          <a:schemeClr val="bg1">
+            <a:lumMod val="95000"/>
+            <a:hueOff val="0"/>
+            <a:satOff val="0"/>
+            <a:lumOff val="0"/>
+            <a:alphaOff val="0"/>
+          </a:schemeClr>
+        </a:solidFill>
+        <a:ln>
+          <a:noFill/>
+        </a:ln>
+        <a:effectLst/>
+      </dsp:spPr>
+      <dsp:style>
+        <a:lnRef idx="0">
+          <a:scrgbClr r="0" g="0" b="0"/>
+        </a:lnRef>
+        <a:fillRef idx="1">
+          <a:scrgbClr r="0" g="0" b="0"/>
+        </a:fillRef>
+        <a:effectRef idx="0">
+          <a:scrgbClr r="0" g="0" b="0"/>
+        </a:effectRef>
+        <a:fontRef idx="minor"/>
+      </dsp:style>
+    </dsp:sp>
+    <dsp:sp modelId="{88BFCC46-C2B4-47F8-9081-622696259B63}">
+      <dsp:nvSpPr>
+        <dsp:cNvPr id="0" name=""/>
+        <dsp:cNvSpPr/>
+      </dsp:nvSpPr>
+      <dsp:spPr>
+        <a:xfrm>
+          <a:off x="276881" y="2496027"/>
+          <a:ext cx="503420" cy="503420"/>
+        </a:xfrm>
+        <a:prstGeom prst="rect">
+          <a:avLst/>
+        </a:prstGeom>
+        <a:blipFill>
+          <a:blip xmlns:r="http://schemas.openxmlformats.org/officeDocument/2006/relationships" r:embed="rId5">
+            <a:extLst>
+              <a:ext uri="{28A0092B-C50C-407E-A947-70E740481C1C}">
+                <a14:useLocalDpi xmlns:a14="http://schemas.microsoft.com/office/drawing/2010/main" val="0"/>
+              </a:ext>
+              <a:ext uri="{96DAC541-7B7A-43D3-8B79-37D633B846F1}">
+                <asvg:svgBlip xmlns:asvg="http://schemas.microsoft.com/office/drawing/2016/SVG/main" r:embed="rId6"/>
+              </a:ext>
+            </a:extLst>
+          </a:blip>
+          <a:stretch>
+            <a:fillRect/>
+          </a:stretch>
+        </a:blipFill>
+        <a:ln w="12700" cap="flat" cmpd="sng" algn="ctr">
+          <a:noFill/>
+          <a:prstDash val="solid"/>
+          <a:miter lim="800000"/>
+        </a:ln>
+        <a:effectLst/>
+      </dsp:spPr>
+      <dsp:style>
+        <a:lnRef idx="2">
+          <a:scrgbClr r="0" g="0" b="0"/>
+        </a:lnRef>
+        <a:fillRef idx="1">
+          <a:scrgbClr r="0" g="0" b="0"/>
+        </a:fillRef>
+        <a:effectRef idx="0">
+          <a:scrgbClr r="0" g="0" b="0"/>
+        </a:effectRef>
+        <a:fontRef idx="minor">
+          <a:schemeClr val="lt1"/>
+        </a:fontRef>
+      </dsp:style>
+    </dsp:sp>
+    <dsp:sp modelId="{338C69C4-EF65-4702-BA0C-8CAC0FB5AA3A}">
+      <dsp:nvSpPr>
+        <dsp:cNvPr id="0" name=""/>
+        <dsp:cNvSpPr/>
+      </dsp:nvSpPr>
+      <dsp:spPr>
+        <a:xfrm>
+          <a:off x="1057183" y="2290082"/>
+          <a:ext cx="9458416" cy="915310"/>
+        </a:xfrm>
+        <a:prstGeom prst="rect">
+          <a:avLst/>
+        </a:prstGeom>
+        <a:noFill/>
+        <a:ln>
+          <a:noFill/>
+        </a:ln>
+        <a:effectLst/>
+      </dsp:spPr>
+      <dsp:style>
+        <a:lnRef idx="0">
+          <a:scrgbClr r="0" g="0" b="0"/>
+        </a:lnRef>
+        <a:fillRef idx="0">
+          <a:scrgbClr r="0" g="0" b="0"/>
+        </a:fillRef>
+        <a:effectRef idx="0">
+          <a:scrgbClr r="0" g="0" b="0"/>
+        </a:effectRef>
+        <a:fontRef idx="minor"/>
+      </dsp:style>
+      <dsp:txBody>
+        <a:bodyPr spcFirstLastPara="0" vert="horz" wrap="square" lIns="96870" tIns="96870" rIns="96870" bIns="96870" numCol="1" spcCol="1270" anchor="ctr" anchorCtr="0">
+          <a:noAutofit/>
+        </a:bodyPr>
+        <a:lstStyle/>
+        <a:p>
+          <a:pPr marL="0" lvl="0" indent="0" algn="l" defTabSz="977900">
+            <a:lnSpc>
+              <a:spcPct val="90000"/>
+            </a:lnSpc>
+            <a:spcBef>
+              <a:spcPct val="0"/>
+            </a:spcBef>
+            <a:spcAft>
+              <a:spcPct val="35000"/>
+            </a:spcAft>
+            <a:buNone/>
+          </a:pPr>
+          <a:r>
+            <a:rPr lang="en-US" sz="2200" kern="1200" dirty="0"/>
+            <a:t>Deep learning to catch sarcasm</a:t>
+          </a:r>
+        </a:p>
+      </dsp:txBody>
+      <dsp:txXfrm>
+        <a:off x="1057183" y="2290082"/>
+        <a:ext cx="9458416" cy="915310"/>
+      </dsp:txXfrm>
+    </dsp:sp>
+    <dsp:sp modelId="{78580A2D-B7C5-4BEF-83D6-6992527B5AD0}">
+      <dsp:nvSpPr>
+        <dsp:cNvPr id="0" name=""/>
+        <dsp:cNvSpPr/>
+      </dsp:nvSpPr>
+      <dsp:spPr>
+        <a:xfrm>
+          <a:off x="0" y="3434221"/>
+          <a:ext cx="10515600" cy="915310"/>
+        </a:xfrm>
+        <a:prstGeom prst="roundRect">
+          <a:avLst>
+            <a:gd name="adj" fmla="val 10000"/>
+          </a:avLst>
+        </a:prstGeom>
+        <a:solidFill>
+          <a:schemeClr val="bg1">
+            <a:lumMod val="95000"/>
+            <a:hueOff val="0"/>
+            <a:satOff val="0"/>
+            <a:lumOff val="0"/>
+            <a:alphaOff val="0"/>
+          </a:schemeClr>
+        </a:solidFill>
+        <a:ln>
+          <a:noFill/>
+        </a:ln>
+        <a:effectLst/>
+      </dsp:spPr>
+      <dsp:style>
+        <a:lnRef idx="0">
+          <a:scrgbClr r="0" g="0" b="0"/>
+        </a:lnRef>
+        <a:fillRef idx="1">
+          <a:scrgbClr r="0" g="0" b="0"/>
+        </a:fillRef>
+        <a:effectRef idx="0">
+          <a:scrgbClr r="0" g="0" b="0"/>
+        </a:effectRef>
+        <a:fontRef idx="minor"/>
+      </dsp:style>
+    </dsp:sp>
+    <dsp:sp modelId="{D26FA8AE-3836-4945-99A6-CEE929B16181}">
+      <dsp:nvSpPr>
+        <dsp:cNvPr id="0" name=""/>
+        <dsp:cNvSpPr/>
+      </dsp:nvSpPr>
+      <dsp:spPr>
+        <a:xfrm>
+          <a:off x="276881" y="3640166"/>
+          <a:ext cx="503420" cy="503420"/>
+        </a:xfrm>
+        <a:prstGeom prst="rect">
+          <a:avLst/>
+        </a:prstGeom>
+        <a:blipFill>
+          <a:blip xmlns:r="http://schemas.openxmlformats.org/officeDocument/2006/relationships" r:embed="rId7">
+            <a:extLst>
+              <a:ext uri="{28A0092B-C50C-407E-A947-70E740481C1C}">
+                <a14:useLocalDpi xmlns:a14="http://schemas.microsoft.com/office/drawing/2010/main" val="0"/>
+              </a:ext>
+              <a:ext uri="{96DAC541-7B7A-43D3-8B79-37D633B846F1}">
+                <asvg:svgBlip xmlns:asvg="http://schemas.microsoft.com/office/drawing/2016/SVG/main" r:embed="rId8"/>
+              </a:ext>
+            </a:extLst>
+          </a:blip>
+          <a:stretch>
+            <a:fillRect/>
+          </a:stretch>
+        </a:blipFill>
+        <a:ln w="12700" cap="flat" cmpd="sng" algn="ctr">
+          <a:noFill/>
+          <a:prstDash val="solid"/>
+          <a:miter lim="800000"/>
+        </a:ln>
+        <a:effectLst/>
+      </dsp:spPr>
+      <dsp:style>
+        <a:lnRef idx="2">
+          <a:scrgbClr r="0" g="0" b="0"/>
+        </a:lnRef>
+        <a:fillRef idx="1">
+          <a:scrgbClr r="0" g="0" b="0"/>
+        </a:fillRef>
+        <a:effectRef idx="0">
+          <a:scrgbClr r="0" g="0" b="0"/>
+        </a:effectRef>
+        <a:fontRef idx="minor">
+          <a:schemeClr val="lt1"/>
+        </a:fontRef>
+      </dsp:style>
+    </dsp:sp>
+    <dsp:sp modelId="{E02D67F9-4822-48FA-A298-95BA05C79FE3}">
+      <dsp:nvSpPr>
+        <dsp:cNvPr id="0" name=""/>
+        <dsp:cNvSpPr/>
+      </dsp:nvSpPr>
+      <dsp:spPr>
+        <a:xfrm>
+          <a:off x="1057183" y="3434221"/>
+          <a:ext cx="9458416" cy="915310"/>
+        </a:xfrm>
+        <a:prstGeom prst="rect">
+          <a:avLst/>
+        </a:prstGeom>
+        <a:noFill/>
+        <a:ln>
+          <a:noFill/>
+        </a:ln>
+        <a:effectLst/>
+      </dsp:spPr>
+      <dsp:style>
+        <a:lnRef idx="0">
+          <a:scrgbClr r="0" g="0" b="0"/>
+        </a:lnRef>
+        <a:fillRef idx="0">
+          <a:scrgbClr r="0" g="0" b="0"/>
+        </a:fillRef>
+        <a:effectRef idx="0">
+          <a:scrgbClr r="0" g="0" b="0"/>
+        </a:effectRef>
+        <a:fontRef idx="minor"/>
+      </dsp:style>
+      <dsp:txBody>
+        <a:bodyPr spcFirstLastPara="0" vert="horz" wrap="square" lIns="96870" tIns="96870" rIns="96870" bIns="96870" numCol="1" spcCol="1270" anchor="ctr" anchorCtr="0">
+          <a:noAutofit/>
+        </a:bodyPr>
+        <a:lstStyle/>
+        <a:p>
+          <a:pPr marL="0" lvl="0" indent="0" algn="l" defTabSz="977900">
+            <a:lnSpc>
+              <a:spcPct val="90000"/>
+            </a:lnSpc>
+            <a:spcBef>
+              <a:spcPct val="0"/>
+            </a:spcBef>
+            <a:spcAft>
+              <a:spcPct val="35000"/>
+            </a:spcAft>
+            <a:buNone/>
+          </a:pPr>
+          <a:r>
+            <a:rPr lang="en-US" sz="2200" kern="1200" dirty="0"/>
+            <a:t>Thank you for listening. Questions?</a:t>
+          </a:r>
+        </a:p>
+      </dsp:txBody>
+      <dsp:txXfrm>
+        <a:off x="1057183" y="3434221"/>
+        <a:ext cx="9458416" cy="915310"/>
+      </dsp:txXfrm>
+    </dsp:sp>
+  </dsp:spTree>
+</dsp:drawing>
+</file>
+
+<file path=ppt/diagrams/layout1.xml><?xml version="1.0" encoding="utf-8"?>
+<dgm:layoutDef xmlns:dgm="http://schemas.openxmlformats.org/drawingml/2006/diagram" xmlns:a="http://schemas.openxmlformats.org/drawingml/2006/main" uniqueId="urn:microsoft.com/office/officeart/2008/layout/LinedList">
+  <dgm:title val=""/>
+  <dgm:desc val=""/>
+  <dgm:catLst>
+    <dgm:cat type="hierarchy" pri="8000"/>
+    <dgm:cat type="list" pri="2500"/>
+  </dgm:catLst>
+  <dgm:sampData>
+    <dgm:dataModel>
+      <dgm:ptLst>
+        <dgm:pt modelId="0" type="doc"/>
+        <dgm:pt modelId="1">
+          <dgm:prSet phldr="1"/>
+        </dgm:pt>
+        <dgm:pt modelId="11">
+          <dgm:prSet phldr="1"/>
+        </dgm:pt>
+        <dgm:pt modelId="12">
+          <dgm:prSet phldr="1"/>
+        </dgm:pt>
+        <dgm:pt modelId="13">
+          <dgm:prSet phldr="1"/>
+        </dgm:pt>
+      </dgm:ptLst>
+      <dgm:cxnLst>
+        <dgm:cxn modelId="2" srcId="0" destId="1" srcOrd="0" destOrd="0"/>
+        <dgm:cxn modelId="3" srcId="1" destId="11" srcOrd="0" destOrd="0"/>
+        <dgm:cxn modelId="4" srcId="1" destId="12" srcOrd="1" destOrd="0"/>
+        <dgm:cxn modelId="5" srcId="1" destId="13" srcOrd="2" destOrd="0"/>
+      </dgm:cxnLst>
+      <dgm:bg/>
+      <dgm:whole/>
+    </dgm:dataModel>
+  </dgm:sampData>
+  <dgm:styleData>
+    <dgm:dataModel>
+      <dgm:ptLst>
+        <dgm:pt modelId="0" type="doc"/>
+        <dgm:pt modelId="1">
+          <dgm:prSet phldr="1"/>
+        </dgm:pt>
+        <dgm:pt modelId="11">
+          <dgm:prSet phldr="1"/>
+        </dgm:pt>
+        <dgm:pt modelId="12">
+          <dgm:prSet phldr="1"/>
+        </dgm:pt>
+      </dgm:ptLst>
+      <dgm:cxnLst>
+        <dgm:cxn modelId="2" srcId="0" destId="1" srcOrd="0" destOrd="0"/>
+        <dgm:cxn modelId="3" srcId="1" destId="11" srcOrd="0" destOrd="0"/>
+        <dgm:cxn modelId="4" srcId="1" destId="12" srcOrd="1" destOrd="0"/>
+      </dgm:cxnLst>
+      <dgm:bg/>
+      <dgm:whole/>
+    </dgm:dataModel>
+  </dgm:styleData>
+  <dgm:clrData>
+    <dgm:dataModel>
+      <dgm:ptLst>
+        <dgm:pt modelId="0" type="doc"/>
+        <dgm:pt modelId="1">
+          <dgm:prSet phldr="1"/>
+        </dgm:pt>
+        <dgm:pt modelId="11">
+          <dgm:prSet phldr="1"/>
+        </dgm:pt>
+        <dgm:pt modelId="12">
+          <dgm:prSet phldr="1"/>
+        </dgm:pt>
+      </dgm:ptLst>
+      <dgm:cxnLst>
+        <dgm:cxn modelId="2" srcId="0" destId="1" srcOrd="0" destOrd="0"/>
+        <dgm:cxn modelId="3" srcId="1" destId="11" srcOrd="0" destOrd="0"/>
+        <dgm:cxn modelId="4" srcId="1" destId="12" srcOrd="1" destOrd="0"/>
+      </dgm:cxnLst>
+      <dgm:bg/>
+      <dgm:whole/>
+    </dgm:dataModel>
+  </dgm:clrData>
+  <dgm:layoutNode name="vert0">
+    <dgm:varLst>
+      <dgm:dir/>
+      <dgm:animOne val="branch"/>
+      <dgm:animLvl val="lvl"/>
+    </dgm:varLst>
+    <dgm:choose name="Name0">
+      <dgm:if name="Name1" func="var" arg="dir" op="equ" val="norm">
+        <dgm:alg type="lin">
+          <dgm:param type="linDir" val="fromT"/>
+          <dgm:param type="nodeHorzAlign" val="l"/>
+        </dgm:alg>
+      </dgm:if>
+      <dgm:else name="Name2">
+        <dgm:alg type="lin">
+          <dgm:param type="linDir" val="fromT"/>
+          <dgm:param type="nodeHorzAlign" val="r"/>
+        </dgm:alg>
+      </dgm:else>
+    </dgm:choose>
+    <dgm:shape xmlns:r="http://schemas.openxmlformats.org/officeDocument/2006/relationships" r:blip="">
+      <dgm:adjLst/>
+    </dgm:shape>
+    <dgm:presOf/>
+    <dgm:constrLst>
+      <dgm:constr type="w" for="ch" forName="horz1" refType="w"/>
+      <dgm:constr type="h" for="ch" forName="horz1" refType="h"/>
+      <dgm:constr type="h" for="des" forName="vert1" refType="h"/>
+      <dgm:constr type="h" for="des" forName="tx1" refType="h"/>
+      <dgm:constr type="h" for="des" forName="horz2" refType="h"/>
+      <dgm:constr type="h" for="des" forName="vert2" refType="h"/>
+      <dgm:constr type="h" for="des" forName="horz3" refType="h"/>
+      <dgm:constr type="h" for="des" forName="vert3" refType="h"/>
+      <dgm:constr type="h" for="des" forName="horz4" refType="h"/>
+      <dgm:constr type="h" for="des" ptType="node" refType="h"/>
+      <dgm:constr type="primFontSz" for="des" forName="tx1" op="equ" val="65"/>
+      <dgm:constr type="primFontSz" for="des" forName="tx2" op="equ" val="65"/>
+      <dgm:constr type="primFontSz" for="des" forName="tx3" op="equ" val="65"/>
+      <dgm:constr type="primFontSz" for="des" forName="tx4" op="equ" val="65"/>
+      <dgm:constr type="w" for="des" forName="thickLine" refType="w"/>
+      <dgm:constr type="h" for="des" forName="thickLine"/>
+      <dgm:constr type="h" for="des" forName="thinLine1"/>
+      <dgm:constr type="h" for="des" forName="thinLine2b"/>
+      <dgm:constr type="h" for="des" forName="thinLine3"/>
+      <dgm:constr type="h" for="des" forName="vertSpace2a" refType="h" fact="0.05"/>
+      <dgm:constr type="h" for="des" forName="vertSpace2b" refType="h" refFor="des" refForName="vertSpace2a"/>
+    </dgm:constrLst>
+    <dgm:forEach name="Name3" axis="ch" ptType="node">
+      <dgm:layoutNode name="thickLine" styleLbl="alignNode1">
+        <dgm:alg type="sp"/>
+        <dgm:shape xmlns:r="http://schemas.openxmlformats.org/officeDocument/2006/relationships" type="line" r:blip="">
+          <dgm:adjLst/>
+        </dgm:shape>
+        <dgm:presOf/>
+      </dgm:layoutNode>
+      <dgm:layoutNode name="horz1">
+        <dgm:choose name="Name4">
+          <dgm:if name="Name5" func="var" arg="dir" op="equ" val="norm">
+            <dgm:alg type="lin">
+              <dgm:param type="linDir" val="fromL"/>
+              <dgm:param type="nodeVertAlign" val="t"/>
+            </dgm:alg>
+          </dgm:if>
+          <dgm:else name="Name6">
+            <dgm:alg type="lin">
+              <dgm:param type="linDir" val="fromR"/>
+              <dgm:param type="nodeVertAlign" val="t"/>
+            </dgm:alg>
+          </dgm:else>
+        </dgm:choose>
+        <dgm:shape xmlns:r="http://schemas.openxmlformats.org/officeDocument/2006/relationships" r:blip="">
+          <dgm:adjLst/>
+        </dgm:shape>
+        <dgm:presOf/>
+        <dgm:choose name="Name7">
+          <dgm:if name="Name8" axis="root des" func="maxDepth" op="equ" val="1">
+            <dgm:constrLst>
+              <dgm:constr type="w" for="ch" forName="tx1" refType="w"/>
+            </dgm:constrLst>
+          </dgm:if>
+          <dgm:if name="Name9" axis="root des" func="maxDepth" op="equ" val="2">
+            <dgm:constrLst>
+              <dgm:constr type="w" for="ch" forName="tx1" refType="w" fact="0.2"/>
+              <dgm:constr type="w" for="des" forName="tx2" refType="w" fact="0.785"/>
+              <dgm:constr type="w" for="des" forName="horzSpace2" refType="w" fact="0.015"/>
+              <dgm:constr type="w" for="des" forName="thinLine2b" refType="w" fact="0.8"/>
+            </dgm:constrLst>
+          </dgm:if>
+          <dgm:if name="Name10" axis="root des" func="maxDepth" op="equ" val="3">
+            <dgm:constrLst>
+              <dgm:constr type="w" for="ch" forName="tx1" refType="w" fact="0.2"/>
+              <dgm:constr type="w" for="des" forName="tx2" refType="w" fact="0.385"/>
+              <dgm:constr type="w" for="des" forName="tx3" refType="w" fact="0.385"/>
+              <dgm:constr type="w" for="des" forName="horzSpace2" refType="w" fact="0.015"/>
+              <dgm:constr type="w" for="des" forName="horzSpace3" refType="w" fact="0.015"/>
+              <dgm:constr type="w" for="des" forName="thinLine2b" refType="w" fact="0.8"/>
+              <dgm:constr type="w" for="des" forName="thinLine3" refType="w" fact="0.385"/>
+            </dgm:constrLst>
+          </dgm:if>
+          <dgm:if name="Name11" axis="root des" func="maxDepth" op="gte" val="4">
+            <dgm:constrLst>
+              <dgm:constr type="w" for="ch" forName="tx1" refType="w" fact="0.2"/>
+              <dgm:constr type="w" for="des" forName="tx2" refType="w" fact="0.2516"/>
+              <dgm:constr type="w" for="des" forName="tx3" refType="w" fact="0.2516"/>
+              <dgm:constr type="w" for="des" forName="tx4" refType="w" fact="0.2516"/>
+              <dgm:constr type="w" for="des" forName="horzSpace2" refType="w" fact="0.015"/>
+              <dgm:constr type="w" for="des" forName="horzSpace3" refType="w" fact="0.015"/>
+              <dgm:constr type="w" for="des" forName="horzSpace4" refType="w" fact="0.015"/>
+              <dgm:constr type="w" for="des" forName="thinLine2b" refType="w" fact="0.8"/>
+              <dgm:constr type="w" for="des" forName="thinLine3" refType="w" fact="0.5332"/>
+            </dgm:constrLst>
+          </dgm:if>
+          <dgm:else name="Name12"/>
+        </dgm:choose>
+        <dgm:layoutNode name="tx1" styleLbl="revTx">
+          <dgm:alg type="tx">
+            <dgm:param type="parTxLTRAlign" val="l"/>
+            <dgm:param type="parTxRTLAlign" val="r"/>
+            <dgm:param type="txAnchorVert" val="t"/>
+          </dgm:alg>
+          <dgm:shape xmlns:r="http://schemas.openxmlformats.org/officeDocument/2006/relationships" type="rect" r:blip="">
+            <dgm:adjLst/>
+          </dgm:shape>
+          <dgm:presOf axis="self"/>
+          <dgm:constrLst>
+            <dgm:constr type="tMarg" refType="primFontSz" fact="0.3"/>
+            <dgm:constr type="bMarg" refType="primFontSz" fact="0.3"/>
+            <dgm:constr type="lMarg" refType="primFontSz" fact="0.3"/>
+            <dgm:constr type="rMarg" refType="primFontSz" fact="0.3"/>
+          </dgm:constrLst>
+          <dgm:ruleLst>
+            <dgm:rule type="primFontSz" val="5" fact="NaN" max="NaN"/>
+          </dgm:ruleLst>
+        </dgm:layoutNode>
+        <dgm:layoutNode name="vert1">
+          <dgm:choose name="Name13">
+            <dgm:if name="Name14" func="var" arg="dir" op="equ" val="norm">
+              <dgm:alg type="lin">
+                <dgm:param type="linDir" val="fromT"/>
+                <dgm:param type="nodeHorzAlign" val="l"/>
+              </dgm:alg>
+            </dgm:if>
+            <dgm:else name="Name15">
+              <dgm:alg type="lin">
+                <dgm:param type="linDir" val="fromT"/>
+                <dgm:param type="nodeHorzAlign" val="r"/>
+              </dgm:alg>
+            </dgm:else>
+          </dgm:choose>
+          <dgm:shape xmlns:r="http://schemas.openxmlformats.org/officeDocument/2006/relationships" r:blip="">
+            <dgm:adjLst/>
+          </dgm:shape>
+          <dgm:presOf/>
+          <dgm:forEach name="Name16" axis="ch" ptType="node">
+            <dgm:choose name="Name17">
+              <dgm:if name="Name18" axis="self" ptType="node" func="pos" op="equ" val="1">
+                <dgm:layoutNode name="vertSpace2a">
+                  <dgm:alg type="sp"/>
+                  <dgm:shape xmlns:r="http://schemas.openxmlformats.org/officeDocument/2006/relationships" r:blip="">
+                    <dgm:adjLst/>
+                  </dgm:shape>
+                  <dgm:presOf/>
+                </dgm:layoutNode>
+              </dgm:if>
+              <dgm:else name="Name19"/>
+            </dgm:choose>
+            <dgm:layoutNode name="horz2">
+              <dgm:choose name="Name20">
+                <dgm:if name="Name21" func="var" arg="dir" op="equ" val="norm">
+                  <dgm:alg type="lin">
+                    <dgm:param type="linDir" val="fromL"/>
+                    <dgm:param type="nodeVertAlign" val="t"/>
+                  </dgm:alg>
+                </dgm:if>
+                <dgm:else name="Name22">
+                  <dgm:alg type="lin">
+                    <dgm:param type="linDir" val="fromR"/>
+                    <dgm:param type="nodeVertAlign" val="t"/>
+                  </dgm:alg>
+                </dgm:else>
+              </dgm:choose>
+              <dgm:shape xmlns:r="http://schemas.openxmlformats.org/officeDocument/2006/relationships" r:blip="">
+                <dgm:adjLst/>
+              </dgm:shape>
+              <dgm:presOf/>
+              <dgm:layoutNode name="horzSpace2">
+                <dgm:alg type="sp"/>
+                <dgm:shape xmlns:r="http://schemas.openxmlformats.org/officeDocument/2006/relationships" r:blip="">
+                  <dgm:adjLst/>
+                </dgm:shape>
+                <dgm:presOf/>
+              </dgm:layoutNode>
+              <dgm:layoutNode name="tx2" styleLbl="revTx">
+                <dgm:alg type="tx">
+                  <dgm:param type="parTxLTRAlign" val="l"/>
+                  <dgm:param type="parTxRTLAlign" val="r"/>
+                  <dgm:param type="txAnchorVert" val="t"/>
+                </dgm:alg>
+                <dgm:shape xmlns:r="http://schemas.openxmlformats.org/officeDocument/2006/relationships" type="rect" r:blip="">
+                  <dgm:adjLst/>
+                </dgm:shape>
+                <dgm:presOf axis="self"/>
+                <dgm:constrLst>
+                  <dgm:constr type="tMarg" refType="primFontSz" fact="0.3"/>
+                  <dgm:constr type="bMarg" refType="primFontSz" fact="0.3"/>
+                  <dgm:constr type="lMarg" refType="primFontSz" fact="0.3"/>
+                  <dgm:constr type="rMarg" refType="primFontSz" fact="0.3"/>
+                </dgm:constrLst>
+                <dgm:ruleLst>
+                  <dgm:rule type="primFontSz" val="5" fact="NaN" max="NaN"/>
+                </dgm:ruleLst>
+              </dgm:layoutNode>
+              <dgm:layoutNode name="vert2">
+                <dgm:choose name="Name23">
+                  <dgm:if name="Name24" func="var" arg="dir" op="equ" val="norm">
+                    <dgm:alg type="lin">
+                      <dgm:param type="linDir" val="fromT"/>
+                      <dgm:param type="nodeHorzAlign" val="l"/>
+                    </dgm:alg>
+                  </dgm:if>
+                  <dgm:else name="Name25">
+                    <dgm:alg type="lin">
+                      <dgm:param type="linDir" val="fromT"/>
+                      <dgm:param type="nodeHorzAlign" val="r"/>
+                    </dgm:alg>
+                  </dgm:else>
+                </dgm:choose>
+                <dgm:shape xmlns:r="http://schemas.openxmlformats.org/officeDocument/2006/relationships" r:blip="">
+                  <dgm:adjLst/>
+                </dgm:shape>
+                <dgm:presOf/>
+                <dgm:forEach name="Name26" axis="ch" ptType="node">
+                  <dgm:layoutNode name="horz3">
+                    <dgm:choose name="Name27">
+                      <dgm:if name="Name28" func="var" arg="dir" op="equ" val="norm">
+                        <dgm:alg type="lin">
+                          <dgm:param type="linDir" val="fromL"/>
+                          <dgm:param type="nodeVertAlign" val="t"/>
+                        </dgm:alg>
+                      </dgm:if>
+                      <dgm:else name="Name29">
+                        <dgm:alg type="lin">
+                          <dgm:param type="linDir" val="fromR"/>
+                          <dgm:param type="nodeVertAlign" val="t"/>
+                        </dgm:alg>
+                      </dgm:else>
+                    </dgm:choose>
+                    <dgm:shape xmlns:r="http://schemas.openxmlformats.org/officeDocument/2006/relationships" r:blip="">
+                      <dgm:adjLst/>
+                    </dgm:shape>
+                    <dgm:presOf/>
+                    <dgm:layoutNode name="horzSpace3">
+                      <dgm:alg type="sp"/>
+                      <dgm:shape xmlns:r="http://schemas.openxmlformats.org/officeDocument/2006/relationships" r:blip="">
+                        <dgm:adjLst/>
+                      </dgm:shape>
+                      <dgm:presOf/>
+                    </dgm:layoutNode>
+                    <dgm:layoutNode name="tx3" styleLbl="revTx">
+                      <dgm:alg type="tx">
+                        <dgm:param type="parTxLTRAlign" val="l"/>
+                        <dgm:param type="parTxRTLAlign" val="r"/>
+                        <dgm:param type="txAnchorVert" val="t"/>
+                      </dgm:alg>
+                      <dgm:shape xmlns:r="http://schemas.openxmlformats.org/officeDocument/2006/relationships" type="rect" r:blip="">
+                        <dgm:adjLst/>
+                      </dgm:shape>
+                      <dgm:presOf axis="self"/>
+                      <dgm:constrLst>
+                        <dgm:constr type="tMarg" refType="primFontSz" fact="0.3"/>
+                        <dgm:constr type="bMarg" refType="primFontSz" fact="0.3"/>
+                        <dgm:constr type="lMarg" refType="primFontSz" fact="0.3"/>
+                        <dgm:constr type="rMarg" refType="primFontSz" fact="0.3"/>
+                      </dgm:constrLst>
+                      <dgm:ruleLst>
+                        <dgm:rule type="primFontSz" val="5" fact="NaN" max="NaN"/>
+                      </dgm:ruleLst>
+                    </dgm:layoutNode>
+                    <dgm:layoutNode name="vert3">
+                      <dgm:choose name="Name30">
+                        <dgm:if name="Name31" func="var" arg="dir" op="equ" val="norm">
+                          <dgm:alg type="lin">
+                            <dgm:param type="linDir" val="fromT"/>
+                            <dgm:param type="nodeHorzAlign" val="l"/>
+                          </dgm:alg>
+                        </dgm:if>
+                        <dgm:else name="Name32">
+                          <dgm:alg type="lin">
+                            <dgm:param type="linDir" val="fromT"/>
+                            <dgm:param type="nodeHorzAlign" val="r"/>
+                          </dgm:alg>
+                        </dgm:else>
+                      </dgm:choose>
+                      <dgm:shape xmlns:r="http://schemas.openxmlformats.org/officeDocument/2006/relationships" r:blip="">
+                        <dgm:adjLst/>
+                      </dgm:shape>
+                      <dgm:presOf/>
+                      <dgm:forEach name="Name33" axis="ch" ptType="node">
+                        <dgm:layoutNode name="horz4">
+                          <dgm:choose name="Name34">
+                            <dgm:if name="Name35" func="var" arg="dir" op="equ" val="norm">
+                              <dgm:alg type="lin">
+                                <dgm:param type="linDir" val="fromL"/>
+                                <dgm:param type="nodeVertAlign" val="t"/>
+                              </dgm:alg>
+                            </dgm:if>
+                            <dgm:else name="Name36">
+                              <dgm:alg type="lin">
+                                <dgm:param type="linDir" val="fromR"/>
+                                <dgm:param type="nodeVertAlign" val="t"/>
+                              </dgm:alg>
+                            </dgm:else>
+                          </dgm:choose>
+                          <dgm:shape xmlns:r="http://schemas.openxmlformats.org/officeDocument/2006/relationships" r:blip="">
+                            <dgm:adjLst/>
+                          </dgm:shape>
+                          <dgm:presOf/>
+                          <dgm:layoutNode name="horzSpace4">
+                            <dgm:alg type="sp"/>
+                            <dgm:shape xmlns:r="http://schemas.openxmlformats.org/officeDocument/2006/relationships" r:blip="">
+                              <dgm:adjLst/>
+                            </dgm:shape>
+                            <dgm:presOf/>
+                          </dgm:layoutNode>
+                          <dgm:layoutNode name="tx4" styleLbl="revTx">
+                            <dgm:varLst>
+                              <dgm:bulletEnabled val="1"/>
+                            </dgm:varLst>
+                            <dgm:alg type="tx">
+                              <dgm:param type="parTxLTRAlign" val="l"/>
+                              <dgm:param type="parTxRTLAlign" val="r"/>
+                              <dgm:param type="txAnchorVert" val="t"/>
+                            </dgm:alg>
+                            <dgm:shape xmlns:r="http://schemas.openxmlformats.org/officeDocument/2006/relationships" type="rect" r:blip="">
+                              <dgm:adjLst/>
+                            </dgm:shape>
+                            <dgm:presOf axis="desOrSelf" ptType="node"/>
+                            <dgm:constrLst>
+                              <dgm:constr type="tMarg" refType="primFontSz" fact="0.3"/>
+                              <dgm:constr type="bMarg" refType="primFontSz" fact="0.3"/>
+                              <dgm:constr type="lMarg" refType="primFontSz" fact="0.3"/>
+                              <dgm:constr type="rMarg" refType="primFontSz" fact="0.3"/>
+                            </dgm:constrLst>
+                            <dgm:ruleLst>
+                              <dgm:rule type="primFontSz" val="5" fact="NaN" max="NaN"/>
+                            </dgm:ruleLst>
+                          </dgm:layoutNode>
+                        </dgm:layoutNode>
+                      </dgm:forEach>
+                    </dgm:layoutNode>
+                  </dgm:layoutNode>
+                  <dgm:forEach name="Name37" axis="followSib" ptType="sibTrans" cnt="1">
+                    <dgm:layoutNode name="thinLine3" styleLbl="callout">
+                      <dgm:alg type="sp"/>
+                      <dgm:shape xmlns:r="http://schemas.openxmlformats.org/officeDocument/2006/relationships" type="line" r:blip="">
+                        <dgm:adjLst/>
+                      </dgm:shape>
+                      <dgm:presOf/>
+                    </dgm:layoutNode>
+                  </dgm:forEach>
+                </dgm:forEach>
+              </dgm:layoutNode>
+            </dgm:layoutNode>
+            <dgm:layoutNode name="thinLine2b" styleLbl="callout">
+              <dgm:alg type="sp"/>
+              <dgm:shape xmlns:r="http://schemas.openxmlformats.org/officeDocument/2006/relationships" type="line" r:blip="">
+                <dgm:adjLst/>
+              </dgm:shape>
+              <dgm:presOf/>
+            </dgm:layoutNode>
+            <dgm:layoutNode name="vertSpace2b">
+              <dgm:alg type="sp"/>
+              <dgm:shape xmlns:r="http://schemas.openxmlformats.org/officeDocument/2006/relationships" r:blip="">
+                <dgm:adjLst/>
+              </dgm:shape>
+              <dgm:presOf/>
+            </dgm:layoutNode>
+          </dgm:forEach>
+        </dgm:layoutNode>
+      </dgm:layoutNode>
+    </dgm:forEach>
+  </dgm:layoutNode>
+</dgm:layoutDef>
+</file>
+
+<file path=ppt/diagrams/layout2.xml><?xml version="1.0" encoding="utf-8"?>
+<dgm:layoutDef xmlns:dgm="http://schemas.openxmlformats.org/drawingml/2006/diagram" xmlns:a="http://schemas.openxmlformats.org/drawingml/2006/main" uniqueId="urn:microsoft.com/office/officeart/2018/2/layout/IconVerticalSolidList">
+  <dgm:title val="Icon Vertical Solid List"/>
+  <dgm:desc val="Use to show a series of visuals from top to bottom with Level 1 or Level 1 and Level 2 text grouped in a shape. Works best with icons or small pictures with lengthier descriptions."/>
+  <dgm:catLst>
+    <dgm:cat type="icon" pri="500"/>
+  </dgm:catLst>
+  <dgm:sampData useDef="1">
+    <dgm:dataModel>
+      <dgm:ptLst/>
+      <dgm:bg/>
+      <dgm:whole/>
+    </dgm:dataModel>
+  </dgm:sampData>
+  <dgm:styleData useDef="1">
+    <dgm:dataModel>
+      <dgm:ptLst/>
+      <dgm:bg/>
+      <dgm:whole/>
+    </dgm:dataModel>
+  </dgm:styleData>
+  <dgm:clrData useDef="1">
+    <dgm:dataModel>
+      <dgm:ptLst/>
+      <dgm:bg/>
+      <dgm:whole/>
+    </dgm:dataModel>
+  </dgm:clrData>
+  <dgm:layoutNode name="root">
+    <dgm:varLst>
+      <dgm:dir/>
+      <dgm:resizeHandles val="exact"/>
+    </dgm:varLst>
+    <dgm:choose name="Name0">
+      <dgm:if name="Name1" axis="self" func="var" arg="dir" op="equ" val="norm">
+        <dgm:alg type="lin">
+          <dgm:param type="linDir" val="fromT"/>
+          <dgm:param type="nodeHorzAlign" val="l"/>
+        </dgm:alg>
+      </dgm:if>
+      <dgm:else name="Name2">
+        <dgm:alg type="lin">
+          <dgm:param type="linDir" val="fromT"/>
+          <dgm:param type="nodeHorzAlign" val="r"/>
+        </dgm:alg>
+      </dgm:else>
+    </dgm:choose>
+    <dgm:shape xmlns:r="http://schemas.openxmlformats.org/officeDocument/2006/relationships" r:blip="">
+      <dgm:adjLst/>
+    </dgm:shape>
+    <dgm:presOf/>
+    <dgm:choose name="Name3">
+      <dgm:if name="Name4" axis="ch" ptType="node" func="cnt" op="lte" val="3">
+        <dgm:constrLst>
+          <dgm:constr type="h" for="ch" forName="compNode" refType="h" fact="0.3"/>
+          <dgm:constr type="w" for="ch" forName="compNode" refType="w"/>
+          <dgm:constr type="h" for="ch" forName="sibTrans" refType="h" refFor="ch" refForName="compNode" fact="0.25"/>
+          <dgm:constr type="primFontSz" for="des" forName="parTx" val="25"/>
+          <dgm:constr type="primFontSz" for="des" forName="desTx" refType="primFontSz" refFor="des" refForName="parTx" op="lte" fact="0.75"/>
+          <dgm:constr type="h" for="des" forName="compNode" op="equ"/>
+          <dgm:constr type="h" for="des" forName="bgRect" op="equ"/>
+          <dgm:constr type="h" for="des" forName="iconRect" op="equ"/>
+          <dgm:constr type="w" for="des" forName="iconRect" op="equ"/>
+          <dgm:constr type="h" for="des" forName="spaceRect" op="equ"/>
+          <dgm:constr type="h" for="des" forName="parTx" op="equ"/>
+          <dgm:constr type="h" for="des" forName="desTx" op="equ"/>
+        </dgm:constrLst>
+      </dgm:if>
+      <dgm:if name="Name5" axis="ch" ptType="node" func="cnt" op="lte" val="4">
+        <dgm:constrLst>
+          <dgm:constr type="h" for="ch" forName="compNode" refType="h" fact="0.3"/>
+          <dgm:constr type="w" for="ch" forName="compNode" refType="w"/>
+          <dgm:constr type="h" for="ch" forName="sibTrans" refType="h" refFor="ch" refForName="compNode" fact="0.25"/>
+          <dgm:constr type="primFontSz" for="des" forName="parTx" val="22"/>
+          <dgm:constr type="primFontSz" for="des" forName="desTx" refType="primFontSz" refFor="des" refForName="parTx" op="lte" fact="0.75"/>
+          <dgm:constr type="h" for="des" forName="compNode" op="equ"/>
+          <dgm:constr type="h" for="des" forName="bgRect" op="equ"/>
+          <dgm:constr type="h" for="des" forName="iconRect" op="equ"/>
+          <dgm:constr type="w" for="des" forName="iconRect" op="equ"/>
+          <dgm:constr type="h" for="des" forName="spaceRect" op="equ"/>
+          <dgm:constr type="h" for="des" forName="parTx" op="equ"/>
+          <dgm:constr type="h" for="des" forName="desTx" op="equ"/>
+        </dgm:constrLst>
+      </dgm:if>
+      <dgm:if name="Name6" axis="ch" ptType="node" func="cnt" op="lte" val="6">
+        <dgm:constrLst>
+          <dgm:constr type="h" for="ch" forName="compNode" refType="h" fact="0.3"/>
+          <dgm:constr type="w" for="ch" forName="compNode" refType="w"/>
+          <dgm:constr type="h" for="ch" forName="sibTrans" refType="h" refFor="ch" refForName="compNode" fact="0.25"/>
+          <dgm:constr type="primFontSz" for="des" forName="parTx" val="19"/>
+          <dgm:constr type="primFontSz" for="des" forName="desTx" refType="primFontSz" refFor="des" refForName="parTx" op="lte" fact="0.75"/>
+          <dgm:constr type="h" for="des" forName="compNode" op="equ"/>
+          <dgm:constr type="h" for="des" forName="bgRect" op="equ"/>
+          <dgm:constr type="h" for="des" forName="iconRect" op="equ"/>
+          <dgm:constr type="w" for="des" forName="iconRect" op="equ"/>
+          <dgm:constr type="h" for="des" forName="spaceRect" op="equ"/>
+          <dgm:constr type="h" for="des" forName="parTx" op="equ"/>
+          <dgm:constr type="h" for="des" forName="desTx" op="equ"/>
+        </dgm:constrLst>
+      </dgm:if>
+      <dgm:else name="Name7">
+        <dgm:constrLst>
+          <dgm:constr type="h" for="ch" forName="compNode" refType="h" fact="0.3"/>
+          <dgm:constr type="w" for="ch" forName="compNode" refType="w"/>
+          <dgm:constr type="h" for="ch" forName="sibTrans" refType="h" refFor="ch" refForName="compNode" fact="0.25"/>
+          <dgm:constr type="primFontSz" for="des" forName="parTx" val="16"/>
+          <dgm:constr type="primFontSz" for="des" forName="desTx" refType="primFontSz" refFor="des" refForName="parTx" op="lte" fact="0.75"/>
+          <dgm:constr type="h" for="des" forName="compNode" op="equ"/>
+          <dgm:constr type="h" for="des" forName="bgRect" op="equ"/>
+          <dgm:constr type="h" for="des" forName="iconRect" op="equ"/>
+          <dgm:constr type="w" for="des" forName="iconRect" op="equ"/>
+          <dgm:constr type="h" for="des" forName="spaceRect" op="equ"/>
+          <dgm:constr type="h" for="des" forName="parTx" op="equ"/>
+          <dgm:constr type="h" for="des" forName="desTx" op="equ"/>
+        </dgm:constrLst>
+      </dgm:else>
+    </dgm:choose>
+    <dgm:ruleLst>
+      <dgm:rule type="h" for="ch" forName="compNode" val="0" fact="NaN" max="NaN"/>
+    </dgm:ruleLst>
+    <dgm:forEach name="Name8" axis="ch" ptType="node">
+      <dgm:layoutNode name="compNode">
+        <dgm:alg type="composite"/>
+        <dgm:shape xmlns:r="http://schemas.openxmlformats.org/officeDocument/2006/relationships" r:blip="">
+          <dgm:adjLst/>
+        </dgm:shape>
+        <dgm:presOf axis="self"/>
+        <dgm:choose name="Name9">
+          <dgm:if name="Name10" axis="ch" ptType="node" func="cnt" op="gte" val="1">
+            <dgm:constrLst>
+              <dgm:constr type="w" for="ch" forName="bgRect" refType="w"/>
+              <dgm:constr type="h" for="ch" forName="bgRect" refType="h"/>
+              <dgm:constr type="l" for="ch" forName="bgRect"/>
+              <dgm:constr type="t" for="ch" forName="bgRect"/>
+              <dgm:constr type="h" for="ch" forName="iconRect" refType="h" fact="0.55"/>
+              <dgm:constr type="w" for="ch" forName="iconRect" refType="h" refFor="ch" refForName="iconRect"/>
+              <dgm:constr type="l" for="ch" forName="iconRect" refType="h" refFor="ch" refForName="iconRect" fact="0.55"/>
+              <dgm:constr type="ctrY" for="ch" forName="iconRect" refType="ctrY" refFor="ch" refForName="bgRect"/>
+              <dgm:constr type="w" for="ch" forName="spaceRect" refType="l" refFor="ch" refForName="iconRect"/>
+              <dgm:constr type="h" for="ch" forName="spaceRect" refType="h"/>
+              <dgm:constr type="l" for="ch" forName="spaceRect" refType="r" refFor="ch" refForName="iconRect"/>
+              <dgm:constr type="t" for="ch" forName="spaceRect"/>
+              <dgm:constr type="w" for="ch" forName="parTx" refType="w" fact="0.45"/>
+              <dgm:constr type="h" for="ch" forName="parTx" refType="h"/>
+              <dgm:constr type="l" for="ch" forName="parTx" refType="r" refFor="ch" refForName="spaceRect"/>
+              <dgm:constr type="t" for="ch" forName="parTx"/>
+              <dgm:constr type="h" for="ch" forName="desTx" refType="h"/>
+              <dgm:constr type="l" for="ch" forName="desTx" refType="r" refFor="ch" refForName="parTx"/>
+              <dgm:constr type="t" for="ch" forName="desTx"/>
+            </dgm:constrLst>
+          </dgm:if>
+          <dgm:else name="Name11">
+            <dgm:constrLst>
+              <dgm:constr type="w" for="ch" forName="bgRect" refType="w"/>
+              <dgm:constr type="h" for="ch" forName="bgRect" refType="h"/>
+              <dgm:constr type="l" for="ch" forName="bgRect"/>
+              <dgm:constr type="t" for="ch" forName="bgRect"/>
+              <dgm:constr type="h" for="ch" forName="iconRect" refType="h" fact="0.55"/>
+              <dgm:constr type="w" for="ch" forName="iconRect" refType="h" refFor="ch" refForName="iconRect"/>
+              <dgm:constr type="l" for="ch" forName="iconRect" refType="h" refFor="ch" refForName="iconRect" fact="0.55"/>
+              <dgm:constr type="ctrY" for="ch" forName="iconRect" refType="ctrY" refFor="ch" refForName="bgRect"/>
+              <dgm:constr type="w" for="ch" forName="spaceRect" refType="l" refFor="ch" refForName="iconRect"/>
+              <dgm:constr type="h" for="ch" forName="spaceRect" refType="h"/>
+              <dgm:constr type="l" for="ch" forName="spaceRect" refType="r" refFor="ch" refForName="iconRect"/>
+              <dgm:constr type="t" for="ch" forName="spaceRect"/>
+              <dgm:constr type="h" for="ch" forName="parTx" refType="h"/>
+              <dgm:constr type="l" for="ch" forName="parTx" refType="r" refFor="ch" refForName="spaceRect"/>
+              <dgm:constr type="t" for="ch" forName="parTx"/>
+            </dgm:constrLst>
+          </dgm:else>
+        </dgm:choose>
+        <dgm:ruleLst>
+          <dgm:rule type="h" val="INF" fact="NaN" max="NaN"/>
+        </dgm:ruleLst>
+        <dgm:layoutNode name="bgRect" styleLbl="bgShp">
+          <dgm:alg type="sp"/>
+          <dgm:shape xmlns:r="http://schemas.openxmlformats.org/officeDocument/2006/relationships" type="roundRect" r:blip="">
+            <dgm:adjLst>
+              <dgm:adj idx="1" val="0.1"/>
+            </dgm:adjLst>
+          </dgm:shape>
+          <dgm:presOf/>
+          <dgm:constrLst/>
+          <dgm:ruleLst/>
+        </dgm:layoutNode>
+        <dgm:layoutNode name="iconRect" styleLbl="node1">
+          <dgm:alg type="sp"/>
+          <dgm:shape xmlns:r="http://schemas.openxmlformats.org/officeDocument/2006/relationships" type="rect" r:blip="" blipPhldr="1">
+            <dgm:adjLst/>
+          </dgm:shape>
+          <dgm:presOf/>
+          <dgm:constrLst/>
+          <dgm:ruleLst/>
+        </dgm:layoutNode>
+        <dgm:layoutNode name="spaceRect">
+          <dgm:alg type="sp"/>
+          <dgm:shape xmlns:r="http://schemas.openxmlformats.org/officeDocument/2006/relationships" r:blip="">
+            <dgm:adjLst/>
+          </dgm:shape>
+          <dgm:presOf/>
+          <dgm:constrLst/>
+          <dgm:ruleLst/>
+        </dgm:layoutNode>
+        <dgm:layoutNode name="parTx" styleLbl="revTx">
+          <dgm:varLst>
+            <dgm:chMax val="0"/>
+            <dgm:chPref val="0"/>
+          </dgm:varLst>
+          <dgm:alg type="tx">
+            <dgm:param type="txAnchorVert" val="mid"/>
+            <dgm:param type="parTxLTRAlign" val="l"/>
+            <dgm:param type="shpTxLTRAlignCh" val="l"/>
+            <dgm:param type="parTxRTLAlign" val="r"/>
+            <dgm:param type="shpTxRTLAlignCh" val="r"/>
+          </dgm:alg>
+          <dgm:shape xmlns:r="http://schemas.openxmlformats.org/officeDocument/2006/relationships" type="rect" r:blip="">
+            <dgm:adjLst/>
+          </dgm:shape>
+          <dgm:presOf axis="self" ptType="node"/>
+          <dgm:constrLst>
+            <dgm:constr type="lMarg" refType="h" fact="0.3"/>
+            <dgm:constr type="rMarg" refType="h" fact="0.3"/>
+            <dgm:constr type="tMarg" refType="h" fact="0.3"/>
+            <dgm:constr type="bMarg" refType="h" fact="0.3"/>
+          </dgm:constrLst>
+          <dgm:ruleLst>
+            <dgm:rule type="primFontSz" val="14" fact="NaN" max="NaN"/>
+            <dgm:rule type="h" val="INF" fact="NaN" max="NaN"/>
+          </dgm:ruleLst>
+        </dgm:layoutNode>
+        <dgm:choose name="Name12">
+          <dgm:if name="Name13" axis="ch" ptType="node" func="cnt" op="gte" val="1">
+            <dgm:layoutNode name="desTx" styleLbl="revTx">
+              <dgm:varLst/>
+              <dgm:alg type="tx">
+                <dgm:param type="txAnchorVertCh" val="mid"/>
+                <dgm:param type="parTxLTRAlign" val="l"/>
+                <dgm:param type="shpTxLTRAlignCh" val="l"/>
+                <dgm:param type="parTxRTLAlign" val="r"/>
+                <dgm:param type="shpTxRTLAlignCh" val="r"/>
+                <dgm:param type="stBulletLvl" val="0"/>
+              </dgm:alg>
+              <dgm:shape xmlns:r="http://schemas.openxmlformats.org/officeDocument/2006/relationships" type="rect" r:blip="">
+                <dgm:adjLst/>
+              </dgm:shape>
+              <dgm:presOf axis="des" ptType="node"/>
+              <dgm:constrLst>
+                <dgm:constr type="primFontSz" val="18"/>
+                <dgm:constr type="secFontSz" refType="primFontSz"/>
+                <dgm:constr type="lMarg" refType="h" fact="0.3"/>
+                <dgm:constr type="rMarg" refType="h" fact="0.3"/>
+                <dgm:constr type="tMarg" refType="h" fact="0.3"/>
+                <dgm:constr type="bMarg" refType="h" fact="0.3"/>
+              </dgm:constrLst>
+              <dgm:ruleLst>
+                <dgm:rule type="primFontSz" val="11" fact="NaN" max="NaN"/>
+              </dgm:ruleLst>
+            </dgm:layoutNode>
+          </dgm:if>
+          <dgm:else name="Name14"/>
+        </dgm:choose>
+      </dgm:layoutNode>
+      <dgm:forEach name="Name15" axis="followSib" ptType="sibTrans" cnt="1">
+        <dgm:layoutNode name="sibTrans">
+          <dgm:alg type="sp"/>
+          <dgm:shape xmlns:r="http://schemas.openxmlformats.org/officeDocument/2006/relationships" r:blip="">
+            <dgm:adjLst/>
+          </dgm:shape>
+          <dgm:presOf axis="self"/>
+          <dgm:constrLst/>
+          <dgm:ruleLst/>
+        </dgm:layoutNode>
+      </dgm:forEach>
+    </dgm:forEach>
+  </dgm:layoutNode>
+  <dgm:extLst>
+    <a:ext uri="{68A01E43-0DF5-4B5B-8FA6-DAF915123BFB}">
+      <dgm1612:lstStyle xmlns:dgm1612="http://schemas.microsoft.com/office/drawing/2016/12/diagram">
+        <a:lvl1pPr>
+          <a:lnSpc>
+            <a:spcPct val="100000"/>
+          </a:lnSpc>
+        </a:lvl1pPr>
+        <a:lvl2pPr>
+          <a:lnSpc>
+            <a:spcPct val="100000"/>
+          </a:lnSpc>
+        </a:lvl2pPr>
+      </dgm1612:lstStyle>
+    </a:ext>
+  </dgm:extLst>
+</dgm:layoutDef>
+</file>
+
+<file path=ppt/diagrams/quickStyle1.xml><?xml version="1.0" encoding="utf-8"?>
+<dgm:styleDef xmlns:dgm="http://schemas.openxmlformats.org/drawingml/2006/diagram" xmlns:a="http://schemas.openxmlformats.org/drawingml/2006/main" uniqueId="urn:microsoft.com/office/officeart/2005/8/quickstyle/simple1">
+  <dgm:title val=""/>
+  <dgm:desc val=""/>
+  <dgm:catLst>
+    <dgm:cat type="simple" pri="10100"/>
+  </dgm:catLst>
+  <dgm:scene3d>
+    <a:camera prst="orthographicFront"/>
+    <a:lightRig rig="threePt" dir="t"/>
+  </dgm:scene3d>
+  <dgm:styleLbl name="node0">
+    <dgm:scene3d>
+      <a:camera prst="orthographicFront"/>
+      <a:lightRig rig="threePt" dir="t"/>
+    </dgm:scene3d>
+    <dgm:sp3d/>
+    <dgm:txPr/>
+    <dgm:style>
+      <a:lnRef idx="2">
+        <a:scrgbClr r="0" g="0" b="0"/>
+      </a:lnRef>
+      <a:fillRef idx="1">
+        <a:scrgbClr r="0" g="0" b="0"/>
+      </a:fillRef>
+      <a:effectRef idx="0">
+        <a:scrgbClr r="0" g="0" b="0"/>
+      </a:effectRef>
+      <a:fontRef idx="minor">
+        <a:schemeClr val="lt1"/>
+      </a:fontRef>
+    </dgm:style>
+  </dgm:styleLbl>
+  <dgm:styleLbl name="lnNode1">
+    <dgm:scene3d>
+      <a:camera prst="orthographicFront"/>
+      <a:lightRig rig="threePt" dir="t"/>
+    </dgm:scene3d>
+    <dgm:sp3d/>
+    <dgm:txPr/>
+    <dgm:style>
+      <a:lnRef idx="2">
+        <a:scrgbClr r="0" g="0" b="0"/>
+      </a:lnRef>
+      <a:fillRef idx="1">
+        <a:scrgbClr r="0" g="0" b="0"/>
+      </a:fillRef>
+      <a:effectRef idx="0">
+        <a:scrgbClr r="0" g="0" b="0"/>
+      </a:effectRef>
+      <a:fontRef idx="minor">
+        <a:schemeClr val="lt1"/>
+      </a:fontRef>
+    </dgm:style>
+  </dgm:styleLbl>
+  <dgm:styleLbl name="vennNode1">
+    <dgm:scene3d>
+      <a:camera prst="orthographicFront"/>
+      <a:lightRig rig="threePt" dir="t"/>
+    </dgm:scene3d>
+    <dgm:sp3d/>
+    <dgm:txPr/>
+    <dgm:style>
+      <a:lnRef idx="2">
+        <a:scrgbClr r="0" g="0" b="0"/>
+      </a:lnRef>
+      <a:fillRef idx="1">
+        <a:scrgbClr r="0" g="0" b="0"/>
+      </a:fillRef>
+      <a:effectRef idx="0">
+        <a:scrgbClr r="0" g="0" b="0"/>
+      </a:effectRef>
+      <a:fontRef idx="minor">
+        <a:schemeClr val="tx1"/>
+      </a:fontRef>
+    </dgm:style>
+  </dgm:styleLbl>
+  <dgm:styleLbl name="alignNode1">
+    <dgm:scene3d>
+      <a:camera prst="orthographicFront"/>
+      <a:lightRig rig="threePt" dir="t"/>
+    </dgm:scene3d>
+    <dgm:sp3d/>
+    <dgm:txPr/>
+    <dgm:style>
+      <a:lnRef idx="2">
+        <a:scrgbClr r="0" g="0" b="0"/>
+      </a:lnRef>
+      <a:fillRef idx="1">
+        <a:scrgbClr r="0" g="0" b="0"/>
+      </a:fillRef>
+      <a:effectRef idx="0">
+        <a:scrgbClr r="0" g="0" b="0"/>
+      </a:effectRef>
+      <a:fontRef idx="minor">
+        <a:schemeClr val="lt1"/>
+      </a:fontRef>
+    </dgm:style>
+  </dgm:styleLbl>
+  <dgm:styleLbl name="node1">
+    <dgm:scene3d>
+      <a:camera prst="orthographicFront"/>
+      <a:lightRig rig="threePt" dir="t"/>
+    </dgm:scene3d>
+    <dgm:sp3d/>
+    <dgm:txPr/>
+    <dgm:style>
+      <a:lnRef idx="2">
+        <a:scrgbClr r="0" g="0" b="0"/>
+      </a:lnRef>
+      <a:fillRef idx="1">
+        <a:scrgbClr r="0" g="0" b="0"/>
+      </a:fillRef>
+      <a:effectRef idx="0">
+        <a:scrgbClr r="0" g="0" b="0"/>
+      </a:effectRef>
+      <a:fontRef idx="minor">
+        <a:schemeClr val="lt1"/>
+      </a:fontRef>
+    </dgm:style>
+  </dgm:styleLbl>
+  <dgm:styleLbl name="node2">
+    <dgm:scene3d>
+      <a:camera prst="orthographicFront"/>
+      <a:lightRig rig="threePt" dir="t"/>
+    </dgm:scene3d>
+    <dgm:sp3d/>
+    <dgm:txPr/>
+    <dgm:style>
+      <a:lnRef idx="2">
+        <a:scrgbClr r="0" g="0" b="0"/>
+      </a:lnRef>
+      <a:fillRef idx="1">
+        <a:scrgbClr r="0" g="0" b="0"/>
+      </a:fillRef>
+      <a:effectRef idx="0">
+        <a:scrgbClr r="0" g="0" b="0"/>
+      </a:effectRef>
+      <a:fontRef idx="minor">
+        <a:schemeClr val="lt1"/>
+      </a:fontRef>
+    </dgm:style>
+  </dgm:styleLbl>
+  <dgm:styleLbl name="node3">
+    <dgm:scene3d>
+      <a:camera prst="orthographicFront"/>
+      <a:lightRig rig="threePt" dir="t"/>
+    </dgm:scene3d>
+    <dgm:sp3d/>
+    <dgm:txPr/>
+    <dgm:style>
+      <a:lnRef idx="2">
+        <a:scrgbClr r="0" g="0" b="0"/>
+      </a:lnRef>
+      <a:fillRef idx="1">
+        <a:scrgbClr r="0" g="0" b="0"/>
+      </a:fillRef>
+      <a:effectRef idx="0">
+        <a:scrgbClr r="0" g="0" b="0"/>
+      </a:effectRef>
+      <a:fontRef idx="minor">
+        <a:schemeClr val="lt1"/>
+      </a:fontRef>
+    </dgm:style>
+  </dgm:styleLbl>
+  <dgm:styleLbl name="node4">
+    <dgm:scene3d>
+      <a:camera prst="orthographicFront"/>
+      <a:lightRig rig="threePt" dir="t"/>
+    </dgm:scene3d>
+    <dgm:sp3d/>
+    <dgm:txPr/>
+    <dgm:style>
+      <a:lnRef idx="2">
+        <a:scrgbClr r="0" g="0" b="0"/>
+      </a:lnRef>
+      <a:fillRef idx="1">
+        <a:scrgbClr r="0" g="0" b="0"/>
+      </a:fillRef>
+      <a:effectRef idx="0">
+        <a:scrgbClr r="0" g="0" b="0"/>
+      </a:effectRef>
+      <a:fontRef idx="minor">
+        <a:schemeClr val="lt1"/>
+      </a:fontRef>
+    </dgm:style>
+  </dgm:styleLbl>
+  <dgm:styleLbl name="fgImgPlace1">
+    <dgm:scene3d>
+      <a:camera prst="orthographicFront"/>
+      <a:lightRig rig="threePt" dir="t"/>
+    </dgm:scene3d>
+    <dgm:sp3d/>
+    <dgm:txPr/>
+    <dgm:style>
+      <a:lnRef idx="2">
+        <a:scrgbClr r="0" g="0" b="0"/>
+      </a:lnRef>
+      <a:fillRef idx="1">
+        <a:scrgbClr r="0" g="0" b="0"/>
+      </a:fillRef>
+      <a:effectRef idx="0">
+        <a:scrgbClr r="0" g="0" b="0"/>
+      </a:effectRef>
+      <a:fontRef idx="minor"/>
+    </dgm:style>
+  </dgm:styleLbl>
+  <dgm:styleLbl name="alignImgPlace1">
+    <dgm:scene3d>
+      <a:camera prst="orthographicFront"/>
+      <a:lightRig rig="threePt" dir="t"/>
+    </dgm:scene3d>
+    <dgm:sp3d/>
+    <dgm:txPr/>
+    <dgm:style>
+      <a:lnRef idx="2">
+        <a:scrgbClr r="0" g="0" b="0"/>
+      </a:lnRef>
+      <a:fillRef idx="1">
+        <a:scrgbClr r="0" g="0" b="0"/>
+      </a:fillRef>
+      <a:effectRef idx="0">
+        <a:scrgbClr r="0" g="0" b="0"/>
+      </a:effectRef>
+      <a:fontRef idx="minor"/>
+    </dgm:style>
+  </dgm:styleLbl>
+  <dgm:styleLbl name="bgImgPlace1">
+    <dgm:scene3d>
+      <a:camera prst="orthographicFront"/>
+      <a:lightRig rig="threePt" dir="t"/>
+    </dgm:scene3d>
+    <dgm:sp3d/>
+    <dgm:txPr/>
+    <dgm:style>
+      <a:lnRef idx="2">
+        <a:scrgbClr r="0" g="0" b="0"/>
+      </a:lnRef>
+      <a:fillRef idx="1">
+        <a:scrgbClr r="0" g="0" b="0"/>
+      </a:fillRef>
+      <a:effectRef idx="0">
+        <a:scrgbClr r="0" g="0" b="0"/>
+      </a:effectRef>
+      <a:fontRef idx="minor"/>
+    </dgm:style>
+  </dgm:styleLbl>
+  <dgm:styleLbl name="sibTrans2D1">
+    <dgm:scene3d>
+      <a:camera prst="orthographicFront"/>
+      <a:lightRig rig="threePt" dir="t"/>
+    </dgm:scene3d>
+    <dgm:sp3d/>
+    <dgm:txPr/>
+    <dgm:style>
+      <a:lnRef idx="0">
+        <a:scrgbClr r="0" g="0" b="0"/>
+      </a:lnRef>
+      <a:fillRef idx="1">
+        <a:scrgbClr r="0" g="0" b="0"/>
+      </a:fillRef>
+      <a:effectRef idx="0">
+        <a:scrgbClr r="0" g="0" b="0"/>
+      </a:effectRef>
+      <a:fontRef idx="minor">
+        <a:schemeClr val="lt1"/>
+      </a:fontRef>
+    </dgm:style>
+  </dgm:styleLbl>
+  <dgm:styleLbl name="fgSibTrans2D1">
+    <dgm:scene3d>
+      <a:camera prst="orthographicFront"/>
+      <a:lightRig rig="threePt" dir="t"/>
+    </dgm:scene3d>
+    <dgm:sp3d/>
+    <dgm:txPr/>
+    <dgm:style>
+      <a:lnRef idx="0">
+        <a:scrgbClr r="0" g="0" b="0"/>
+      </a:lnRef>
+      <a:fillRef idx="1">
+        <a:scrgbClr r="0" g="0" b="0"/>
+      </a:fillRef>
+      <a:effectRef idx="0">
+        <a:scrgbClr r="0" g="0" b="0"/>
+      </a:effectRef>
+      <a:fontRef idx="minor">
+        <a:schemeClr val="lt1"/>
+      </a:fontRef>
+    </dgm:style>
+  </dgm:styleLbl>
+  <dgm:styleLbl name="bgSibTrans2D1">
+    <dgm:scene3d>
+      <a:camera prst="orthographicFront"/>
+      <a:lightRig rig="threePt" dir="t"/>
+    </dgm:scene3d>
+    <dgm:sp3d/>
+    <dgm:txPr/>
+    <dgm:style>
+      <a:lnRef idx="0">
+        <a:scrgbClr r="0" g="0" b="0"/>
+      </a:lnRef>
+      <a:fillRef idx="1">
+        <a:scrgbClr r="0" g="0" b="0"/>
+      </a:fillRef>
+      <a:effectRef idx="0">
+        <a:scrgbClr r="0" g="0" b="0"/>
+      </a:effectRef>
+      <a:fontRef idx="minor">
+        <a:schemeClr val="lt1"/>
+      </a:fontRef>
+    </dgm:style>
+  </dgm:styleLbl>
+  <dgm:styleLbl name="sibTrans1D1">
+    <dgm:scene3d>
+      <a:camera prst="orthographicFront"/>
+      <a:lightRig rig="threePt" dir="t"/>
+    </dgm:scene3d>
+    <dgm:sp3d/>
+    <dgm:txPr/>
+    <dgm:style>
+      <a:lnRef idx="1">
+        <a:scrgbClr r="0" g="0" b="0"/>
+      </a:lnRef>
+      <a:fillRef idx="0">
+        <a:scrgbClr r="0" g="0" b="0"/>
+      </a:fillRef>
+      <a:effectRef idx="0">
+        <a:scrgbClr r="0" g="0" b="0"/>
+      </a:effectRef>
+      <a:fontRef idx="minor"/>
+    </dgm:style>
+  </dgm:styleLbl>
+  <dgm:styleLbl name="callout">
+    <dgm:scene3d>
+      <a:camera prst="orthographicFront"/>
+      <a:lightRig rig="threePt" dir="t"/>
+    </dgm:scene3d>
+    <dgm:sp3d/>
+    <dgm:txPr/>
+    <dgm:style>
+      <a:lnRef idx="2">
+        <a:scrgbClr r="0" g="0" b="0"/>
+      </a:lnRef>
+      <a:fillRef idx="1">
+        <a:scrgbClr r="0" g="0" b="0"/>
+      </a:fillRef>
+      <a:effectRef idx="0">
+        <a:scrgbClr r="0" g="0" b="0"/>
+      </a:effectRef>
+      <a:fontRef idx="minor"/>
+    </dgm:style>
+  </dgm:styleLbl>
+  <dgm:styleLbl name="asst0">
+    <dgm:scene3d>
+      <a:camera prst="orthographicFront"/>
+      <a:lightRig rig="threePt" dir="t"/>
+    </dgm:scene3d>
+    <dgm:sp3d/>
+    <dgm:txPr/>
+    <dgm:style>
+      <a:lnRef idx="2">
+        <a:scrgbClr r="0" g="0" b="0"/>
+      </a:lnRef>
+      <a:fillRef idx="1">
+        <a:scrgbClr r="0" g="0" b="0"/>
+      </a:fillRef>
+      <a:effectRef idx="0">
+        <a:scrgbClr r="0" g="0" b="0"/>
+      </a:effectRef>
+      <a:fontRef idx="minor">
+        <a:schemeClr val="lt1"/>
+      </a:fontRef>
+    </dgm:style>
+  </dgm:styleLbl>
+  <dgm:styleLbl name="asst1">
+    <dgm:scene3d>
+      <a:camera prst="orthographicFront"/>
+      <a:lightRig rig="threePt" dir="t"/>
+    </dgm:scene3d>
+    <dgm:sp3d/>
+    <dgm:txPr/>
+    <dgm:style>
+      <a:lnRef idx="2">
+        <a:scrgbClr r="0" g="0" b="0"/>
+      </a:lnRef>
+      <a:fillRef idx="1">
+        <a:scrgbClr r="0" g="0" b="0"/>
+      </a:fillRef>
+      <a:effectRef idx="0">
+        <a:scrgbClr r="0" g="0" b="0"/>
+      </a:effectRef>
+      <a:fontRef idx="minor">
+        <a:schemeClr val="lt1"/>
+      </a:fontRef>
+    </dgm:style>
+  </dgm:styleLbl>
+  <dgm:styleLbl name="asst2">
+    <dgm:scene3d>
+      <a:camera prst="orthographicFront"/>
+      <a:lightRig rig="threePt" dir="t"/>
+    </dgm:scene3d>
+    <dgm:sp3d/>
+    <dgm:txPr/>
+    <dgm:style>
+      <a:lnRef idx="2">
+        <a:scrgbClr r="0" g="0" b="0"/>
+      </a:lnRef>
+      <a:fillRef idx="1">
+        <a:scrgbClr r="0" g="0" b="0"/>
+      </a:fillRef>
+      <a:effectRef idx="0">
+        <a:scrgbClr r="0" g="0" b="0"/>
+      </a:effectRef>
+      <a:fontRef idx="minor">
+        <a:schemeClr val="lt1"/>
+      </a:fontRef>
+    </dgm:style>
+  </dgm:styleLbl>
+  <dgm:styleLbl name="asst3">
+    <dgm:scene3d>
+      <a:camera prst="orthographicFront"/>
+      <a:lightRig rig="threePt" dir="t"/>
+    </dgm:scene3d>
+    <dgm:sp3d/>
+    <dgm:txPr/>
+    <dgm:style>
+      <a:lnRef idx="2">
+        <a:scrgbClr r="0" g="0" b="0"/>
+      </a:lnRef>
+      <a:fillRef idx="1">
+        <a:scrgbClr r="0" g="0" b="0"/>
+      </a:fillRef>
+      <a:effectRef idx="0">
+        <a:scrgbClr r="0" g="0" b="0"/>
+      </a:effectRef>
+      <a:fontRef idx="minor">
+        <a:schemeClr val="lt1"/>
+      </a:fontRef>
+    </dgm:style>
+  </dgm:styleLbl>
+  <dgm:styleLbl name="asst4">
+    <dgm:scene3d>
+      <a:camera prst="orthographicFront"/>
+      <a:lightRig rig="threePt" dir="t"/>
+    </dgm:scene3d>
+    <dgm:sp3d/>
+    <dgm:txPr/>
+    <dgm:style>
+      <a:lnRef idx="2">
+        <a:scrgbClr r="0" g="0" b="0"/>
+      </a:lnRef>
+      <a:fillRef idx="1">
+        <a:scrgbClr r="0" g="0" b="0"/>
+      </a:fillRef>
+      <a:effectRef idx="0">
+        <a:scrgbClr r="0" g="0" b="0"/>
+      </a:effectRef>
+      <a:fontRef idx="minor">
+        <a:schemeClr val="lt1"/>
+      </a:fontRef>
+    </dgm:style>
+  </dgm:styleLbl>
+  <dgm:styleLbl name="parChTrans2D1">
+    <dgm:scene3d>
+      <a:camera prst="orthographicFront"/>
+      <a:lightRig rig="threePt" dir="t"/>
+    </dgm:scene3d>
+    <dgm:sp3d/>
+    <dgm:txPr/>
+    <dgm:style>
+      <a:lnRef idx="2">
+        <a:scrgbClr r="0" g="0" b="0"/>
+      </a:lnRef>
+      <a:fillRef idx="1">
+        <a:scrgbClr r="0" g="0" b="0"/>
+      </a:fillRef>
+      <a:effectRef idx="0">
+        <a:scrgbClr r="0" g="0" b="0"/>
+      </a:effectRef>
+      <a:fontRef idx="minor">
+        <a:schemeClr val="lt1"/>
+      </a:fontRef>
+    </dgm:style>
+  </dgm:styleLbl>
+  <dgm:styleLbl name="parChTrans2D2">
+    <dgm:scene3d>
+      <a:camera prst="orthographicFront"/>
+      <a:lightRig rig="threePt" dir="t"/>
+    </dgm:scene3d>
+    <dgm:sp3d/>
+    <dgm:txPr/>
+    <dgm:style>
+      <a:lnRef idx="2">
+        <a:scrgbClr r="0" g="0" b="0"/>
+      </a:lnRef>
+      <a:fillRef idx="1">
+        <a:scrgbClr r="0" g="0" b="0"/>
+      </a:fillRef>
+      <a:effectRef idx="0">
+        <a:scrgbClr r="0" g="0" b="0"/>
+      </a:effectRef>
+      <a:fontRef idx="minor">
+        <a:schemeClr val="lt1"/>
+      </a:fontRef>
+    </dgm:style>
+  </dgm:styleLbl>
+  <dgm:styleLbl name="parChTrans2D3">
+    <dgm:scene3d>
+      <a:camera prst="orthographicFront"/>
+      <a:lightRig rig="threePt" dir="t"/>
+    </dgm:scene3d>
+    <dgm:sp3d/>
+    <dgm:txPr/>
+    <dgm:style>
+      <a:lnRef idx="2">
+        <a:scrgbClr r="0" g="0" b="0"/>
+      </a:lnRef>
+      <a:fillRef idx="1">
+        <a:scrgbClr r="0" g="0" b="0"/>
+      </a:fillRef>
+      <a:effectRef idx="0">
+        <a:scrgbClr r="0" g="0" b="0"/>
+      </a:effectRef>
+      <a:fontRef idx="minor">
+        <a:schemeClr val="lt1"/>
+      </a:fontRef>
+    </dgm:style>
+  </dgm:styleLbl>
+  <dgm:styleLbl name="parChTrans2D4">
+    <dgm:scene3d>
+      <a:camera prst="orthographicFront"/>
+      <a:lightRig rig="threePt" dir="t"/>
+    </dgm:scene3d>
+    <dgm:sp3d/>
+    <dgm:txPr/>
+    <dgm:style>
+      <a:lnRef idx="2">
+        <a:scrgbClr r="0" g="0" b="0"/>
+      </a:lnRef>
+      <a:fillRef idx="1">
+        <a:scrgbClr r="0" g="0" b="0"/>
+      </a:fillRef>
+      <a:effectRef idx="0">
+        <a:scrgbClr r="0" g="0" b="0"/>
+      </a:effectRef>
+      <a:fontRef idx="minor">
+        <a:schemeClr val="lt1"/>
+      </a:fontRef>
+    </dgm:style>
+  </dgm:styleLbl>
+  <dgm:styleLbl name="parChTrans1D1">
+    <dgm:scene3d>
+      <a:camera prst="orthographicFront"/>
+      <a:lightRig rig="threePt" dir="t"/>
+    </dgm:scene3d>
+    <dgm:sp3d/>
+    <dgm:txPr/>
+    <dgm:style>
+      <a:lnRef idx="2">
+        <a:scrgbClr r="0" g="0" b="0"/>
+      </a:lnRef>
+      <a:fillRef idx="0">
+        <a:scrgbClr r="0" g="0" b="0"/>
+      </a:fillRef>
+      <a:effectRef idx="0">
+        <a:scrgbClr r="0" g="0" b="0"/>
+      </a:effectRef>
+      <a:fontRef idx="minor"/>
+    </dgm:style>
+  </dgm:styleLbl>
+  <dgm:styleLbl name="parChTrans1D2">
+    <dgm:scene3d>
+      <a:camera prst="orthographicFront"/>
+      <a:lightRig rig="threePt" dir="t"/>
+    </dgm:scene3d>
+    <dgm:sp3d/>
+    <dgm:txPr/>
+    <dgm:style>
+      <a:lnRef idx="2">
+        <a:scrgbClr r="0" g="0" b="0"/>
+      </a:lnRef>
+      <a:fillRef idx="0">
+        <a:scrgbClr r="0" g="0" b="0"/>
+      </a:fillRef>
+      <a:effectRef idx="0">
+        <a:scrgbClr r="0" g="0" b="0"/>
+      </a:effectRef>
+      <a:fontRef idx="minor"/>
+    </dgm:style>
+  </dgm:styleLbl>
+  <dgm:styleLbl name="parChTrans1D3">
+    <dgm:scene3d>
+      <a:camera prst="orthographicFront"/>
+      <a:lightRig rig="threePt" dir="t"/>
+    </dgm:scene3d>
+    <dgm:sp3d/>
+    <dgm:txPr/>
+    <dgm:style>
+      <a:lnRef idx="2">
+        <a:scrgbClr r="0" g="0" b="0"/>
+      </a:lnRef>
+      <a:fillRef idx="0">
+        <a:scrgbClr r="0" g="0" b="0"/>
+      </a:fillRef>
+      <a:effectRef idx="0">
+        <a:scrgbClr r="0" g="0" b="0"/>
+      </a:effectRef>
+      <a:fontRef idx="minor"/>
+    </dgm:style>
+  </dgm:styleLbl>
+  <dgm:styleLbl name="parChTrans1D4">
+    <dgm:scene3d>
+      <a:camera prst="orthographicFront"/>
+      <a:lightRig rig="threePt" dir="t"/>
+    </dgm:scene3d>
+    <dgm:sp3d/>
+    <dgm:txPr/>
+    <dgm:style>
+      <a:lnRef idx="2">
+        <a:scrgbClr r="0" g="0" b="0"/>
+      </a:lnRef>
+      <a:fillRef idx="0">
+        <a:scrgbClr r="0" g="0" b="0"/>
+      </a:fillRef>
+      <a:effectRef idx="0">
+        <a:scrgbClr r="0" g="0" b="0"/>
+      </a:effectRef>
+      <a:fontRef idx="minor"/>
+    </dgm:style>
+  </dgm:styleLbl>
+  <dgm:styleLbl name="fgAcc1">
+    <dgm:scene3d>
+      <a:camera prst="orthographicFront"/>
+      <a:lightRig rig="threePt" dir="t"/>
+    </dgm:scene3d>
+    <dgm:sp3d/>
+    <dgm:txPr/>
+    <dgm:style>
+      <a:lnRef idx="2">
+        <a:scrgbClr r="0" g="0" b="0"/>
+      </a:lnRef>
+      <a:fillRef idx="1">
+        <a:scrgbClr r="0" g="0" b="0"/>
+      </a:fillRef>
+      <a:effectRef idx="0">
+        <a:scrgbClr r="0" g="0" b="0"/>
+      </a:effectRef>
+      <a:fontRef idx="minor"/>
+    </dgm:style>
+  </dgm:styleLbl>
+  <dgm:styleLbl name="conFgAcc1">
+    <dgm:scene3d>
+      <a:camera prst="orthographicFront"/>
+      <a:lightRig rig="threePt" dir="t"/>
+    </dgm:scene3d>
+    <dgm:sp3d/>
+    <dgm:txPr/>
+    <dgm:style>
+      <a:lnRef idx="2">
+        <a:scrgbClr r="0" g="0" b="0"/>
+      </a:lnRef>
+      <a:fillRef idx="1">
+        <a:scrgbClr r="0" g="0" b="0"/>
+      </a:fillRef>
+      <a:effectRef idx="0">
+        <a:scrgbClr r="0" g="0" b="0"/>
+      </a:effectRef>
+      <a:fontRef idx="minor"/>
+    </dgm:style>
+  </dgm:styleLbl>
+  <dgm:styleLbl name="alignAcc1">
+    <dgm:scene3d>
+      <a:camera prst="orthographicFront"/>
+      <a:lightRig rig="threePt" dir="t"/>
+    </dgm:scene3d>
+    <dgm:sp3d/>
+    <dgm:txPr/>
+    <dgm:style>
+      <a:lnRef idx="2">
+        <a:scrgbClr r="0" g="0" b="0"/>
+      </a:lnRef>
+      <a:fillRef idx="1">
+        <a:scrgbClr r="0" g="0" b="0"/>
+      </a:fillRef>
+      <a:effectRef idx="0">
+        <a:scrgbClr r="0" g="0" b="0"/>
+      </a:effectRef>
+      <a:fontRef idx="minor"/>
+    </dgm:style>
+  </dgm:styleLbl>
+  <dgm:styleLbl name="trAlignAcc1">
+    <dgm:scene3d>
+      <a:camera prst="orthographicFront"/>
+      <a:lightRig rig="threePt" dir="t"/>
+    </dgm:scene3d>
+    <dgm:sp3d/>
+    <dgm:txPr/>
+    <dgm:style>
+      <a:lnRef idx="1">
+        <a:scrgbClr r="0" g="0" b="0"/>
+      </a:lnRef>
+      <a:fillRef idx="1">
+        <a:scrgbClr r="0" g="0" b="0"/>
+      </a:fillRef>
+      <a:effectRef idx="0">
+        <a:scrgbClr r="0" g="0" b="0"/>
+      </a:effectRef>
+      <a:fontRef idx="minor"/>
+    </dgm:style>
+  </dgm:styleLbl>
+  <dgm:styleLbl name="bgAcc1">
+    <dgm:scene3d>
+      <a:camera prst="orthographicFront"/>
+      <a:lightRig rig="threePt" dir="t"/>
+    </dgm:scene3d>
+    <dgm:sp3d/>
+    <dgm:txPr/>
+    <dgm:style>
+      <a:lnRef idx="2">
+        <a:scrgbClr r="0" g="0" b="0"/>
+      </a:lnRef>
+      <a:fillRef idx="1">
+        <a:scrgbClr r="0" g="0" b="0"/>
+      </a:fillRef>
+      <a:effectRef idx="0">
+        <a:scrgbClr r="0" g="0" b="0"/>
+      </a:effectRef>
+      <a:fontRef idx="minor"/>
+    </dgm:style>
+  </dgm:styleLbl>
+  <dgm:styleLbl name="solidFgAcc1">
+    <dgm:scene3d>
+      <a:camera prst="orthographicFront"/>
+      <a:lightRig rig="threePt" dir="t"/>
+    </dgm:scene3d>
+    <dgm:sp3d/>
+    <dgm:txPr/>
+    <dgm:style>
+      <a:lnRef idx="2">
+        <a:scrgbClr r="0" g="0" b="0"/>
+      </a:lnRef>
+      <a:fillRef idx="1">
+        <a:scrgbClr r="0" g="0" b="0"/>
+      </a:fillRef>
+      <a:effectRef idx="0">
+        <a:scrgbClr r="0" g="0" b="0"/>
+      </a:effectRef>
+      <a:fontRef idx="minor"/>
+    </dgm:style>
+  </dgm:styleLbl>
+  <dgm:styleLbl name="solidAlignAcc1">
+    <dgm:scene3d>
+      <a:camera prst="orthographicFront"/>
+      <a:lightRig rig="threePt" dir="t"/>
+    </dgm:scene3d>
+    <dgm:sp3d/>
+    <dgm:txPr/>
+    <dgm:style>
+      <a:lnRef idx="2">
+        <a:scrgbClr r="0" g="0" b="0"/>
+      </a:lnRef>
+      <a:fillRef idx="1">
+        <a:scrgbClr r="0" g="0" b="0"/>
+      </a:fillRef>
+      <a:effectRef idx="0">
+        <a:scrgbClr r="0" g="0" b="0"/>
+      </a:effectRef>
+      <a:fontRef idx="minor"/>
+    </dgm:style>
+  </dgm:styleLbl>
+  <dgm:styleLbl name="solidBgAcc1">
+    <dgm:scene3d>
+      <a:camera prst="orthographicFront"/>
+      <a:lightRig rig="threePt" dir="t"/>
+    </dgm:scene3d>
+    <dgm:sp3d/>
+    <dgm:txPr/>
+    <dgm:style>
+      <a:lnRef idx="2">
+        <a:scrgbClr r="0" g="0" b="0"/>
+      </a:lnRef>
+      <a:fillRef idx="1">
+        <a:scrgbClr r="0" g="0" b="0"/>
+      </a:fillRef>
+      <a:effectRef idx="0">
+        <a:scrgbClr r="0" g="0" b="0"/>
+      </a:effectRef>
+      <a:fontRef idx="minor"/>
+    </dgm:style>
+  </dgm:styleLbl>
+  <dgm:styleLbl name="fgAccFollowNode1">
+    <dgm:scene3d>
+      <a:camera prst="orthographicFront"/>
+      <a:lightRig rig="threePt" dir="t"/>
+    </dgm:scene3d>
+    <dgm:sp3d/>
+    <dgm:txPr/>
+    <dgm:style>
+      <a:lnRef idx="2">
+        <a:scrgbClr r="0" g="0" b="0"/>
+      </a:lnRef>
+      <a:fillRef idx="1">
+        <a:scrgbClr r="0" g="0" b="0"/>
+      </a:fillRef>
+      <a:effectRef idx="0">
+        <a:scrgbClr r="0" g="0" b="0"/>
+      </a:effectRef>
+      <a:fontRef idx="minor"/>
+    </dgm:style>
+  </dgm:styleLbl>
+  <dgm:styleLbl name="alignAccFollowNode1">
+    <dgm:scene3d>
+      <a:camera prst="orthographicFront"/>
+      <a:lightRig rig="threePt" dir="t"/>
+    </dgm:scene3d>
+    <dgm:sp3d/>
+    <dgm:txPr/>
+    <dgm:style>
+      <a:lnRef idx="2">
+        <a:scrgbClr r="0" g="0" b="0"/>
+      </a:lnRef>
+      <a:fillRef idx="1">
+        <a:scrgbClr r="0" g="0" b="0"/>
+      </a:fillRef>
+      <a:effectRef idx="0">
+        <a:scrgbClr r="0" g="0" b="0"/>
+      </a:effectRef>
+      <a:fontRef idx="minor"/>
+    </dgm:style>
+  </dgm:styleLbl>
+  <dgm:styleLbl name="bgAccFollowNode1">
+    <dgm:scene3d>
+      <a:camera prst="orthographicFront"/>
+      <a:lightRig rig="threePt" dir="t"/>
+    </dgm:scene3d>
+    <dgm:sp3d/>
+    <dgm:txPr/>
+    <dgm:style>
+      <a:lnRef idx="2">
+        <a:scrgbClr r="0" g="0" b="0"/>
+      </a:lnRef>
+      <a:fillRef idx="1">
+        <a:scrgbClr r="0" g="0" b="0"/>
+      </a:fillRef>
+      <a:effectRef idx="0">
+        <a:scrgbClr r="0" g="0" b="0"/>
+      </a:effectRef>
+      <a:fontRef idx="minor"/>
+    </dgm:style>
+  </dgm:styleLbl>
+  <dgm:styleLbl name="fgAcc0">
+    <dgm:scene3d>
+      <a:camera prst="orthographicFront"/>
+      <a:lightRig rig="threePt" dir="t"/>
+    </dgm:scene3d>
+    <dgm:sp3d/>
+    <dgm:txPr/>
+    <dgm:style>
+      <a:lnRef idx="2">
+        <a:scrgbClr r="0" g="0" b="0"/>
+      </a:lnRef>
+      <a:fillRef idx="1">
+        <a:scrgbClr r="0" g="0" b="0"/>
+      </a:fillRef>
+      <a:effectRef idx="0">
+        <a:scrgbClr r="0" g="0" b="0"/>
+      </a:effectRef>
+      <a:fontRef idx="minor"/>
+    </dgm:style>
+  </dgm:styleLbl>
+  <dgm:styleLbl name="fgAcc2">
+    <dgm:scene3d>
+      <a:camera prst="orthographicFront"/>
+      <a:lightRig rig="threePt" dir="t"/>
+    </dgm:scene3d>
+    <dgm:sp3d/>
+    <dgm:txPr/>
+    <dgm:style>
+      <a:lnRef idx="2">
+        <a:scrgbClr r="0" g="0" b="0"/>
+      </a:lnRef>
+      <a:fillRef idx="1">
+        <a:scrgbClr r="0" g="0" b="0"/>
+      </a:fillRef>
+      <a:effectRef idx="0">
+        <a:scrgbClr r="0" g="0" b="0"/>
+      </a:effectRef>
+      <a:fontRef idx="minor"/>
+    </dgm:style>
+  </dgm:styleLbl>
+  <dgm:styleLbl name="fgAcc3">
+    <dgm:scene3d>
+      <a:camera prst="orthographicFront"/>
+      <a:lightRig rig="threePt" dir="t"/>
+    </dgm:scene3d>
+    <dgm:sp3d/>
+    <dgm:txPr/>
+    <dgm:style>
+      <a:lnRef idx="2">
+        <a:scrgbClr r="0" g="0" b="0"/>
+      </a:lnRef>
+      <a:fillRef idx="1">
+        <a:scrgbClr r="0" g="0" b="0"/>
+      </a:fillRef>
+      <a:effectRef idx="0">
+        <a:scrgbClr r="0" g="0" b="0"/>
+      </a:effectRef>
+      <a:fontRef idx="minor"/>
+    </dgm:style>
+  </dgm:styleLbl>
+  <dgm:styleLbl name="fgAcc4">
+    <dgm:scene3d>
+      <a:camera prst="orthographicFront"/>
+      <a:lightRig rig="threePt" dir="t"/>
+    </dgm:scene3d>
+    <dgm:sp3d/>
+    <dgm:txPr/>
+    <dgm:style>
+      <a:lnRef idx="2">
+        <a:scrgbClr r="0" g="0" b="0"/>
+      </a:lnRef>
+      <a:fillRef idx="1">
+        <a:scrgbClr r="0" g="0" b="0"/>
+      </a:fillRef>
+      <a:effectRef idx="0">
+        <a:scrgbClr r="0" g="0" b="0"/>
+      </a:effectRef>
+      <a:fontRef idx="minor"/>
+    </dgm:style>
+  </dgm:styleLbl>
+  <dgm:styleLbl name="bgShp">
+    <dgm:scene3d>
+      <a:camera prst="orthographicFront"/>
+      <a:lightRig rig="threePt" dir="t"/>
+    </dgm:scene3d>
+    <dgm:sp3d/>
+    <dgm:txPr/>
+    <dgm:style>
+      <a:lnRef idx="0">
+        <a:scrgbClr r="0" g="0" b="0"/>
+      </a:lnRef>
+      <a:fillRef idx="1">
+        <a:scrgbClr r="0" g="0" b="0"/>
+      </a:fillRef>
+      <a:effectRef idx="0">
+        <a:scrgbClr r="0" g="0" b="0"/>
+      </a:effectRef>
+      <a:fontRef idx="minor"/>
+    </dgm:style>
+  </dgm:styleLbl>
+  <dgm:styleLbl name="dkBgShp">
+    <dgm:scene3d>
+      <a:camera prst="orthographicFront"/>
+      <a:lightRig rig="threePt" dir="t"/>
+    </dgm:scene3d>
+    <dgm:sp3d/>
+    <dgm:txPr/>
+    <dgm:style>
+      <a:lnRef idx="0">
+        <a:scrgbClr r="0" g="0" b="0"/>
+      </a:lnRef>
+      <a:fillRef idx="1">
+        <a:scrgbClr r="0" g="0" b="0"/>
+      </a:fillRef>
+      <a:effectRef idx="0">
+        <a:scrgbClr r="0" g="0" b="0"/>
+      </a:effectRef>
+      <a:fontRef idx="minor"/>
+    </dgm:style>
+  </dgm:styleLbl>
+  <dgm:styleLbl name="trBgShp">
+    <dgm:scene3d>
+      <a:camera prst="orthographicFront"/>
+      <a:lightRig rig="threePt" dir="t"/>
+    </dgm:scene3d>
+    <dgm:sp3d/>
+    <dgm:txPr/>
+    <dgm:style>
+      <a:lnRef idx="0">
+        <a:scrgbClr r="0" g="0" b="0"/>
+      </a:lnRef>
+      <a:fillRef idx="1">
+        <a:scrgbClr r="0" g="0" b="0"/>
+      </a:fillRef>
+      <a:effectRef idx="0">
+        <a:scrgbClr r="0" g="0" b="0"/>
+      </a:effectRef>
+      <a:fontRef idx="minor"/>
+    </dgm:style>
+  </dgm:styleLbl>
+  <dgm:styleLbl name="fgShp">
+    <dgm:scene3d>
+      <a:camera prst="orthographicFront"/>
+      <a:lightRig rig="threePt" dir="t"/>
+    </dgm:scene3d>
+    <dgm:sp3d/>
+    <dgm:txPr/>
+    <dgm:style>
+      <a:lnRef idx="2">
+        <a:scrgbClr r="0" g="0" b="0"/>
+      </a:lnRef>
+      <a:fillRef idx="1">
+        <a:scrgbClr r="0" g="0" b="0"/>
+      </a:fillRef>
+      <a:effectRef idx="0">
+        <a:scrgbClr r="0" g="0" b="0"/>
+      </a:effectRef>
+      <a:fontRef idx="minor"/>
+    </dgm:style>
+  </dgm:styleLbl>
+  <dgm:styleLbl name="revTx">
+    <dgm:scene3d>
+      <a:camera prst="orthographicFront"/>
+      <a:lightRig rig="threePt" dir="t"/>
+    </dgm:scene3d>
+    <dgm:sp3d/>
+    <dgm:txPr/>
+    <dgm:style>
+      <a:lnRef idx="0">
+        <a:scrgbClr r="0" g="0" b="0"/>
+      </a:lnRef>
+      <a:fillRef idx="0">
+        <a:scrgbClr r="0" g="0" b="0"/>
+      </a:fillRef>
+      <a:effectRef idx="0">
+        <a:scrgbClr r="0" g="0" b="0"/>
+      </a:effectRef>
+      <a:fontRef idx="minor"/>
+    </dgm:style>
+  </dgm:styleLbl>
+</dgm:styleDef>
+</file>
+
+<file path=ppt/diagrams/quickStyle2.xml><?xml version="1.0" encoding="utf-8"?>
+<dgm:styleDef xmlns:dgm="http://schemas.openxmlformats.org/drawingml/2006/diagram" xmlns:a="http://schemas.openxmlformats.org/drawingml/2006/main" uniqueId="urn:microsoft.com/office/officeart/2005/8/quickstyle/simple1">
+  <dgm:title val=""/>
+  <dgm:desc val=""/>
+  <dgm:catLst>
+    <dgm:cat type="simple" pri="10100"/>
+  </dgm:catLst>
+  <dgm:scene3d>
+    <a:camera prst="orthographicFront"/>
+    <a:lightRig rig="threePt" dir="t"/>
+  </dgm:scene3d>
+  <dgm:styleLbl name="node0">
+    <dgm:scene3d>
+      <a:camera prst="orthographicFront"/>
+      <a:lightRig rig="threePt" dir="t"/>
+    </dgm:scene3d>
+    <dgm:sp3d/>
+    <dgm:txPr/>
+    <dgm:style>
+      <a:lnRef idx="2">
+        <a:scrgbClr r="0" g="0" b="0"/>
+      </a:lnRef>
+      <a:fillRef idx="1">
+        <a:scrgbClr r="0" g="0" b="0"/>
+      </a:fillRef>
+      <a:effectRef idx="0">
+        <a:scrgbClr r="0" g="0" b="0"/>
+      </a:effectRef>
+      <a:fontRef idx="minor">
+        <a:schemeClr val="lt1"/>
+      </a:fontRef>
+    </dgm:style>
+  </dgm:styleLbl>
+  <dgm:styleLbl name="lnNode1">
+    <dgm:scene3d>
+      <a:camera prst="orthographicFront"/>
+      <a:lightRig rig="threePt" dir="t"/>
+    </dgm:scene3d>
+    <dgm:sp3d/>
+    <dgm:txPr/>
+    <dgm:style>
+      <a:lnRef idx="2">
+        <a:scrgbClr r="0" g="0" b="0"/>
+      </a:lnRef>
+      <a:fillRef idx="1">
+        <a:scrgbClr r="0" g="0" b="0"/>
+      </a:fillRef>
+      <a:effectRef idx="0">
+        <a:scrgbClr r="0" g="0" b="0"/>
+      </a:effectRef>
+      <a:fontRef idx="minor">
+        <a:schemeClr val="lt1"/>
+      </a:fontRef>
+    </dgm:style>
+  </dgm:styleLbl>
+  <dgm:styleLbl name="vennNode1">
+    <dgm:scene3d>
+      <a:camera prst="orthographicFront"/>
+      <a:lightRig rig="threePt" dir="t"/>
+    </dgm:scene3d>
+    <dgm:sp3d/>
+    <dgm:txPr/>
+    <dgm:style>
+      <a:lnRef idx="2">
+        <a:scrgbClr r="0" g="0" b="0"/>
+      </a:lnRef>
+      <a:fillRef idx="1">
+        <a:scrgbClr r="0" g="0" b="0"/>
+      </a:fillRef>
+      <a:effectRef idx="0">
+        <a:scrgbClr r="0" g="0" b="0"/>
+      </a:effectRef>
+      <a:fontRef idx="minor">
+        <a:schemeClr val="tx1"/>
+      </a:fontRef>
+    </dgm:style>
+  </dgm:styleLbl>
+  <dgm:styleLbl name="alignNode1">
+    <dgm:scene3d>
+      <a:camera prst="orthographicFront"/>
+      <a:lightRig rig="threePt" dir="t"/>
+    </dgm:scene3d>
+    <dgm:sp3d/>
+    <dgm:txPr/>
+    <dgm:style>
+      <a:lnRef idx="2">
+        <a:scrgbClr r="0" g="0" b="0"/>
+      </a:lnRef>
+      <a:fillRef idx="1">
+        <a:scrgbClr r="0" g="0" b="0"/>
+      </a:fillRef>
+      <a:effectRef idx="0">
+        <a:scrgbClr r="0" g="0" b="0"/>
+      </a:effectRef>
+      <a:fontRef idx="minor">
+        <a:schemeClr val="lt1"/>
+      </a:fontRef>
+    </dgm:style>
+  </dgm:styleLbl>
+  <dgm:styleLbl name="node1">
+    <dgm:scene3d>
+      <a:camera prst="orthographicFront"/>
+      <a:lightRig rig="threePt" dir="t"/>
+    </dgm:scene3d>
+    <dgm:sp3d/>
+    <dgm:txPr/>
+    <dgm:style>
+      <a:lnRef idx="2">
+        <a:scrgbClr r="0" g="0" b="0"/>
+      </a:lnRef>
+      <a:fillRef idx="1">
+        <a:scrgbClr r="0" g="0" b="0"/>
+      </a:fillRef>
+      <a:effectRef idx="0">
+        <a:scrgbClr r="0" g="0" b="0"/>
+      </a:effectRef>
+      <a:fontRef idx="minor">
+        <a:schemeClr val="lt1"/>
+      </a:fontRef>
+    </dgm:style>
+  </dgm:styleLbl>
+  <dgm:styleLbl name="node2">
+    <dgm:scene3d>
+      <a:camera prst="orthographicFront"/>
+      <a:lightRig rig="threePt" dir="t"/>
+    </dgm:scene3d>
+    <dgm:sp3d/>
+    <dgm:txPr/>
+    <dgm:style>
+      <a:lnRef idx="2">
+        <a:scrgbClr r="0" g="0" b="0"/>
+      </a:lnRef>
+      <a:fillRef idx="1">
+        <a:scrgbClr r="0" g="0" b="0"/>
+      </a:fillRef>
+      <a:effectRef idx="0">
+        <a:scrgbClr r="0" g="0" b="0"/>
+      </a:effectRef>
+      <a:fontRef idx="minor">
+        <a:schemeClr val="lt1"/>
+      </a:fontRef>
+    </dgm:style>
+  </dgm:styleLbl>
+  <dgm:styleLbl name="node3">
+    <dgm:scene3d>
+      <a:camera prst="orthographicFront"/>
+      <a:lightRig rig="threePt" dir="t"/>
+    </dgm:scene3d>
+    <dgm:sp3d/>
+    <dgm:txPr/>
+    <dgm:style>
+      <a:lnRef idx="2">
+        <a:scrgbClr r="0" g="0" b="0"/>
+      </a:lnRef>
+      <a:fillRef idx="1">
+        <a:scrgbClr r="0" g="0" b="0"/>
+      </a:fillRef>
+      <a:effectRef idx="0">
+        <a:scrgbClr r="0" g="0" b="0"/>
+      </a:effectRef>
+      <a:fontRef idx="minor">
+        <a:schemeClr val="lt1"/>
+      </a:fontRef>
+    </dgm:style>
+  </dgm:styleLbl>
+  <dgm:styleLbl name="node4">
+    <dgm:scene3d>
+      <a:camera prst="orthographicFront"/>
+      <a:lightRig rig="threePt" dir="t"/>
+    </dgm:scene3d>
+    <dgm:sp3d/>
+    <dgm:txPr/>
+    <dgm:style>
+      <a:lnRef idx="2">
+        <a:scrgbClr r="0" g="0" b="0"/>
+      </a:lnRef>
+      <a:fillRef idx="1">
+        <a:scrgbClr r="0" g="0" b="0"/>
+      </a:fillRef>
+      <a:effectRef idx="0">
+        <a:scrgbClr r="0" g="0" b="0"/>
+      </a:effectRef>
+      <a:fontRef idx="minor">
+        <a:schemeClr val="lt1"/>
+      </a:fontRef>
+    </dgm:style>
+  </dgm:styleLbl>
+  <dgm:styleLbl name="fgImgPlace1">
+    <dgm:scene3d>
+      <a:camera prst="orthographicFront"/>
+      <a:lightRig rig="threePt" dir="t"/>
+    </dgm:scene3d>
+    <dgm:sp3d/>
+    <dgm:txPr/>
+    <dgm:style>
+      <a:lnRef idx="2">
+        <a:scrgbClr r="0" g="0" b="0"/>
+      </a:lnRef>
+      <a:fillRef idx="1">
+        <a:scrgbClr r="0" g="0" b="0"/>
+      </a:fillRef>
+      <a:effectRef idx="0">
+        <a:scrgbClr r="0" g="0" b="0"/>
+      </a:effectRef>
+      <a:fontRef idx="minor"/>
+    </dgm:style>
+  </dgm:styleLbl>
+  <dgm:styleLbl name="alignImgPlace1">
+    <dgm:scene3d>
+      <a:camera prst="orthographicFront"/>
+      <a:lightRig rig="threePt" dir="t"/>
+    </dgm:scene3d>
+    <dgm:sp3d/>
+    <dgm:txPr/>
+    <dgm:style>
+      <a:lnRef idx="2">
+        <a:scrgbClr r="0" g="0" b="0"/>
+      </a:lnRef>
+      <a:fillRef idx="1">
+        <a:scrgbClr r="0" g="0" b="0"/>
+      </a:fillRef>
+      <a:effectRef idx="0">
+        <a:scrgbClr r="0" g="0" b="0"/>
+      </a:effectRef>
+      <a:fontRef idx="minor"/>
+    </dgm:style>
+  </dgm:styleLbl>
+  <dgm:styleLbl name="bgImgPlace1">
+    <dgm:scene3d>
+      <a:camera prst="orthographicFront"/>
+      <a:lightRig rig="threePt" dir="t"/>
+    </dgm:scene3d>
+    <dgm:sp3d/>
+    <dgm:txPr/>
+    <dgm:style>
+      <a:lnRef idx="2">
+        <a:scrgbClr r="0" g="0" b="0"/>
+      </a:lnRef>
+      <a:fillRef idx="1">
+        <a:scrgbClr r="0" g="0" b="0"/>
+      </a:fillRef>
+      <a:effectRef idx="0">
+        <a:scrgbClr r="0" g="0" b="0"/>
+      </a:effectRef>
+      <a:fontRef idx="minor"/>
+    </dgm:style>
+  </dgm:styleLbl>
+  <dgm:styleLbl name="sibTrans2D1">
+    <dgm:scene3d>
+      <a:camera prst="orthographicFront"/>
+      <a:lightRig rig="threePt" dir="t"/>
+    </dgm:scene3d>
+    <dgm:sp3d/>
+    <dgm:txPr/>
+    <dgm:style>
+      <a:lnRef idx="0">
+        <a:scrgbClr r="0" g="0" b="0"/>
+      </a:lnRef>
+      <a:fillRef idx="1">
+        <a:scrgbClr r="0" g="0" b="0"/>
+      </a:fillRef>
+      <a:effectRef idx="0">
+        <a:scrgbClr r="0" g="0" b="0"/>
+      </a:effectRef>
+      <a:fontRef idx="minor">
+        <a:schemeClr val="lt1"/>
+      </a:fontRef>
+    </dgm:style>
+  </dgm:styleLbl>
+  <dgm:styleLbl name="fgSibTrans2D1">
+    <dgm:scene3d>
+      <a:camera prst="orthographicFront"/>
+      <a:lightRig rig="threePt" dir="t"/>
+    </dgm:scene3d>
+    <dgm:sp3d/>
+    <dgm:txPr/>
+    <dgm:style>
+      <a:lnRef idx="0">
+        <a:scrgbClr r="0" g="0" b="0"/>
+      </a:lnRef>
+      <a:fillRef idx="1">
+        <a:scrgbClr r="0" g="0" b="0"/>
+      </a:fillRef>
+      <a:effectRef idx="0">
+        <a:scrgbClr r="0" g="0" b="0"/>
+      </a:effectRef>
+      <a:fontRef idx="minor">
+        <a:schemeClr val="lt1"/>
+      </a:fontRef>
+    </dgm:style>
+  </dgm:styleLbl>
+  <dgm:styleLbl name="bgSibTrans2D1">
+    <dgm:scene3d>
+      <a:camera prst="orthographicFront"/>
+      <a:lightRig rig="threePt" dir="t"/>
+    </dgm:scene3d>
+    <dgm:sp3d/>
+    <dgm:txPr/>
+    <dgm:style>
+      <a:lnRef idx="0">
+        <a:scrgbClr r="0" g="0" b="0"/>
+      </a:lnRef>
+      <a:fillRef idx="1">
+        <a:scrgbClr r="0" g="0" b="0"/>
+      </a:fillRef>
+      <a:effectRef idx="0">
+        <a:scrgbClr r="0" g="0" b="0"/>
+      </a:effectRef>
+      <a:fontRef idx="minor">
+        <a:schemeClr val="lt1"/>
+      </a:fontRef>
+    </dgm:style>
+  </dgm:styleLbl>
+  <dgm:styleLbl name="sibTrans1D1">
+    <dgm:scene3d>
+      <a:camera prst="orthographicFront"/>
+      <a:lightRig rig="threePt" dir="t"/>
+    </dgm:scene3d>
+    <dgm:sp3d/>
+    <dgm:txPr/>
+    <dgm:style>
+      <a:lnRef idx="1">
+        <a:scrgbClr r="0" g="0" b="0"/>
+      </a:lnRef>
+      <a:fillRef idx="0">
+        <a:scrgbClr r="0" g="0" b="0"/>
+      </a:fillRef>
+      <a:effectRef idx="0">
+        <a:scrgbClr r="0" g="0" b="0"/>
+      </a:effectRef>
+      <a:fontRef idx="minor"/>
+    </dgm:style>
+  </dgm:styleLbl>
+  <dgm:styleLbl name="callout">
+    <dgm:scene3d>
+      <a:camera prst="orthographicFront"/>
+      <a:lightRig rig="threePt" dir="t"/>
+    </dgm:scene3d>
+    <dgm:sp3d/>
+    <dgm:txPr/>
+    <dgm:style>
+      <a:lnRef idx="2">
+        <a:scrgbClr r="0" g="0" b="0"/>
+      </a:lnRef>
+      <a:fillRef idx="1">
+        <a:scrgbClr r="0" g="0" b="0"/>
+      </a:fillRef>
+      <a:effectRef idx="0">
+        <a:scrgbClr r="0" g="0" b="0"/>
+      </a:effectRef>
+      <a:fontRef idx="minor"/>
+    </dgm:style>
+  </dgm:styleLbl>
+  <dgm:styleLbl name="asst0">
+    <dgm:scene3d>
+      <a:camera prst="orthographicFront"/>
+      <a:lightRig rig="threePt" dir="t"/>
+    </dgm:scene3d>
+    <dgm:sp3d/>
+    <dgm:txPr/>
+    <dgm:style>
+      <a:lnRef idx="2">
+        <a:scrgbClr r="0" g="0" b="0"/>
+      </a:lnRef>
+      <a:fillRef idx="1">
+        <a:scrgbClr r="0" g="0" b="0"/>
+      </a:fillRef>
+      <a:effectRef idx="0">
+        <a:scrgbClr r="0" g="0" b="0"/>
+      </a:effectRef>
+      <a:fontRef idx="minor">
+        <a:schemeClr val="lt1"/>
+      </a:fontRef>
+    </dgm:style>
+  </dgm:styleLbl>
+  <dgm:styleLbl name="asst1">
+    <dgm:scene3d>
+      <a:camera prst="orthographicFront"/>
+      <a:lightRig rig="threePt" dir="t"/>
+    </dgm:scene3d>
+    <dgm:sp3d/>
+    <dgm:txPr/>
+    <dgm:style>
+      <a:lnRef idx="2">
+        <a:scrgbClr r="0" g="0" b="0"/>
+      </a:lnRef>
+      <a:fillRef idx="1">
+        <a:scrgbClr r="0" g="0" b="0"/>
+      </a:fillRef>
+      <a:effectRef idx="0">
+        <a:scrgbClr r="0" g="0" b="0"/>
+      </a:effectRef>
+      <a:fontRef idx="minor">
+        <a:schemeClr val="lt1"/>
+      </a:fontRef>
+    </dgm:style>
+  </dgm:styleLbl>
+  <dgm:styleLbl name="asst2">
+    <dgm:scene3d>
+      <a:camera prst="orthographicFront"/>
+      <a:lightRig rig="threePt" dir="t"/>
+    </dgm:scene3d>
+    <dgm:sp3d/>
+    <dgm:txPr/>
+    <dgm:style>
+      <a:lnRef idx="2">
+        <a:scrgbClr r="0" g="0" b="0"/>
+      </a:lnRef>
+      <a:fillRef idx="1">
+        <a:scrgbClr r="0" g="0" b="0"/>
+      </a:fillRef>
+      <a:effectRef idx="0">
+        <a:scrgbClr r="0" g="0" b="0"/>
+      </a:effectRef>
+      <a:fontRef idx="minor">
+        <a:schemeClr val="lt1"/>
+      </a:fontRef>
+    </dgm:style>
+  </dgm:styleLbl>
+  <dgm:styleLbl name="asst3">
+    <dgm:scene3d>
+      <a:camera prst="orthographicFront"/>
+      <a:lightRig rig="threePt" dir="t"/>
+    </dgm:scene3d>
+    <dgm:sp3d/>
+    <dgm:txPr/>
+    <dgm:style>
+      <a:lnRef idx="2">
+        <a:scrgbClr r="0" g="0" b="0"/>
+      </a:lnRef>
+      <a:fillRef idx="1">
+        <a:scrgbClr r="0" g="0" b="0"/>
+      </a:fillRef>
+      <a:effectRef idx="0">
+        <a:scrgbClr r="0" g="0" b="0"/>
+      </a:effectRef>
+      <a:fontRef idx="minor">
+        <a:schemeClr val="lt1"/>
+      </a:fontRef>
+    </dgm:style>
+  </dgm:styleLbl>
+  <dgm:styleLbl name="asst4">
+    <dgm:scene3d>
+      <a:camera prst="orthographicFront"/>
+      <a:lightRig rig="threePt" dir="t"/>
+    </dgm:scene3d>
+    <dgm:sp3d/>
+    <dgm:txPr/>
+    <dgm:style>
+      <a:lnRef idx="2">
+        <a:scrgbClr r="0" g="0" b="0"/>
+      </a:lnRef>
+      <a:fillRef idx="1">
+        <a:scrgbClr r="0" g="0" b="0"/>
+      </a:fillRef>
+      <a:effectRef idx="0">
+        <a:scrgbClr r="0" g="0" b="0"/>
+      </a:effectRef>
+      <a:fontRef idx="minor">
+        <a:schemeClr val="lt1"/>
+      </a:fontRef>
+    </dgm:style>
+  </dgm:styleLbl>
+  <dgm:styleLbl name="parChTrans2D1">
+    <dgm:scene3d>
+      <a:camera prst="orthographicFront"/>
+      <a:lightRig rig="threePt" dir="t"/>
+    </dgm:scene3d>
+    <dgm:sp3d/>
+    <dgm:txPr/>
+    <dgm:style>
+      <a:lnRef idx="2">
+        <a:scrgbClr r="0" g="0" b="0"/>
+      </a:lnRef>
+      <a:fillRef idx="1">
+        <a:scrgbClr r="0" g="0" b="0"/>
+      </a:fillRef>
+      <a:effectRef idx="0">
+        <a:scrgbClr r="0" g="0" b="0"/>
+      </a:effectRef>
+      <a:fontRef idx="minor">
+        <a:schemeClr val="lt1"/>
+      </a:fontRef>
+    </dgm:style>
+  </dgm:styleLbl>
+  <dgm:styleLbl name="parChTrans2D2">
+    <dgm:scene3d>
+      <a:camera prst="orthographicFront"/>
+      <a:lightRig rig="threePt" dir="t"/>
+    </dgm:scene3d>
+    <dgm:sp3d/>
+    <dgm:txPr/>
+    <dgm:style>
+      <a:lnRef idx="2">
+        <a:scrgbClr r="0" g="0" b="0"/>
+      </a:lnRef>
+      <a:fillRef idx="1">
+        <a:scrgbClr r="0" g="0" b="0"/>
+      </a:fillRef>
+      <a:effectRef idx="0">
+        <a:scrgbClr r="0" g="0" b="0"/>
+      </a:effectRef>
+      <a:fontRef idx="minor">
+        <a:schemeClr val="lt1"/>
+      </a:fontRef>
+    </dgm:style>
+  </dgm:styleLbl>
+  <dgm:styleLbl name="parChTrans2D3">
+    <dgm:scene3d>
+      <a:camera prst="orthographicFront"/>
+      <a:lightRig rig="threePt" dir="t"/>
+    </dgm:scene3d>
+    <dgm:sp3d/>
+    <dgm:txPr/>
+    <dgm:style>
+      <a:lnRef idx="2">
+        <a:scrgbClr r="0" g="0" b="0"/>
+      </a:lnRef>
+      <a:fillRef idx="1">
+        <a:scrgbClr r="0" g="0" b="0"/>
+      </a:fillRef>
+      <a:effectRef idx="0">
+        <a:scrgbClr r="0" g="0" b="0"/>
+      </a:effectRef>
+      <a:fontRef idx="minor">
+        <a:schemeClr val="lt1"/>
+      </a:fontRef>
+    </dgm:style>
+  </dgm:styleLbl>
+  <dgm:styleLbl name="parChTrans2D4">
+    <dgm:scene3d>
+      <a:camera prst="orthographicFront"/>
+      <a:lightRig rig="threePt" dir="t"/>
+    </dgm:scene3d>
+    <dgm:sp3d/>
+    <dgm:txPr/>
+    <dgm:style>
+      <a:lnRef idx="2">
+        <a:scrgbClr r="0" g="0" b="0"/>
+      </a:lnRef>
+      <a:fillRef idx="1">
+        <a:scrgbClr r="0" g="0" b="0"/>
+      </a:fillRef>
+      <a:effectRef idx="0">
+        <a:scrgbClr r="0" g="0" b="0"/>
+      </a:effectRef>
+      <a:fontRef idx="minor">
+        <a:schemeClr val="lt1"/>
+      </a:fontRef>
+    </dgm:style>
+  </dgm:styleLbl>
+  <dgm:styleLbl name="parChTrans1D1">
+    <dgm:scene3d>
+      <a:camera prst="orthographicFront"/>
+      <a:lightRig rig="threePt" dir="t"/>
+    </dgm:scene3d>
+    <dgm:sp3d/>
+    <dgm:txPr/>
+    <dgm:style>
+      <a:lnRef idx="2">
+        <a:scrgbClr r="0" g="0" b="0"/>
+      </a:lnRef>
+      <a:fillRef idx="0">
+        <a:scrgbClr r="0" g="0" b="0"/>
+      </a:fillRef>
+      <a:effectRef idx="0">
+        <a:scrgbClr r="0" g="0" b="0"/>
+      </a:effectRef>
+      <a:fontRef idx="minor"/>
+    </dgm:style>
+  </dgm:styleLbl>
+  <dgm:styleLbl name="parChTrans1D2">
+    <dgm:scene3d>
+      <a:camera prst="orthographicFront"/>
+      <a:lightRig rig="threePt" dir="t"/>
+    </dgm:scene3d>
+    <dgm:sp3d/>
+    <dgm:txPr/>
+    <dgm:style>
+      <a:lnRef idx="2">
+        <a:scrgbClr r="0" g="0" b="0"/>
+      </a:lnRef>
+      <a:fillRef idx="0">
+        <a:scrgbClr r="0" g="0" b="0"/>
+      </a:fillRef>
+      <a:effectRef idx="0">
+        <a:scrgbClr r="0" g="0" b="0"/>
+      </a:effectRef>
+      <a:fontRef idx="minor"/>
+    </dgm:style>
+  </dgm:styleLbl>
+  <dgm:styleLbl name="parChTrans1D3">
+    <dgm:scene3d>
+      <a:camera prst="orthographicFront"/>
+      <a:lightRig rig="threePt" dir="t"/>
+    </dgm:scene3d>
+    <dgm:sp3d/>
+    <dgm:txPr/>
+    <dgm:style>
+      <a:lnRef idx="2">
+        <a:scrgbClr r="0" g="0" b="0"/>
+      </a:lnRef>
+      <a:fillRef idx="0">
+        <a:scrgbClr r="0" g="0" b="0"/>
+      </a:fillRef>
+      <a:effectRef idx="0">
+        <a:scrgbClr r="0" g="0" b="0"/>
+      </a:effectRef>
+      <a:fontRef idx="minor"/>
+    </dgm:style>
+  </dgm:styleLbl>
+  <dgm:styleLbl name="parChTrans1D4">
+    <dgm:scene3d>
+      <a:camera prst="orthographicFront"/>
+      <a:lightRig rig="threePt" dir="t"/>
+    </dgm:scene3d>
+    <dgm:sp3d/>
+    <dgm:txPr/>
+    <dgm:style>
+      <a:lnRef idx="2">
+        <a:scrgbClr r="0" g="0" b="0"/>
+      </a:lnRef>
+      <a:fillRef idx="0">
+        <a:scrgbClr r="0" g="0" b="0"/>
+      </a:fillRef>
+      <a:effectRef idx="0">
+        <a:scrgbClr r="0" g="0" b="0"/>
+      </a:effectRef>
+      <a:fontRef idx="minor"/>
+    </dgm:style>
+  </dgm:styleLbl>
+  <dgm:styleLbl name="fgAcc1">
+    <dgm:scene3d>
+      <a:camera prst="orthographicFront"/>
+      <a:lightRig rig="threePt" dir="t"/>
+    </dgm:scene3d>
+    <dgm:sp3d/>
+    <dgm:txPr/>
+    <dgm:style>
+      <a:lnRef idx="2">
+        <a:scrgbClr r="0" g="0" b="0"/>
+      </a:lnRef>
+      <a:fillRef idx="1">
+        <a:scrgbClr r="0" g="0" b="0"/>
+      </a:fillRef>
+      <a:effectRef idx="0">
+        <a:scrgbClr r="0" g="0" b="0"/>
+      </a:effectRef>
+      <a:fontRef idx="minor"/>
+    </dgm:style>
+  </dgm:styleLbl>
+  <dgm:styleLbl name="conFgAcc1">
+    <dgm:scene3d>
+      <a:camera prst="orthographicFront"/>
+      <a:lightRig rig="threePt" dir="t"/>
+    </dgm:scene3d>
+    <dgm:sp3d/>
+    <dgm:txPr/>
+    <dgm:style>
+      <a:lnRef idx="2">
+        <a:scrgbClr r="0" g="0" b="0"/>
+      </a:lnRef>
+      <a:fillRef idx="1">
+        <a:scrgbClr r="0" g="0" b="0"/>
+      </a:fillRef>
+      <a:effectRef idx="0">
+        <a:scrgbClr r="0" g="0" b="0"/>
+      </a:effectRef>
+      <a:fontRef idx="minor"/>
+    </dgm:style>
+  </dgm:styleLbl>
+  <dgm:styleLbl name="alignAcc1">
+    <dgm:scene3d>
+      <a:camera prst="orthographicFront"/>
+      <a:lightRig rig="threePt" dir="t"/>
+    </dgm:scene3d>
+    <dgm:sp3d/>
+    <dgm:txPr/>
+    <dgm:style>
+      <a:lnRef idx="2">
+        <a:scrgbClr r="0" g="0" b="0"/>
+      </a:lnRef>
+      <a:fillRef idx="1">
+        <a:scrgbClr r="0" g="0" b="0"/>
+      </a:fillRef>
+      <a:effectRef idx="0">
+        <a:scrgbClr r="0" g="0" b="0"/>
+      </a:effectRef>
+      <a:fontRef idx="minor"/>
+    </dgm:style>
+  </dgm:styleLbl>
+  <dgm:styleLbl name="trAlignAcc1">
+    <dgm:scene3d>
+      <a:camera prst="orthographicFront"/>
+      <a:lightRig rig="threePt" dir="t"/>
+    </dgm:scene3d>
+    <dgm:sp3d/>
+    <dgm:txPr/>
+    <dgm:style>
+      <a:lnRef idx="1">
+        <a:scrgbClr r="0" g="0" b="0"/>
+      </a:lnRef>
+      <a:fillRef idx="1">
+        <a:scrgbClr r="0" g="0" b="0"/>
+      </a:fillRef>
+      <a:effectRef idx="0">
+        <a:scrgbClr r="0" g="0" b="0"/>
+      </a:effectRef>
+      <a:fontRef idx="minor"/>
+    </dgm:style>
+  </dgm:styleLbl>
+  <dgm:styleLbl name="bgAcc1">
+    <dgm:scene3d>
+      <a:camera prst="orthographicFront"/>
+      <a:lightRig rig="threePt" dir="t"/>
+    </dgm:scene3d>
+    <dgm:sp3d/>
+    <dgm:txPr/>
+    <dgm:style>
+      <a:lnRef idx="2">
+        <a:scrgbClr r="0" g="0" b="0"/>
+      </a:lnRef>
+      <a:fillRef idx="1">
+        <a:scrgbClr r="0" g="0" b="0"/>
+      </a:fillRef>
+      <a:effectRef idx="0">
+        <a:scrgbClr r="0" g="0" b="0"/>
+      </a:effectRef>
+      <a:fontRef idx="minor"/>
+    </dgm:style>
+  </dgm:styleLbl>
+  <dgm:styleLbl name="solidFgAcc1">
+    <dgm:scene3d>
+      <a:camera prst="orthographicFront"/>
+      <a:lightRig rig="threePt" dir="t"/>
+    </dgm:scene3d>
+    <dgm:sp3d/>
+    <dgm:txPr/>
+    <dgm:style>
+      <a:lnRef idx="2">
+        <a:scrgbClr r="0" g="0" b="0"/>
+      </a:lnRef>
+      <a:fillRef idx="1">
+        <a:scrgbClr r="0" g="0" b="0"/>
+      </a:fillRef>
+      <a:effectRef idx="0">
+        <a:scrgbClr r="0" g="0" b="0"/>
+      </a:effectRef>
+      <a:fontRef idx="minor"/>
+    </dgm:style>
+  </dgm:styleLbl>
+  <dgm:styleLbl name="solidAlignAcc1">
+    <dgm:scene3d>
+      <a:camera prst="orthographicFront"/>
+      <a:lightRig rig="threePt" dir="t"/>
+    </dgm:scene3d>
+    <dgm:sp3d/>
+    <dgm:txPr/>
+    <dgm:style>
+      <a:lnRef idx="2">
+        <a:scrgbClr r="0" g="0" b="0"/>
+      </a:lnRef>
+      <a:fillRef idx="1">
+        <a:scrgbClr r="0" g="0" b="0"/>
+      </a:fillRef>
+      <a:effectRef idx="0">
+        <a:scrgbClr r="0" g="0" b="0"/>
+      </a:effectRef>
+      <a:fontRef idx="minor"/>
+    </dgm:style>
+  </dgm:styleLbl>
+  <dgm:styleLbl name="solidBgAcc1">
+    <dgm:scene3d>
+      <a:camera prst="orthographicFront"/>
+      <a:lightRig rig="threePt" dir="t"/>
+    </dgm:scene3d>
+    <dgm:sp3d/>
+    <dgm:txPr/>
+    <dgm:style>
+      <a:lnRef idx="2">
+        <a:scrgbClr r="0" g="0" b="0"/>
+      </a:lnRef>
+      <a:fillRef idx="1">
+        <a:scrgbClr r="0" g="0" b="0"/>
+      </a:fillRef>
+      <a:effectRef idx="0">
+        <a:scrgbClr r="0" g="0" b="0"/>
+      </a:effectRef>
+      <a:fontRef idx="minor"/>
+    </dgm:style>
+  </dgm:styleLbl>
+  <dgm:styleLbl name="fgAccFollowNode1">
+    <dgm:scene3d>
+      <a:camera prst="orthographicFront"/>
+      <a:lightRig rig="threePt" dir="t"/>
+    </dgm:scene3d>
+    <dgm:sp3d/>
+    <dgm:txPr/>
+    <dgm:style>
+      <a:lnRef idx="2">
+        <a:scrgbClr r="0" g="0" b="0"/>
+      </a:lnRef>
+      <a:fillRef idx="1">
+        <a:scrgbClr r="0" g="0" b="0"/>
+      </a:fillRef>
+      <a:effectRef idx="0">
+        <a:scrgbClr r="0" g="0" b="0"/>
+      </a:effectRef>
+      <a:fontRef idx="minor"/>
+    </dgm:style>
+  </dgm:styleLbl>
+  <dgm:styleLbl name="alignAccFollowNode1">
+    <dgm:scene3d>
+      <a:camera prst="orthographicFront"/>
+      <a:lightRig rig="threePt" dir="t"/>
+    </dgm:scene3d>
+    <dgm:sp3d/>
+    <dgm:txPr/>
+    <dgm:style>
+      <a:lnRef idx="2">
+        <a:scrgbClr r="0" g="0" b="0"/>
+      </a:lnRef>
+      <a:fillRef idx="1">
+        <a:scrgbClr r="0" g="0" b="0"/>
+      </a:fillRef>
+      <a:effectRef idx="0">
+        <a:scrgbClr r="0" g="0" b="0"/>
+      </a:effectRef>
+      <a:fontRef idx="minor"/>
+    </dgm:style>
+  </dgm:styleLbl>
+  <dgm:styleLbl name="bgAccFollowNode1">
+    <dgm:scene3d>
+      <a:camera prst="orthographicFront"/>
+      <a:lightRig rig="threePt" dir="t"/>
+    </dgm:scene3d>
+    <dgm:sp3d/>
+    <dgm:txPr/>
+    <dgm:style>
+      <a:lnRef idx="2">
+        <a:scrgbClr r="0" g="0" b="0"/>
+      </a:lnRef>
+      <a:fillRef idx="1">
+        <a:scrgbClr r="0" g="0" b="0"/>
+      </a:fillRef>
+      <a:effectRef idx="0">
+        <a:scrgbClr r="0" g="0" b="0"/>
+      </a:effectRef>
+      <a:fontRef idx="minor"/>
+    </dgm:style>
+  </dgm:styleLbl>
+  <dgm:styleLbl name="fgAcc0">
+    <dgm:scene3d>
+      <a:camera prst="orthographicFront"/>
+      <a:lightRig rig="threePt" dir="t"/>
+    </dgm:scene3d>
+    <dgm:sp3d/>
+    <dgm:txPr/>
+    <dgm:style>
+      <a:lnRef idx="2">
+        <a:scrgbClr r="0" g="0" b="0"/>
+      </a:lnRef>
+      <a:fillRef idx="1">
+        <a:scrgbClr r="0" g="0" b="0"/>
+      </a:fillRef>
+      <a:effectRef idx="0">
+        <a:scrgbClr r="0" g="0" b="0"/>
+      </a:effectRef>
+      <a:fontRef idx="minor"/>
+    </dgm:style>
+  </dgm:styleLbl>
+  <dgm:styleLbl name="fgAcc2">
+    <dgm:scene3d>
+      <a:camera prst="orthographicFront"/>
+      <a:lightRig rig="threePt" dir="t"/>
+    </dgm:scene3d>
+    <dgm:sp3d/>
+    <dgm:txPr/>
+    <dgm:style>
+      <a:lnRef idx="2">
+        <a:scrgbClr r="0" g="0" b="0"/>
+      </a:lnRef>
+      <a:fillRef idx="1">
+        <a:scrgbClr r="0" g="0" b="0"/>
+      </a:fillRef>
+      <a:effectRef idx="0">
+        <a:scrgbClr r="0" g="0" b="0"/>
+      </a:effectRef>
+      <a:fontRef idx="minor"/>
+    </dgm:style>
+  </dgm:styleLbl>
+  <dgm:styleLbl name="fgAcc3">
+    <dgm:scene3d>
+      <a:camera prst="orthographicFront"/>
+      <a:lightRig rig="threePt" dir="t"/>
+    </dgm:scene3d>
+    <dgm:sp3d/>
+    <dgm:txPr/>
+    <dgm:style>
+      <a:lnRef idx="2">
+        <a:scrgbClr r="0" g="0" b="0"/>
+      </a:lnRef>
+      <a:fillRef idx="1">
+        <a:scrgbClr r="0" g="0" b="0"/>
+      </a:fillRef>
+      <a:effectRef idx="0">
+        <a:scrgbClr r="0" g="0" b="0"/>
+      </a:effectRef>
+      <a:fontRef idx="minor"/>
+    </dgm:style>
+  </dgm:styleLbl>
+  <dgm:styleLbl name="fgAcc4">
+    <dgm:scene3d>
+      <a:camera prst="orthographicFront"/>
+      <a:lightRig rig="threePt" dir="t"/>
+    </dgm:scene3d>
+    <dgm:sp3d/>
+    <dgm:txPr/>
+    <dgm:style>
+      <a:lnRef idx="2">
+        <a:scrgbClr r="0" g="0" b="0"/>
+      </a:lnRef>
+      <a:fillRef idx="1">
+        <a:scrgbClr r="0" g="0" b="0"/>
+      </a:fillRef>
+      <a:effectRef idx="0">
+        <a:scrgbClr r="0" g="0" b="0"/>
+      </a:effectRef>
+      <a:fontRef idx="minor"/>
+    </dgm:style>
+  </dgm:styleLbl>
+  <dgm:styleLbl name="bgShp">
+    <dgm:scene3d>
+      <a:camera prst="orthographicFront"/>
+      <a:lightRig rig="threePt" dir="t"/>
+    </dgm:scene3d>
+    <dgm:sp3d/>
+    <dgm:txPr/>
+    <dgm:style>
+      <a:lnRef idx="0">
+        <a:scrgbClr r="0" g="0" b="0"/>
+      </a:lnRef>
+      <a:fillRef idx="1">
+        <a:scrgbClr r="0" g="0" b="0"/>
+      </a:fillRef>
+      <a:effectRef idx="0">
+        <a:scrgbClr r="0" g="0" b="0"/>
+      </a:effectRef>
+      <a:fontRef idx="minor"/>
+    </dgm:style>
+  </dgm:styleLbl>
+  <dgm:styleLbl name="dkBgShp">
+    <dgm:scene3d>
+      <a:camera prst="orthographicFront"/>
+      <a:lightRig rig="threePt" dir="t"/>
+    </dgm:scene3d>
+    <dgm:sp3d/>
+    <dgm:txPr/>
+    <dgm:style>
+      <a:lnRef idx="0">
+        <a:scrgbClr r="0" g="0" b="0"/>
+      </a:lnRef>
+      <a:fillRef idx="1">
+        <a:scrgbClr r="0" g="0" b="0"/>
+      </a:fillRef>
+      <a:effectRef idx="0">
+        <a:scrgbClr r="0" g="0" b="0"/>
+      </a:effectRef>
+      <a:fontRef idx="minor"/>
+    </dgm:style>
+  </dgm:styleLbl>
+  <dgm:styleLbl name="trBgShp">
+    <dgm:scene3d>
+      <a:camera prst="orthographicFront"/>
+      <a:lightRig rig="threePt" dir="t"/>
+    </dgm:scene3d>
+    <dgm:sp3d/>
+    <dgm:txPr/>
+    <dgm:style>
+      <a:lnRef idx="0">
+        <a:scrgbClr r="0" g="0" b="0"/>
+      </a:lnRef>
+      <a:fillRef idx="1">
+        <a:scrgbClr r="0" g="0" b="0"/>
+      </a:fillRef>
+      <a:effectRef idx="0">
+        <a:scrgbClr r="0" g="0" b="0"/>
+      </a:effectRef>
+      <a:fontRef idx="minor"/>
+    </dgm:style>
+  </dgm:styleLbl>
+  <dgm:styleLbl name="fgShp">
+    <dgm:scene3d>
+      <a:camera prst="orthographicFront"/>
+      <a:lightRig rig="threePt" dir="t"/>
+    </dgm:scene3d>
+    <dgm:sp3d/>
+    <dgm:txPr/>
+    <dgm:style>
+      <a:lnRef idx="2">
+        <a:scrgbClr r="0" g="0" b="0"/>
+      </a:lnRef>
+      <a:fillRef idx="1">
+        <a:scrgbClr r="0" g="0" b="0"/>
+      </a:fillRef>
+      <a:effectRef idx="0">
+        <a:scrgbClr r="0" g="0" b="0"/>
+      </a:effectRef>
+      <a:fontRef idx="minor"/>
+    </dgm:style>
+  </dgm:styleLbl>
+  <dgm:styleLbl name="revTx">
+    <dgm:scene3d>
+      <a:camera prst="orthographicFront"/>
+      <a:lightRig rig="threePt" dir="t"/>
+    </dgm:scene3d>
+    <dgm:sp3d/>
+    <dgm:txPr/>
+    <dgm:style>
+      <a:lnRef idx="0">
+        <a:scrgbClr r="0" g="0" b="0"/>
+      </a:lnRef>
+      <a:fillRef idx="0">
+        <a:scrgbClr r="0" g="0" b="0"/>
+      </a:fillRef>
+      <a:effectRef idx="0">
+        <a:scrgbClr r="0" g="0" b="0"/>
+      </a:effectRef>
+      <a:fontRef idx="minor"/>
+    </dgm:style>
+  </dgm:styleLbl>
+</dgm:styleDef>
 </file>
 
 <file path=ppt/slideLayouts/slideLayout1.xml><?xml version="1.0" encoding="utf-8"?>
@@ -354,13 +7079,7 @@
       </p:grpSpPr>
       <p:sp>
         <p:nvSpPr>
-          <p:cNvPr id="2" name="Title 1">
-            <a:extLst>
-              <a:ext uri="{FF2B5EF4-FFF2-40B4-BE49-F238E27FC236}">
-                <a16:creationId xmlns:a16="http://schemas.microsoft.com/office/drawing/2014/main" id="{0D61FCAA-3047-C24B-9474-AFA490FF92E8}"/>
-              </a:ext>
-            </a:extLst>
-          </p:cNvPr>
+          <p:cNvPr id="2" name="Title 1"/>
           <p:cNvSpPr>
             <a:spLocks noGrp="1"/>
           </p:cNvSpPr>
@@ -386,18 +7105,13 @@
               <a:rPr lang="en-US"/>
               <a:t>Click to edit Master title style</a:t>
             </a:r>
+            <a:endParaRPr lang="en-US" dirty="0"/>
           </a:p>
         </p:txBody>
       </p:sp>
       <p:sp>
         <p:nvSpPr>
-          <p:cNvPr id="3" name="Subtitle 2">
-            <a:extLst>
-              <a:ext uri="{FF2B5EF4-FFF2-40B4-BE49-F238E27FC236}">
-                <a16:creationId xmlns:a16="http://schemas.microsoft.com/office/drawing/2014/main" id="{0CC52851-FF01-1641-89AE-195F896742E1}"/>
-              </a:ext>
-            </a:extLst>
-          </p:cNvPr>
+          <p:cNvPr id="3" name="Subtitle 2"/>
           <p:cNvSpPr>
             <a:spLocks noGrp="1"/>
           </p:cNvSpPr>
@@ -456,18 +7170,13 @@
               <a:rPr lang="en-US"/>
               <a:t>Click to edit Master subtitle style</a:t>
             </a:r>
+            <a:endParaRPr lang="en-US" dirty="0"/>
           </a:p>
         </p:txBody>
       </p:sp>
       <p:sp>
         <p:nvSpPr>
-          <p:cNvPr id="4" name="Date Placeholder 3">
-            <a:extLst>
-              <a:ext uri="{FF2B5EF4-FFF2-40B4-BE49-F238E27FC236}">
-                <a16:creationId xmlns:a16="http://schemas.microsoft.com/office/drawing/2014/main" id="{A30306FD-E178-BE46-97DC-56DDB70DFD5D}"/>
-              </a:ext>
-            </a:extLst>
-          </p:cNvPr>
+          <p:cNvPr id="4" name="Date Placeholder 3"/>
           <p:cNvSpPr>
             <a:spLocks noGrp="1"/>
           </p:cNvSpPr>
@@ -482,7 +7191,7 @@
           <a:p>
             <a:fld id="{490ECCF8-5CBE-A844-BD63-A953A4DC8596}" type="datetimeFigureOut">
               <a:rPr lang="en-US" smtClean="0"/>
-              <a:t>12/10/21</a:t>
+              <a:t>12/17/21</a:t>
             </a:fld>
             <a:endParaRPr lang="en-US"/>
           </a:p>
@@ -490,13 +7199,7 @@
       </p:sp>
       <p:sp>
         <p:nvSpPr>
-          <p:cNvPr id="5" name="Footer Placeholder 4">
-            <a:extLst>
-              <a:ext uri="{FF2B5EF4-FFF2-40B4-BE49-F238E27FC236}">
-                <a16:creationId xmlns:a16="http://schemas.microsoft.com/office/drawing/2014/main" id="{F0F31B42-A711-D742-B1D3-4EB15043E0CF}"/>
-              </a:ext>
-            </a:extLst>
-          </p:cNvPr>
+          <p:cNvPr id="5" name="Footer Placeholder 4"/>
           <p:cNvSpPr>
             <a:spLocks noGrp="1"/>
           </p:cNvSpPr>
@@ -515,13 +7218,7 @@
       </p:sp>
       <p:sp>
         <p:nvSpPr>
-          <p:cNvPr id="6" name="Slide Number Placeholder 5">
-            <a:extLst>
-              <a:ext uri="{FF2B5EF4-FFF2-40B4-BE49-F238E27FC236}">
-                <a16:creationId xmlns:a16="http://schemas.microsoft.com/office/drawing/2014/main" id="{B240F3F0-E48C-8F4D-A3D4-D4706BA25010}"/>
-              </a:ext>
-            </a:extLst>
-          </p:cNvPr>
+          <p:cNvPr id="6" name="Slide Number Placeholder 5"/>
           <p:cNvSpPr>
             <a:spLocks noGrp="1"/>
           </p:cNvSpPr>
@@ -545,7 +7242,7 @@
     </p:spTree>
     <p:extLst>
       <p:ext uri="{BB962C8B-B14F-4D97-AF65-F5344CB8AC3E}">
-        <p14:creationId xmlns:p14="http://schemas.microsoft.com/office/powerpoint/2010/main" val="3439192527"/>
+        <p14:creationId xmlns:p14="http://schemas.microsoft.com/office/powerpoint/2010/main" val="2232449037"/>
       </p:ext>
     </p:extLst>
   </p:cSld>
@@ -574,13 +7271,7 @@
       </p:grpSpPr>
       <p:sp>
         <p:nvSpPr>
-          <p:cNvPr id="2" name="Title 1">
-            <a:extLst>
-              <a:ext uri="{FF2B5EF4-FFF2-40B4-BE49-F238E27FC236}">
-                <a16:creationId xmlns:a16="http://schemas.microsoft.com/office/drawing/2014/main" id="{CFE6ED7D-3876-534C-8AB1-A17FF3AD3B19}"/>
-              </a:ext>
-            </a:extLst>
-          </p:cNvPr>
+          <p:cNvPr id="2" name="Title 1"/>
           <p:cNvSpPr>
             <a:spLocks noGrp="1"/>
           </p:cNvSpPr>
@@ -597,18 +7288,13 @@
               <a:rPr lang="en-US"/>
               <a:t>Click to edit Master title style</a:t>
             </a:r>
+            <a:endParaRPr lang="en-US" dirty="0"/>
           </a:p>
         </p:txBody>
       </p:sp>
       <p:sp>
         <p:nvSpPr>
-          <p:cNvPr id="3" name="Vertical Text Placeholder 2">
-            <a:extLst>
-              <a:ext uri="{FF2B5EF4-FFF2-40B4-BE49-F238E27FC236}">
-                <a16:creationId xmlns:a16="http://schemas.microsoft.com/office/drawing/2014/main" id="{3474F3BC-0651-FB4E-9B04-C5E2F16D23D5}"/>
-              </a:ext>
-            </a:extLst>
-          </p:cNvPr>
+          <p:cNvPr id="3" name="Vertical Text Placeholder 2"/>
           <p:cNvSpPr>
             <a:spLocks noGrp="1"/>
           </p:cNvSpPr>
@@ -654,18 +7340,13 @@
               <a:rPr lang="en-US"/>
               <a:t>Fifth level</a:t>
             </a:r>
+            <a:endParaRPr lang="en-US" dirty="0"/>
           </a:p>
         </p:txBody>
       </p:sp>
       <p:sp>
         <p:nvSpPr>
-          <p:cNvPr id="4" name="Date Placeholder 3">
-            <a:extLst>
-              <a:ext uri="{FF2B5EF4-FFF2-40B4-BE49-F238E27FC236}">
-                <a16:creationId xmlns:a16="http://schemas.microsoft.com/office/drawing/2014/main" id="{E8138955-51A8-AA49-A8DE-B4CB87662CA1}"/>
-              </a:ext>
-            </a:extLst>
-          </p:cNvPr>
+          <p:cNvPr id="4" name="Date Placeholder 3"/>
           <p:cNvSpPr>
             <a:spLocks noGrp="1"/>
           </p:cNvSpPr>
@@ -680,7 +7361,7 @@
           <a:p>
             <a:fld id="{490ECCF8-5CBE-A844-BD63-A953A4DC8596}" type="datetimeFigureOut">
               <a:rPr lang="en-US" smtClean="0"/>
-              <a:t>12/10/21</a:t>
+              <a:t>12/17/21</a:t>
             </a:fld>
             <a:endParaRPr lang="en-US"/>
           </a:p>
@@ -688,13 +7369,7 @@
       </p:sp>
       <p:sp>
         <p:nvSpPr>
-          <p:cNvPr id="5" name="Footer Placeholder 4">
-            <a:extLst>
-              <a:ext uri="{FF2B5EF4-FFF2-40B4-BE49-F238E27FC236}">
-                <a16:creationId xmlns:a16="http://schemas.microsoft.com/office/drawing/2014/main" id="{DFE3AF0C-9CE2-5C43-B0D1-15757EF7974D}"/>
-              </a:ext>
-            </a:extLst>
-          </p:cNvPr>
+          <p:cNvPr id="5" name="Footer Placeholder 4"/>
           <p:cNvSpPr>
             <a:spLocks noGrp="1"/>
           </p:cNvSpPr>
@@ -713,13 +7388,7 @@
       </p:sp>
       <p:sp>
         <p:nvSpPr>
-          <p:cNvPr id="6" name="Slide Number Placeholder 5">
-            <a:extLst>
-              <a:ext uri="{FF2B5EF4-FFF2-40B4-BE49-F238E27FC236}">
-                <a16:creationId xmlns:a16="http://schemas.microsoft.com/office/drawing/2014/main" id="{FFAED005-5CA0-F74D-BE9C-1BE1352D173D}"/>
-              </a:ext>
-            </a:extLst>
-          </p:cNvPr>
+          <p:cNvPr id="6" name="Slide Number Placeholder 5"/>
           <p:cNvSpPr>
             <a:spLocks noGrp="1"/>
           </p:cNvSpPr>
@@ -743,7 +7412,7 @@
     </p:spTree>
     <p:extLst>
       <p:ext uri="{BB962C8B-B14F-4D97-AF65-F5344CB8AC3E}">
-        <p14:creationId xmlns:p14="http://schemas.microsoft.com/office/powerpoint/2010/main" val="1062098709"/>
+        <p14:creationId xmlns:p14="http://schemas.microsoft.com/office/powerpoint/2010/main" val="3903920139"/>
       </p:ext>
     </p:extLst>
   </p:cSld>
@@ -772,13 +7441,7 @@
       </p:grpSpPr>
       <p:sp>
         <p:nvSpPr>
-          <p:cNvPr id="2" name="Vertical Title 1">
-            <a:extLst>
-              <a:ext uri="{FF2B5EF4-FFF2-40B4-BE49-F238E27FC236}">
-                <a16:creationId xmlns:a16="http://schemas.microsoft.com/office/drawing/2014/main" id="{712E9CEC-7B00-7840-AFF1-003C215E97D4}"/>
-              </a:ext>
-            </a:extLst>
-          </p:cNvPr>
+          <p:cNvPr id="2" name="Vertical Title 1"/>
           <p:cNvSpPr>
             <a:spLocks noGrp="1"/>
           </p:cNvSpPr>
@@ -800,18 +7463,13 @@
               <a:rPr lang="en-US"/>
               <a:t>Click to edit Master title style</a:t>
             </a:r>
+            <a:endParaRPr lang="en-US" dirty="0"/>
           </a:p>
         </p:txBody>
       </p:sp>
       <p:sp>
         <p:nvSpPr>
-          <p:cNvPr id="3" name="Vertical Text Placeholder 2">
-            <a:extLst>
-              <a:ext uri="{FF2B5EF4-FFF2-40B4-BE49-F238E27FC236}">
-                <a16:creationId xmlns:a16="http://schemas.microsoft.com/office/drawing/2014/main" id="{483A78C5-8707-424A-9EFF-7084F0C92F2E}"/>
-              </a:ext>
-            </a:extLst>
-          </p:cNvPr>
+          <p:cNvPr id="3" name="Vertical Text Placeholder 2"/>
           <p:cNvSpPr>
             <a:spLocks noGrp="1"/>
           </p:cNvSpPr>
@@ -862,18 +7520,13 @@
               <a:rPr lang="en-US"/>
               <a:t>Fifth level</a:t>
             </a:r>
+            <a:endParaRPr lang="en-US" dirty="0"/>
           </a:p>
         </p:txBody>
       </p:sp>
       <p:sp>
         <p:nvSpPr>
-          <p:cNvPr id="4" name="Date Placeholder 3">
-            <a:extLst>
-              <a:ext uri="{FF2B5EF4-FFF2-40B4-BE49-F238E27FC236}">
-                <a16:creationId xmlns:a16="http://schemas.microsoft.com/office/drawing/2014/main" id="{1F029BA4-0214-B54D-A10B-E6C80DB5CE7D}"/>
-              </a:ext>
-            </a:extLst>
-          </p:cNvPr>
+          <p:cNvPr id="4" name="Date Placeholder 3"/>
           <p:cNvSpPr>
             <a:spLocks noGrp="1"/>
           </p:cNvSpPr>
@@ -888,7 +7541,7 @@
           <a:p>
             <a:fld id="{490ECCF8-5CBE-A844-BD63-A953A4DC8596}" type="datetimeFigureOut">
               <a:rPr lang="en-US" smtClean="0"/>
-              <a:t>12/10/21</a:t>
+              <a:t>12/17/21</a:t>
             </a:fld>
             <a:endParaRPr lang="en-US"/>
           </a:p>
@@ -896,13 +7549,7 @@
       </p:sp>
       <p:sp>
         <p:nvSpPr>
-          <p:cNvPr id="5" name="Footer Placeholder 4">
-            <a:extLst>
-              <a:ext uri="{FF2B5EF4-FFF2-40B4-BE49-F238E27FC236}">
-                <a16:creationId xmlns:a16="http://schemas.microsoft.com/office/drawing/2014/main" id="{31400417-6EB1-324B-97DA-4B97D0C5372A}"/>
-              </a:ext>
-            </a:extLst>
-          </p:cNvPr>
+          <p:cNvPr id="5" name="Footer Placeholder 4"/>
           <p:cNvSpPr>
             <a:spLocks noGrp="1"/>
           </p:cNvSpPr>
@@ -921,13 +7568,7 @@
       </p:sp>
       <p:sp>
         <p:nvSpPr>
-          <p:cNvPr id="6" name="Slide Number Placeholder 5">
-            <a:extLst>
-              <a:ext uri="{FF2B5EF4-FFF2-40B4-BE49-F238E27FC236}">
-                <a16:creationId xmlns:a16="http://schemas.microsoft.com/office/drawing/2014/main" id="{CF0439F9-2012-BC4E-B26D-9AB0A714CB22}"/>
-              </a:ext>
-            </a:extLst>
-          </p:cNvPr>
+          <p:cNvPr id="6" name="Slide Number Placeholder 5"/>
           <p:cNvSpPr>
             <a:spLocks noGrp="1"/>
           </p:cNvSpPr>
@@ -951,7 +7592,7 @@
     </p:spTree>
     <p:extLst>
       <p:ext uri="{BB962C8B-B14F-4D97-AF65-F5344CB8AC3E}">
-        <p14:creationId xmlns:p14="http://schemas.microsoft.com/office/powerpoint/2010/main" val="1088818696"/>
+        <p14:creationId xmlns:p14="http://schemas.microsoft.com/office/powerpoint/2010/main" val="2094828835"/>
       </p:ext>
     </p:extLst>
   </p:cSld>
@@ -980,13 +7621,7 @@
       </p:grpSpPr>
       <p:sp>
         <p:nvSpPr>
-          <p:cNvPr id="2" name="Title 1">
-            <a:extLst>
-              <a:ext uri="{FF2B5EF4-FFF2-40B4-BE49-F238E27FC236}">
-                <a16:creationId xmlns:a16="http://schemas.microsoft.com/office/drawing/2014/main" id="{30DC873E-C05E-8845-AC3E-2FD55DFB0A72}"/>
-              </a:ext>
-            </a:extLst>
-          </p:cNvPr>
+          <p:cNvPr id="2" name="Title 1"/>
           <p:cNvSpPr>
             <a:spLocks noGrp="1"/>
           </p:cNvSpPr>
@@ -1003,18 +7638,13 @@
               <a:rPr lang="en-US"/>
               <a:t>Click to edit Master title style</a:t>
             </a:r>
+            <a:endParaRPr lang="en-US" dirty="0"/>
           </a:p>
         </p:txBody>
       </p:sp>
       <p:sp>
         <p:nvSpPr>
-          <p:cNvPr id="3" name="Content Placeholder 2">
-            <a:extLst>
-              <a:ext uri="{FF2B5EF4-FFF2-40B4-BE49-F238E27FC236}">
-                <a16:creationId xmlns:a16="http://schemas.microsoft.com/office/drawing/2014/main" id="{812B5EA7-E633-9948-93A9-187FB34B8D25}"/>
-              </a:ext>
-            </a:extLst>
-          </p:cNvPr>
+          <p:cNvPr id="3" name="Content Placeholder 2"/>
           <p:cNvSpPr>
             <a:spLocks noGrp="1"/>
           </p:cNvSpPr>
@@ -1060,18 +7690,13 @@
               <a:rPr lang="en-US"/>
               <a:t>Fifth level</a:t>
             </a:r>
+            <a:endParaRPr lang="en-US" dirty="0"/>
           </a:p>
         </p:txBody>
       </p:sp>
       <p:sp>
         <p:nvSpPr>
-          <p:cNvPr id="4" name="Date Placeholder 3">
-            <a:extLst>
-              <a:ext uri="{FF2B5EF4-FFF2-40B4-BE49-F238E27FC236}">
-                <a16:creationId xmlns:a16="http://schemas.microsoft.com/office/drawing/2014/main" id="{7D818EED-E60B-434E-8443-9ABA49B45246}"/>
-              </a:ext>
-            </a:extLst>
-          </p:cNvPr>
+          <p:cNvPr id="4" name="Date Placeholder 3"/>
           <p:cNvSpPr>
             <a:spLocks noGrp="1"/>
           </p:cNvSpPr>
@@ -1086,7 +7711,7 @@
           <a:p>
             <a:fld id="{490ECCF8-5CBE-A844-BD63-A953A4DC8596}" type="datetimeFigureOut">
               <a:rPr lang="en-US" smtClean="0"/>
-              <a:t>12/10/21</a:t>
+              <a:t>12/17/21</a:t>
             </a:fld>
             <a:endParaRPr lang="en-US"/>
           </a:p>
@@ -1094,13 +7719,7 @@
       </p:sp>
       <p:sp>
         <p:nvSpPr>
-          <p:cNvPr id="5" name="Footer Placeholder 4">
-            <a:extLst>
-              <a:ext uri="{FF2B5EF4-FFF2-40B4-BE49-F238E27FC236}">
-                <a16:creationId xmlns:a16="http://schemas.microsoft.com/office/drawing/2014/main" id="{AE407A23-516A-3340-944D-BD18855B9495}"/>
-              </a:ext>
-            </a:extLst>
-          </p:cNvPr>
+          <p:cNvPr id="5" name="Footer Placeholder 4"/>
           <p:cNvSpPr>
             <a:spLocks noGrp="1"/>
           </p:cNvSpPr>
@@ -1119,13 +7738,7 @@
       </p:sp>
       <p:sp>
         <p:nvSpPr>
-          <p:cNvPr id="6" name="Slide Number Placeholder 5">
-            <a:extLst>
-              <a:ext uri="{FF2B5EF4-FFF2-40B4-BE49-F238E27FC236}">
-                <a16:creationId xmlns:a16="http://schemas.microsoft.com/office/drawing/2014/main" id="{FACE98D4-2E25-2D44-91D6-DEE660A36AC0}"/>
-              </a:ext>
-            </a:extLst>
-          </p:cNvPr>
+          <p:cNvPr id="6" name="Slide Number Placeholder 5"/>
           <p:cNvSpPr>
             <a:spLocks noGrp="1"/>
           </p:cNvSpPr>
@@ -1149,7 +7762,7 @@
     </p:spTree>
     <p:extLst>
       <p:ext uri="{BB962C8B-B14F-4D97-AF65-F5344CB8AC3E}">
-        <p14:creationId xmlns:p14="http://schemas.microsoft.com/office/powerpoint/2010/main" val="3500003538"/>
+        <p14:creationId xmlns:p14="http://schemas.microsoft.com/office/powerpoint/2010/main" val="1980671625"/>
       </p:ext>
     </p:extLst>
   </p:cSld>
@@ -1178,13 +7791,7 @@
       </p:grpSpPr>
       <p:sp>
         <p:nvSpPr>
-          <p:cNvPr id="2" name="Title 1">
-            <a:extLst>
-              <a:ext uri="{FF2B5EF4-FFF2-40B4-BE49-F238E27FC236}">
-                <a16:creationId xmlns:a16="http://schemas.microsoft.com/office/drawing/2014/main" id="{AB971831-33FA-E040-A88A-BED7607B34E6}"/>
-              </a:ext>
-            </a:extLst>
-          </p:cNvPr>
+          <p:cNvPr id="2" name="Title 1"/>
           <p:cNvSpPr>
             <a:spLocks noGrp="1"/>
           </p:cNvSpPr>
@@ -1210,18 +7817,13 @@
               <a:rPr lang="en-US"/>
               <a:t>Click to edit Master title style</a:t>
             </a:r>
+            <a:endParaRPr lang="en-US" dirty="0"/>
           </a:p>
         </p:txBody>
       </p:sp>
       <p:sp>
         <p:nvSpPr>
-          <p:cNvPr id="3" name="Text Placeholder 2">
-            <a:extLst>
-              <a:ext uri="{FF2B5EF4-FFF2-40B4-BE49-F238E27FC236}">
-                <a16:creationId xmlns:a16="http://schemas.microsoft.com/office/drawing/2014/main" id="{27655E02-748F-DE47-98F1-FCE27368F74A}"/>
-              </a:ext>
-            </a:extLst>
-          </p:cNvPr>
+          <p:cNvPr id="3" name="Text Placeholder 2"/>
           <p:cNvSpPr>
             <a:spLocks noGrp="1"/>
           </p:cNvSpPr>
@@ -1340,13 +7942,7 @@
       </p:sp>
       <p:sp>
         <p:nvSpPr>
-          <p:cNvPr id="4" name="Date Placeholder 3">
-            <a:extLst>
-              <a:ext uri="{FF2B5EF4-FFF2-40B4-BE49-F238E27FC236}">
-                <a16:creationId xmlns:a16="http://schemas.microsoft.com/office/drawing/2014/main" id="{3A2634FB-2071-A244-A6AB-14F887101A14}"/>
-              </a:ext>
-            </a:extLst>
-          </p:cNvPr>
+          <p:cNvPr id="4" name="Date Placeholder 3"/>
           <p:cNvSpPr>
             <a:spLocks noGrp="1"/>
           </p:cNvSpPr>
@@ -1361,7 +7957,7 @@
           <a:p>
             <a:fld id="{490ECCF8-5CBE-A844-BD63-A953A4DC8596}" type="datetimeFigureOut">
               <a:rPr lang="en-US" smtClean="0"/>
-              <a:t>12/10/21</a:t>
+              <a:t>12/17/21</a:t>
             </a:fld>
             <a:endParaRPr lang="en-US"/>
           </a:p>
@@ -1369,13 +7965,7 @@
       </p:sp>
       <p:sp>
         <p:nvSpPr>
-          <p:cNvPr id="5" name="Footer Placeholder 4">
-            <a:extLst>
-              <a:ext uri="{FF2B5EF4-FFF2-40B4-BE49-F238E27FC236}">
-                <a16:creationId xmlns:a16="http://schemas.microsoft.com/office/drawing/2014/main" id="{4F3B5991-F1EC-4D4C-BD54-34FB9533B787}"/>
-              </a:ext>
-            </a:extLst>
-          </p:cNvPr>
+          <p:cNvPr id="5" name="Footer Placeholder 4"/>
           <p:cNvSpPr>
             <a:spLocks noGrp="1"/>
           </p:cNvSpPr>
@@ -1394,13 +7984,7 @@
       </p:sp>
       <p:sp>
         <p:nvSpPr>
-          <p:cNvPr id="6" name="Slide Number Placeholder 5">
-            <a:extLst>
-              <a:ext uri="{FF2B5EF4-FFF2-40B4-BE49-F238E27FC236}">
-                <a16:creationId xmlns:a16="http://schemas.microsoft.com/office/drawing/2014/main" id="{99868427-0032-4C40-A99A-82ADC11C85DA}"/>
-              </a:ext>
-            </a:extLst>
-          </p:cNvPr>
+          <p:cNvPr id="6" name="Slide Number Placeholder 5"/>
           <p:cNvSpPr>
             <a:spLocks noGrp="1"/>
           </p:cNvSpPr>
@@ -1424,7 +8008,7 @@
     </p:spTree>
     <p:extLst>
       <p:ext uri="{BB962C8B-B14F-4D97-AF65-F5344CB8AC3E}">
-        <p14:creationId xmlns:p14="http://schemas.microsoft.com/office/powerpoint/2010/main" val="573192667"/>
+        <p14:creationId xmlns:p14="http://schemas.microsoft.com/office/powerpoint/2010/main" val="3652932729"/>
       </p:ext>
     </p:extLst>
   </p:cSld>
@@ -1453,13 +8037,7 @@
       </p:grpSpPr>
       <p:sp>
         <p:nvSpPr>
-          <p:cNvPr id="2" name="Title 1">
-            <a:extLst>
-              <a:ext uri="{FF2B5EF4-FFF2-40B4-BE49-F238E27FC236}">
-                <a16:creationId xmlns:a16="http://schemas.microsoft.com/office/drawing/2014/main" id="{3D9D1065-A1B1-D44A-8D44-A53BB1F1F8E2}"/>
-              </a:ext>
-            </a:extLst>
-          </p:cNvPr>
+          <p:cNvPr id="2" name="Title 1"/>
           <p:cNvSpPr>
             <a:spLocks noGrp="1"/>
           </p:cNvSpPr>
@@ -1476,18 +8054,13 @@
               <a:rPr lang="en-US"/>
               <a:t>Click to edit Master title style</a:t>
             </a:r>
+            <a:endParaRPr lang="en-US" dirty="0"/>
           </a:p>
         </p:txBody>
       </p:sp>
       <p:sp>
         <p:nvSpPr>
-          <p:cNvPr id="3" name="Content Placeholder 2">
-            <a:extLst>
-              <a:ext uri="{FF2B5EF4-FFF2-40B4-BE49-F238E27FC236}">
-                <a16:creationId xmlns:a16="http://schemas.microsoft.com/office/drawing/2014/main" id="{624A4CDF-154F-8148-B083-0CBF1DB1577E}"/>
-              </a:ext>
-            </a:extLst>
-          </p:cNvPr>
+          <p:cNvPr id="3" name="Content Placeholder 2"/>
           <p:cNvSpPr>
             <a:spLocks noGrp="1"/>
           </p:cNvSpPr>
@@ -1538,18 +8111,13 @@
               <a:rPr lang="en-US"/>
               <a:t>Fifth level</a:t>
             </a:r>
+            <a:endParaRPr lang="en-US" dirty="0"/>
           </a:p>
         </p:txBody>
       </p:sp>
       <p:sp>
         <p:nvSpPr>
-          <p:cNvPr id="4" name="Content Placeholder 3">
-            <a:extLst>
-              <a:ext uri="{FF2B5EF4-FFF2-40B4-BE49-F238E27FC236}">
-                <a16:creationId xmlns:a16="http://schemas.microsoft.com/office/drawing/2014/main" id="{D05887F5-8FB0-3E40-898F-94DAAE030EFA}"/>
-              </a:ext>
-            </a:extLst>
-          </p:cNvPr>
+          <p:cNvPr id="4" name="Content Placeholder 3"/>
           <p:cNvSpPr>
             <a:spLocks noGrp="1"/>
           </p:cNvSpPr>
@@ -1600,18 +8168,13 @@
               <a:rPr lang="en-US"/>
               <a:t>Fifth level</a:t>
             </a:r>
+            <a:endParaRPr lang="en-US" dirty="0"/>
           </a:p>
         </p:txBody>
       </p:sp>
       <p:sp>
         <p:nvSpPr>
-          <p:cNvPr id="5" name="Date Placeholder 4">
-            <a:extLst>
-              <a:ext uri="{FF2B5EF4-FFF2-40B4-BE49-F238E27FC236}">
-                <a16:creationId xmlns:a16="http://schemas.microsoft.com/office/drawing/2014/main" id="{8B63C6D7-6A89-874D-BD20-01E2BC197DF8}"/>
-              </a:ext>
-            </a:extLst>
-          </p:cNvPr>
+          <p:cNvPr id="5" name="Date Placeholder 4"/>
           <p:cNvSpPr>
             <a:spLocks noGrp="1"/>
           </p:cNvSpPr>
@@ -1626,7 +8189,7 @@
           <a:p>
             <a:fld id="{490ECCF8-5CBE-A844-BD63-A953A4DC8596}" type="datetimeFigureOut">
               <a:rPr lang="en-US" smtClean="0"/>
-              <a:t>12/10/21</a:t>
+              <a:t>12/17/21</a:t>
             </a:fld>
             <a:endParaRPr lang="en-US"/>
           </a:p>
@@ -1634,13 +8197,7 @@
       </p:sp>
       <p:sp>
         <p:nvSpPr>
-          <p:cNvPr id="6" name="Footer Placeholder 5">
-            <a:extLst>
-              <a:ext uri="{FF2B5EF4-FFF2-40B4-BE49-F238E27FC236}">
-                <a16:creationId xmlns:a16="http://schemas.microsoft.com/office/drawing/2014/main" id="{0335824E-04E9-CC4D-80ED-8EA5A573A953}"/>
-              </a:ext>
-            </a:extLst>
-          </p:cNvPr>
+          <p:cNvPr id="6" name="Footer Placeholder 5"/>
           <p:cNvSpPr>
             <a:spLocks noGrp="1"/>
           </p:cNvSpPr>
@@ -1659,13 +8216,7 @@
       </p:sp>
       <p:sp>
         <p:nvSpPr>
-          <p:cNvPr id="7" name="Slide Number Placeholder 6">
-            <a:extLst>
-              <a:ext uri="{FF2B5EF4-FFF2-40B4-BE49-F238E27FC236}">
-                <a16:creationId xmlns:a16="http://schemas.microsoft.com/office/drawing/2014/main" id="{A01FFA13-35DF-1847-9FD6-34665C493DCF}"/>
-              </a:ext>
-            </a:extLst>
-          </p:cNvPr>
+          <p:cNvPr id="7" name="Slide Number Placeholder 6"/>
           <p:cNvSpPr>
             <a:spLocks noGrp="1"/>
           </p:cNvSpPr>
@@ -1689,7 +8240,7 @@
     </p:spTree>
     <p:extLst>
       <p:ext uri="{BB962C8B-B14F-4D97-AF65-F5344CB8AC3E}">
-        <p14:creationId xmlns:p14="http://schemas.microsoft.com/office/powerpoint/2010/main" val="2995396857"/>
+        <p14:creationId xmlns:p14="http://schemas.microsoft.com/office/powerpoint/2010/main" val="665569552"/>
       </p:ext>
     </p:extLst>
   </p:cSld>
@@ -1718,13 +8269,7 @@
       </p:grpSpPr>
       <p:sp>
         <p:nvSpPr>
-          <p:cNvPr id="2" name="Title 1">
-            <a:extLst>
-              <a:ext uri="{FF2B5EF4-FFF2-40B4-BE49-F238E27FC236}">
-                <a16:creationId xmlns:a16="http://schemas.microsoft.com/office/drawing/2014/main" id="{5BC02671-7A85-D44E-B2AC-D98DEECEDD76}"/>
-              </a:ext>
-            </a:extLst>
-          </p:cNvPr>
+          <p:cNvPr id="2" name="Title 1"/>
           <p:cNvSpPr>
             <a:spLocks noGrp="1"/>
           </p:cNvSpPr>
@@ -1746,18 +8291,13 @@
               <a:rPr lang="en-US"/>
               <a:t>Click to edit Master title style</a:t>
             </a:r>
+            <a:endParaRPr lang="en-US" dirty="0"/>
           </a:p>
         </p:txBody>
       </p:sp>
       <p:sp>
         <p:nvSpPr>
-          <p:cNvPr id="3" name="Text Placeholder 2">
-            <a:extLst>
-              <a:ext uri="{FF2B5EF4-FFF2-40B4-BE49-F238E27FC236}">
-                <a16:creationId xmlns:a16="http://schemas.microsoft.com/office/drawing/2014/main" id="{363DC4C7-312F-1C47-8042-77D734157CAC}"/>
-              </a:ext>
-            </a:extLst>
-          </p:cNvPr>
+          <p:cNvPr id="3" name="Text Placeholder 2"/>
           <p:cNvSpPr>
             <a:spLocks noGrp="1"/>
           </p:cNvSpPr>
@@ -1822,13 +8362,7 @@
       </p:sp>
       <p:sp>
         <p:nvSpPr>
-          <p:cNvPr id="4" name="Content Placeholder 3">
-            <a:extLst>
-              <a:ext uri="{FF2B5EF4-FFF2-40B4-BE49-F238E27FC236}">
-                <a16:creationId xmlns:a16="http://schemas.microsoft.com/office/drawing/2014/main" id="{7FC6B7BE-552D-574D-9C98-A5EDC7A4BE2F}"/>
-              </a:ext>
-            </a:extLst>
-          </p:cNvPr>
+          <p:cNvPr id="4" name="Content Placeholder 3"/>
           <p:cNvSpPr>
             <a:spLocks noGrp="1"/>
           </p:cNvSpPr>
@@ -1879,18 +8413,13 @@
               <a:rPr lang="en-US"/>
               <a:t>Fifth level</a:t>
             </a:r>
+            <a:endParaRPr lang="en-US" dirty="0"/>
           </a:p>
         </p:txBody>
       </p:sp>
       <p:sp>
         <p:nvSpPr>
-          <p:cNvPr id="5" name="Text Placeholder 4">
-            <a:extLst>
-              <a:ext uri="{FF2B5EF4-FFF2-40B4-BE49-F238E27FC236}">
-                <a16:creationId xmlns:a16="http://schemas.microsoft.com/office/drawing/2014/main" id="{F5744D85-F0BB-744C-9813-CFD86309AE43}"/>
-              </a:ext>
-            </a:extLst>
-          </p:cNvPr>
+          <p:cNvPr id="5" name="Text Placeholder 4"/>
           <p:cNvSpPr>
             <a:spLocks noGrp="1"/>
           </p:cNvSpPr>
@@ -1955,13 +8484,7 @@
       </p:sp>
       <p:sp>
         <p:nvSpPr>
-          <p:cNvPr id="6" name="Content Placeholder 5">
-            <a:extLst>
-              <a:ext uri="{FF2B5EF4-FFF2-40B4-BE49-F238E27FC236}">
-                <a16:creationId xmlns:a16="http://schemas.microsoft.com/office/drawing/2014/main" id="{000838BF-9C6B-7847-A4DD-C0A1C365F60F}"/>
-              </a:ext>
-            </a:extLst>
-          </p:cNvPr>
+          <p:cNvPr id="6" name="Content Placeholder 5"/>
           <p:cNvSpPr>
             <a:spLocks noGrp="1"/>
           </p:cNvSpPr>
@@ -2012,18 +8535,13 @@
               <a:rPr lang="en-US"/>
               <a:t>Fifth level</a:t>
             </a:r>
+            <a:endParaRPr lang="en-US" dirty="0"/>
           </a:p>
         </p:txBody>
       </p:sp>
       <p:sp>
         <p:nvSpPr>
-          <p:cNvPr id="7" name="Date Placeholder 6">
-            <a:extLst>
-              <a:ext uri="{FF2B5EF4-FFF2-40B4-BE49-F238E27FC236}">
-                <a16:creationId xmlns:a16="http://schemas.microsoft.com/office/drawing/2014/main" id="{F58CF51B-A151-D046-ABDC-BFD81F449ADC}"/>
-              </a:ext>
-            </a:extLst>
-          </p:cNvPr>
+          <p:cNvPr id="7" name="Date Placeholder 6"/>
           <p:cNvSpPr>
             <a:spLocks noGrp="1"/>
           </p:cNvSpPr>
@@ -2038,7 +8556,7 @@
           <a:p>
             <a:fld id="{490ECCF8-5CBE-A844-BD63-A953A4DC8596}" type="datetimeFigureOut">
               <a:rPr lang="en-US" smtClean="0"/>
-              <a:t>12/10/21</a:t>
+              <a:t>12/17/21</a:t>
             </a:fld>
             <a:endParaRPr lang="en-US"/>
           </a:p>
@@ -2046,13 +8564,7 @@
       </p:sp>
       <p:sp>
         <p:nvSpPr>
-          <p:cNvPr id="8" name="Footer Placeholder 7">
-            <a:extLst>
-              <a:ext uri="{FF2B5EF4-FFF2-40B4-BE49-F238E27FC236}">
-                <a16:creationId xmlns:a16="http://schemas.microsoft.com/office/drawing/2014/main" id="{D11624CA-E432-A94B-8768-BE1FE9FD3E8D}"/>
-              </a:ext>
-            </a:extLst>
-          </p:cNvPr>
+          <p:cNvPr id="8" name="Footer Placeholder 7"/>
           <p:cNvSpPr>
             <a:spLocks noGrp="1"/>
           </p:cNvSpPr>
@@ -2071,13 +8583,7 @@
       </p:sp>
       <p:sp>
         <p:nvSpPr>
-          <p:cNvPr id="9" name="Slide Number Placeholder 8">
-            <a:extLst>
-              <a:ext uri="{FF2B5EF4-FFF2-40B4-BE49-F238E27FC236}">
-                <a16:creationId xmlns:a16="http://schemas.microsoft.com/office/drawing/2014/main" id="{58C2243A-9071-8B41-A7F1-DBF7B4B63B53}"/>
-              </a:ext>
-            </a:extLst>
-          </p:cNvPr>
+          <p:cNvPr id="9" name="Slide Number Placeholder 8"/>
           <p:cNvSpPr>
             <a:spLocks noGrp="1"/>
           </p:cNvSpPr>
@@ -2101,7 +8607,7 @@
     </p:spTree>
     <p:extLst>
       <p:ext uri="{BB962C8B-B14F-4D97-AF65-F5344CB8AC3E}">
-        <p14:creationId xmlns:p14="http://schemas.microsoft.com/office/powerpoint/2010/main" val="3872498364"/>
+        <p14:creationId xmlns:p14="http://schemas.microsoft.com/office/powerpoint/2010/main" val="3394913600"/>
       </p:ext>
     </p:extLst>
   </p:cSld>
@@ -2130,13 +8636,7 @@
       </p:grpSpPr>
       <p:sp>
         <p:nvSpPr>
-          <p:cNvPr id="2" name="Title 1">
-            <a:extLst>
-              <a:ext uri="{FF2B5EF4-FFF2-40B4-BE49-F238E27FC236}">
-                <a16:creationId xmlns:a16="http://schemas.microsoft.com/office/drawing/2014/main" id="{AFAF1D78-ACC4-ED43-915D-97428344C6FA}"/>
-              </a:ext>
-            </a:extLst>
-          </p:cNvPr>
+          <p:cNvPr id="2" name="Title 1"/>
           <p:cNvSpPr>
             <a:spLocks noGrp="1"/>
           </p:cNvSpPr>
@@ -2153,18 +8653,13 @@
               <a:rPr lang="en-US"/>
               <a:t>Click to edit Master title style</a:t>
             </a:r>
+            <a:endParaRPr lang="en-US" dirty="0"/>
           </a:p>
         </p:txBody>
       </p:sp>
       <p:sp>
         <p:nvSpPr>
-          <p:cNvPr id="3" name="Date Placeholder 2">
-            <a:extLst>
-              <a:ext uri="{FF2B5EF4-FFF2-40B4-BE49-F238E27FC236}">
-                <a16:creationId xmlns:a16="http://schemas.microsoft.com/office/drawing/2014/main" id="{F0A46029-4192-9A46-A064-B4530E34BBC2}"/>
-              </a:ext>
-            </a:extLst>
-          </p:cNvPr>
+          <p:cNvPr id="3" name="Date Placeholder 2"/>
           <p:cNvSpPr>
             <a:spLocks noGrp="1"/>
           </p:cNvSpPr>
@@ -2179,7 +8674,7 @@
           <a:p>
             <a:fld id="{490ECCF8-5CBE-A844-BD63-A953A4DC8596}" type="datetimeFigureOut">
               <a:rPr lang="en-US" smtClean="0"/>
-              <a:t>12/10/21</a:t>
+              <a:t>12/17/21</a:t>
             </a:fld>
             <a:endParaRPr lang="en-US"/>
           </a:p>
@@ -2187,13 +8682,7 @@
       </p:sp>
       <p:sp>
         <p:nvSpPr>
-          <p:cNvPr id="4" name="Footer Placeholder 3">
-            <a:extLst>
-              <a:ext uri="{FF2B5EF4-FFF2-40B4-BE49-F238E27FC236}">
-                <a16:creationId xmlns:a16="http://schemas.microsoft.com/office/drawing/2014/main" id="{C6B198CA-31E7-B146-9C06-FEB94F939F8A}"/>
-              </a:ext>
-            </a:extLst>
-          </p:cNvPr>
+          <p:cNvPr id="4" name="Footer Placeholder 3"/>
           <p:cNvSpPr>
             <a:spLocks noGrp="1"/>
           </p:cNvSpPr>
@@ -2212,13 +8701,7 @@
       </p:sp>
       <p:sp>
         <p:nvSpPr>
-          <p:cNvPr id="5" name="Slide Number Placeholder 4">
-            <a:extLst>
-              <a:ext uri="{FF2B5EF4-FFF2-40B4-BE49-F238E27FC236}">
-                <a16:creationId xmlns:a16="http://schemas.microsoft.com/office/drawing/2014/main" id="{7503485F-4675-AE44-AFA0-B1D9E4E8295E}"/>
-              </a:ext>
-            </a:extLst>
-          </p:cNvPr>
+          <p:cNvPr id="5" name="Slide Number Placeholder 4"/>
           <p:cNvSpPr>
             <a:spLocks noGrp="1"/>
           </p:cNvSpPr>
@@ -2242,7 +8725,7 @@
     </p:spTree>
     <p:extLst>
       <p:ext uri="{BB962C8B-B14F-4D97-AF65-F5344CB8AC3E}">
-        <p14:creationId xmlns:p14="http://schemas.microsoft.com/office/powerpoint/2010/main" val="2880490604"/>
+        <p14:creationId xmlns:p14="http://schemas.microsoft.com/office/powerpoint/2010/main" val="3822681122"/>
       </p:ext>
     </p:extLst>
   </p:cSld>
@@ -2271,13 +8754,7 @@
       </p:grpSpPr>
       <p:sp>
         <p:nvSpPr>
-          <p:cNvPr id="2" name="Date Placeholder 1">
-            <a:extLst>
-              <a:ext uri="{FF2B5EF4-FFF2-40B4-BE49-F238E27FC236}">
-                <a16:creationId xmlns:a16="http://schemas.microsoft.com/office/drawing/2014/main" id="{05734AAC-E704-254F-854E-FC5C3ED9DF18}"/>
-              </a:ext>
-            </a:extLst>
-          </p:cNvPr>
+          <p:cNvPr id="2" name="Date Placeholder 1"/>
           <p:cNvSpPr>
             <a:spLocks noGrp="1"/>
           </p:cNvSpPr>
@@ -2292,7 +8769,7 @@
           <a:p>
             <a:fld id="{490ECCF8-5CBE-A844-BD63-A953A4DC8596}" type="datetimeFigureOut">
               <a:rPr lang="en-US" smtClean="0"/>
-              <a:t>12/10/21</a:t>
+              <a:t>12/17/21</a:t>
             </a:fld>
             <a:endParaRPr lang="en-US"/>
           </a:p>
@@ -2300,13 +8777,7 @@
       </p:sp>
       <p:sp>
         <p:nvSpPr>
-          <p:cNvPr id="3" name="Footer Placeholder 2">
-            <a:extLst>
-              <a:ext uri="{FF2B5EF4-FFF2-40B4-BE49-F238E27FC236}">
-                <a16:creationId xmlns:a16="http://schemas.microsoft.com/office/drawing/2014/main" id="{252E82F6-5CDF-674C-B3C5-531882F2E77E}"/>
-              </a:ext>
-            </a:extLst>
-          </p:cNvPr>
+          <p:cNvPr id="3" name="Footer Placeholder 2"/>
           <p:cNvSpPr>
             <a:spLocks noGrp="1"/>
           </p:cNvSpPr>
@@ -2325,13 +8796,7 @@
       </p:sp>
       <p:sp>
         <p:nvSpPr>
-          <p:cNvPr id="4" name="Slide Number Placeholder 3">
-            <a:extLst>
-              <a:ext uri="{FF2B5EF4-FFF2-40B4-BE49-F238E27FC236}">
-                <a16:creationId xmlns:a16="http://schemas.microsoft.com/office/drawing/2014/main" id="{4A558E93-5300-6D4E-AE24-BF890B6AB28B}"/>
-              </a:ext>
-            </a:extLst>
-          </p:cNvPr>
+          <p:cNvPr id="4" name="Slide Number Placeholder 3"/>
           <p:cNvSpPr>
             <a:spLocks noGrp="1"/>
           </p:cNvSpPr>
@@ -2355,7 +8820,7 @@
     </p:spTree>
     <p:extLst>
       <p:ext uri="{BB962C8B-B14F-4D97-AF65-F5344CB8AC3E}">
-        <p14:creationId xmlns:p14="http://schemas.microsoft.com/office/powerpoint/2010/main" val="4278536945"/>
+        <p14:creationId xmlns:p14="http://schemas.microsoft.com/office/powerpoint/2010/main" val="2810245608"/>
       </p:ext>
     </p:extLst>
   </p:cSld>
@@ -2384,13 +8849,7 @@
       </p:grpSpPr>
       <p:sp>
         <p:nvSpPr>
-          <p:cNvPr id="2" name="Title 1">
-            <a:extLst>
-              <a:ext uri="{FF2B5EF4-FFF2-40B4-BE49-F238E27FC236}">
-                <a16:creationId xmlns:a16="http://schemas.microsoft.com/office/drawing/2014/main" id="{78F8B602-EFAF-3B44-ABED-720193E6F68C}"/>
-              </a:ext>
-            </a:extLst>
-          </p:cNvPr>
+          <p:cNvPr id="2" name="Title 1"/>
           <p:cNvSpPr>
             <a:spLocks noGrp="1"/>
           </p:cNvSpPr>
@@ -2416,18 +8875,13 @@
               <a:rPr lang="en-US"/>
               <a:t>Click to edit Master title style</a:t>
             </a:r>
+            <a:endParaRPr lang="en-US" dirty="0"/>
           </a:p>
         </p:txBody>
       </p:sp>
       <p:sp>
         <p:nvSpPr>
-          <p:cNvPr id="3" name="Content Placeholder 2">
-            <a:extLst>
-              <a:ext uri="{FF2B5EF4-FFF2-40B4-BE49-F238E27FC236}">
-                <a16:creationId xmlns:a16="http://schemas.microsoft.com/office/drawing/2014/main" id="{764BB244-9408-B74D-9534-7863833F33A9}"/>
-              </a:ext>
-            </a:extLst>
-          </p:cNvPr>
+          <p:cNvPr id="3" name="Content Placeholder 2"/>
           <p:cNvSpPr>
             <a:spLocks noGrp="1"/>
           </p:cNvSpPr>
@@ -2506,18 +8960,13 @@
               <a:rPr lang="en-US"/>
               <a:t>Fifth level</a:t>
             </a:r>
+            <a:endParaRPr lang="en-US" dirty="0"/>
           </a:p>
         </p:txBody>
       </p:sp>
       <p:sp>
         <p:nvSpPr>
-          <p:cNvPr id="4" name="Text Placeholder 3">
-            <a:extLst>
-              <a:ext uri="{FF2B5EF4-FFF2-40B4-BE49-F238E27FC236}">
-                <a16:creationId xmlns:a16="http://schemas.microsoft.com/office/drawing/2014/main" id="{B3CB639D-7857-C44D-A1B4-D424ED79BBAE}"/>
-              </a:ext>
-            </a:extLst>
-          </p:cNvPr>
+          <p:cNvPr id="4" name="Text Placeholder 3"/>
           <p:cNvSpPr>
             <a:spLocks noGrp="1"/>
           </p:cNvSpPr>
@@ -2582,13 +9031,7 @@
       </p:sp>
       <p:sp>
         <p:nvSpPr>
-          <p:cNvPr id="5" name="Date Placeholder 4">
-            <a:extLst>
-              <a:ext uri="{FF2B5EF4-FFF2-40B4-BE49-F238E27FC236}">
-                <a16:creationId xmlns:a16="http://schemas.microsoft.com/office/drawing/2014/main" id="{41C78D2D-43B6-E94E-A293-3FD28F163747}"/>
-              </a:ext>
-            </a:extLst>
-          </p:cNvPr>
+          <p:cNvPr id="5" name="Date Placeholder 4"/>
           <p:cNvSpPr>
             <a:spLocks noGrp="1"/>
           </p:cNvSpPr>
@@ -2603,7 +9046,7 @@
           <a:p>
             <a:fld id="{490ECCF8-5CBE-A844-BD63-A953A4DC8596}" type="datetimeFigureOut">
               <a:rPr lang="en-US" smtClean="0"/>
-              <a:t>12/10/21</a:t>
+              <a:t>12/17/21</a:t>
             </a:fld>
             <a:endParaRPr lang="en-US"/>
           </a:p>
@@ -2611,13 +9054,7 @@
       </p:sp>
       <p:sp>
         <p:nvSpPr>
-          <p:cNvPr id="6" name="Footer Placeholder 5">
-            <a:extLst>
-              <a:ext uri="{FF2B5EF4-FFF2-40B4-BE49-F238E27FC236}">
-                <a16:creationId xmlns:a16="http://schemas.microsoft.com/office/drawing/2014/main" id="{6215597B-0CC2-A240-926A-F01EFB9EE7A3}"/>
-              </a:ext>
-            </a:extLst>
-          </p:cNvPr>
+          <p:cNvPr id="6" name="Footer Placeholder 5"/>
           <p:cNvSpPr>
             <a:spLocks noGrp="1"/>
           </p:cNvSpPr>
@@ -2636,13 +9073,7 @@
       </p:sp>
       <p:sp>
         <p:nvSpPr>
-          <p:cNvPr id="7" name="Slide Number Placeholder 6">
-            <a:extLst>
-              <a:ext uri="{FF2B5EF4-FFF2-40B4-BE49-F238E27FC236}">
-                <a16:creationId xmlns:a16="http://schemas.microsoft.com/office/drawing/2014/main" id="{54DB961B-F3D5-5A4A-A885-282D92C35DB6}"/>
-              </a:ext>
-            </a:extLst>
-          </p:cNvPr>
+          <p:cNvPr id="7" name="Slide Number Placeholder 6"/>
           <p:cNvSpPr>
             <a:spLocks noGrp="1"/>
           </p:cNvSpPr>
@@ -2666,7 +9097,7 @@
     </p:spTree>
     <p:extLst>
       <p:ext uri="{BB962C8B-B14F-4D97-AF65-F5344CB8AC3E}">
-        <p14:creationId xmlns:p14="http://schemas.microsoft.com/office/powerpoint/2010/main" val="276409613"/>
+        <p14:creationId xmlns:p14="http://schemas.microsoft.com/office/powerpoint/2010/main" val="4145548554"/>
       </p:ext>
     </p:extLst>
   </p:cSld>
@@ -2695,13 +9126,7 @@
       </p:grpSpPr>
       <p:sp>
         <p:nvSpPr>
-          <p:cNvPr id="2" name="Title 1">
-            <a:extLst>
-              <a:ext uri="{FF2B5EF4-FFF2-40B4-BE49-F238E27FC236}">
-                <a16:creationId xmlns:a16="http://schemas.microsoft.com/office/drawing/2014/main" id="{7F5C5B49-57A4-B046-B0EF-73F40432A4C9}"/>
-              </a:ext>
-            </a:extLst>
-          </p:cNvPr>
+          <p:cNvPr id="2" name="Title 1"/>
           <p:cNvSpPr>
             <a:spLocks noGrp="1"/>
           </p:cNvSpPr>
@@ -2727,20 +9152,15 @@
               <a:rPr lang="en-US"/>
               <a:t>Click to edit Master title style</a:t>
             </a:r>
+            <a:endParaRPr lang="en-US" dirty="0"/>
           </a:p>
         </p:txBody>
       </p:sp>
       <p:sp>
         <p:nvSpPr>
-          <p:cNvPr id="3" name="Picture Placeholder 2">
-            <a:extLst>
-              <a:ext uri="{FF2B5EF4-FFF2-40B4-BE49-F238E27FC236}">
-                <a16:creationId xmlns:a16="http://schemas.microsoft.com/office/drawing/2014/main" id="{83BD6A5B-BB46-E142-A876-1B4CCB51091D}"/>
-              </a:ext>
-            </a:extLst>
-          </p:cNvPr>
+          <p:cNvPr id="3" name="Picture Placeholder 2"/>
           <p:cNvSpPr>
-            <a:spLocks noGrp="1"/>
+            <a:spLocks noGrp="1" noChangeAspect="1"/>
           </p:cNvSpPr>
           <p:nvPr>
             <p:ph type="pic" idx="1"/>
@@ -2753,7 +9173,7 @@
           </a:xfrm>
         </p:spPr>
         <p:txBody>
-          <a:bodyPr/>
+          <a:bodyPr anchor="t"/>
           <a:lstStyle>
             <a:lvl1pPr marL="0" indent="0">
               <a:buNone/>
@@ -2793,19 +9213,17 @@
             </a:lvl9pPr>
           </a:lstStyle>
           <a:p>
-            <a:endParaRPr lang="en-US"/>
+            <a:r>
+              <a:rPr lang="en-US"/>
+              <a:t>Click icon to add picture</a:t>
+            </a:r>
+            <a:endParaRPr lang="en-US" dirty="0"/>
           </a:p>
         </p:txBody>
       </p:sp>
       <p:sp>
         <p:nvSpPr>
-          <p:cNvPr id="4" name="Text Placeholder 3">
-            <a:extLst>
-              <a:ext uri="{FF2B5EF4-FFF2-40B4-BE49-F238E27FC236}">
-                <a16:creationId xmlns:a16="http://schemas.microsoft.com/office/drawing/2014/main" id="{9D30D1D5-BE44-2F48-8D77-474FE01DE401}"/>
-              </a:ext>
-            </a:extLst>
-          </p:cNvPr>
+          <p:cNvPr id="4" name="Text Placeholder 3"/>
           <p:cNvSpPr>
             <a:spLocks noGrp="1"/>
           </p:cNvSpPr>
@@ -2870,13 +9288,7 @@
       </p:sp>
       <p:sp>
         <p:nvSpPr>
-          <p:cNvPr id="5" name="Date Placeholder 4">
-            <a:extLst>
-              <a:ext uri="{FF2B5EF4-FFF2-40B4-BE49-F238E27FC236}">
-                <a16:creationId xmlns:a16="http://schemas.microsoft.com/office/drawing/2014/main" id="{88DAF4C2-BDCA-7242-A451-1C8D9411642B}"/>
-              </a:ext>
-            </a:extLst>
-          </p:cNvPr>
+          <p:cNvPr id="5" name="Date Placeholder 4"/>
           <p:cNvSpPr>
             <a:spLocks noGrp="1"/>
           </p:cNvSpPr>
@@ -2891,7 +9303,7 @@
           <a:p>
             <a:fld id="{490ECCF8-5CBE-A844-BD63-A953A4DC8596}" type="datetimeFigureOut">
               <a:rPr lang="en-US" smtClean="0"/>
-              <a:t>12/10/21</a:t>
+              <a:t>12/17/21</a:t>
             </a:fld>
             <a:endParaRPr lang="en-US"/>
           </a:p>
@@ -2899,13 +9311,7 @@
       </p:sp>
       <p:sp>
         <p:nvSpPr>
-          <p:cNvPr id="6" name="Footer Placeholder 5">
-            <a:extLst>
-              <a:ext uri="{FF2B5EF4-FFF2-40B4-BE49-F238E27FC236}">
-                <a16:creationId xmlns:a16="http://schemas.microsoft.com/office/drawing/2014/main" id="{4948AA2D-FA29-B84E-9742-F2C01E6204CD}"/>
-              </a:ext>
-            </a:extLst>
-          </p:cNvPr>
+          <p:cNvPr id="6" name="Footer Placeholder 5"/>
           <p:cNvSpPr>
             <a:spLocks noGrp="1"/>
           </p:cNvSpPr>
@@ -2924,13 +9330,7 @@
       </p:sp>
       <p:sp>
         <p:nvSpPr>
-          <p:cNvPr id="7" name="Slide Number Placeholder 6">
-            <a:extLst>
-              <a:ext uri="{FF2B5EF4-FFF2-40B4-BE49-F238E27FC236}">
-                <a16:creationId xmlns:a16="http://schemas.microsoft.com/office/drawing/2014/main" id="{9423D8EB-8F36-7C4A-8011-8F61B442CB7D}"/>
-              </a:ext>
-            </a:extLst>
-          </p:cNvPr>
+          <p:cNvPr id="7" name="Slide Number Placeholder 6"/>
           <p:cNvSpPr>
             <a:spLocks noGrp="1"/>
           </p:cNvSpPr>
@@ -2954,7 +9354,7 @@
     </p:spTree>
     <p:extLst>
       <p:ext uri="{BB962C8B-B14F-4D97-AF65-F5344CB8AC3E}">
-        <p14:creationId xmlns:p14="http://schemas.microsoft.com/office/powerpoint/2010/main" val="621250140"/>
+        <p14:creationId xmlns:p14="http://schemas.microsoft.com/office/powerpoint/2010/main" val="3741579102"/>
       </p:ext>
     </p:extLst>
   </p:cSld>
@@ -2968,9 +9368,12 @@
 <p:sldMaster xmlns:a="http://schemas.openxmlformats.org/drawingml/2006/main" xmlns:r="http://schemas.openxmlformats.org/officeDocument/2006/relationships" xmlns:p="http://schemas.openxmlformats.org/presentationml/2006/main">
   <p:cSld>
     <p:bg>
-      <p:bgRef idx="1001">
-        <a:schemeClr val="bg1"/>
-      </p:bgRef>
+      <p:bgPr>
+        <a:solidFill>
+          <a:schemeClr val="bg1"/>
+        </a:solidFill>
+        <a:effectLst/>
+      </p:bgPr>
     </p:bg>
     <p:spTree>
       <p:nvGrpSpPr>
@@ -2988,13 +9391,7 @@
       </p:grpSpPr>
       <p:sp>
         <p:nvSpPr>
-          <p:cNvPr id="2" name="Title Placeholder 1">
-            <a:extLst>
-              <a:ext uri="{FF2B5EF4-FFF2-40B4-BE49-F238E27FC236}">
-                <a16:creationId xmlns:a16="http://schemas.microsoft.com/office/drawing/2014/main" id="{A2A439D2-0936-8649-8BDF-A9973F01E3FE}"/>
-              </a:ext>
-            </a:extLst>
-          </p:cNvPr>
+          <p:cNvPr id="2" name="Title Placeholder 1"/>
           <p:cNvSpPr>
             <a:spLocks noGrp="1"/>
           </p:cNvSpPr>
@@ -3021,18 +9418,13 @@
               <a:rPr lang="en-US"/>
               <a:t>Click to edit Master title style</a:t>
             </a:r>
+            <a:endParaRPr lang="en-US" dirty="0"/>
           </a:p>
         </p:txBody>
       </p:sp>
       <p:sp>
         <p:nvSpPr>
-          <p:cNvPr id="3" name="Text Placeholder 2">
-            <a:extLst>
-              <a:ext uri="{FF2B5EF4-FFF2-40B4-BE49-F238E27FC236}">
-                <a16:creationId xmlns:a16="http://schemas.microsoft.com/office/drawing/2014/main" id="{F6F04F70-D8A3-2041-BBEF-DE76C7504045}"/>
-              </a:ext>
-            </a:extLst>
-          </p:cNvPr>
+          <p:cNvPr id="3" name="Text Placeholder 2"/>
           <p:cNvSpPr>
             <a:spLocks noGrp="1"/>
           </p:cNvSpPr>
@@ -3088,18 +9480,13 @@
               <a:rPr lang="en-US"/>
               <a:t>Fifth level</a:t>
             </a:r>
+            <a:endParaRPr lang="en-US" dirty="0"/>
           </a:p>
         </p:txBody>
       </p:sp>
       <p:sp>
         <p:nvSpPr>
-          <p:cNvPr id="4" name="Date Placeholder 3">
-            <a:extLst>
-              <a:ext uri="{FF2B5EF4-FFF2-40B4-BE49-F238E27FC236}">
-                <a16:creationId xmlns:a16="http://schemas.microsoft.com/office/drawing/2014/main" id="{BA8E3A7F-F0E1-B04B-889A-D6A7BF2501FE}"/>
-              </a:ext>
-            </a:extLst>
-          </p:cNvPr>
+          <p:cNvPr id="4" name="Date Placeholder 3"/>
           <p:cNvSpPr>
             <a:spLocks noGrp="1"/>
           </p:cNvSpPr>
@@ -3132,7 +9519,7 @@
           <a:p>
             <a:fld id="{490ECCF8-5CBE-A844-BD63-A953A4DC8596}" type="datetimeFigureOut">
               <a:rPr lang="en-US" smtClean="0"/>
-              <a:t>12/10/21</a:t>
+              <a:t>12/17/21</a:t>
             </a:fld>
             <a:endParaRPr lang="en-US"/>
           </a:p>
@@ -3140,13 +9527,7 @@
       </p:sp>
       <p:sp>
         <p:nvSpPr>
-          <p:cNvPr id="5" name="Footer Placeholder 4">
-            <a:extLst>
-              <a:ext uri="{FF2B5EF4-FFF2-40B4-BE49-F238E27FC236}">
-                <a16:creationId xmlns:a16="http://schemas.microsoft.com/office/drawing/2014/main" id="{18AA2CD3-18A2-1B4B-97D7-F96F0697F8C4}"/>
-              </a:ext>
-            </a:extLst>
-          </p:cNvPr>
+          <p:cNvPr id="5" name="Footer Placeholder 4"/>
           <p:cNvSpPr>
             <a:spLocks noGrp="1"/>
           </p:cNvSpPr>
@@ -3183,13 +9564,7 @@
       </p:sp>
       <p:sp>
         <p:nvSpPr>
-          <p:cNvPr id="6" name="Slide Number Placeholder 5">
-            <a:extLst>
-              <a:ext uri="{FF2B5EF4-FFF2-40B4-BE49-F238E27FC236}">
-                <a16:creationId xmlns:a16="http://schemas.microsoft.com/office/drawing/2014/main" id="{B0679CE5-0C4C-5A45-AD85-93E4EF9393D5}"/>
-              </a:ext>
-            </a:extLst>
-          </p:cNvPr>
+          <p:cNvPr id="6" name="Slide Number Placeholder 5"/>
           <p:cNvSpPr>
             <a:spLocks noGrp="1"/>
           </p:cNvSpPr>
@@ -3231,23 +9606,23 @@
     </p:spTree>
     <p:extLst>
       <p:ext uri="{BB962C8B-B14F-4D97-AF65-F5344CB8AC3E}">
-        <p14:creationId xmlns:p14="http://schemas.microsoft.com/office/powerpoint/2010/main" val="3860460390"/>
+        <p14:creationId xmlns:p14="http://schemas.microsoft.com/office/powerpoint/2010/main" val="482291140"/>
       </p:ext>
     </p:extLst>
   </p:cSld>
-  <p:clrMap bg1="lt1" tx1="dk1" bg2="lt2" tx2="dk2" accent1="accent1" accent2="accent2" accent3="accent3" accent4="accent4" accent5="accent5" accent6="accent6" hlink="hlink" folHlink="folHlink"/>
+  <p:clrMap bg1="dk1" tx1="lt1" bg2="dk2" tx2="lt2" accent1="accent1" accent2="accent2" accent3="accent3" accent4="accent4" accent5="accent5" accent6="accent6" hlink="hlink" folHlink="folHlink"/>
   <p:sldLayoutIdLst>
-    <p:sldLayoutId id="2147483649" r:id="rId1"/>
-    <p:sldLayoutId id="2147483650" r:id="rId2"/>
-    <p:sldLayoutId id="2147483651" r:id="rId3"/>
-    <p:sldLayoutId id="2147483652" r:id="rId4"/>
-    <p:sldLayoutId id="2147483653" r:id="rId5"/>
-    <p:sldLayoutId id="2147483654" r:id="rId6"/>
-    <p:sldLayoutId id="2147483655" r:id="rId7"/>
-    <p:sldLayoutId id="2147483656" r:id="rId8"/>
-    <p:sldLayoutId id="2147483657" r:id="rId9"/>
-    <p:sldLayoutId id="2147483658" r:id="rId10"/>
-    <p:sldLayoutId id="2147483659" r:id="rId11"/>
+    <p:sldLayoutId id="2147483661" r:id="rId1"/>
+    <p:sldLayoutId id="2147483662" r:id="rId2"/>
+    <p:sldLayoutId id="2147483663" r:id="rId3"/>
+    <p:sldLayoutId id="2147483664" r:id="rId4"/>
+    <p:sldLayoutId id="2147483665" r:id="rId5"/>
+    <p:sldLayoutId id="2147483666" r:id="rId6"/>
+    <p:sldLayoutId id="2147483667" r:id="rId7"/>
+    <p:sldLayoutId id="2147483668" r:id="rId8"/>
+    <p:sldLayoutId id="2147483669" r:id="rId9"/>
+    <p:sldLayoutId id="2147483670" r:id="rId10"/>
+    <p:sldLayoutId id="2147483671" r:id="rId11"/>
   </p:sldLayoutIdLst>
   <p:txStyles>
     <p:titleStyle>
@@ -3549,6 +9924,37 @@
           <a:chExt cx="0" cy="0"/>
         </a:xfrm>
       </p:grpSpPr>
+      <p:pic>
+        <p:nvPicPr>
+          <p:cNvPr id="17" name="Picture 4" descr="Close up photo of vial beside a syringe">
+            <a:extLst>
+              <a:ext uri="{FF2B5EF4-FFF2-40B4-BE49-F238E27FC236}">
+                <a16:creationId xmlns:a16="http://schemas.microsoft.com/office/drawing/2014/main" id="{86955F63-2B44-4B80-BD3A-13A63E00AC00}"/>
+              </a:ext>
+            </a:extLst>
+          </p:cNvPr>
+          <p:cNvPicPr>
+            <a:picLocks noChangeAspect="1"/>
+          </p:cNvPicPr>
+          <p:nvPr/>
+        </p:nvPicPr>
+        <p:blipFill rotWithShape="1">
+          <a:blip r:embed="rId2">
+            <a:alphaModFix amt="50000"/>
+          </a:blip>
+          <a:srcRect t="15730"/>
+          <a:stretch/>
+        </p:blipFill>
+        <p:spPr>
+          <a:xfrm>
+            <a:off x="0" y="0"/>
+            <a:ext cx="12191980" cy="6857999"/>
+          </a:xfrm>
+          <a:prstGeom prst="rect">
+            <a:avLst/>
+          </a:prstGeom>
+        </p:spPr>
+      </p:pic>
       <p:sp>
         <p:nvSpPr>
           <p:cNvPr id="2" name="Title 1">
@@ -3565,17 +9971,43 @@
             <p:ph type="ctrTitle"/>
           </p:nvPr>
         </p:nvSpPr>
-        <p:spPr/>
+        <p:spPr>
+          <a:xfrm>
+            <a:off x="1524000" y="1122362"/>
+            <a:ext cx="9144000" cy="2900518"/>
+          </a:xfrm>
+        </p:spPr>
         <p:txBody>
           <a:bodyPr>
             <a:normAutofit/>
           </a:bodyPr>
           <a:lstStyle/>
           <a:p>
-            <a:pPr algn="l"/>
             <a:r>
-              <a:rPr lang="en-US" dirty="0"/>
-              <a:t>How does the U.S. feel about Pfizer?</a:t>
+              <a:rPr lang="en-US" b="1" dirty="0">
+                <a:solidFill>
+                  <a:srgbClr val="FFFFFF"/>
+                </a:solidFill>
+                <a:latin typeface="Trebuchet MS" panose="020B0703020202090204" pitchFamily="34" charset="0"/>
+              </a:rPr>
+              <a:t>VACCINE DEVELOPERS:</a:t>
+            </a:r>
+            <a:br>
+              <a:rPr lang="en-US" b="1" dirty="0">
+                <a:solidFill>
+                  <a:srgbClr val="FFFFFF"/>
+                </a:solidFill>
+                <a:latin typeface="Trebuchet MS" panose="020B0703020202090204" pitchFamily="34" charset="0"/>
+              </a:rPr>
+            </a:br>
+            <a:r>
+              <a:rPr lang="en-US" sz="4800" i="1" dirty="0">
+                <a:solidFill>
+                  <a:srgbClr val="FFFFFF"/>
+                </a:solidFill>
+                <a:latin typeface="Trebuchet MS" panose="020B0703020202090204" pitchFamily="34" charset="0"/>
+              </a:rPr>
+              <a:t>How do people feel about them?</a:t>
             </a:r>
           </a:p>
         </p:txBody>
@@ -3596,37 +10028,50 @@
             <p:ph type="subTitle" idx="1"/>
           </p:nvPr>
         </p:nvSpPr>
-        <p:spPr/>
+        <p:spPr>
+          <a:xfrm>
+            <a:off x="2674374" y="5186440"/>
+            <a:ext cx="9144000" cy="1098395"/>
+          </a:xfrm>
+        </p:spPr>
         <p:txBody>
           <a:bodyPr>
-            <a:normAutofit lnSpcReduction="10000"/>
+            <a:noAutofit/>
           </a:bodyPr>
           <a:lstStyle/>
           <a:p>
-            <a:pPr algn="l"/>
+            <a:pPr algn="r"/>
             <a:r>
-              <a:rPr lang="en-US" dirty="0"/>
-              <a:t>SPICED Academy</a:t>
+              <a:rPr lang="en-US" sz="2200" dirty="0">
+                <a:solidFill>
+                  <a:srgbClr val="FFFFFF"/>
+                </a:solidFill>
+                <a:latin typeface="Trebuchet MS" panose="020B0703020202090204" pitchFamily="34" charset="0"/>
+              </a:rPr>
+              <a:t>SPICED Final Project</a:t>
             </a:r>
           </a:p>
           <a:p>
-            <a:pPr algn="l"/>
+            <a:pPr algn="r"/>
             <a:r>
-              <a:rPr lang="en-US" i="1" dirty="0"/>
-              <a:t>Final Project</a:t>
-            </a:r>
-          </a:p>
-          <a:p>
-            <a:pPr algn="l"/>
-            <a:r>
-              <a:rPr lang="en-US" dirty="0"/>
+              <a:rPr lang="en-US" sz="2200" dirty="0">
+                <a:solidFill>
+                  <a:srgbClr val="FFFFFF"/>
+                </a:solidFill>
+                <a:latin typeface="Trebuchet MS" panose="020B0703020202090204" pitchFamily="34" charset="0"/>
+              </a:rPr>
               <a:t>Brunno G. Soares</a:t>
             </a:r>
           </a:p>
           <a:p>
-            <a:pPr algn="l"/>
+            <a:pPr algn="r"/>
             <a:r>
-              <a:rPr lang="en-US" dirty="0"/>
+              <a:rPr lang="en-US" sz="2200" dirty="0">
+                <a:solidFill>
+                  <a:srgbClr val="FFFFFF"/>
+                </a:solidFill>
+                <a:latin typeface="Trebuchet MS" panose="020B0703020202090204" pitchFamily="34" charset="0"/>
+              </a:rPr>
               <a:t>17/12/2021</a:t>
             </a:r>
           </a:p>
@@ -3640,7 +10085,7 @@
     </p:extLst>
   </p:cSld>
   <p:clrMapOvr>
-    <a:masterClrMapping/>
+    <a:overrideClrMapping bg1="dk1" tx1="lt1" bg2="dk2" tx2="lt2" accent1="accent1" accent2="accent2" accent3="accent3" accent4="accent4" accent5="accent5" accent6="accent6" hlink="hlink" folHlink="folHlink"/>
   </p:clrMapOvr>
 </p:sld>
 </file>
@@ -3678,76 +10123,58 @@
             <p:ph type="title"/>
           </p:nvPr>
         </p:nvSpPr>
-        <p:spPr/>
+        <p:spPr>
+          <a:xfrm>
+            <a:off x="838200" y="557189"/>
+            <a:ext cx="3374136" cy="5567891"/>
+          </a:xfrm>
+        </p:spPr>
         <p:txBody>
-          <a:bodyPr/>
+          <a:bodyPr>
+            <a:normAutofit/>
+          </a:bodyPr>
           <a:lstStyle/>
           <a:p>
             <a:r>
-              <a:rPr lang="en-US" dirty="0"/>
+              <a:rPr lang="en-US" sz="5200" dirty="0">
+                <a:latin typeface="Trebuchet MS" panose="020B0703020202090204" pitchFamily="34" charset="0"/>
+              </a:rPr>
               <a:t>Agenda</a:t>
             </a:r>
           </a:p>
         </p:txBody>
       </p:sp>
-      <p:sp>
-        <p:nvSpPr>
-          <p:cNvPr id="3" name="Content Placeholder 2">
+      <p:graphicFrame>
+        <p:nvGraphicFramePr>
+          <p:cNvPr id="5" name="Content Placeholder 2">
             <a:extLst>
               <a:ext uri="{FF2B5EF4-FFF2-40B4-BE49-F238E27FC236}">
-                <a16:creationId xmlns:a16="http://schemas.microsoft.com/office/drawing/2014/main" id="{90272A11-975E-8743-BC25-7C7E62096900}"/>
+                <a16:creationId xmlns:a16="http://schemas.microsoft.com/office/drawing/2014/main" id="{6FDA4201-0D6C-4568-A0AD-44C4193C0ED9}"/>
               </a:ext>
             </a:extLst>
           </p:cNvPr>
-          <p:cNvSpPr>
-            <a:spLocks noGrp="1"/>
-          </p:cNvSpPr>
+          <p:cNvGraphicFramePr>
+            <a:graphicFrameLocks noGrp="1"/>
+          </p:cNvGraphicFramePr>
           <p:nvPr>
             <p:ph idx="1"/>
+            <p:extLst>
+              <p:ext uri="{D42A27DB-BD31-4B8C-83A1-F6EECF244321}">
+                <p14:modId xmlns:p14="http://schemas.microsoft.com/office/powerpoint/2010/main" val="2211973970"/>
+              </p:ext>
+            </p:extLst>
           </p:nvPr>
-        </p:nvSpPr>
-        <p:spPr/>
-        <p:txBody>
-          <a:bodyPr/>
-          <a:lstStyle/>
-          <a:p>
-            <a:r>
-              <a:rPr lang="en-US" dirty="0"/>
-              <a:t>What does that mean?</a:t>
-            </a:r>
-          </a:p>
-          <a:p>
-            <a:r>
-              <a:rPr lang="en-US" dirty="0"/>
-              <a:t>My Motivation</a:t>
-            </a:r>
-          </a:p>
-          <a:p>
-            <a:r>
-              <a:rPr lang="en-US" dirty="0"/>
-              <a:t>Approach</a:t>
-            </a:r>
-          </a:p>
-          <a:p>
-            <a:r>
-              <a:rPr lang="en-US" dirty="0"/>
-              <a:t>Challenges &amp; Lessons</a:t>
-            </a:r>
-          </a:p>
-          <a:p>
-            <a:r>
-              <a:rPr lang="en-US" dirty="0"/>
-              <a:t>Results</a:t>
-            </a:r>
-          </a:p>
-          <a:p>
-            <a:endParaRPr lang="en-US" dirty="0"/>
-          </a:p>
-          <a:p>
-            <a:endParaRPr lang="en-US" dirty="0"/>
-          </a:p>
-        </p:txBody>
-      </p:sp>
+        </p:nvGraphicFramePr>
+        <p:xfrm>
+          <a:off x="5093208" y="620392"/>
+          <a:ext cx="6263640" cy="5504688"/>
+        </p:xfrm>
+        <a:graphic>
+          <a:graphicData uri="http://schemas.openxmlformats.org/drawingml/2006/diagram">
+            <dgm:relIds xmlns:dgm="http://schemas.openxmlformats.org/drawingml/2006/diagram" xmlns:r="http://schemas.openxmlformats.org/officeDocument/2006/relationships" r:dm="rId2" r:lo="rId3" r:qs="rId4" r:cs="rId5"/>
+          </a:graphicData>
+        </a:graphic>
+      </p:graphicFrame>
     </p:spTree>
     <p:extLst>
       <p:ext uri="{BB962C8B-B14F-4D97-AF65-F5344CB8AC3E}">
@@ -3796,12 +10223,16 @@
         </p:nvSpPr>
         <p:spPr/>
         <p:txBody>
-          <a:bodyPr/>
+          <a:bodyPr>
+            <a:normAutofit/>
+          </a:bodyPr>
           <a:lstStyle/>
           <a:p>
             <a:r>
-              <a:rPr lang="en-US" dirty="0"/>
-              <a:t>My Motivation</a:t>
+              <a:rPr lang="en-US" sz="5400" dirty="0">
+                <a:latin typeface="Trebuchet MS" panose="020B0703020202090204" pitchFamily="34" charset="0"/>
+              </a:rPr>
+              <a:t>Motivation</a:t>
             </a:r>
           </a:p>
         </p:txBody>
@@ -3824,52 +10255,122 @@
         </p:nvSpPr>
         <p:spPr/>
         <p:txBody>
-          <a:bodyPr/>
+          <a:bodyPr anchor="ctr">
+            <a:normAutofit/>
+          </a:bodyPr>
           <a:lstStyle/>
           <a:p>
+            <a:pPr marL="514350" indent="-514350">
+              <a:spcBef>
+                <a:spcPts val="1800"/>
+              </a:spcBef>
+              <a:spcAft>
+                <a:spcPts val="1200"/>
+              </a:spcAft>
+              <a:buFont typeface="+mj-lt"/>
+              <a:buAutoNum type="arabicPeriod"/>
+            </a:pPr>
             <a:r>
-              <a:rPr lang="en-US" dirty="0"/>
-              <a:t>[“Pfizer”, “</a:t>
+              <a:rPr lang="en-US" sz="2200" dirty="0">
+                <a:latin typeface="Trebuchet MS" panose="020B0703020202090204" pitchFamily="34" charset="0"/>
+              </a:rPr>
+              <a:t>How can I gain Docker and ETL experience?</a:t>
+            </a:r>
+          </a:p>
+          <a:p>
+            <a:pPr marL="514350" indent="-514350">
+              <a:spcBef>
+                <a:spcPts val="1800"/>
+              </a:spcBef>
+              <a:spcAft>
+                <a:spcPts val="1200"/>
+              </a:spcAft>
+              <a:buFont typeface="+mj-lt"/>
+              <a:buAutoNum type="arabicPeriod"/>
+            </a:pPr>
+            <a:r>
+              <a:rPr lang="en-US" sz="2200" dirty="0">
+                <a:latin typeface="Trebuchet MS" panose="020B0703020202090204" pitchFamily="34" charset="0"/>
+              </a:rPr>
+              <a:t>Does vaccination dev lead to reputation gain? </a:t>
+            </a:r>
+          </a:p>
+          <a:p>
+            <a:pPr>
+              <a:spcBef>
+                <a:spcPts val="1800"/>
+              </a:spcBef>
+              <a:spcAft>
+                <a:spcPts val="1200"/>
+              </a:spcAft>
+            </a:pPr>
+            <a:endParaRPr lang="en-US" sz="2200" dirty="0">
+              <a:latin typeface="Trebuchet MS" panose="020B0703020202090204" pitchFamily="34" charset="0"/>
+            </a:endParaRPr>
+          </a:p>
+          <a:p>
+            <a:pPr marL="0" indent="0">
+              <a:spcBef>
+                <a:spcPts val="1800"/>
+              </a:spcBef>
+              <a:spcAft>
+                <a:spcPts val="1200"/>
+              </a:spcAft>
+              <a:buNone/>
+            </a:pPr>
+            <a:r>
+              <a:rPr lang="en-US" sz="2200" dirty="0">
+                <a:latin typeface="Trebuchet MS" panose="020B0703020202090204" pitchFamily="34" charset="0"/>
+              </a:rPr>
+              <a:t>Applications:</a:t>
+            </a:r>
+          </a:p>
+          <a:p>
+            <a:pPr lvl="1">
+              <a:spcBef>
+                <a:spcPts val="1800"/>
+              </a:spcBef>
+              <a:spcAft>
+                <a:spcPts val="1200"/>
+              </a:spcAft>
+              <a:buFont typeface="System Font Regular"/>
+              <a:buChar char="-"/>
+            </a:pPr>
+            <a:r>
+              <a:rPr lang="en-US" sz="2200" dirty="0">
+                <a:latin typeface="Trebuchet MS" panose="020B0703020202090204" pitchFamily="34" charset="0"/>
+              </a:rPr>
+              <a:t>Further motivate </a:t>
             </a:r>
             <a:r>
-              <a:rPr lang="en-US" dirty="0" err="1"/>
-              <a:t>Moderna</a:t>
+              <a:rPr lang="en-US" sz="2200" dirty="0" err="1">
+                <a:latin typeface="Trebuchet MS" panose="020B0703020202090204" pitchFamily="34" charset="0"/>
+              </a:rPr>
+              <a:t>pharmas</a:t>
             </a:r>
             <a:r>
-              <a:rPr lang="en-US" dirty="0"/>
-              <a:t>”, “AstraZeneca”, “</a:t>
+              <a:rPr lang="en-US" sz="2200" dirty="0">
+                <a:latin typeface="Trebuchet MS" panose="020B0703020202090204" pitchFamily="34" charset="0"/>
+              </a:rPr>
+              <a:t> to tackle big health issues</a:t>
             </a:r>
+          </a:p>
+          <a:p>
+            <a:pPr lvl="1">
+              <a:spcBef>
+                <a:spcPts val="1800"/>
+              </a:spcBef>
+              <a:spcAft>
+                <a:spcPts val="1200"/>
+              </a:spcAft>
+              <a:buFont typeface="System Font Regular"/>
+              <a:buChar char="-"/>
+            </a:pPr>
             <a:r>
-              <a:rPr lang="en-US" dirty="0" err="1"/>
-              <a:t>Johson&amp;Johnson</a:t>
-            </a:r>
-            <a:r>
-              <a:rPr lang="en-US" dirty="0"/>
-              <a:t>”]</a:t>
-            </a:r>
-          </a:p>
-          <a:p>
-            <a:r>
-              <a:rPr lang="en-US" dirty="0"/>
-              <a:t>Have they gained positive reputation through the development and supply of COVID19 vaccines?</a:t>
-            </a:r>
-          </a:p>
-          <a:p>
-            <a:r>
-              <a:rPr lang="en-US" dirty="0"/>
-              <a:t>If so, maybe that’s enough and they don’t need to charge high margins.</a:t>
-            </a:r>
-          </a:p>
-          <a:p>
-            <a:r>
-              <a:rPr lang="en-US" dirty="0"/>
-              <a:t>This would make vaccines cheaper, which is a good thing particularly for developing countries.</a:t>
-            </a:r>
-          </a:p>
-          <a:p>
-            <a:r>
-              <a:rPr lang="en-US" dirty="0"/>
-              <a:t>Probably cheaper than surveying (through a company like Civey)</a:t>
+              <a:rPr lang="en-US" sz="2200" dirty="0">
+                <a:latin typeface="Trebuchet MS" panose="020B0703020202090204" pitchFamily="34" charset="0"/>
+              </a:rPr>
+              <a:t>Evaluate marketing campaign impact on social media</a:t>
             </a:r>
           </a:p>
         </p:txBody>
@@ -3906,6 +10407,280 @@
       </p:grpSpPr>
       <p:sp>
         <p:nvSpPr>
+          <p:cNvPr id="7" name="Content Placeholder 2">
+            <a:extLst>
+              <a:ext uri="{FF2B5EF4-FFF2-40B4-BE49-F238E27FC236}">
+                <a16:creationId xmlns:a16="http://schemas.microsoft.com/office/drawing/2014/main" id="{7B84D3BF-2041-D343-B4D4-9E28B116A213}"/>
+              </a:ext>
+            </a:extLst>
+          </p:cNvPr>
+          <p:cNvSpPr txBox="1">
+            <a:spLocks/>
+          </p:cNvSpPr>
+          <p:nvPr/>
+        </p:nvSpPr>
+        <p:spPr>
+          <a:xfrm>
+            <a:off x="838200" y="1825625"/>
+            <a:ext cx="10515600" cy="2301532"/>
+          </a:xfrm>
+          <a:prstGeom prst="rect">
+            <a:avLst/>
+          </a:prstGeom>
+        </p:spPr>
+        <p:txBody>
+          <a:bodyPr vert="horz" lIns="91440" tIns="45720" rIns="91440" bIns="45720" rtlCol="0">
+            <a:normAutofit/>
+          </a:bodyPr>
+          <a:lstStyle>
+            <a:lvl1pPr marL="228600" indent="-228600" algn="l" defTabSz="914400" rtl="0" eaLnBrk="1" latinLnBrk="0" hangingPunct="1">
+              <a:lnSpc>
+                <a:spcPct val="90000"/>
+              </a:lnSpc>
+              <a:spcBef>
+                <a:spcPts val="1000"/>
+              </a:spcBef>
+              <a:buFont typeface="Arial" panose="020B0604020202020204" pitchFamily="34" charset="0"/>
+              <a:buChar char="•"/>
+              <a:defRPr sz="2800" kern="1200">
+                <a:solidFill>
+                  <a:schemeClr val="tx1"/>
+                </a:solidFill>
+                <a:latin typeface="+mn-lt"/>
+                <a:ea typeface="+mn-ea"/>
+                <a:cs typeface="+mn-cs"/>
+              </a:defRPr>
+            </a:lvl1pPr>
+            <a:lvl2pPr marL="685800" indent="-228600" algn="l" defTabSz="914400" rtl="0" eaLnBrk="1" latinLnBrk="0" hangingPunct="1">
+              <a:lnSpc>
+                <a:spcPct val="90000"/>
+              </a:lnSpc>
+              <a:spcBef>
+                <a:spcPts val="500"/>
+              </a:spcBef>
+              <a:buFont typeface="Arial" panose="020B0604020202020204" pitchFamily="34" charset="0"/>
+              <a:buChar char="•"/>
+              <a:defRPr sz="2400" kern="1200">
+                <a:solidFill>
+                  <a:schemeClr val="tx1"/>
+                </a:solidFill>
+                <a:latin typeface="+mn-lt"/>
+                <a:ea typeface="+mn-ea"/>
+                <a:cs typeface="+mn-cs"/>
+              </a:defRPr>
+            </a:lvl2pPr>
+            <a:lvl3pPr marL="1143000" indent="-228600" algn="l" defTabSz="914400" rtl="0" eaLnBrk="1" latinLnBrk="0" hangingPunct="1">
+              <a:lnSpc>
+                <a:spcPct val="90000"/>
+              </a:lnSpc>
+              <a:spcBef>
+                <a:spcPts val="500"/>
+              </a:spcBef>
+              <a:buFont typeface="Arial" panose="020B0604020202020204" pitchFamily="34" charset="0"/>
+              <a:buChar char="•"/>
+              <a:defRPr sz="2000" kern="1200">
+                <a:solidFill>
+                  <a:schemeClr val="tx1"/>
+                </a:solidFill>
+                <a:latin typeface="+mn-lt"/>
+                <a:ea typeface="+mn-ea"/>
+                <a:cs typeface="+mn-cs"/>
+              </a:defRPr>
+            </a:lvl3pPr>
+            <a:lvl4pPr marL="1600200" indent="-228600" algn="l" defTabSz="914400" rtl="0" eaLnBrk="1" latinLnBrk="0" hangingPunct="1">
+              <a:lnSpc>
+                <a:spcPct val="90000"/>
+              </a:lnSpc>
+              <a:spcBef>
+                <a:spcPts val="500"/>
+              </a:spcBef>
+              <a:buFont typeface="Arial" panose="020B0604020202020204" pitchFamily="34" charset="0"/>
+              <a:buChar char="•"/>
+              <a:defRPr sz="1800" kern="1200">
+                <a:solidFill>
+                  <a:schemeClr val="tx1"/>
+                </a:solidFill>
+                <a:latin typeface="+mn-lt"/>
+                <a:ea typeface="+mn-ea"/>
+                <a:cs typeface="+mn-cs"/>
+              </a:defRPr>
+            </a:lvl4pPr>
+            <a:lvl5pPr marL="2057400" indent="-228600" algn="l" defTabSz="914400" rtl="0" eaLnBrk="1" latinLnBrk="0" hangingPunct="1">
+              <a:lnSpc>
+                <a:spcPct val="90000"/>
+              </a:lnSpc>
+              <a:spcBef>
+                <a:spcPts val="500"/>
+              </a:spcBef>
+              <a:buFont typeface="Arial" panose="020B0604020202020204" pitchFamily="34" charset="0"/>
+              <a:buChar char="•"/>
+              <a:defRPr sz="1800" kern="1200">
+                <a:solidFill>
+                  <a:schemeClr val="tx1"/>
+                </a:solidFill>
+                <a:latin typeface="+mn-lt"/>
+                <a:ea typeface="+mn-ea"/>
+                <a:cs typeface="+mn-cs"/>
+              </a:defRPr>
+            </a:lvl5pPr>
+            <a:lvl6pPr marL="2514600" indent="-228600" algn="l" defTabSz="914400" rtl="0" eaLnBrk="1" latinLnBrk="0" hangingPunct="1">
+              <a:lnSpc>
+                <a:spcPct val="90000"/>
+              </a:lnSpc>
+              <a:spcBef>
+                <a:spcPts val="500"/>
+              </a:spcBef>
+              <a:buFont typeface="Arial" panose="020B0604020202020204" pitchFamily="34" charset="0"/>
+              <a:buChar char="•"/>
+              <a:defRPr sz="1800" kern="1200">
+                <a:solidFill>
+                  <a:schemeClr val="tx1"/>
+                </a:solidFill>
+                <a:latin typeface="+mn-lt"/>
+                <a:ea typeface="+mn-ea"/>
+                <a:cs typeface="+mn-cs"/>
+              </a:defRPr>
+            </a:lvl6pPr>
+            <a:lvl7pPr marL="2971800" indent="-228600" algn="l" defTabSz="914400" rtl="0" eaLnBrk="1" latinLnBrk="0" hangingPunct="1">
+              <a:lnSpc>
+                <a:spcPct val="90000"/>
+              </a:lnSpc>
+              <a:spcBef>
+                <a:spcPts val="500"/>
+              </a:spcBef>
+              <a:buFont typeface="Arial" panose="020B0604020202020204" pitchFamily="34" charset="0"/>
+              <a:buChar char="•"/>
+              <a:defRPr sz="1800" kern="1200">
+                <a:solidFill>
+                  <a:schemeClr val="tx1"/>
+                </a:solidFill>
+                <a:latin typeface="+mn-lt"/>
+                <a:ea typeface="+mn-ea"/>
+                <a:cs typeface="+mn-cs"/>
+              </a:defRPr>
+            </a:lvl7pPr>
+            <a:lvl8pPr marL="3429000" indent="-228600" algn="l" defTabSz="914400" rtl="0" eaLnBrk="1" latinLnBrk="0" hangingPunct="1">
+              <a:lnSpc>
+                <a:spcPct val="90000"/>
+              </a:lnSpc>
+              <a:spcBef>
+                <a:spcPts val="500"/>
+              </a:spcBef>
+              <a:buFont typeface="Arial" panose="020B0604020202020204" pitchFamily="34" charset="0"/>
+              <a:buChar char="•"/>
+              <a:defRPr sz="1800" kern="1200">
+                <a:solidFill>
+                  <a:schemeClr val="tx1"/>
+                </a:solidFill>
+                <a:latin typeface="+mn-lt"/>
+                <a:ea typeface="+mn-ea"/>
+                <a:cs typeface="+mn-cs"/>
+              </a:defRPr>
+            </a:lvl8pPr>
+            <a:lvl9pPr marL="3886200" indent="-228600" algn="l" defTabSz="914400" rtl="0" eaLnBrk="1" latinLnBrk="0" hangingPunct="1">
+              <a:lnSpc>
+                <a:spcPct val="90000"/>
+              </a:lnSpc>
+              <a:spcBef>
+                <a:spcPts val="500"/>
+              </a:spcBef>
+              <a:buFont typeface="Arial" panose="020B0604020202020204" pitchFamily="34" charset="0"/>
+              <a:buChar char="•"/>
+              <a:defRPr sz="1800" kern="1200">
+                <a:solidFill>
+                  <a:schemeClr val="tx1"/>
+                </a:solidFill>
+                <a:latin typeface="+mn-lt"/>
+                <a:ea typeface="+mn-ea"/>
+                <a:cs typeface="+mn-cs"/>
+              </a:defRPr>
+            </a:lvl9pPr>
+          </a:lstStyle>
+          <a:p>
+            <a:pPr>
+              <a:spcAft>
+                <a:spcPts val="1200"/>
+              </a:spcAft>
+              <a:buFont typeface="System Font Regular"/>
+              <a:buChar char="-"/>
+            </a:pPr>
+            <a:r>
+              <a:rPr lang="en-US" sz="2200" dirty="0">
+                <a:latin typeface="Trebuchet MS" panose="020B0703020202090204" pitchFamily="34" charset="0"/>
+              </a:rPr>
+              <a:t>Pfizer, </a:t>
+            </a:r>
+            <a:r>
+              <a:rPr lang="en-US" sz="2200" dirty="0" err="1">
+                <a:latin typeface="Trebuchet MS" panose="020B0703020202090204" pitchFamily="34" charset="0"/>
+              </a:rPr>
+              <a:t>Moderna</a:t>
+            </a:r>
+            <a:r>
+              <a:rPr lang="en-US" sz="2200" dirty="0">
+                <a:latin typeface="Trebuchet MS" panose="020B0703020202090204" pitchFamily="34" charset="0"/>
+              </a:rPr>
+              <a:t>, AstraZeneca, and Johnson &amp; Johnson</a:t>
+            </a:r>
+          </a:p>
+          <a:p>
+            <a:pPr>
+              <a:spcAft>
+                <a:spcPts val="1200"/>
+              </a:spcAft>
+              <a:buFont typeface="System Font Regular"/>
+              <a:buChar char="-"/>
+            </a:pPr>
+            <a:r>
+              <a:rPr lang="en-US" sz="2200" dirty="0">
+                <a:latin typeface="Trebuchet MS" panose="020B0703020202090204" pitchFamily="34" charset="0"/>
+              </a:rPr>
+              <a:t>Twitter text data, English only, any location, all tweet forms</a:t>
+            </a:r>
+          </a:p>
+          <a:p>
+            <a:pPr>
+              <a:spcAft>
+                <a:spcPts val="1200"/>
+              </a:spcAft>
+              <a:buFont typeface="System Font Regular"/>
+              <a:buChar char="-"/>
+            </a:pPr>
+            <a:r>
+              <a:rPr lang="en-US" sz="2200" dirty="0" err="1">
+                <a:latin typeface="Trebuchet MS" panose="020B0703020202090204" pitchFamily="34" charset="0"/>
+              </a:rPr>
+              <a:t>VaderSentiment</a:t>
+            </a:r>
+            <a:endParaRPr lang="en-US" sz="2200" dirty="0">
+              <a:latin typeface="Trebuchet MS" panose="020B0703020202090204" pitchFamily="34" charset="0"/>
+            </a:endParaRPr>
+          </a:p>
+          <a:p>
+            <a:pPr>
+              <a:spcAft>
+                <a:spcPts val="1200"/>
+              </a:spcAft>
+              <a:buFont typeface="System Font Regular"/>
+              <a:buChar char="-"/>
+            </a:pPr>
+            <a:r>
+              <a:rPr lang="en-US" sz="2200" dirty="0" err="1">
+                <a:latin typeface="Trebuchet MS" panose="020B0703020202090204" pitchFamily="34" charset="0"/>
+              </a:rPr>
+              <a:t>Dockerized</a:t>
+            </a:r>
+            <a:r>
+              <a:rPr lang="en-US" sz="2200" dirty="0">
+                <a:latin typeface="Trebuchet MS" panose="020B0703020202090204" pitchFamily="34" charset="0"/>
+              </a:rPr>
+              <a:t> live data pipeline</a:t>
+            </a:r>
+          </a:p>
+        </p:txBody>
+      </p:sp>
+      <p:sp>
+        <p:nvSpPr>
           <p:cNvPr id="2" name="Title 1">
             <a:extLst>
               <a:ext uri="{FF2B5EF4-FFF2-40B4-BE49-F238E27FC236}">
@@ -3926,7 +10701,9 @@
           <a:lstStyle/>
           <a:p>
             <a:r>
-              <a:rPr lang="en-US" dirty="0"/>
+              <a:rPr lang="en-US" dirty="0">
+                <a:latin typeface="Trebuchet MS" panose="020B0703020202090204" pitchFamily="34" charset="0"/>
+              </a:rPr>
               <a:t>Approach</a:t>
             </a:r>
           </a:p>
@@ -3956,17 +10733,17 @@
         </p:blipFill>
         <p:spPr>
           <a:xfrm>
-            <a:off x="2286000" y="3023394"/>
-            <a:ext cx="7620000" cy="1955800"/>
+            <a:off x="1246909" y="4372934"/>
+            <a:ext cx="9559636" cy="1955800"/>
           </a:xfrm>
         </p:spPr>
       </p:pic>
       <p:sp>
         <p:nvSpPr>
-          <p:cNvPr id="6" name="Rectangle 5">
+          <p:cNvPr id="3" name="Rectangle 2">
             <a:extLst>
               <a:ext uri="{FF2B5EF4-FFF2-40B4-BE49-F238E27FC236}">
-                <a16:creationId xmlns:a16="http://schemas.microsoft.com/office/drawing/2014/main" id="{07795175-5604-794D-968B-65A98C161635}"/>
+                <a16:creationId xmlns:a16="http://schemas.microsoft.com/office/drawing/2014/main" id="{BD956A9D-4299-7644-B913-7CA639A94B90}"/>
               </a:ext>
             </a:extLst>
           </p:cNvPr>
@@ -3974,13 +10751,19 @@
           <p:nvPr/>
         </p:nvSpPr>
         <p:spPr>
-          <a:xfrm>
-            <a:off x="7210269" y="2122175"/>
-            <a:ext cx="3087974" cy="1325563"/>
+          <a:xfrm flipH="1">
+            <a:off x="3699162" y="4987640"/>
+            <a:ext cx="872837" cy="484910"/>
           </a:xfrm>
           <a:prstGeom prst="rect">
             <a:avLst/>
           </a:prstGeom>
+          <a:solidFill>
+            <a:srgbClr val="FFA129"/>
+          </a:solidFill>
+          <a:ln>
+            <a:noFill/>
+          </a:ln>
         </p:spPr>
         <p:style>
           <a:lnRef idx="2">
@@ -4004,8 +10787,253 @@
           <a:p>
             <a:pPr algn="ctr"/>
             <a:r>
-              <a:rPr lang="en-US" dirty="0"/>
-              <a:t>Instead of Slack Bot I have a Web App</a:t>
+              <a:rPr lang="en-US" dirty="0">
+                <a:solidFill>
+                  <a:schemeClr val="bg1"/>
+                </a:solidFill>
+                <a:latin typeface="Trebuchet MS" panose="020B0703020202090204" pitchFamily="34" charset="0"/>
+              </a:rPr>
+              <a:t>Mongo</a:t>
+            </a:r>
+          </a:p>
+        </p:txBody>
+      </p:sp>
+      <p:sp>
+        <p:nvSpPr>
+          <p:cNvPr id="6" name="Rectangle 5">
+            <a:extLst>
+              <a:ext uri="{FF2B5EF4-FFF2-40B4-BE49-F238E27FC236}">
+                <a16:creationId xmlns:a16="http://schemas.microsoft.com/office/drawing/2014/main" id="{25A54485-683B-5D42-9791-E7EFB3C46DFC}"/>
+              </a:ext>
+            </a:extLst>
+          </p:cNvPr>
+          <p:cNvSpPr/>
+          <p:nvPr/>
+        </p:nvSpPr>
+        <p:spPr>
+          <a:xfrm flipH="1">
+            <a:off x="5590308" y="4957834"/>
+            <a:ext cx="872837" cy="301091"/>
+          </a:xfrm>
+          <a:prstGeom prst="rect">
+            <a:avLst/>
+          </a:prstGeom>
+          <a:solidFill>
+            <a:srgbClr val="FFA129"/>
+          </a:solidFill>
+          <a:ln>
+            <a:noFill/>
+          </a:ln>
+        </p:spPr>
+        <p:style>
+          <a:lnRef idx="2">
+            <a:schemeClr val="accent1">
+              <a:shade val="50000"/>
+            </a:schemeClr>
+          </a:lnRef>
+          <a:fillRef idx="1">
+            <a:schemeClr val="accent1"/>
+          </a:fillRef>
+          <a:effectRef idx="0">
+            <a:schemeClr val="accent1"/>
+          </a:effectRef>
+          <a:fontRef idx="minor">
+            <a:schemeClr val="lt1"/>
+          </a:fontRef>
+        </p:style>
+        <p:txBody>
+          <a:bodyPr rtlCol="0" anchor="ctr"/>
+          <a:lstStyle/>
+          <a:p>
+            <a:pPr algn="ctr"/>
+            <a:r>
+              <a:rPr lang="en-US" dirty="0">
+                <a:solidFill>
+                  <a:schemeClr val="bg1"/>
+                </a:solidFill>
+                <a:latin typeface="Trebuchet MS" panose="020B0703020202090204" pitchFamily="34" charset="0"/>
+              </a:rPr>
+              <a:t>ETL</a:t>
+            </a:r>
+          </a:p>
+        </p:txBody>
+      </p:sp>
+      <p:sp>
+        <p:nvSpPr>
+          <p:cNvPr id="8" name="Rectangle 7">
+            <a:extLst>
+              <a:ext uri="{FF2B5EF4-FFF2-40B4-BE49-F238E27FC236}">
+                <a16:creationId xmlns:a16="http://schemas.microsoft.com/office/drawing/2014/main" id="{024D05BF-96AE-9645-95BF-337548AF7469}"/>
+              </a:ext>
+            </a:extLst>
+          </p:cNvPr>
+          <p:cNvSpPr/>
+          <p:nvPr/>
+        </p:nvSpPr>
+        <p:spPr>
+          <a:xfrm flipH="1">
+            <a:off x="5415476" y="5720989"/>
+            <a:ext cx="1277921" cy="301091"/>
+          </a:xfrm>
+          <a:prstGeom prst="rect">
+            <a:avLst/>
+          </a:prstGeom>
+          <a:solidFill>
+            <a:srgbClr val="FFA129"/>
+          </a:solidFill>
+          <a:ln>
+            <a:noFill/>
+          </a:ln>
+        </p:spPr>
+        <p:style>
+          <a:lnRef idx="2">
+            <a:schemeClr val="accent1">
+              <a:shade val="50000"/>
+            </a:schemeClr>
+          </a:lnRef>
+          <a:fillRef idx="1">
+            <a:schemeClr val="accent1"/>
+          </a:fillRef>
+          <a:effectRef idx="0">
+            <a:schemeClr val="accent1"/>
+          </a:effectRef>
+          <a:fontRef idx="minor">
+            <a:schemeClr val="lt1"/>
+          </a:fontRef>
+        </p:style>
+        <p:txBody>
+          <a:bodyPr rtlCol="0" anchor="ctr"/>
+          <a:lstStyle/>
+          <a:p>
+            <a:pPr algn="ctr"/>
+            <a:r>
+              <a:rPr lang="en-US" dirty="0">
+                <a:solidFill>
+                  <a:schemeClr val="bg1"/>
+                </a:solidFill>
+                <a:latin typeface="Trebuchet MS" panose="020B0703020202090204" pitchFamily="34" charset="0"/>
+              </a:rPr>
+              <a:t>Sentiment</a:t>
+            </a:r>
+          </a:p>
+        </p:txBody>
+      </p:sp>
+      <p:sp>
+        <p:nvSpPr>
+          <p:cNvPr id="9" name="Rectangle 8">
+            <a:extLst>
+              <a:ext uri="{FF2B5EF4-FFF2-40B4-BE49-F238E27FC236}">
+                <a16:creationId xmlns:a16="http://schemas.microsoft.com/office/drawing/2014/main" id="{A3F7ADDF-7080-3F46-A4F0-9CCCAA560BB9}"/>
+              </a:ext>
+            </a:extLst>
+          </p:cNvPr>
+          <p:cNvSpPr/>
+          <p:nvPr/>
+        </p:nvSpPr>
+        <p:spPr>
+          <a:xfrm flipH="1">
+            <a:off x="7417516" y="5029946"/>
+            <a:ext cx="1056133" cy="400752"/>
+          </a:xfrm>
+          <a:prstGeom prst="rect">
+            <a:avLst/>
+          </a:prstGeom>
+          <a:solidFill>
+            <a:srgbClr val="FFA129"/>
+          </a:solidFill>
+          <a:ln>
+            <a:noFill/>
+          </a:ln>
+        </p:spPr>
+        <p:style>
+          <a:lnRef idx="2">
+            <a:schemeClr val="accent1">
+              <a:shade val="50000"/>
+            </a:schemeClr>
+          </a:lnRef>
+          <a:fillRef idx="1">
+            <a:schemeClr val="accent1"/>
+          </a:fillRef>
+          <a:effectRef idx="0">
+            <a:schemeClr val="accent1"/>
+          </a:effectRef>
+          <a:fontRef idx="minor">
+            <a:schemeClr val="lt1"/>
+          </a:fontRef>
+        </p:style>
+        <p:txBody>
+          <a:bodyPr rtlCol="0" anchor="ctr"/>
+          <a:lstStyle/>
+          <a:p>
+            <a:pPr algn="ctr"/>
+            <a:r>
+              <a:rPr lang="en-US" dirty="0">
+                <a:solidFill>
+                  <a:schemeClr val="bg1"/>
+                </a:solidFill>
+                <a:latin typeface="Trebuchet MS" panose="020B0703020202090204" pitchFamily="34" charset="0"/>
+              </a:rPr>
+              <a:t>Postgres</a:t>
+            </a:r>
+          </a:p>
+        </p:txBody>
+      </p:sp>
+      <p:sp>
+        <p:nvSpPr>
+          <p:cNvPr id="11" name="Rectangle 10">
+            <a:extLst>
+              <a:ext uri="{FF2B5EF4-FFF2-40B4-BE49-F238E27FC236}">
+                <a16:creationId xmlns:a16="http://schemas.microsoft.com/office/drawing/2014/main" id="{187C63CA-AB95-C446-AF24-31206C439782}"/>
+              </a:ext>
+            </a:extLst>
+          </p:cNvPr>
+          <p:cNvSpPr/>
+          <p:nvPr/>
+        </p:nvSpPr>
+        <p:spPr>
+          <a:xfrm flipH="1">
+            <a:off x="9233482" y="4957834"/>
+            <a:ext cx="1161746" cy="301091"/>
+          </a:xfrm>
+          <a:prstGeom prst="rect">
+            <a:avLst/>
+          </a:prstGeom>
+          <a:solidFill>
+            <a:srgbClr val="FFA129"/>
+          </a:solidFill>
+          <a:ln>
+            <a:noFill/>
+          </a:ln>
+        </p:spPr>
+        <p:style>
+          <a:lnRef idx="2">
+            <a:schemeClr val="accent1">
+              <a:shade val="50000"/>
+            </a:schemeClr>
+          </a:lnRef>
+          <a:fillRef idx="1">
+            <a:schemeClr val="accent1"/>
+          </a:fillRef>
+          <a:effectRef idx="0">
+            <a:schemeClr val="accent1"/>
+          </a:effectRef>
+          <a:fontRef idx="minor">
+            <a:schemeClr val="lt1"/>
+          </a:fontRef>
+        </p:style>
+        <p:txBody>
+          <a:bodyPr rtlCol="0" anchor="ctr"/>
+          <a:lstStyle/>
+          <a:p>
+            <a:pPr algn="ctr"/>
+            <a:r>
+              <a:rPr lang="en-US" dirty="0">
+                <a:solidFill>
+                  <a:schemeClr val="bg1"/>
+                </a:solidFill>
+                <a:latin typeface="Trebuchet MS" panose="020B0703020202090204" pitchFamily="34" charset="0"/>
+              </a:rPr>
+              <a:t>Web App</a:t>
             </a:r>
           </a:p>
         </p:txBody>
@@ -4045,89 +11073,6 @@
           <p:cNvPr id="2" name="Title 1">
             <a:extLst>
               <a:ext uri="{FF2B5EF4-FFF2-40B4-BE49-F238E27FC236}">
-                <a16:creationId xmlns:a16="http://schemas.microsoft.com/office/drawing/2014/main" id="{2BC24855-97E4-9240-9DA4-28E31866C35B}"/>
-              </a:ext>
-            </a:extLst>
-          </p:cNvPr>
-          <p:cNvSpPr>
-            <a:spLocks noGrp="1"/>
-          </p:cNvSpPr>
-          <p:nvPr>
-            <p:ph type="title"/>
-          </p:nvPr>
-        </p:nvSpPr>
-        <p:spPr/>
-        <p:txBody>
-          <a:bodyPr/>
-          <a:lstStyle/>
-          <a:p>
-            <a:r>
-              <a:rPr lang="en-US" dirty="0"/>
-              <a:t>Challenges &amp; Lessons</a:t>
-            </a:r>
-          </a:p>
-        </p:txBody>
-      </p:sp>
-      <p:sp>
-        <p:nvSpPr>
-          <p:cNvPr id="3" name="Content Placeholder 2">
-            <a:extLst>
-              <a:ext uri="{FF2B5EF4-FFF2-40B4-BE49-F238E27FC236}">
-                <a16:creationId xmlns:a16="http://schemas.microsoft.com/office/drawing/2014/main" id="{DF192D0C-983B-A54F-9316-8FD4E599D517}"/>
-              </a:ext>
-            </a:extLst>
-          </p:cNvPr>
-          <p:cNvSpPr>
-            <a:spLocks noGrp="1"/>
-          </p:cNvSpPr>
-          <p:nvPr>
-            <p:ph idx="1"/>
-          </p:nvPr>
-        </p:nvSpPr>
-        <p:spPr/>
-        <p:txBody>
-          <a:bodyPr/>
-          <a:lstStyle/>
-          <a:p>
-            <a:endParaRPr lang="en-US"/>
-          </a:p>
-        </p:txBody>
-      </p:sp>
-    </p:spTree>
-    <p:extLst>
-      <p:ext uri="{BB962C8B-B14F-4D97-AF65-F5344CB8AC3E}">
-        <p14:creationId xmlns:p14="http://schemas.microsoft.com/office/powerpoint/2010/main" val="2382434182"/>
-      </p:ext>
-    </p:extLst>
-  </p:cSld>
-  <p:clrMapOvr>
-    <a:masterClrMapping/>
-  </p:clrMapOvr>
-</p:sld>
-</file>
-
-<file path=ppt/slides/slide6.xml><?xml version="1.0" encoding="utf-8"?>
-<p:sld xmlns:a="http://schemas.openxmlformats.org/drawingml/2006/main" xmlns:r="http://schemas.openxmlformats.org/officeDocument/2006/relationships" xmlns:p="http://schemas.openxmlformats.org/presentationml/2006/main">
-  <p:cSld>
-    <p:spTree>
-      <p:nvGrpSpPr>
-        <p:cNvPr id="1" name=""/>
-        <p:cNvGrpSpPr/>
-        <p:nvPr/>
-      </p:nvGrpSpPr>
-      <p:grpSpPr>
-        <a:xfrm>
-          <a:off x="0" y="0"/>
-          <a:ext cx="0" cy="0"/>
-          <a:chOff x="0" y="0"/>
-          <a:chExt cx="0" cy="0"/>
-        </a:xfrm>
-      </p:grpSpPr>
-      <p:sp>
-        <p:nvSpPr>
-          <p:cNvPr id="2" name="Title 1">
-            <a:extLst>
-              <a:ext uri="{FF2B5EF4-FFF2-40B4-BE49-F238E27FC236}">
                 <a16:creationId xmlns:a16="http://schemas.microsoft.com/office/drawing/2014/main" id="{40D73041-D84F-D044-A6CF-1BCFCBAE73CF}"/>
               </a:ext>
             </a:extLst>
@@ -4145,40 +11090,48 @@
           <a:lstStyle/>
           <a:p>
             <a:r>
-              <a:rPr lang="en-US" dirty="0"/>
+              <a:rPr lang="en-US" dirty="0">
+                <a:latin typeface="Trebuchet MS" panose="020B0703020202090204" pitchFamily="34" charset="0"/>
+              </a:rPr>
               <a:t>Results</a:t>
             </a:r>
           </a:p>
         </p:txBody>
       </p:sp>
-      <p:sp>
-        <p:nvSpPr>
-          <p:cNvPr id="3" name="Content Placeholder 2">
+      <p:pic>
+        <p:nvPicPr>
+          <p:cNvPr id="7" name="Content Placeholder 6" descr="A screenshot of a computer&#10;&#10;Description automatically generated with medium confidence">
             <a:extLst>
               <a:ext uri="{FF2B5EF4-FFF2-40B4-BE49-F238E27FC236}">
-                <a16:creationId xmlns:a16="http://schemas.microsoft.com/office/drawing/2014/main" id="{1FCC94D9-B736-1340-A88E-3B35060CD7D2}"/>
+                <a16:creationId xmlns:a16="http://schemas.microsoft.com/office/drawing/2014/main" id="{14203471-36CC-4441-8076-D83E2E048663}"/>
               </a:ext>
             </a:extLst>
           </p:cNvPr>
-          <p:cNvSpPr>
-            <a:spLocks noGrp="1"/>
-          </p:cNvSpPr>
+          <p:cNvPicPr>
+            <a:picLocks noGrp="1" noChangeAspect="1"/>
+          </p:cNvPicPr>
           <p:nvPr>
             <p:ph idx="1"/>
           </p:nvPr>
-        </p:nvSpPr>
-        <p:spPr/>
-        <p:txBody>
-          <a:bodyPr/>
-          <a:lstStyle/>
-          <a:p>
-            <a:r>
-              <a:rPr lang="en-US" dirty="0"/>
-              <a:t>How does my sentiment analysis compare to Brand24?</a:t>
-            </a:r>
-          </a:p>
-        </p:txBody>
-      </p:sp>
+        </p:nvPicPr>
+        <p:blipFill>
+          <a:blip r:embed="rId2"/>
+          <a:stretch>
+            <a:fillRect/>
+          </a:stretch>
+        </p:blipFill>
+        <p:spPr>
+          <a:xfrm>
+            <a:off x="1883906" y="1368735"/>
+            <a:ext cx="8424189" cy="5265119"/>
+          </a:xfrm>
+          <a:ln>
+            <a:solidFill>
+              <a:schemeClr val="tx1"/>
+            </a:solidFill>
+          </a:ln>
+        </p:spPr>
+      </p:pic>
     </p:spTree>
     <p:extLst>
       <p:ext uri="{BB962C8B-B14F-4D97-AF65-F5344CB8AC3E}">
@@ -4192,7 +11145,7 @@
 </p:sld>
 </file>
 
-<file path=ppt/slides/slide7.xml><?xml version="1.0" encoding="utf-8"?>
+<file path=ppt/slides/slide6.xml><?xml version="1.0" encoding="utf-8"?>
 <p:sld xmlns:a="http://schemas.openxmlformats.org/drawingml/2006/main" xmlns:r="http://schemas.openxmlformats.org/officeDocument/2006/relationships" xmlns:p="http://schemas.openxmlformats.org/presentationml/2006/main">
   <p:cSld>
     <p:spTree>
@@ -4227,41 +11180,54 @@
         </p:nvSpPr>
         <p:spPr/>
         <p:txBody>
-          <a:bodyPr/>
+          <a:bodyPr>
+            <a:normAutofit/>
+          </a:bodyPr>
           <a:lstStyle/>
           <a:p>
             <a:r>
-              <a:rPr lang="en-US" dirty="0"/>
+              <a:rPr lang="en-US" dirty="0">
+                <a:solidFill>
+                  <a:srgbClr val="FFFFFF"/>
+                </a:solidFill>
+                <a:latin typeface="Trebuchet MS" panose="020B0703020202090204" pitchFamily="34" charset="0"/>
+              </a:rPr>
               <a:t>Potential Next Steps</a:t>
             </a:r>
           </a:p>
         </p:txBody>
       </p:sp>
-      <p:sp>
-        <p:nvSpPr>
-          <p:cNvPr id="3" name="Content Placeholder 2">
+      <p:graphicFrame>
+        <p:nvGraphicFramePr>
+          <p:cNvPr id="38" name="Content Placeholder 2">
             <a:extLst>
               <a:ext uri="{FF2B5EF4-FFF2-40B4-BE49-F238E27FC236}">
-                <a16:creationId xmlns:a16="http://schemas.microsoft.com/office/drawing/2014/main" id="{C6CEA88A-A985-454E-9FBC-7F32618433FD}"/>
+                <a16:creationId xmlns:a16="http://schemas.microsoft.com/office/drawing/2014/main" id="{CFD44527-9646-4733-937C-FDF278E69648}"/>
               </a:ext>
             </a:extLst>
           </p:cNvPr>
-          <p:cNvSpPr>
-            <a:spLocks noGrp="1"/>
-          </p:cNvSpPr>
+          <p:cNvGraphicFramePr>
+            <a:graphicFrameLocks noGrp="1"/>
+          </p:cNvGraphicFramePr>
           <p:nvPr>
             <p:ph idx="1"/>
+            <p:extLst>
+              <p:ext uri="{D42A27DB-BD31-4B8C-83A1-F6EECF244321}">
+                <p14:modId xmlns:p14="http://schemas.microsoft.com/office/powerpoint/2010/main" val="1445017745"/>
+              </p:ext>
+            </p:extLst>
           </p:nvPr>
-        </p:nvSpPr>
-        <p:spPr/>
-        <p:txBody>
-          <a:bodyPr/>
-          <a:lstStyle/>
-          <a:p>
-            <a:endParaRPr lang="en-US" dirty="0"/>
-          </a:p>
-        </p:txBody>
-      </p:sp>
+        </p:nvGraphicFramePr>
+        <p:xfrm>
+          <a:off x="838200" y="1825625"/>
+          <a:ext cx="10515600" cy="4351338"/>
+        </p:xfrm>
+        <a:graphic>
+          <a:graphicData uri="http://schemas.openxmlformats.org/drawingml/2006/diagram">
+            <dgm:relIds xmlns:dgm="http://schemas.openxmlformats.org/drawingml/2006/diagram" xmlns:r="http://schemas.openxmlformats.org/officeDocument/2006/relationships" r:dm="rId2" r:lo="rId3" r:qs="rId4" r:cs="rId5"/>
+          </a:graphicData>
+        </a:graphic>
+      </p:graphicFrame>
     </p:spTree>
     <p:extLst>
       <p:ext uri="{BB962C8B-B14F-4D97-AF65-F5344CB8AC3E}">
@@ -4275,99 +11241,10 @@
 </p:sld>
 </file>
 
-<file path=ppt/slides/slide8.xml><?xml version="1.0" encoding="utf-8"?>
-<p:sld xmlns:a="http://schemas.openxmlformats.org/drawingml/2006/main" xmlns:r="http://schemas.openxmlformats.org/officeDocument/2006/relationships" xmlns:p="http://schemas.openxmlformats.org/presentationml/2006/main">
-  <p:cSld>
-    <p:spTree>
-      <p:nvGrpSpPr>
-        <p:cNvPr id="1" name=""/>
-        <p:cNvGrpSpPr/>
-        <p:nvPr/>
-      </p:nvGrpSpPr>
-      <p:grpSpPr>
-        <a:xfrm>
-          <a:off x="0" y="0"/>
-          <a:ext cx="0" cy="0"/>
-          <a:chOff x="0" y="0"/>
-          <a:chExt cx="0" cy="0"/>
-        </a:xfrm>
-      </p:grpSpPr>
-      <p:sp>
-        <p:nvSpPr>
-          <p:cNvPr id="2" name="Title 1">
-            <a:extLst>
-              <a:ext uri="{FF2B5EF4-FFF2-40B4-BE49-F238E27FC236}">
-                <a16:creationId xmlns:a16="http://schemas.microsoft.com/office/drawing/2014/main" id="{9276096B-CB71-7B49-A3B1-DD691A177BE5}"/>
-              </a:ext>
-            </a:extLst>
-          </p:cNvPr>
-          <p:cNvSpPr>
-            <a:spLocks noGrp="1"/>
-          </p:cNvSpPr>
-          <p:nvPr>
-            <p:ph type="title"/>
-          </p:nvPr>
-        </p:nvSpPr>
-        <p:spPr/>
-        <p:txBody>
-          <a:bodyPr/>
-          <a:lstStyle/>
-          <a:p>
-            <a:r>
-              <a:rPr lang="en-US" dirty="0"/>
-              <a:t>Thank you!</a:t>
-            </a:r>
-          </a:p>
-        </p:txBody>
-      </p:sp>
-      <p:sp>
-        <p:nvSpPr>
-          <p:cNvPr id="3" name="Content Placeholder 2">
-            <a:extLst>
-              <a:ext uri="{FF2B5EF4-FFF2-40B4-BE49-F238E27FC236}">
-                <a16:creationId xmlns:a16="http://schemas.microsoft.com/office/drawing/2014/main" id="{468E22B9-D02A-1E49-9400-B30B97D5EC80}"/>
-              </a:ext>
-            </a:extLst>
-          </p:cNvPr>
-          <p:cNvSpPr>
-            <a:spLocks noGrp="1"/>
-          </p:cNvSpPr>
-          <p:nvPr>
-            <p:ph idx="1"/>
-          </p:nvPr>
-        </p:nvSpPr>
-        <p:spPr/>
-        <p:txBody>
-          <a:bodyPr/>
-          <a:lstStyle/>
-          <a:p>
-            <a:r>
-              <a:rPr lang="en-US" dirty="0"/>
-              <a:t>Sources:</a:t>
-            </a:r>
-          </a:p>
-          <a:p>
-            <a:endParaRPr lang="en-US" dirty="0"/>
-          </a:p>
-        </p:txBody>
-      </p:sp>
-    </p:spTree>
-    <p:extLst>
-      <p:ext uri="{BB962C8B-B14F-4D97-AF65-F5344CB8AC3E}">
-        <p14:creationId xmlns:p14="http://schemas.microsoft.com/office/powerpoint/2010/main" val="2045611730"/>
-      </p:ext>
-    </p:extLst>
-  </p:cSld>
-  <p:clrMapOvr>
-    <a:masterClrMapping/>
-  </p:clrMapOvr>
-</p:sld>
-</file>
-
 <file path=ppt/theme/theme1.xml><?xml version="1.0" encoding="utf-8"?>
 <a:theme xmlns:a="http://schemas.openxmlformats.org/drawingml/2006/main" name="Office Theme">
   <a:themeElements>
-    <a:clrScheme name="Office">
+    <a:clrScheme name="Office Theme">
       <a:dk1>
         <a:sysClr val="windowText" lastClr="000000"/>
       </a:dk1>
@@ -4405,7 +11282,7 @@
         <a:srgbClr val="954F72"/>
       </a:folHlink>
     </a:clrScheme>
-    <a:fontScheme name="Office">
+    <a:fontScheme name="Office Theme">
       <a:majorFont>
         <a:latin typeface="Calibri Light" panose="020F0302020204030204"/>
         <a:ea typeface=""/>
@@ -4440,23 +11317,6 @@
         <a:font script="Viet" typeface="Times New Roman"/>
         <a:font script="Uigh" typeface="Microsoft Uighur"/>
         <a:font script="Geor" typeface="Sylfaen"/>
-        <a:font script="Armn" typeface="Arial"/>
-        <a:font script="Bugi" typeface="Leelawadee UI"/>
-        <a:font script="Bopo" typeface="Microsoft JhengHei"/>
-        <a:font script="Java" typeface="Javanese Text"/>
-        <a:font script="Lisu" typeface="Segoe UI"/>
-        <a:font script="Mymr" typeface="Myanmar Text"/>
-        <a:font script="Nkoo" typeface="Ebrima"/>
-        <a:font script="Olck" typeface="Nirmala UI"/>
-        <a:font script="Osma" typeface="Ebrima"/>
-        <a:font script="Phag" typeface="Phagspa"/>
-        <a:font script="Syrn" typeface="Estrangelo Edessa"/>
-        <a:font script="Syrj" typeface="Estrangelo Edessa"/>
-        <a:font script="Syre" typeface="Estrangelo Edessa"/>
-        <a:font script="Sora" typeface="Nirmala UI"/>
-        <a:font script="Tale" typeface="Microsoft Tai Le"/>
-        <a:font script="Talu" typeface="Microsoft New Tai Lue"/>
-        <a:font script="Tfng" typeface="Ebrima"/>
       </a:majorFont>
       <a:minorFont>
         <a:latin typeface="Calibri" panose="020F0502020204030204"/>
@@ -4492,26 +11352,9 @@
         <a:font script="Viet" typeface="Arial"/>
         <a:font script="Uigh" typeface="Microsoft Uighur"/>
         <a:font script="Geor" typeface="Sylfaen"/>
-        <a:font script="Armn" typeface="Arial"/>
-        <a:font script="Bugi" typeface="Leelawadee UI"/>
-        <a:font script="Bopo" typeface="Microsoft JhengHei"/>
-        <a:font script="Java" typeface="Javanese Text"/>
-        <a:font script="Lisu" typeface="Segoe UI"/>
-        <a:font script="Mymr" typeface="Myanmar Text"/>
-        <a:font script="Nkoo" typeface="Ebrima"/>
-        <a:font script="Olck" typeface="Nirmala UI"/>
-        <a:font script="Osma" typeface="Ebrima"/>
-        <a:font script="Phag" typeface="Phagspa"/>
-        <a:font script="Syrn" typeface="Estrangelo Edessa"/>
-        <a:font script="Syrj" typeface="Estrangelo Edessa"/>
-        <a:font script="Syre" typeface="Estrangelo Edessa"/>
-        <a:font script="Sora" typeface="Nirmala UI"/>
-        <a:font script="Tale" typeface="Microsoft Tai Le"/>
-        <a:font script="Talu" typeface="Microsoft New Tai Lue"/>
-        <a:font script="Tfng" typeface="Ebrima"/>
       </a:minorFont>
     </a:fontScheme>
-    <a:fmtScheme name="Office">
+    <a:fmtScheme name="Office Theme">
       <a:fillStyleLst>
         <a:solidFill>
           <a:schemeClr val="phClr"/>
@@ -4653,7 +11496,7 @@
   <a:extraClrSchemeLst/>
   <a:extLst>
     <a:ext uri="{05A4C25C-085E-4340-85A3-A5531E510DB2}">
-      <thm15:themeFamily xmlns:thm15="http://schemas.microsoft.com/office/thememl/2012/main" name="Office Theme" id="{62F939B6-93AF-4DB8-9C6B-D6C7DFDC589F}" vid="{4A3C46E8-61CC-4603-A589-7422A47A8E4A}"/>
+      <thm15:themeFamily xmlns:thm15="http://schemas.microsoft.com/office/thememl/2012/main" name="Office Theme" id="{62F939B6-93AF-4DB8-9C6B-D6C7DFDC589F}" vid="{4F46216B-77A9-411A-B9D3-5023FCB70208}"/>
     </a:ext>
   </a:extLst>
 </a:theme>
